--- a/Presentation/lesson-07.pptx
+++ b/Presentation/lesson-07.pptx
@@ -5,7 +5,7 @@
     <p:sldMasterId id="2147483648" r:id="rId1"/>
   </p:sldMasterIdLst>
   <p:notesMasterIdLst>
-    <p:notesMasterId r:id="rId27"/>
+    <p:notesMasterId r:id="rId28"/>
   </p:notesMasterIdLst>
   <p:sldIdLst>
     <p:sldId id="257" r:id="rId2"/>
@@ -22,17 +22,18 @@
     <p:sldId id="281" r:id="rId13"/>
     <p:sldId id="282" r:id="rId14"/>
     <p:sldId id="283" r:id="rId15"/>
-    <p:sldId id="261" r:id="rId16"/>
-    <p:sldId id="262" r:id="rId17"/>
-    <p:sldId id="263" r:id="rId18"/>
-    <p:sldId id="264" r:id="rId19"/>
-    <p:sldId id="265" r:id="rId20"/>
-    <p:sldId id="266" r:id="rId21"/>
-    <p:sldId id="267" r:id="rId22"/>
-    <p:sldId id="268" r:id="rId23"/>
-    <p:sldId id="269" r:id="rId24"/>
-    <p:sldId id="270" r:id="rId25"/>
-    <p:sldId id="271" r:id="rId26"/>
+    <p:sldId id="284" r:id="rId16"/>
+    <p:sldId id="261" r:id="rId17"/>
+    <p:sldId id="262" r:id="rId18"/>
+    <p:sldId id="263" r:id="rId19"/>
+    <p:sldId id="264" r:id="rId20"/>
+    <p:sldId id="265" r:id="rId21"/>
+    <p:sldId id="266" r:id="rId22"/>
+    <p:sldId id="267" r:id="rId23"/>
+    <p:sldId id="268" r:id="rId24"/>
+    <p:sldId id="269" r:id="rId25"/>
+    <p:sldId id="270" r:id="rId26"/>
+    <p:sldId id="271" r:id="rId27"/>
   </p:sldIdLst>
   <p:sldSz cx="9144000" cy="6858000" type="screen4x3"/>
   <p:notesSz cx="6858000" cy="9144000"/>
@@ -216,7 +217,7 @@
           <a:p>
             <a:fld id="{B24A7054-7FFB-49F4-A126-5DF6E687FF53}" type="datetimeFigureOut">
               <a:rPr lang="ru-RU" smtClean="0"/>
-              <a:t>23.08.2012</a:t>
+              <a:t>26.08.2012</a:t>
             </a:fld>
             <a:endParaRPr lang="ru-RU"/>
           </a:p>
@@ -1498,7 +1499,7 @@
           <a:p>
             <a:fld id="{8E6E6A2A-E9D3-4A0D-B04A-ABDD367A1E08}" type="datetimeFigureOut">
               <a:rPr lang="ru-RU" smtClean="0"/>
-              <a:t>23.08.2012</a:t>
+              <a:t>26.08.2012</a:t>
             </a:fld>
             <a:endParaRPr lang="ru-RU"/>
           </a:p>
@@ -2943,7 +2944,7 @@
           <a:p>
             <a:fld id="{AC3D3127-B7C4-45E3-9797-C527EC9FDD78}" type="datetimeFigureOut">
               <a:rPr lang="ru-RU" smtClean="0"/>
-              <a:t>23.08.2012</a:t>
+              <a:t>26.08.2012</a:t>
             </a:fld>
             <a:endParaRPr lang="ru-RU"/>
           </a:p>
@@ -3483,7 +3484,7 @@
                   <a:schemeClr val="bg1"/>
                 </a:solidFill>
               </a:rPr>
-              <a:t>. Понятие сборки. Отражение</a:t>
+              <a:t>. Понятие сборки. </a:t>
             </a:r>
             <a:r>
               <a:rPr lang="ru-RU" sz="2400" dirty="0" smtClean="0">
@@ -3491,7 +3492,7 @@
                   <a:schemeClr val="bg1"/>
                 </a:solidFill>
               </a:rPr>
-              <a:t>.</a:t>
+              <a:t>Отражение</a:t>
             </a:r>
             <a:endParaRPr lang="en-US" sz="2400" dirty="0">
               <a:solidFill>
@@ -4210,11 +4211,7 @@
             </a:r>
             <a:r>
               <a:rPr lang="en-US" sz="2800" dirty="0" smtClean="0"/>
-              <a:t>%\</a:t>
-            </a:r>
-            <a:r>
-              <a:rPr lang="en-US" sz="2800" dirty="0" smtClean="0"/>
-              <a:t>Microsoft.NET\Framework\</a:t>
+              <a:t>%\Microsoft.NET\Framework\</a:t>
             </a:r>
             <a:r>
               <a:rPr lang="en-US" sz="2800" dirty="0" err="1" smtClean="0"/>
@@ -4800,8 +4797,35 @@
                 <a:latin typeface="Courier New" pitchFamily="49" charset="0"/>
                 <a:cs typeface="Courier New" pitchFamily="49" charset="0"/>
               </a:rPr>
-              <a:t>("1.0.0.0")]</a:t>
-            </a:r>
+              <a:t>("1.0.0.0</a:t>
+            </a:r>
+            <a:r>
+              <a:rPr lang="en-US" sz="1800" dirty="0" smtClean="0">
+                <a:solidFill>
+                  <a:srgbClr val="FFC000"/>
+                </a:solidFill>
+                <a:latin typeface="Courier New" pitchFamily="49" charset="0"/>
+                <a:cs typeface="Courier New" pitchFamily="49" charset="0"/>
+              </a:rPr>
+              <a:t>")] // </a:t>
+            </a:r>
+            <a:r>
+              <a:rPr lang="ru-RU" sz="1800" dirty="0" smtClean="0">
+                <a:solidFill>
+                  <a:srgbClr val="FFC000"/>
+                </a:solidFill>
+                <a:latin typeface="Courier New" pitchFamily="49" charset="0"/>
+                <a:cs typeface="Courier New" pitchFamily="49" charset="0"/>
+              </a:rPr>
+              <a:t>Версия сборки</a:t>
+            </a:r>
+            <a:endParaRPr lang="en-US" sz="1800" dirty="0">
+              <a:solidFill>
+                <a:srgbClr val="FFC000"/>
+              </a:solidFill>
+              <a:latin typeface="Courier New" pitchFamily="49" charset="0"/>
+              <a:cs typeface="Courier New" pitchFamily="49" charset="0"/>
+            </a:endParaRPr>
           </a:p>
           <a:p>
             <a:pPr marL="0" indent="0">
@@ -4828,6 +4852,17 @@
               </a:rPr>
               <a:t>("1.0.0.0")]</a:t>
             </a:r>
+            <a:r>
+              <a:rPr lang="ru-RU" sz="1800" dirty="0" smtClean="0">
+                <a:latin typeface="Courier New" pitchFamily="49" charset="0"/>
+                <a:cs typeface="Courier New" pitchFamily="49" charset="0"/>
+              </a:rPr>
+              <a:t> // Версия файла</a:t>
+            </a:r>
+            <a:endParaRPr lang="en-US" sz="1800" dirty="0" smtClean="0">
+              <a:latin typeface="Courier New" pitchFamily="49" charset="0"/>
+              <a:cs typeface="Courier New" pitchFamily="49" charset="0"/>
+            </a:endParaRPr>
           </a:p>
           <a:p>
             <a:pPr marL="0" indent="0">
@@ -4948,6 +4983,147 @@
       </p:grpSpPr>
       <p:sp>
         <p:nvSpPr>
+          <p:cNvPr id="2" name="Title 1"/>
+          <p:cNvSpPr>
+            <a:spLocks noGrp="1"/>
+          </p:cNvSpPr>
+          <p:nvPr>
+            <p:ph type="title"/>
+          </p:nvPr>
+        </p:nvSpPr>
+        <p:spPr/>
+        <p:txBody>
+          <a:bodyPr>
+            <a:normAutofit fontScale="90000"/>
+          </a:bodyPr>
+          <a:lstStyle/>
+          <a:p>
+            <a:r>
+              <a:rPr lang="ru-RU" dirty="0" smtClean="0"/>
+              <a:t>Глобальный кеш сборок</a:t>
+            </a:r>
+            <a:r>
+              <a:rPr lang="en-US" dirty="0" smtClean="0"/>
+              <a:t/>
+            </a:r>
+            <a:br>
+              <a:rPr lang="en-US" dirty="0" smtClean="0"/>
+            </a:br>
+            <a:r>
+              <a:rPr lang="en-US" dirty="0" smtClean="0"/>
+              <a:t>Global Assembly Cache (GAC)</a:t>
+            </a:r>
+            <a:endParaRPr lang="ru-RU" dirty="0"/>
+          </a:p>
+        </p:txBody>
+      </p:sp>
+      <p:sp>
+        <p:nvSpPr>
+          <p:cNvPr id="3" name="Content Placeholder 2"/>
+          <p:cNvSpPr>
+            <a:spLocks noGrp="1"/>
+          </p:cNvSpPr>
+          <p:nvPr>
+            <p:ph idx="1"/>
+          </p:nvPr>
+        </p:nvSpPr>
+        <p:spPr/>
+        <p:txBody>
+          <a:bodyPr/>
+          <a:lstStyle/>
+          <a:p>
+            <a:r>
+              <a:rPr lang="ru-RU" dirty="0" smtClean="0"/>
+              <a:t>Расположение</a:t>
+            </a:r>
+            <a:endParaRPr lang="en-US" dirty="0" smtClean="0"/>
+          </a:p>
+          <a:p>
+            <a:pPr lvl="1"/>
+            <a:r>
+              <a:rPr lang="en-US" dirty="0" smtClean="0"/>
+              <a:t>%</a:t>
+            </a:r>
+            <a:r>
+              <a:rPr lang="en-US" dirty="0" err="1" smtClean="0"/>
+              <a:t>windir</a:t>
+            </a:r>
+            <a:r>
+              <a:rPr lang="en-US" dirty="0" smtClean="0"/>
+              <a:t>%\assembly</a:t>
+            </a:r>
+          </a:p>
+          <a:p>
+            <a:pPr lvl="1"/>
+            <a:r>
+              <a:rPr lang="en-US" dirty="0" smtClean="0"/>
+              <a:t>%</a:t>
+            </a:r>
+            <a:r>
+              <a:rPr lang="en-US" dirty="0" err="1" smtClean="0"/>
+              <a:t>windir</a:t>
+            </a:r>
+            <a:r>
+              <a:rPr lang="en-US" dirty="0" smtClean="0"/>
+              <a:t>%\Microsoft.NET\assembly</a:t>
+            </a:r>
+            <a:r>
+              <a:rPr lang="ru-RU" dirty="0" smtClean="0"/>
+              <a:t> (</a:t>
+            </a:r>
+            <a:r>
+              <a:rPr lang="en-US" dirty="0" smtClean="0"/>
+              <a:t>.NET 4+)</a:t>
+            </a:r>
+          </a:p>
+          <a:p>
+            <a:r>
+              <a:rPr lang="ru-RU" dirty="0" smtClean="0"/>
+              <a:t>Добавление сборки в </a:t>
+            </a:r>
+            <a:r>
+              <a:rPr lang="en-US" smtClean="0"/>
+              <a:t>GAC</a:t>
+            </a:r>
+          </a:p>
+          <a:p>
+            <a:pPr lvl="1"/>
+            <a:endParaRPr lang="ru-RU" dirty="0"/>
+          </a:p>
+        </p:txBody>
+      </p:sp>
+    </p:spTree>
+    <p:extLst>
+      <p:ext uri="{BB962C8B-B14F-4D97-AF65-F5344CB8AC3E}">
+        <p14:creationId xmlns:p14="http://schemas.microsoft.com/office/powerpoint/2010/main" val="1521006786"/>
+      </p:ext>
+    </p:extLst>
+  </p:cSld>
+  <p:clrMapOvr>
+    <a:masterClrMapping/>
+  </p:clrMapOvr>
+</p:sld>
+</file>
+
+<file path=ppt/slides/slide16.xml><?xml version="1.0" encoding="utf-8"?>
+<p:sld xmlns:a="http://schemas.openxmlformats.org/drawingml/2006/main" xmlns:r="http://schemas.openxmlformats.org/officeDocument/2006/relationships" xmlns:p="http://schemas.openxmlformats.org/presentationml/2006/main">
+  <p:cSld>
+    <p:spTree>
+      <p:nvGrpSpPr>
+        <p:cNvPr id="1" name=""/>
+        <p:cNvGrpSpPr/>
+        <p:nvPr/>
+      </p:nvGrpSpPr>
+      <p:grpSpPr>
+        <a:xfrm>
+          <a:off x="0" y="0"/>
+          <a:ext cx="0" cy="0"/>
+          <a:chOff x="0" y="0"/>
+          <a:chExt cx="0" cy="0"/>
+        </a:xfrm>
+      </p:grpSpPr>
+      <p:sp>
+        <p:nvSpPr>
           <p:cNvPr id="5122" name="Rectangle 3"/>
           <p:cNvSpPr>
             <a:spLocks noChangeArrowheads="1"/>
@@ -5640,7 +5816,7 @@
 </p:sld>
 </file>
 
-<file path=ppt/slides/slide16.xml><?xml version="1.0" encoding="utf-8"?>
+<file path=ppt/slides/slide17.xml><?xml version="1.0" encoding="utf-8"?>
 <p:sld xmlns:a="http://schemas.openxmlformats.org/drawingml/2006/main" xmlns:r="http://schemas.openxmlformats.org/officeDocument/2006/relationships" xmlns:p="http://schemas.openxmlformats.org/presentationml/2006/main">
   <p:cSld>
     <p:spTree>
@@ -6013,7 +6189,7 @@
 </p:sld>
 </file>
 
-<file path=ppt/slides/slide17.xml><?xml version="1.0" encoding="utf-8"?>
+<file path=ppt/slides/slide18.xml><?xml version="1.0" encoding="utf-8"?>
 <p:sld xmlns:a="http://schemas.openxmlformats.org/drawingml/2006/main" xmlns:r="http://schemas.openxmlformats.org/officeDocument/2006/relationships" xmlns:p="http://schemas.openxmlformats.org/presentationml/2006/main">
   <p:cSld>
     <p:spTree>
@@ -6271,18 +6447,7 @@
                 <a:ea typeface="Calibri" pitchFamily="34" charset="0"/>
                 <a:cs typeface="Courier New" pitchFamily="49" charset="0"/>
               </a:rPr>
-              <a:t>            Type type2 = Type.GetType</a:t>
-            </a:r>
-            <a:r>
-              <a:rPr lang="be-BY" sz="1000" dirty="0">
-                <a:solidFill>
-                  <a:schemeClr val="bg1"/>
-                </a:solidFill>
-                <a:latin typeface="Courier New" pitchFamily="49" charset="0"/>
-                <a:ea typeface="Calibri" pitchFamily="34" charset="0"/>
-                <a:cs typeface="Courier New" pitchFamily="49" charset="0"/>
-              </a:rPr>
-              <a:t>("Complex</a:t>
+              <a:t>            Type type2 = Type.GetType("Complex</a:t>
             </a:r>
             <a:r>
               <a:rPr lang="en-US" sz="1000" dirty="0">
@@ -6304,18 +6469,7 @@
                 <a:ea typeface="Calibri" pitchFamily="34" charset="0"/>
                 <a:cs typeface="Courier New" pitchFamily="49" charset="0"/>
               </a:rPr>
-              <a:t>Complex</a:t>
-            </a:r>
-            <a:r>
-              <a:rPr lang="be-BY" sz="1000" dirty="0">
-                <a:solidFill>
-                  <a:schemeClr val="bg1"/>
-                </a:solidFill>
-                <a:latin typeface="Courier New" pitchFamily="49" charset="0"/>
-                <a:ea typeface="Calibri" pitchFamily="34" charset="0"/>
-                <a:cs typeface="Courier New" pitchFamily="49" charset="0"/>
-              </a:rPr>
-              <a:t>",false,true);</a:t>
+              <a:t>Complex",false,true);</a:t>
             </a:r>
             <a:endParaRPr lang="be-BY" sz="900" dirty="0">
               <a:solidFill>
@@ -6906,7 +7060,7 @@
 </p:sld>
 </file>
 
-<file path=ppt/slides/slide18.xml><?xml version="1.0" encoding="utf-8"?>
+<file path=ppt/slides/slide19.xml><?xml version="1.0" encoding="utf-8"?>
 <p:sld xmlns:a="http://schemas.openxmlformats.org/drawingml/2006/main" xmlns:r="http://schemas.openxmlformats.org/officeDocument/2006/relationships" xmlns:p="http://schemas.openxmlformats.org/presentationml/2006/main">
   <p:cSld>
     <p:spTree>
@@ -7749,660 +7903,6 @@
     <p:extLst>
       <p:ext uri="{BB962C8B-B14F-4D97-AF65-F5344CB8AC3E}">
         <p14:creationId xmlns:p14="http://schemas.microsoft.com/office/powerpoint/2010/main" val="146513021"/>
-      </p:ext>
-    </p:extLst>
-  </p:cSld>
-  <p:clrMapOvr>
-    <a:masterClrMapping/>
-  </p:clrMapOvr>
-  <p:timing>
-    <p:tnLst>
-      <p:par>
-        <p:cTn id="1" dur="indefinite" restart="never" nodeType="tmRoot"/>
-      </p:par>
-    </p:tnLst>
-  </p:timing>
-</p:sld>
-</file>
-
-<file path=ppt/slides/slide19.xml><?xml version="1.0" encoding="utf-8"?>
-<p:sld xmlns:a="http://schemas.openxmlformats.org/drawingml/2006/main" xmlns:r="http://schemas.openxmlformats.org/officeDocument/2006/relationships" xmlns:p="http://schemas.openxmlformats.org/presentationml/2006/main">
-  <p:cSld>
-    <p:spTree>
-      <p:nvGrpSpPr>
-        <p:cNvPr id="1" name=""/>
-        <p:cNvGrpSpPr/>
-        <p:nvPr/>
-      </p:nvGrpSpPr>
-      <p:grpSpPr>
-        <a:xfrm>
-          <a:off x="0" y="0"/>
-          <a:ext cx="0" cy="0"/>
-          <a:chOff x="0" y="0"/>
-          <a:chExt cx="0" cy="0"/>
-        </a:xfrm>
-      </p:grpSpPr>
-      <p:sp>
-        <p:nvSpPr>
-          <p:cNvPr id="9218" name="Rectangle 3"/>
-          <p:cNvSpPr>
-            <a:spLocks noChangeArrowheads="1"/>
-          </p:cNvSpPr>
-          <p:nvPr/>
-        </p:nvSpPr>
-        <p:spPr bwMode="auto">
-          <a:xfrm>
-            <a:off x="152400" y="-4763"/>
-            <a:ext cx="8763000" cy="461963"/>
-          </a:xfrm>
-          <a:prstGeom prst="rect">
-            <a:avLst/>
-          </a:prstGeom>
-          <a:noFill/>
-          <a:ln>
-            <a:noFill/>
-          </a:ln>
-          <a:extLst>
-            <a:ext uri="{909E8E84-426E-40DD-AFC4-6F175D3DCCD1}">
-              <a14:hiddenFill xmlns:a14="http://schemas.microsoft.com/office/drawing/2010/main">
-                <a:solidFill>
-                  <a:srgbClr val="FFFFFF"/>
-                </a:solidFill>
-              </a14:hiddenFill>
-            </a:ext>
-            <a:ext uri="{91240B29-F687-4F45-9708-019B960494DF}">
-              <a14:hiddenLine xmlns:a14="http://schemas.microsoft.com/office/drawing/2010/main" w="9525">
-                <a:solidFill>
-                  <a:srgbClr val="000000"/>
-                </a:solidFill>
-                <a:miter lim="800000"/>
-                <a:headEnd/>
-                <a:tailEnd/>
-              </a14:hiddenLine>
-            </a:ext>
-          </a:extLst>
-        </p:spPr>
-        <p:txBody>
-          <a:bodyPr anchor="ctr">
-            <a:spAutoFit/>
-          </a:bodyPr>
-          <a:lstStyle/>
-          <a:p>
-            <a:pPr algn="ctr"/>
-            <a:r>
-              <a:rPr lang="ru-RU" sz="2400" b="1"/>
-              <a:t>Пространство </a:t>
-            </a:r>
-            <a:r>
-              <a:rPr lang="en-US" sz="2400" b="1"/>
-              <a:t>System.Reflection.</a:t>
-            </a:r>
-          </a:p>
-        </p:txBody>
-      </p:sp>
-      <p:sp>
-        <p:nvSpPr>
-          <p:cNvPr id="9219" name="Rectangle 3"/>
-          <p:cNvSpPr>
-            <a:spLocks noChangeArrowheads="1"/>
-          </p:cNvSpPr>
-          <p:nvPr/>
-        </p:nvSpPr>
-        <p:spPr bwMode="auto">
-          <a:xfrm>
-            <a:off x="152400" y="581025"/>
-            <a:ext cx="8839200" cy="336550"/>
-          </a:xfrm>
-          <a:prstGeom prst="rect">
-            <a:avLst/>
-          </a:prstGeom>
-          <a:noFill/>
-          <a:ln>
-            <a:noFill/>
-          </a:ln>
-          <a:extLst>
-            <a:ext uri="{909E8E84-426E-40DD-AFC4-6F175D3DCCD1}">
-              <a14:hiddenFill xmlns:a14="http://schemas.microsoft.com/office/drawing/2010/main">
-                <a:solidFill>
-                  <a:srgbClr val="FFFFFF"/>
-                </a:solidFill>
-              </a14:hiddenFill>
-            </a:ext>
-            <a:ext uri="{91240B29-F687-4F45-9708-019B960494DF}">
-              <a14:hiddenLine xmlns:a14="http://schemas.microsoft.com/office/drawing/2010/main" w="9525">
-                <a:solidFill>
-                  <a:srgbClr val="000000"/>
-                </a:solidFill>
-                <a:miter lim="800000"/>
-                <a:headEnd/>
-                <a:tailEnd/>
-              </a14:hiddenLine>
-            </a:ext>
-          </a:extLst>
-        </p:spPr>
-        <p:txBody>
-          <a:bodyPr anchor="ctr">
-            <a:spAutoFit/>
-          </a:bodyPr>
-          <a:lstStyle/>
-          <a:p>
-            <a:r>
-              <a:rPr lang="ru-RU" sz="1600"/>
-              <a:t>	Используя класс </a:t>
-            </a:r>
-            <a:r>
-              <a:rPr lang="en-US" sz="1600"/>
-              <a:t>Activator</a:t>
-            </a:r>
-            <a:r>
-              <a:rPr lang="ru-RU" sz="1600"/>
-              <a:t> можно создать объект нудного класса.</a:t>
-            </a:r>
-          </a:p>
-        </p:txBody>
-      </p:sp>
-      <p:sp>
-        <p:nvSpPr>
-          <p:cNvPr id="22538" name="Rectangle 10"/>
-          <p:cNvSpPr>
-            <a:spLocks noChangeArrowheads="1"/>
-          </p:cNvSpPr>
-          <p:nvPr/>
-        </p:nvSpPr>
-        <p:spPr bwMode="auto">
-          <a:xfrm>
-            <a:off x="152400" y="990600"/>
-            <a:ext cx="8839200" cy="3478213"/>
-          </a:xfrm>
-          <a:prstGeom prst="rect">
-            <a:avLst/>
-          </a:prstGeom>
-          <a:noFill/>
-          <a:ln w="9525">
-            <a:solidFill>
-              <a:schemeClr val="bg1">
-                <a:lumMod val="65000"/>
-              </a:schemeClr>
-            </a:solidFill>
-            <a:miter lim="800000"/>
-            <a:headEnd/>
-            <a:tailEnd/>
-          </a:ln>
-          <a:effectLst/>
-        </p:spPr>
-        <p:txBody>
-          <a:bodyPr anchor="ctr">
-            <a:spAutoFit/>
-          </a:bodyPr>
-          <a:lstStyle/>
-          <a:p>
-            <a:pPr eaLnBrk="0" hangingPunct="0"/>
-            <a:r>
-              <a:rPr lang="be-BY" sz="1000" dirty="0">
-                <a:solidFill>
-                  <a:schemeClr val="bg1"/>
-                </a:solidFill>
-                <a:latin typeface="Courier New" pitchFamily="49" charset="0"/>
-                <a:ea typeface="Calibri" pitchFamily="34" charset="0"/>
-                <a:cs typeface="Courier New" pitchFamily="49" charset="0"/>
-              </a:rPr>
-              <a:t>    class Program</a:t>
-            </a:r>
-            <a:endParaRPr lang="be-BY" sz="900" dirty="0">
-              <a:solidFill>
-                <a:schemeClr val="bg1"/>
-              </a:solidFill>
-              <a:ea typeface="Calibri" pitchFamily="34" charset="0"/>
-              <a:cs typeface="Courier New" pitchFamily="49" charset="0"/>
-            </a:endParaRPr>
-          </a:p>
-          <a:p>
-            <a:pPr eaLnBrk="0" hangingPunct="0"/>
-            <a:r>
-              <a:rPr lang="be-BY" sz="1000" dirty="0">
-                <a:solidFill>
-                  <a:schemeClr val="bg1"/>
-                </a:solidFill>
-                <a:latin typeface="Courier New" pitchFamily="49" charset="0"/>
-                <a:ea typeface="Calibri" pitchFamily="34" charset="0"/>
-                <a:cs typeface="Courier New" pitchFamily="49" charset="0"/>
-              </a:rPr>
-              <a:t>    {</a:t>
-            </a:r>
-            <a:endParaRPr lang="be-BY" sz="900" dirty="0">
-              <a:solidFill>
-                <a:schemeClr val="bg1"/>
-              </a:solidFill>
-              <a:ea typeface="Calibri" pitchFamily="34" charset="0"/>
-              <a:cs typeface="Courier New" pitchFamily="49" charset="0"/>
-            </a:endParaRPr>
-          </a:p>
-          <a:p>
-            <a:pPr eaLnBrk="0" hangingPunct="0"/>
-            <a:r>
-              <a:rPr lang="be-BY" sz="1000" dirty="0">
-                <a:solidFill>
-                  <a:schemeClr val="bg1"/>
-                </a:solidFill>
-                <a:latin typeface="Courier New" pitchFamily="49" charset="0"/>
-                <a:ea typeface="Calibri" pitchFamily="34" charset="0"/>
-                <a:cs typeface="Courier New" pitchFamily="49" charset="0"/>
-              </a:rPr>
-              <a:t>        static void Main(string[] args)</a:t>
-            </a:r>
-            <a:endParaRPr lang="be-BY" sz="900" dirty="0">
-              <a:solidFill>
-                <a:schemeClr val="bg1"/>
-              </a:solidFill>
-              <a:ea typeface="Calibri" pitchFamily="34" charset="0"/>
-              <a:cs typeface="Courier New" pitchFamily="49" charset="0"/>
-            </a:endParaRPr>
-          </a:p>
-          <a:p>
-            <a:pPr eaLnBrk="0" hangingPunct="0"/>
-            <a:r>
-              <a:rPr lang="be-BY" sz="1000" dirty="0">
-                <a:solidFill>
-                  <a:schemeClr val="bg1"/>
-                </a:solidFill>
-                <a:latin typeface="Courier New" pitchFamily="49" charset="0"/>
-                <a:ea typeface="Calibri" pitchFamily="34" charset="0"/>
-                <a:cs typeface="Courier New" pitchFamily="49" charset="0"/>
-              </a:rPr>
-              <a:t>        {</a:t>
-            </a:r>
-            <a:endParaRPr lang="be-BY" sz="900" dirty="0">
-              <a:solidFill>
-                <a:schemeClr val="bg1"/>
-              </a:solidFill>
-              <a:ea typeface="Calibri" pitchFamily="34" charset="0"/>
-              <a:cs typeface="Courier New" pitchFamily="49" charset="0"/>
-            </a:endParaRPr>
-          </a:p>
-          <a:p>
-            <a:pPr eaLnBrk="0" hangingPunct="0"/>
-            <a:r>
-              <a:rPr lang="be-BY" sz="1000" dirty="0">
-                <a:solidFill>
-                  <a:schemeClr val="bg1"/>
-                </a:solidFill>
-                <a:latin typeface="Courier New" pitchFamily="49" charset="0"/>
-                <a:ea typeface="Calibri" pitchFamily="34" charset="0"/>
-                <a:cs typeface="Courier New" pitchFamily="49" charset="0"/>
-              </a:rPr>
-              <a:t>            AssemblyName name = new AssemblyName("Complex");</a:t>
-            </a:r>
-            <a:endParaRPr lang="be-BY" sz="900" dirty="0">
-              <a:solidFill>
-                <a:schemeClr val="bg1"/>
-              </a:solidFill>
-              <a:ea typeface="Calibri" pitchFamily="34" charset="0"/>
-              <a:cs typeface="Courier New" pitchFamily="49" charset="0"/>
-            </a:endParaRPr>
-          </a:p>
-          <a:p>
-            <a:pPr eaLnBrk="0" hangingPunct="0"/>
-            <a:r>
-              <a:rPr lang="be-BY" sz="1000" dirty="0">
-                <a:solidFill>
-                  <a:schemeClr val="bg1"/>
-                </a:solidFill>
-                <a:latin typeface="Courier New" pitchFamily="49" charset="0"/>
-                <a:ea typeface="Calibri" pitchFamily="34" charset="0"/>
-                <a:cs typeface="Courier New" pitchFamily="49" charset="0"/>
-              </a:rPr>
-              <a:t>            name.Version = new Version(1, 0, 0, 0);</a:t>
-            </a:r>
-            <a:endParaRPr lang="be-BY" sz="900" dirty="0">
-              <a:solidFill>
-                <a:schemeClr val="bg1"/>
-              </a:solidFill>
-              <a:ea typeface="Calibri" pitchFamily="34" charset="0"/>
-              <a:cs typeface="Courier New" pitchFamily="49" charset="0"/>
-            </a:endParaRPr>
-          </a:p>
-          <a:p>
-            <a:pPr eaLnBrk="0" hangingPunct="0"/>
-            <a:r>
-              <a:rPr lang="be-BY" sz="1000" dirty="0">
-                <a:solidFill>
-                  <a:schemeClr val="bg1"/>
-                </a:solidFill>
-                <a:latin typeface="Courier New" pitchFamily="49" charset="0"/>
-                <a:ea typeface="Calibri" pitchFamily="34" charset="0"/>
-                <a:cs typeface="Courier New" pitchFamily="49" charset="0"/>
-              </a:rPr>
-              <a:t>            Assembly asm;</a:t>
-            </a:r>
-            <a:endParaRPr lang="be-BY" sz="900" dirty="0">
-              <a:solidFill>
-                <a:schemeClr val="bg1"/>
-              </a:solidFill>
-              <a:ea typeface="Calibri" pitchFamily="34" charset="0"/>
-              <a:cs typeface="Courier New" pitchFamily="49" charset="0"/>
-            </a:endParaRPr>
-          </a:p>
-          <a:p>
-            <a:pPr eaLnBrk="0" hangingPunct="0"/>
-            <a:r>
-              <a:rPr lang="be-BY" sz="1000" dirty="0">
-                <a:solidFill>
-                  <a:schemeClr val="bg1"/>
-                </a:solidFill>
-                <a:latin typeface="Courier New" pitchFamily="49" charset="0"/>
-                <a:ea typeface="Calibri" pitchFamily="34" charset="0"/>
-                <a:cs typeface="Courier New" pitchFamily="49" charset="0"/>
-              </a:rPr>
-              <a:t>            try</a:t>
-            </a:r>
-            <a:endParaRPr lang="be-BY" sz="900" dirty="0">
-              <a:solidFill>
-                <a:schemeClr val="bg1"/>
-              </a:solidFill>
-              <a:ea typeface="Calibri" pitchFamily="34" charset="0"/>
-              <a:cs typeface="Courier New" pitchFamily="49" charset="0"/>
-            </a:endParaRPr>
-          </a:p>
-          <a:p>
-            <a:pPr eaLnBrk="0" hangingPunct="0"/>
-            <a:r>
-              <a:rPr lang="be-BY" sz="1000" dirty="0">
-                <a:solidFill>
-                  <a:schemeClr val="bg1"/>
-                </a:solidFill>
-                <a:latin typeface="Courier New" pitchFamily="49" charset="0"/>
-                <a:ea typeface="Calibri" pitchFamily="34" charset="0"/>
-                <a:cs typeface="Courier New" pitchFamily="49" charset="0"/>
-              </a:rPr>
-              <a:t>            {</a:t>
-            </a:r>
-            <a:endParaRPr lang="be-BY" sz="900" dirty="0">
-              <a:solidFill>
-                <a:schemeClr val="bg1"/>
-              </a:solidFill>
-              <a:ea typeface="Calibri" pitchFamily="34" charset="0"/>
-              <a:cs typeface="Courier New" pitchFamily="49" charset="0"/>
-            </a:endParaRPr>
-          </a:p>
-          <a:p>
-            <a:pPr eaLnBrk="0" hangingPunct="0"/>
-            <a:r>
-              <a:rPr lang="be-BY" sz="1000" dirty="0">
-                <a:solidFill>
-                  <a:schemeClr val="bg1"/>
-                </a:solidFill>
-                <a:latin typeface="Courier New" pitchFamily="49" charset="0"/>
-                <a:ea typeface="Calibri" pitchFamily="34" charset="0"/>
-                <a:cs typeface="Courier New" pitchFamily="49" charset="0"/>
-              </a:rPr>
-              <a:t>                asm = Assembly.Load(name);</a:t>
-            </a:r>
-            <a:endParaRPr lang="be-BY" sz="900" dirty="0">
-              <a:solidFill>
-                <a:schemeClr val="bg1"/>
-              </a:solidFill>
-              <a:ea typeface="Calibri" pitchFamily="34" charset="0"/>
-              <a:cs typeface="Courier New" pitchFamily="49" charset="0"/>
-            </a:endParaRPr>
-          </a:p>
-          <a:p>
-            <a:pPr eaLnBrk="0" hangingPunct="0"/>
-            <a:r>
-              <a:rPr lang="be-BY" sz="1000" dirty="0">
-                <a:solidFill>
-                  <a:schemeClr val="bg1"/>
-                </a:solidFill>
-                <a:latin typeface="Courier New" pitchFamily="49" charset="0"/>
-                <a:ea typeface="Calibri" pitchFamily="34" charset="0"/>
-                <a:cs typeface="Courier New" pitchFamily="49" charset="0"/>
-              </a:rPr>
-              <a:t>            }</a:t>
-            </a:r>
-            <a:endParaRPr lang="be-BY" sz="900" dirty="0">
-              <a:solidFill>
-                <a:schemeClr val="bg1"/>
-              </a:solidFill>
-              <a:ea typeface="Calibri" pitchFamily="34" charset="0"/>
-              <a:cs typeface="Courier New" pitchFamily="49" charset="0"/>
-            </a:endParaRPr>
-          </a:p>
-          <a:p>
-            <a:pPr eaLnBrk="0" hangingPunct="0"/>
-            <a:r>
-              <a:rPr lang="be-BY" sz="1000" dirty="0">
-                <a:solidFill>
-                  <a:schemeClr val="bg1"/>
-                </a:solidFill>
-                <a:latin typeface="Courier New" pitchFamily="49" charset="0"/>
-                <a:ea typeface="Calibri" pitchFamily="34" charset="0"/>
-                <a:cs typeface="Courier New" pitchFamily="49" charset="0"/>
-              </a:rPr>
-              <a:t>            catch (FileNotFoundException e)</a:t>
-            </a:r>
-            <a:endParaRPr lang="be-BY" sz="900" dirty="0">
-              <a:solidFill>
-                <a:schemeClr val="bg1"/>
-              </a:solidFill>
-              <a:ea typeface="Calibri" pitchFamily="34" charset="0"/>
-              <a:cs typeface="Courier New" pitchFamily="49" charset="0"/>
-            </a:endParaRPr>
-          </a:p>
-          <a:p>
-            <a:pPr eaLnBrk="0" hangingPunct="0"/>
-            <a:r>
-              <a:rPr lang="be-BY" sz="1000" dirty="0">
-                <a:solidFill>
-                  <a:schemeClr val="bg1"/>
-                </a:solidFill>
-                <a:latin typeface="Courier New" pitchFamily="49" charset="0"/>
-                <a:ea typeface="Calibri" pitchFamily="34" charset="0"/>
-                <a:cs typeface="Courier New" pitchFamily="49" charset="0"/>
-              </a:rPr>
-              <a:t>            {</a:t>
-            </a:r>
-            <a:endParaRPr lang="be-BY" sz="900" dirty="0">
-              <a:solidFill>
-                <a:schemeClr val="bg1"/>
-              </a:solidFill>
-              <a:ea typeface="Calibri" pitchFamily="34" charset="0"/>
-              <a:cs typeface="Courier New" pitchFamily="49" charset="0"/>
-            </a:endParaRPr>
-          </a:p>
-          <a:p>
-            <a:pPr eaLnBrk="0" hangingPunct="0"/>
-            <a:r>
-              <a:rPr lang="be-BY" sz="1000" dirty="0">
-                <a:solidFill>
-                  <a:schemeClr val="bg1"/>
-                </a:solidFill>
-                <a:latin typeface="Courier New" pitchFamily="49" charset="0"/>
-                <a:ea typeface="Calibri" pitchFamily="34" charset="0"/>
-                <a:cs typeface="Courier New" pitchFamily="49" charset="0"/>
-              </a:rPr>
-              <a:t>                Console.WriteLine(e.Message);</a:t>
-            </a:r>
-            <a:endParaRPr lang="be-BY" sz="900" dirty="0">
-              <a:solidFill>
-                <a:schemeClr val="bg1"/>
-              </a:solidFill>
-              <a:ea typeface="Calibri" pitchFamily="34" charset="0"/>
-              <a:cs typeface="Courier New" pitchFamily="49" charset="0"/>
-            </a:endParaRPr>
-          </a:p>
-          <a:p>
-            <a:pPr eaLnBrk="0" hangingPunct="0"/>
-            <a:r>
-              <a:rPr lang="be-BY" sz="1000" dirty="0">
-                <a:solidFill>
-                  <a:schemeClr val="bg1"/>
-                </a:solidFill>
-                <a:latin typeface="Courier New" pitchFamily="49" charset="0"/>
-                <a:ea typeface="Calibri" pitchFamily="34" charset="0"/>
-                <a:cs typeface="Courier New" pitchFamily="49" charset="0"/>
-              </a:rPr>
-              <a:t>                return;</a:t>
-            </a:r>
-            <a:endParaRPr lang="be-BY" sz="900" dirty="0">
-              <a:solidFill>
-                <a:schemeClr val="bg1"/>
-              </a:solidFill>
-              <a:ea typeface="Calibri" pitchFamily="34" charset="0"/>
-              <a:cs typeface="Courier New" pitchFamily="49" charset="0"/>
-            </a:endParaRPr>
-          </a:p>
-          <a:p>
-            <a:pPr eaLnBrk="0" hangingPunct="0"/>
-            <a:r>
-              <a:rPr lang="be-BY" sz="1000" dirty="0">
-                <a:solidFill>
-                  <a:schemeClr val="bg1"/>
-                </a:solidFill>
-                <a:latin typeface="Courier New" pitchFamily="49" charset="0"/>
-                <a:ea typeface="Calibri" pitchFamily="34" charset="0"/>
-                <a:cs typeface="Courier New" pitchFamily="49" charset="0"/>
-              </a:rPr>
-              <a:t>            }</a:t>
-            </a:r>
-            <a:endParaRPr lang="be-BY" sz="900" dirty="0">
-              <a:solidFill>
-                <a:schemeClr val="bg1"/>
-              </a:solidFill>
-              <a:ea typeface="Calibri" pitchFamily="34" charset="0"/>
-              <a:cs typeface="Courier New" pitchFamily="49" charset="0"/>
-            </a:endParaRPr>
-          </a:p>
-          <a:p>
-            <a:pPr eaLnBrk="0" hangingPunct="0"/>
-            <a:r>
-              <a:rPr lang="be-BY" sz="1000" dirty="0">
-                <a:solidFill>
-                  <a:schemeClr val="bg1"/>
-                </a:solidFill>
-                <a:latin typeface="Courier New" pitchFamily="49" charset="0"/>
-                <a:ea typeface="Calibri" pitchFamily="34" charset="0"/>
-                <a:cs typeface="Courier New" pitchFamily="49" charset="0"/>
-              </a:rPr>
-              <a:t>            Type complex = asm.GetType("ComplexNumbers.Complex");</a:t>
-            </a:r>
-            <a:endParaRPr lang="be-BY" sz="900" dirty="0">
-              <a:solidFill>
-                <a:schemeClr val="bg1"/>
-              </a:solidFill>
-              <a:ea typeface="Calibri" pitchFamily="34" charset="0"/>
-              <a:cs typeface="Courier New" pitchFamily="49" charset="0"/>
-            </a:endParaRPr>
-          </a:p>
-          <a:p>
-            <a:pPr eaLnBrk="0" hangingPunct="0"/>
-            <a:r>
-              <a:rPr lang="be-BY" sz="1000" dirty="0">
-                <a:solidFill>
-                  <a:schemeClr val="bg1"/>
-                </a:solidFill>
-                <a:latin typeface="Courier New" pitchFamily="49" charset="0"/>
-                <a:ea typeface="Calibri" pitchFamily="34" charset="0"/>
-                <a:cs typeface="Courier New" pitchFamily="49" charset="0"/>
-              </a:rPr>
-              <a:t>            object obj = Activator.CreateInstance(complex, 10, 35);</a:t>
-            </a:r>
-            <a:endParaRPr lang="be-BY" sz="900" dirty="0">
-              <a:solidFill>
-                <a:schemeClr val="bg1"/>
-              </a:solidFill>
-              <a:ea typeface="Calibri" pitchFamily="34" charset="0"/>
-              <a:cs typeface="Courier New" pitchFamily="49" charset="0"/>
-            </a:endParaRPr>
-          </a:p>
-          <a:p>
-            <a:pPr eaLnBrk="0" hangingPunct="0"/>
-            <a:r>
-              <a:rPr lang="be-BY" sz="1000" dirty="0">
-                <a:solidFill>
-                  <a:schemeClr val="bg1"/>
-                </a:solidFill>
-                <a:latin typeface="Courier New" pitchFamily="49" charset="0"/>
-                <a:ea typeface="Calibri" pitchFamily="34" charset="0"/>
-                <a:cs typeface="Courier New" pitchFamily="49" charset="0"/>
-              </a:rPr>
-              <a:t>            MethodInfo mi = complex.GetMethod("Abs");   //Получаем информацию о методе Abs </a:t>
-            </a:r>
-            <a:endParaRPr lang="be-BY" sz="900" dirty="0">
-              <a:solidFill>
-                <a:schemeClr val="bg1"/>
-              </a:solidFill>
-              <a:ea typeface="Calibri" pitchFamily="34" charset="0"/>
-              <a:cs typeface="Courier New" pitchFamily="49" charset="0"/>
-            </a:endParaRPr>
-          </a:p>
-          <a:p>
-            <a:pPr eaLnBrk="0" hangingPunct="0"/>
-            <a:r>
-              <a:rPr lang="be-BY" sz="1000" dirty="0">
-                <a:solidFill>
-                  <a:schemeClr val="bg1"/>
-                </a:solidFill>
-                <a:latin typeface="Courier New" pitchFamily="49" charset="0"/>
-                <a:ea typeface="Calibri" pitchFamily="34" charset="0"/>
-                <a:cs typeface="Courier New" pitchFamily="49" charset="0"/>
-              </a:rPr>
-              <a:t>            Console.WriteLine(mi.Invoke(obj, null));    //Вызываем метод</a:t>
-            </a:r>
-            <a:endParaRPr lang="be-BY" sz="900" dirty="0">
-              <a:solidFill>
-                <a:schemeClr val="bg1"/>
-              </a:solidFill>
-              <a:ea typeface="Calibri" pitchFamily="34" charset="0"/>
-              <a:cs typeface="Courier New" pitchFamily="49" charset="0"/>
-            </a:endParaRPr>
-          </a:p>
-          <a:p>
-            <a:pPr eaLnBrk="0" hangingPunct="0"/>
-            <a:r>
-              <a:rPr lang="be-BY" sz="1000" dirty="0">
-                <a:solidFill>
-                  <a:schemeClr val="bg1"/>
-                </a:solidFill>
-                <a:latin typeface="Courier New" pitchFamily="49" charset="0"/>
-                <a:ea typeface="Calibri" pitchFamily="34" charset="0"/>
-                <a:cs typeface="Courier New" pitchFamily="49" charset="0"/>
-              </a:rPr>
-              <a:t>        }</a:t>
-            </a:r>
-            <a:endParaRPr lang="be-BY" sz="900" dirty="0">
-              <a:solidFill>
-                <a:schemeClr val="bg1"/>
-              </a:solidFill>
-              <a:ea typeface="Calibri" pitchFamily="34" charset="0"/>
-              <a:cs typeface="Courier New" pitchFamily="49" charset="0"/>
-            </a:endParaRPr>
-          </a:p>
-          <a:p>
-            <a:pPr eaLnBrk="0" hangingPunct="0"/>
-            <a:r>
-              <a:rPr lang="be-BY" sz="1000" dirty="0">
-                <a:solidFill>
-                  <a:schemeClr val="bg1"/>
-                </a:solidFill>
-                <a:latin typeface="Courier New" pitchFamily="49" charset="0"/>
-                <a:ea typeface="Calibri" pitchFamily="34" charset="0"/>
-                <a:cs typeface="Courier New" pitchFamily="49" charset="0"/>
-              </a:rPr>
-              <a:t>    }</a:t>
-            </a:r>
-            <a:endParaRPr lang="be-BY" dirty="0">
-              <a:solidFill>
-                <a:schemeClr val="bg1"/>
-              </a:solidFill>
-              <a:ea typeface="Calibri" pitchFamily="34" charset="0"/>
-              <a:cs typeface="Courier New" pitchFamily="49" charset="0"/>
-            </a:endParaRPr>
-          </a:p>
-        </p:txBody>
-      </p:sp>
-    </p:spTree>
-    <p:extLst>
-      <p:ext uri="{BB962C8B-B14F-4D97-AF65-F5344CB8AC3E}">
-        <p14:creationId xmlns:p14="http://schemas.microsoft.com/office/powerpoint/2010/main" val="2652139991"/>
       </p:ext>
     </p:extLst>
   </p:cSld>
@@ -8513,6 +8013,660 @@
       </p:grpSpPr>
       <p:sp>
         <p:nvSpPr>
+          <p:cNvPr id="9218" name="Rectangle 3"/>
+          <p:cNvSpPr>
+            <a:spLocks noChangeArrowheads="1"/>
+          </p:cNvSpPr>
+          <p:nvPr/>
+        </p:nvSpPr>
+        <p:spPr bwMode="auto">
+          <a:xfrm>
+            <a:off x="152400" y="-4763"/>
+            <a:ext cx="8763000" cy="461963"/>
+          </a:xfrm>
+          <a:prstGeom prst="rect">
+            <a:avLst/>
+          </a:prstGeom>
+          <a:noFill/>
+          <a:ln>
+            <a:noFill/>
+          </a:ln>
+          <a:extLst>
+            <a:ext uri="{909E8E84-426E-40DD-AFC4-6F175D3DCCD1}">
+              <a14:hiddenFill xmlns:a14="http://schemas.microsoft.com/office/drawing/2010/main">
+                <a:solidFill>
+                  <a:srgbClr val="FFFFFF"/>
+                </a:solidFill>
+              </a14:hiddenFill>
+            </a:ext>
+            <a:ext uri="{91240B29-F687-4F45-9708-019B960494DF}">
+              <a14:hiddenLine xmlns:a14="http://schemas.microsoft.com/office/drawing/2010/main" w="9525">
+                <a:solidFill>
+                  <a:srgbClr val="000000"/>
+                </a:solidFill>
+                <a:miter lim="800000"/>
+                <a:headEnd/>
+                <a:tailEnd/>
+              </a14:hiddenLine>
+            </a:ext>
+          </a:extLst>
+        </p:spPr>
+        <p:txBody>
+          <a:bodyPr anchor="ctr">
+            <a:spAutoFit/>
+          </a:bodyPr>
+          <a:lstStyle/>
+          <a:p>
+            <a:pPr algn="ctr"/>
+            <a:r>
+              <a:rPr lang="ru-RU" sz="2400" b="1"/>
+              <a:t>Пространство </a:t>
+            </a:r>
+            <a:r>
+              <a:rPr lang="en-US" sz="2400" b="1"/>
+              <a:t>System.Reflection.</a:t>
+            </a:r>
+          </a:p>
+        </p:txBody>
+      </p:sp>
+      <p:sp>
+        <p:nvSpPr>
+          <p:cNvPr id="9219" name="Rectangle 3"/>
+          <p:cNvSpPr>
+            <a:spLocks noChangeArrowheads="1"/>
+          </p:cNvSpPr>
+          <p:nvPr/>
+        </p:nvSpPr>
+        <p:spPr bwMode="auto">
+          <a:xfrm>
+            <a:off x="152400" y="581025"/>
+            <a:ext cx="8839200" cy="336550"/>
+          </a:xfrm>
+          <a:prstGeom prst="rect">
+            <a:avLst/>
+          </a:prstGeom>
+          <a:noFill/>
+          <a:ln>
+            <a:noFill/>
+          </a:ln>
+          <a:extLst>
+            <a:ext uri="{909E8E84-426E-40DD-AFC4-6F175D3DCCD1}">
+              <a14:hiddenFill xmlns:a14="http://schemas.microsoft.com/office/drawing/2010/main">
+                <a:solidFill>
+                  <a:srgbClr val="FFFFFF"/>
+                </a:solidFill>
+              </a14:hiddenFill>
+            </a:ext>
+            <a:ext uri="{91240B29-F687-4F45-9708-019B960494DF}">
+              <a14:hiddenLine xmlns:a14="http://schemas.microsoft.com/office/drawing/2010/main" w="9525">
+                <a:solidFill>
+                  <a:srgbClr val="000000"/>
+                </a:solidFill>
+                <a:miter lim="800000"/>
+                <a:headEnd/>
+                <a:tailEnd/>
+              </a14:hiddenLine>
+            </a:ext>
+          </a:extLst>
+        </p:spPr>
+        <p:txBody>
+          <a:bodyPr anchor="ctr">
+            <a:spAutoFit/>
+          </a:bodyPr>
+          <a:lstStyle/>
+          <a:p>
+            <a:r>
+              <a:rPr lang="ru-RU" sz="1600"/>
+              <a:t>	Используя класс </a:t>
+            </a:r>
+            <a:r>
+              <a:rPr lang="en-US" sz="1600"/>
+              <a:t>Activator</a:t>
+            </a:r>
+            <a:r>
+              <a:rPr lang="ru-RU" sz="1600"/>
+              <a:t> можно создать объект нудного класса.</a:t>
+            </a:r>
+          </a:p>
+        </p:txBody>
+      </p:sp>
+      <p:sp>
+        <p:nvSpPr>
+          <p:cNvPr id="22538" name="Rectangle 10"/>
+          <p:cNvSpPr>
+            <a:spLocks noChangeArrowheads="1"/>
+          </p:cNvSpPr>
+          <p:nvPr/>
+        </p:nvSpPr>
+        <p:spPr bwMode="auto">
+          <a:xfrm>
+            <a:off x="152400" y="990600"/>
+            <a:ext cx="8839200" cy="3478213"/>
+          </a:xfrm>
+          <a:prstGeom prst="rect">
+            <a:avLst/>
+          </a:prstGeom>
+          <a:noFill/>
+          <a:ln w="9525">
+            <a:solidFill>
+              <a:schemeClr val="bg1">
+                <a:lumMod val="65000"/>
+              </a:schemeClr>
+            </a:solidFill>
+            <a:miter lim="800000"/>
+            <a:headEnd/>
+            <a:tailEnd/>
+          </a:ln>
+          <a:effectLst/>
+        </p:spPr>
+        <p:txBody>
+          <a:bodyPr anchor="ctr">
+            <a:spAutoFit/>
+          </a:bodyPr>
+          <a:lstStyle/>
+          <a:p>
+            <a:pPr eaLnBrk="0" hangingPunct="0"/>
+            <a:r>
+              <a:rPr lang="be-BY" sz="1000" dirty="0">
+                <a:solidFill>
+                  <a:schemeClr val="bg1"/>
+                </a:solidFill>
+                <a:latin typeface="Courier New" pitchFamily="49" charset="0"/>
+                <a:ea typeface="Calibri" pitchFamily="34" charset="0"/>
+                <a:cs typeface="Courier New" pitchFamily="49" charset="0"/>
+              </a:rPr>
+              <a:t>    class Program</a:t>
+            </a:r>
+            <a:endParaRPr lang="be-BY" sz="900" dirty="0">
+              <a:solidFill>
+                <a:schemeClr val="bg1"/>
+              </a:solidFill>
+              <a:ea typeface="Calibri" pitchFamily="34" charset="0"/>
+              <a:cs typeface="Courier New" pitchFamily="49" charset="0"/>
+            </a:endParaRPr>
+          </a:p>
+          <a:p>
+            <a:pPr eaLnBrk="0" hangingPunct="0"/>
+            <a:r>
+              <a:rPr lang="be-BY" sz="1000" dirty="0">
+                <a:solidFill>
+                  <a:schemeClr val="bg1"/>
+                </a:solidFill>
+                <a:latin typeface="Courier New" pitchFamily="49" charset="0"/>
+                <a:ea typeface="Calibri" pitchFamily="34" charset="0"/>
+                <a:cs typeface="Courier New" pitchFamily="49" charset="0"/>
+              </a:rPr>
+              <a:t>    {</a:t>
+            </a:r>
+            <a:endParaRPr lang="be-BY" sz="900" dirty="0">
+              <a:solidFill>
+                <a:schemeClr val="bg1"/>
+              </a:solidFill>
+              <a:ea typeface="Calibri" pitchFamily="34" charset="0"/>
+              <a:cs typeface="Courier New" pitchFamily="49" charset="0"/>
+            </a:endParaRPr>
+          </a:p>
+          <a:p>
+            <a:pPr eaLnBrk="0" hangingPunct="0"/>
+            <a:r>
+              <a:rPr lang="be-BY" sz="1000" dirty="0">
+                <a:solidFill>
+                  <a:schemeClr val="bg1"/>
+                </a:solidFill>
+                <a:latin typeface="Courier New" pitchFamily="49" charset="0"/>
+                <a:ea typeface="Calibri" pitchFamily="34" charset="0"/>
+                <a:cs typeface="Courier New" pitchFamily="49" charset="0"/>
+              </a:rPr>
+              <a:t>        static void Main(string[] args)</a:t>
+            </a:r>
+            <a:endParaRPr lang="be-BY" sz="900" dirty="0">
+              <a:solidFill>
+                <a:schemeClr val="bg1"/>
+              </a:solidFill>
+              <a:ea typeface="Calibri" pitchFamily="34" charset="0"/>
+              <a:cs typeface="Courier New" pitchFamily="49" charset="0"/>
+            </a:endParaRPr>
+          </a:p>
+          <a:p>
+            <a:pPr eaLnBrk="0" hangingPunct="0"/>
+            <a:r>
+              <a:rPr lang="be-BY" sz="1000" dirty="0">
+                <a:solidFill>
+                  <a:schemeClr val="bg1"/>
+                </a:solidFill>
+                <a:latin typeface="Courier New" pitchFamily="49" charset="0"/>
+                <a:ea typeface="Calibri" pitchFamily="34" charset="0"/>
+                <a:cs typeface="Courier New" pitchFamily="49" charset="0"/>
+              </a:rPr>
+              <a:t>        {</a:t>
+            </a:r>
+            <a:endParaRPr lang="be-BY" sz="900" dirty="0">
+              <a:solidFill>
+                <a:schemeClr val="bg1"/>
+              </a:solidFill>
+              <a:ea typeface="Calibri" pitchFamily="34" charset="0"/>
+              <a:cs typeface="Courier New" pitchFamily="49" charset="0"/>
+            </a:endParaRPr>
+          </a:p>
+          <a:p>
+            <a:pPr eaLnBrk="0" hangingPunct="0"/>
+            <a:r>
+              <a:rPr lang="be-BY" sz="1000" dirty="0">
+                <a:solidFill>
+                  <a:schemeClr val="bg1"/>
+                </a:solidFill>
+                <a:latin typeface="Courier New" pitchFamily="49" charset="0"/>
+                <a:ea typeface="Calibri" pitchFamily="34" charset="0"/>
+                <a:cs typeface="Courier New" pitchFamily="49" charset="0"/>
+              </a:rPr>
+              <a:t>            AssemblyName name = new AssemblyName("Complex");</a:t>
+            </a:r>
+            <a:endParaRPr lang="be-BY" sz="900" dirty="0">
+              <a:solidFill>
+                <a:schemeClr val="bg1"/>
+              </a:solidFill>
+              <a:ea typeface="Calibri" pitchFamily="34" charset="0"/>
+              <a:cs typeface="Courier New" pitchFamily="49" charset="0"/>
+            </a:endParaRPr>
+          </a:p>
+          <a:p>
+            <a:pPr eaLnBrk="0" hangingPunct="0"/>
+            <a:r>
+              <a:rPr lang="be-BY" sz="1000" dirty="0">
+                <a:solidFill>
+                  <a:schemeClr val="bg1"/>
+                </a:solidFill>
+                <a:latin typeface="Courier New" pitchFamily="49" charset="0"/>
+                <a:ea typeface="Calibri" pitchFamily="34" charset="0"/>
+                <a:cs typeface="Courier New" pitchFamily="49" charset="0"/>
+              </a:rPr>
+              <a:t>            name.Version = new Version(1, 0, 0, 0);</a:t>
+            </a:r>
+            <a:endParaRPr lang="be-BY" sz="900" dirty="0">
+              <a:solidFill>
+                <a:schemeClr val="bg1"/>
+              </a:solidFill>
+              <a:ea typeface="Calibri" pitchFamily="34" charset="0"/>
+              <a:cs typeface="Courier New" pitchFamily="49" charset="0"/>
+            </a:endParaRPr>
+          </a:p>
+          <a:p>
+            <a:pPr eaLnBrk="0" hangingPunct="0"/>
+            <a:r>
+              <a:rPr lang="be-BY" sz="1000" dirty="0">
+                <a:solidFill>
+                  <a:schemeClr val="bg1"/>
+                </a:solidFill>
+                <a:latin typeface="Courier New" pitchFamily="49" charset="0"/>
+                <a:ea typeface="Calibri" pitchFamily="34" charset="0"/>
+                <a:cs typeface="Courier New" pitchFamily="49" charset="0"/>
+              </a:rPr>
+              <a:t>            Assembly asm;</a:t>
+            </a:r>
+            <a:endParaRPr lang="be-BY" sz="900" dirty="0">
+              <a:solidFill>
+                <a:schemeClr val="bg1"/>
+              </a:solidFill>
+              <a:ea typeface="Calibri" pitchFamily="34" charset="0"/>
+              <a:cs typeface="Courier New" pitchFamily="49" charset="0"/>
+            </a:endParaRPr>
+          </a:p>
+          <a:p>
+            <a:pPr eaLnBrk="0" hangingPunct="0"/>
+            <a:r>
+              <a:rPr lang="be-BY" sz="1000" dirty="0">
+                <a:solidFill>
+                  <a:schemeClr val="bg1"/>
+                </a:solidFill>
+                <a:latin typeface="Courier New" pitchFamily="49" charset="0"/>
+                <a:ea typeface="Calibri" pitchFamily="34" charset="0"/>
+                <a:cs typeface="Courier New" pitchFamily="49" charset="0"/>
+              </a:rPr>
+              <a:t>            try</a:t>
+            </a:r>
+            <a:endParaRPr lang="be-BY" sz="900" dirty="0">
+              <a:solidFill>
+                <a:schemeClr val="bg1"/>
+              </a:solidFill>
+              <a:ea typeface="Calibri" pitchFamily="34" charset="0"/>
+              <a:cs typeface="Courier New" pitchFamily="49" charset="0"/>
+            </a:endParaRPr>
+          </a:p>
+          <a:p>
+            <a:pPr eaLnBrk="0" hangingPunct="0"/>
+            <a:r>
+              <a:rPr lang="be-BY" sz="1000" dirty="0">
+                <a:solidFill>
+                  <a:schemeClr val="bg1"/>
+                </a:solidFill>
+                <a:latin typeface="Courier New" pitchFamily="49" charset="0"/>
+                <a:ea typeface="Calibri" pitchFamily="34" charset="0"/>
+                <a:cs typeface="Courier New" pitchFamily="49" charset="0"/>
+              </a:rPr>
+              <a:t>            {</a:t>
+            </a:r>
+            <a:endParaRPr lang="be-BY" sz="900" dirty="0">
+              <a:solidFill>
+                <a:schemeClr val="bg1"/>
+              </a:solidFill>
+              <a:ea typeface="Calibri" pitchFamily="34" charset="0"/>
+              <a:cs typeface="Courier New" pitchFamily="49" charset="0"/>
+            </a:endParaRPr>
+          </a:p>
+          <a:p>
+            <a:pPr eaLnBrk="0" hangingPunct="0"/>
+            <a:r>
+              <a:rPr lang="be-BY" sz="1000" dirty="0">
+                <a:solidFill>
+                  <a:schemeClr val="bg1"/>
+                </a:solidFill>
+                <a:latin typeface="Courier New" pitchFamily="49" charset="0"/>
+                <a:ea typeface="Calibri" pitchFamily="34" charset="0"/>
+                <a:cs typeface="Courier New" pitchFamily="49" charset="0"/>
+              </a:rPr>
+              <a:t>                asm = Assembly.Load(name);</a:t>
+            </a:r>
+            <a:endParaRPr lang="be-BY" sz="900" dirty="0">
+              <a:solidFill>
+                <a:schemeClr val="bg1"/>
+              </a:solidFill>
+              <a:ea typeface="Calibri" pitchFamily="34" charset="0"/>
+              <a:cs typeface="Courier New" pitchFamily="49" charset="0"/>
+            </a:endParaRPr>
+          </a:p>
+          <a:p>
+            <a:pPr eaLnBrk="0" hangingPunct="0"/>
+            <a:r>
+              <a:rPr lang="be-BY" sz="1000" dirty="0">
+                <a:solidFill>
+                  <a:schemeClr val="bg1"/>
+                </a:solidFill>
+                <a:latin typeface="Courier New" pitchFamily="49" charset="0"/>
+                <a:ea typeface="Calibri" pitchFamily="34" charset="0"/>
+                <a:cs typeface="Courier New" pitchFamily="49" charset="0"/>
+              </a:rPr>
+              <a:t>            }</a:t>
+            </a:r>
+            <a:endParaRPr lang="be-BY" sz="900" dirty="0">
+              <a:solidFill>
+                <a:schemeClr val="bg1"/>
+              </a:solidFill>
+              <a:ea typeface="Calibri" pitchFamily="34" charset="0"/>
+              <a:cs typeface="Courier New" pitchFamily="49" charset="0"/>
+            </a:endParaRPr>
+          </a:p>
+          <a:p>
+            <a:pPr eaLnBrk="0" hangingPunct="0"/>
+            <a:r>
+              <a:rPr lang="be-BY" sz="1000" dirty="0">
+                <a:solidFill>
+                  <a:schemeClr val="bg1"/>
+                </a:solidFill>
+                <a:latin typeface="Courier New" pitchFamily="49" charset="0"/>
+                <a:ea typeface="Calibri" pitchFamily="34" charset="0"/>
+                <a:cs typeface="Courier New" pitchFamily="49" charset="0"/>
+              </a:rPr>
+              <a:t>            catch (FileNotFoundException e)</a:t>
+            </a:r>
+            <a:endParaRPr lang="be-BY" sz="900" dirty="0">
+              <a:solidFill>
+                <a:schemeClr val="bg1"/>
+              </a:solidFill>
+              <a:ea typeface="Calibri" pitchFamily="34" charset="0"/>
+              <a:cs typeface="Courier New" pitchFamily="49" charset="0"/>
+            </a:endParaRPr>
+          </a:p>
+          <a:p>
+            <a:pPr eaLnBrk="0" hangingPunct="0"/>
+            <a:r>
+              <a:rPr lang="be-BY" sz="1000" dirty="0">
+                <a:solidFill>
+                  <a:schemeClr val="bg1"/>
+                </a:solidFill>
+                <a:latin typeface="Courier New" pitchFamily="49" charset="0"/>
+                <a:ea typeface="Calibri" pitchFamily="34" charset="0"/>
+                <a:cs typeface="Courier New" pitchFamily="49" charset="0"/>
+              </a:rPr>
+              <a:t>            {</a:t>
+            </a:r>
+            <a:endParaRPr lang="be-BY" sz="900" dirty="0">
+              <a:solidFill>
+                <a:schemeClr val="bg1"/>
+              </a:solidFill>
+              <a:ea typeface="Calibri" pitchFamily="34" charset="0"/>
+              <a:cs typeface="Courier New" pitchFamily="49" charset="0"/>
+            </a:endParaRPr>
+          </a:p>
+          <a:p>
+            <a:pPr eaLnBrk="0" hangingPunct="0"/>
+            <a:r>
+              <a:rPr lang="be-BY" sz="1000" dirty="0">
+                <a:solidFill>
+                  <a:schemeClr val="bg1"/>
+                </a:solidFill>
+                <a:latin typeface="Courier New" pitchFamily="49" charset="0"/>
+                <a:ea typeface="Calibri" pitchFamily="34" charset="0"/>
+                <a:cs typeface="Courier New" pitchFamily="49" charset="0"/>
+              </a:rPr>
+              <a:t>                Console.WriteLine(e.Message);</a:t>
+            </a:r>
+            <a:endParaRPr lang="be-BY" sz="900" dirty="0">
+              <a:solidFill>
+                <a:schemeClr val="bg1"/>
+              </a:solidFill>
+              <a:ea typeface="Calibri" pitchFamily="34" charset="0"/>
+              <a:cs typeface="Courier New" pitchFamily="49" charset="0"/>
+            </a:endParaRPr>
+          </a:p>
+          <a:p>
+            <a:pPr eaLnBrk="0" hangingPunct="0"/>
+            <a:r>
+              <a:rPr lang="be-BY" sz="1000" dirty="0">
+                <a:solidFill>
+                  <a:schemeClr val="bg1"/>
+                </a:solidFill>
+                <a:latin typeface="Courier New" pitchFamily="49" charset="0"/>
+                <a:ea typeface="Calibri" pitchFamily="34" charset="0"/>
+                <a:cs typeface="Courier New" pitchFamily="49" charset="0"/>
+              </a:rPr>
+              <a:t>                return;</a:t>
+            </a:r>
+            <a:endParaRPr lang="be-BY" sz="900" dirty="0">
+              <a:solidFill>
+                <a:schemeClr val="bg1"/>
+              </a:solidFill>
+              <a:ea typeface="Calibri" pitchFamily="34" charset="0"/>
+              <a:cs typeface="Courier New" pitchFamily="49" charset="0"/>
+            </a:endParaRPr>
+          </a:p>
+          <a:p>
+            <a:pPr eaLnBrk="0" hangingPunct="0"/>
+            <a:r>
+              <a:rPr lang="be-BY" sz="1000" dirty="0">
+                <a:solidFill>
+                  <a:schemeClr val="bg1"/>
+                </a:solidFill>
+                <a:latin typeface="Courier New" pitchFamily="49" charset="0"/>
+                <a:ea typeface="Calibri" pitchFamily="34" charset="0"/>
+                <a:cs typeface="Courier New" pitchFamily="49" charset="0"/>
+              </a:rPr>
+              <a:t>            }</a:t>
+            </a:r>
+            <a:endParaRPr lang="be-BY" sz="900" dirty="0">
+              <a:solidFill>
+                <a:schemeClr val="bg1"/>
+              </a:solidFill>
+              <a:ea typeface="Calibri" pitchFamily="34" charset="0"/>
+              <a:cs typeface="Courier New" pitchFamily="49" charset="0"/>
+            </a:endParaRPr>
+          </a:p>
+          <a:p>
+            <a:pPr eaLnBrk="0" hangingPunct="0"/>
+            <a:r>
+              <a:rPr lang="be-BY" sz="1000" dirty="0">
+                <a:solidFill>
+                  <a:schemeClr val="bg1"/>
+                </a:solidFill>
+                <a:latin typeface="Courier New" pitchFamily="49" charset="0"/>
+                <a:ea typeface="Calibri" pitchFamily="34" charset="0"/>
+                <a:cs typeface="Courier New" pitchFamily="49" charset="0"/>
+              </a:rPr>
+              <a:t>            Type complex = asm.GetType("ComplexNumbers.Complex");</a:t>
+            </a:r>
+            <a:endParaRPr lang="be-BY" sz="900" dirty="0">
+              <a:solidFill>
+                <a:schemeClr val="bg1"/>
+              </a:solidFill>
+              <a:ea typeface="Calibri" pitchFamily="34" charset="0"/>
+              <a:cs typeface="Courier New" pitchFamily="49" charset="0"/>
+            </a:endParaRPr>
+          </a:p>
+          <a:p>
+            <a:pPr eaLnBrk="0" hangingPunct="0"/>
+            <a:r>
+              <a:rPr lang="be-BY" sz="1000" dirty="0">
+                <a:solidFill>
+                  <a:schemeClr val="bg1"/>
+                </a:solidFill>
+                <a:latin typeface="Courier New" pitchFamily="49" charset="0"/>
+                <a:ea typeface="Calibri" pitchFamily="34" charset="0"/>
+                <a:cs typeface="Courier New" pitchFamily="49" charset="0"/>
+              </a:rPr>
+              <a:t>            object obj = Activator.CreateInstance(complex, 10, 35);</a:t>
+            </a:r>
+            <a:endParaRPr lang="be-BY" sz="900" dirty="0">
+              <a:solidFill>
+                <a:schemeClr val="bg1"/>
+              </a:solidFill>
+              <a:ea typeface="Calibri" pitchFamily="34" charset="0"/>
+              <a:cs typeface="Courier New" pitchFamily="49" charset="0"/>
+            </a:endParaRPr>
+          </a:p>
+          <a:p>
+            <a:pPr eaLnBrk="0" hangingPunct="0"/>
+            <a:r>
+              <a:rPr lang="be-BY" sz="1000" dirty="0">
+                <a:solidFill>
+                  <a:schemeClr val="bg1"/>
+                </a:solidFill>
+                <a:latin typeface="Courier New" pitchFamily="49" charset="0"/>
+                <a:ea typeface="Calibri" pitchFamily="34" charset="0"/>
+                <a:cs typeface="Courier New" pitchFamily="49" charset="0"/>
+              </a:rPr>
+              <a:t>            MethodInfo mi = complex.GetMethod("Abs");   //Получаем информацию о методе Abs </a:t>
+            </a:r>
+            <a:endParaRPr lang="be-BY" sz="900" dirty="0">
+              <a:solidFill>
+                <a:schemeClr val="bg1"/>
+              </a:solidFill>
+              <a:ea typeface="Calibri" pitchFamily="34" charset="0"/>
+              <a:cs typeface="Courier New" pitchFamily="49" charset="0"/>
+            </a:endParaRPr>
+          </a:p>
+          <a:p>
+            <a:pPr eaLnBrk="0" hangingPunct="0"/>
+            <a:r>
+              <a:rPr lang="be-BY" sz="1000" dirty="0">
+                <a:solidFill>
+                  <a:schemeClr val="bg1"/>
+                </a:solidFill>
+                <a:latin typeface="Courier New" pitchFamily="49" charset="0"/>
+                <a:ea typeface="Calibri" pitchFamily="34" charset="0"/>
+                <a:cs typeface="Courier New" pitchFamily="49" charset="0"/>
+              </a:rPr>
+              <a:t>            Console.WriteLine(mi.Invoke(obj, null));    //Вызываем метод</a:t>
+            </a:r>
+            <a:endParaRPr lang="be-BY" sz="900" dirty="0">
+              <a:solidFill>
+                <a:schemeClr val="bg1"/>
+              </a:solidFill>
+              <a:ea typeface="Calibri" pitchFamily="34" charset="0"/>
+              <a:cs typeface="Courier New" pitchFamily="49" charset="0"/>
+            </a:endParaRPr>
+          </a:p>
+          <a:p>
+            <a:pPr eaLnBrk="0" hangingPunct="0"/>
+            <a:r>
+              <a:rPr lang="be-BY" sz="1000" dirty="0">
+                <a:solidFill>
+                  <a:schemeClr val="bg1"/>
+                </a:solidFill>
+                <a:latin typeface="Courier New" pitchFamily="49" charset="0"/>
+                <a:ea typeface="Calibri" pitchFamily="34" charset="0"/>
+                <a:cs typeface="Courier New" pitchFamily="49" charset="0"/>
+              </a:rPr>
+              <a:t>        }</a:t>
+            </a:r>
+            <a:endParaRPr lang="be-BY" sz="900" dirty="0">
+              <a:solidFill>
+                <a:schemeClr val="bg1"/>
+              </a:solidFill>
+              <a:ea typeface="Calibri" pitchFamily="34" charset="0"/>
+              <a:cs typeface="Courier New" pitchFamily="49" charset="0"/>
+            </a:endParaRPr>
+          </a:p>
+          <a:p>
+            <a:pPr eaLnBrk="0" hangingPunct="0"/>
+            <a:r>
+              <a:rPr lang="be-BY" sz="1000" dirty="0">
+                <a:solidFill>
+                  <a:schemeClr val="bg1"/>
+                </a:solidFill>
+                <a:latin typeface="Courier New" pitchFamily="49" charset="0"/>
+                <a:ea typeface="Calibri" pitchFamily="34" charset="0"/>
+                <a:cs typeface="Courier New" pitchFamily="49" charset="0"/>
+              </a:rPr>
+              <a:t>    }</a:t>
+            </a:r>
+            <a:endParaRPr lang="be-BY" dirty="0">
+              <a:solidFill>
+                <a:schemeClr val="bg1"/>
+              </a:solidFill>
+              <a:ea typeface="Calibri" pitchFamily="34" charset="0"/>
+              <a:cs typeface="Courier New" pitchFamily="49" charset="0"/>
+            </a:endParaRPr>
+          </a:p>
+        </p:txBody>
+      </p:sp>
+    </p:spTree>
+    <p:extLst>
+      <p:ext uri="{BB962C8B-B14F-4D97-AF65-F5344CB8AC3E}">
+        <p14:creationId xmlns:p14="http://schemas.microsoft.com/office/powerpoint/2010/main" val="2652139991"/>
+      </p:ext>
+    </p:extLst>
+  </p:cSld>
+  <p:clrMapOvr>
+    <a:masterClrMapping/>
+  </p:clrMapOvr>
+  <p:timing>
+    <p:tnLst>
+      <p:par>
+        <p:cTn id="1" dur="indefinite" restart="never" nodeType="tmRoot"/>
+      </p:par>
+    </p:tnLst>
+  </p:timing>
+</p:sld>
+</file>
+
+<file path=ppt/slides/slide21.xml><?xml version="1.0" encoding="utf-8"?>
+<p:sld xmlns:a="http://schemas.openxmlformats.org/drawingml/2006/main" xmlns:r="http://schemas.openxmlformats.org/officeDocument/2006/relationships" xmlns:p="http://schemas.openxmlformats.org/presentationml/2006/main">
+  <p:cSld>
+    <p:spTree>
+      <p:nvGrpSpPr>
+        <p:cNvPr id="1" name=""/>
+        <p:cNvGrpSpPr/>
+        <p:nvPr/>
+      </p:nvGrpSpPr>
+      <p:grpSpPr>
+        <a:xfrm>
+          <a:off x="0" y="0"/>
+          <a:ext cx="0" cy="0"/>
+          <a:chOff x="0" y="0"/>
+          <a:chExt cx="0" cy="0"/>
+        </a:xfrm>
+      </p:grpSpPr>
+      <p:sp>
+        <p:nvSpPr>
           <p:cNvPr id="10242" name="Rectangle 3"/>
           <p:cNvSpPr>
             <a:spLocks noChangeArrowheads="1"/>
@@ -9186,7 +9340,7 @@
 </p:sld>
 </file>
 
-<file path=ppt/slides/slide21.xml><?xml version="1.0" encoding="utf-8"?>
+<file path=ppt/slides/slide22.xml><?xml version="1.0" encoding="utf-8"?>
 <p:sld xmlns:a="http://schemas.openxmlformats.org/drawingml/2006/main" xmlns:r="http://schemas.openxmlformats.org/officeDocument/2006/relationships" xmlns:p="http://schemas.openxmlformats.org/presentationml/2006/main">
   <p:cSld>
     <p:spTree>
@@ -10643,7 +10797,7 @@
 </p:sld>
 </file>
 
-<file path=ppt/slides/slide22.xml><?xml version="1.0" encoding="utf-8"?>
+<file path=ppt/slides/slide23.xml><?xml version="1.0" encoding="utf-8"?>
 <p:sld xmlns:a="http://schemas.openxmlformats.org/drawingml/2006/main" xmlns:r="http://schemas.openxmlformats.org/officeDocument/2006/relationships" xmlns:p="http://schemas.openxmlformats.org/presentationml/2006/main">
   <p:cSld>
     <p:spTree>
@@ -11518,7 +11672,7 @@
 </p:sld>
 </file>
 
-<file path=ppt/slides/slide23.xml><?xml version="1.0" encoding="utf-8"?>
+<file path=ppt/slides/slide24.xml><?xml version="1.0" encoding="utf-8"?>
 <p:sld xmlns:a="http://schemas.openxmlformats.org/drawingml/2006/main" xmlns:r="http://schemas.openxmlformats.org/officeDocument/2006/relationships" xmlns:p="http://schemas.openxmlformats.org/presentationml/2006/main">
   <p:cSld>
     <p:spTree>
@@ -12344,7 +12498,7 @@
 </p:sld>
 </file>
 
-<file path=ppt/slides/slide24.xml><?xml version="1.0" encoding="utf-8"?>
+<file path=ppt/slides/slide25.xml><?xml version="1.0" encoding="utf-8"?>
 <p:sld xmlns:a="http://schemas.openxmlformats.org/drawingml/2006/main" xmlns:r="http://schemas.openxmlformats.org/officeDocument/2006/relationships" xmlns:p="http://schemas.openxmlformats.org/presentationml/2006/main">
   <p:cSld>
     <p:spTree>
@@ -12760,7 +12914,7 @@
 </p:sld>
 </file>
 
-<file path=ppt/slides/slide25.xml><?xml version="1.0" encoding="utf-8"?>
+<file path=ppt/slides/slide26.xml><?xml version="1.0" encoding="utf-8"?>
 <p:sld xmlns:a="http://schemas.openxmlformats.org/drawingml/2006/main" xmlns:r="http://schemas.openxmlformats.org/officeDocument/2006/relationships" xmlns:p="http://schemas.openxmlformats.org/presentationml/2006/main">
   <p:cSld>
     <p:spTree>

--- a/Presentation/lesson-07.pptx
+++ b/Presentation/lesson-07.pptx
@@ -217,7 +217,7 @@
           <a:p>
             <a:fld id="{B24A7054-7FFB-49F4-A126-5DF6E687FF53}" type="datetimeFigureOut">
               <a:rPr lang="ru-RU" smtClean="0"/>
-              <a:t>26.08.2012</a:t>
+              <a:t>01.11.2012</a:t>
             </a:fld>
             <a:endParaRPr lang="ru-RU"/>
           </a:p>
@@ -1499,7 +1499,7 @@
           <a:p>
             <a:fld id="{8E6E6A2A-E9D3-4A0D-B04A-ABDD367A1E08}" type="datetimeFigureOut">
               <a:rPr lang="ru-RU" smtClean="0"/>
-              <a:t>26.08.2012</a:t>
+              <a:t>01.11.2012</a:t>
             </a:fld>
             <a:endParaRPr lang="ru-RU"/>
           </a:p>
@@ -2944,7 +2944,7 @@
           <a:p>
             <a:fld id="{AC3D3127-B7C4-45E3-9797-C527EC9FDD78}" type="datetimeFigureOut">
               <a:rPr lang="ru-RU" smtClean="0"/>
-              <a:t>26.08.2012</a:t>
+              <a:t>01.11.2012</a:t>
             </a:fld>
             <a:endParaRPr lang="ru-RU"/>
           </a:p>
@@ -3499,6 +3499,40 @@
                 <a:schemeClr val="bg1"/>
               </a:solidFill>
             </a:endParaRPr>
+          </a:p>
+        </p:txBody>
+      </p:sp>
+      <p:sp>
+        <p:nvSpPr>
+          <p:cNvPr id="8" name="TextBox 7"/>
+          <p:cNvSpPr txBox="1"/>
+          <p:nvPr/>
+        </p:nvSpPr>
+        <p:spPr>
+          <a:xfrm>
+            <a:off x="3120449" y="5589240"/>
+            <a:ext cx="2903102" cy="369332"/>
+          </a:xfrm>
+          <a:prstGeom prst="rect">
+            <a:avLst/>
+          </a:prstGeom>
+          <a:noFill/>
+        </p:spPr>
+        <p:txBody>
+          <a:bodyPr wrap="none" rtlCol="0">
+            <a:spAutoFit/>
+          </a:bodyPr>
+          <a:lstStyle/>
+          <a:p>
+            <a:r>
+              <a:rPr lang="en-US" dirty="0">
+                <a:solidFill>
+                  <a:schemeClr val="bg1"/>
+                </a:solidFill>
+              </a:rPr>
+              <a:t>http://vk.com/club33848893</a:t>
+            </a:r>
+            <a:endParaRPr lang="en-US" dirty="0"/>
           </a:p>
         </p:txBody>
       </p:sp>

--- a/Presentation/lesson-07.pptx
+++ b/Presentation/lesson-07.pptx
@@ -5,7 +5,7 @@
     <p:sldMasterId id="2147483648" r:id="rId1"/>
   </p:sldMasterIdLst>
   <p:notesMasterIdLst>
-    <p:notesMasterId r:id="rId28"/>
+    <p:notesMasterId r:id="rId27"/>
   </p:notesMasterIdLst>
   <p:sldIdLst>
     <p:sldId id="257" r:id="rId2"/>
@@ -21,19 +21,18 @@
     <p:sldId id="279" r:id="rId12"/>
     <p:sldId id="281" r:id="rId13"/>
     <p:sldId id="282" r:id="rId14"/>
-    <p:sldId id="283" r:id="rId15"/>
-    <p:sldId id="284" r:id="rId16"/>
-    <p:sldId id="261" r:id="rId17"/>
-    <p:sldId id="262" r:id="rId18"/>
-    <p:sldId id="263" r:id="rId19"/>
-    <p:sldId id="264" r:id="rId20"/>
-    <p:sldId id="265" r:id="rId21"/>
-    <p:sldId id="266" r:id="rId22"/>
-    <p:sldId id="267" r:id="rId23"/>
-    <p:sldId id="268" r:id="rId24"/>
-    <p:sldId id="269" r:id="rId25"/>
-    <p:sldId id="270" r:id="rId26"/>
-    <p:sldId id="271" r:id="rId27"/>
+    <p:sldId id="285" r:id="rId15"/>
+    <p:sldId id="286" r:id="rId16"/>
+    <p:sldId id="287" r:id="rId17"/>
+    <p:sldId id="288" r:id="rId18"/>
+    <p:sldId id="289" r:id="rId19"/>
+    <p:sldId id="284" r:id="rId20"/>
+    <p:sldId id="261" r:id="rId21"/>
+    <p:sldId id="262" r:id="rId22"/>
+    <p:sldId id="263" r:id="rId23"/>
+    <p:sldId id="264" r:id="rId24"/>
+    <p:sldId id="265" r:id="rId25"/>
+    <p:sldId id="271" r:id="rId26"/>
   </p:sldIdLst>
   <p:sldSz cx="9144000" cy="6858000" type="screen4x3"/>
   <p:notesSz cx="6858000" cy="9144000"/>
@@ -217,7 +216,7 @@
           <a:p>
             <a:fld id="{B24A7054-7FFB-49F4-A126-5DF6E687FF53}" type="datetimeFigureOut">
               <a:rPr lang="ru-RU" smtClean="0"/>
-              <a:t>01.11.2012</a:t>
+              <a:t>02.11.2012</a:t>
             </a:fld>
             <a:endParaRPr lang="ru-RU"/>
           </a:p>
@@ -1499,7 +1498,7 @@
           <a:p>
             <a:fld id="{8E6E6A2A-E9D3-4A0D-B04A-ABDD367A1E08}" type="datetimeFigureOut">
               <a:rPr lang="ru-RU" smtClean="0"/>
-              <a:t>01.11.2012</a:t>
+              <a:t>02.11.2012</a:t>
             </a:fld>
             <a:endParaRPr lang="ru-RU"/>
           </a:p>
@@ -2944,7 +2943,7 @@
           <a:p>
             <a:fld id="{AC3D3127-B7C4-45E3-9797-C527EC9FDD78}" type="datetimeFigureOut">
               <a:rPr lang="ru-RU" smtClean="0"/>
-              <a:t>01.11.2012</a:t>
+              <a:t>02.11.2012</a:t>
             </a:fld>
             <a:endParaRPr lang="ru-RU"/>
           </a:p>
@@ -4941,224 +4940,7 @@
       </p:grpSpPr>
       <p:sp>
         <p:nvSpPr>
-          <p:cNvPr id="2" name="Title 1"/>
-          <p:cNvSpPr>
-            <a:spLocks noGrp="1"/>
-          </p:cNvSpPr>
-          <p:nvPr>
-            <p:ph type="title"/>
-          </p:nvPr>
-        </p:nvSpPr>
-        <p:spPr/>
-        <p:txBody>
-          <a:bodyPr/>
-          <a:lstStyle/>
-          <a:p>
-            <a:r>
-              <a:rPr lang="ru-RU" dirty="0" smtClean="0"/>
-              <a:t>Атрибуты </a:t>
-            </a:r>
-            <a:r>
-              <a:rPr lang="en-US" dirty="0" smtClean="0"/>
-              <a:t>(custom attributes)</a:t>
-            </a:r>
-            <a:endParaRPr lang="ru-RU" dirty="0"/>
-          </a:p>
-        </p:txBody>
-      </p:sp>
-      <p:sp>
-        <p:nvSpPr>
-          <p:cNvPr id="3" name="Content Placeholder 2"/>
-          <p:cNvSpPr>
-            <a:spLocks noGrp="1"/>
-          </p:cNvSpPr>
-          <p:nvPr>
-            <p:ph idx="1"/>
-          </p:nvPr>
-        </p:nvSpPr>
-        <p:spPr/>
-        <p:txBody>
-          <a:bodyPr/>
-          <a:lstStyle/>
-          <a:p>
-            <a:endParaRPr lang="ru-RU" dirty="0"/>
-          </a:p>
-        </p:txBody>
-      </p:sp>
-    </p:spTree>
-    <p:extLst>
-      <p:ext uri="{BB962C8B-B14F-4D97-AF65-F5344CB8AC3E}">
-        <p14:creationId xmlns:p14="http://schemas.microsoft.com/office/powerpoint/2010/main" val="875512268"/>
-      </p:ext>
-    </p:extLst>
-  </p:cSld>
-  <p:clrMapOvr>
-    <a:masterClrMapping/>
-  </p:clrMapOvr>
-</p:sld>
-</file>
-
-<file path=ppt/slides/slide15.xml><?xml version="1.0" encoding="utf-8"?>
-<p:sld xmlns:a="http://schemas.openxmlformats.org/drawingml/2006/main" xmlns:r="http://schemas.openxmlformats.org/officeDocument/2006/relationships" xmlns:p="http://schemas.openxmlformats.org/presentationml/2006/main">
-  <p:cSld>
-    <p:spTree>
-      <p:nvGrpSpPr>
-        <p:cNvPr id="1" name=""/>
-        <p:cNvGrpSpPr/>
-        <p:nvPr/>
-      </p:nvGrpSpPr>
-      <p:grpSpPr>
-        <a:xfrm>
-          <a:off x="0" y="0"/>
-          <a:ext cx="0" cy="0"/>
-          <a:chOff x="0" y="0"/>
-          <a:chExt cx="0" cy="0"/>
-        </a:xfrm>
-      </p:grpSpPr>
-      <p:sp>
-        <p:nvSpPr>
-          <p:cNvPr id="2" name="Title 1"/>
-          <p:cNvSpPr>
-            <a:spLocks noGrp="1"/>
-          </p:cNvSpPr>
-          <p:nvPr>
-            <p:ph type="title"/>
-          </p:nvPr>
-        </p:nvSpPr>
-        <p:spPr/>
-        <p:txBody>
-          <a:bodyPr>
-            <a:normAutofit fontScale="90000"/>
-          </a:bodyPr>
-          <a:lstStyle/>
-          <a:p>
-            <a:r>
-              <a:rPr lang="ru-RU" dirty="0" smtClean="0"/>
-              <a:t>Глобальный кеш сборок</a:t>
-            </a:r>
-            <a:r>
-              <a:rPr lang="en-US" dirty="0" smtClean="0"/>
-              <a:t/>
-            </a:r>
-            <a:br>
-              <a:rPr lang="en-US" dirty="0" smtClean="0"/>
-            </a:br>
-            <a:r>
-              <a:rPr lang="en-US" dirty="0" smtClean="0"/>
-              <a:t>Global Assembly Cache (GAC)</a:t>
-            </a:r>
-            <a:endParaRPr lang="ru-RU" dirty="0"/>
-          </a:p>
-        </p:txBody>
-      </p:sp>
-      <p:sp>
-        <p:nvSpPr>
-          <p:cNvPr id="3" name="Content Placeholder 2"/>
-          <p:cNvSpPr>
-            <a:spLocks noGrp="1"/>
-          </p:cNvSpPr>
-          <p:nvPr>
-            <p:ph idx="1"/>
-          </p:nvPr>
-        </p:nvSpPr>
-        <p:spPr/>
-        <p:txBody>
-          <a:bodyPr/>
-          <a:lstStyle/>
-          <a:p>
-            <a:r>
-              <a:rPr lang="ru-RU" dirty="0" smtClean="0"/>
-              <a:t>Расположение</a:t>
-            </a:r>
-            <a:endParaRPr lang="en-US" dirty="0" smtClean="0"/>
-          </a:p>
-          <a:p>
-            <a:pPr lvl="1"/>
-            <a:r>
-              <a:rPr lang="en-US" dirty="0" smtClean="0"/>
-              <a:t>%</a:t>
-            </a:r>
-            <a:r>
-              <a:rPr lang="en-US" dirty="0" err="1" smtClean="0"/>
-              <a:t>windir</a:t>
-            </a:r>
-            <a:r>
-              <a:rPr lang="en-US" dirty="0" smtClean="0"/>
-              <a:t>%\assembly</a:t>
-            </a:r>
-          </a:p>
-          <a:p>
-            <a:pPr lvl="1"/>
-            <a:r>
-              <a:rPr lang="en-US" dirty="0" smtClean="0"/>
-              <a:t>%</a:t>
-            </a:r>
-            <a:r>
-              <a:rPr lang="en-US" dirty="0" err="1" smtClean="0"/>
-              <a:t>windir</a:t>
-            </a:r>
-            <a:r>
-              <a:rPr lang="en-US" dirty="0" smtClean="0"/>
-              <a:t>%\Microsoft.NET\assembly</a:t>
-            </a:r>
-            <a:r>
-              <a:rPr lang="ru-RU" dirty="0" smtClean="0"/>
-              <a:t> (</a:t>
-            </a:r>
-            <a:r>
-              <a:rPr lang="en-US" dirty="0" smtClean="0"/>
-              <a:t>.NET 4+)</a:t>
-            </a:r>
-          </a:p>
-          <a:p>
-            <a:r>
-              <a:rPr lang="ru-RU" dirty="0" smtClean="0"/>
-              <a:t>Добавление сборки в </a:t>
-            </a:r>
-            <a:r>
-              <a:rPr lang="en-US" smtClean="0"/>
-              <a:t>GAC</a:t>
-            </a:r>
-          </a:p>
-          <a:p>
-            <a:pPr lvl="1"/>
-            <a:endParaRPr lang="ru-RU" dirty="0"/>
-          </a:p>
-        </p:txBody>
-      </p:sp>
-    </p:spTree>
-    <p:extLst>
-      <p:ext uri="{BB962C8B-B14F-4D97-AF65-F5344CB8AC3E}">
-        <p14:creationId xmlns:p14="http://schemas.microsoft.com/office/powerpoint/2010/main" val="1521006786"/>
-      </p:ext>
-    </p:extLst>
-  </p:cSld>
-  <p:clrMapOvr>
-    <a:masterClrMapping/>
-  </p:clrMapOvr>
-</p:sld>
-</file>
-
-<file path=ppt/slides/slide16.xml><?xml version="1.0" encoding="utf-8"?>
-<p:sld xmlns:a="http://schemas.openxmlformats.org/drawingml/2006/main" xmlns:r="http://schemas.openxmlformats.org/officeDocument/2006/relationships" xmlns:p="http://schemas.openxmlformats.org/presentationml/2006/main">
-  <p:cSld>
-    <p:spTree>
-      <p:nvGrpSpPr>
-        <p:cNvPr id="1" name=""/>
-        <p:cNvGrpSpPr/>
-        <p:nvPr/>
-      </p:nvGrpSpPr>
-      <p:grpSpPr>
-        <a:xfrm>
-          <a:off x="0" y="0"/>
-          <a:ext cx="0" cy="0"/>
-          <a:chOff x="0" y="0"/>
-          <a:chExt cx="0" cy="0"/>
-        </a:xfrm>
-      </p:grpSpPr>
-      <p:sp>
-        <p:nvSpPr>
-          <p:cNvPr id="5122" name="Rectangle 3"/>
+          <p:cNvPr id="10242" name="Rectangle 3"/>
           <p:cNvSpPr>
             <a:spLocks noChangeArrowheads="1"/>
           </p:cNvSpPr>
@@ -5166,8 +4948,8 @@
         </p:nvSpPr>
         <p:spPr bwMode="auto">
           <a:xfrm>
-            <a:off x="152400" y="-4763"/>
-            <a:ext cx="8763000" cy="461963"/>
+            <a:off x="129480" y="46365"/>
+            <a:ext cx="8763000" cy="646331"/>
           </a:xfrm>
           <a:prstGeom prst="rect">
             <a:avLst/>
@@ -5204,3556 +4986,22 @@
           <a:p>
             <a:pPr algn="ctr"/>
             <a:r>
-              <a:rPr lang="be-BY" sz="2400" b="1"/>
-              <a:t>Сборка и управление версиями.</a:t>
-            </a:r>
-            <a:endParaRPr lang="en-US" sz="2400" b="1"/>
-          </a:p>
-        </p:txBody>
-      </p:sp>
-      <p:sp>
-        <p:nvSpPr>
-          <p:cNvPr id="5123" name="Rectangle 3"/>
-          <p:cNvSpPr>
-            <a:spLocks noChangeArrowheads="1"/>
-          </p:cNvSpPr>
-          <p:nvPr/>
-        </p:nvSpPr>
-        <p:spPr bwMode="auto">
-          <a:xfrm>
-            <a:off x="152400" y="482600"/>
-            <a:ext cx="8839200" cy="584200"/>
-          </a:xfrm>
-          <a:prstGeom prst="rect">
-            <a:avLst/>
-          </a:prstGeom>
-          <a:noFill/>
-          <a:ln>
-            <a:noFill/>
-          </a:ln>
-          <a:extLst>
-            <a:ext uri="{909E8E84-426E-40DD-AFC4-6F175D3DCCD1}">
-              <a14:hiddenFill xmlns:a14="http://schemas.microsoft.com/office/drawing/2010/main">
-                <a:solidFill>
-                  <a:srgbClr val="FFFFFF"/>
-                </a:solidFill>
-              </a14:hiddenFill>
-            </a:ext>
-            <a:ext uri="{91240B29-F687-4F45-9708-019B960494DF}">
-              <a14:hiddenLine xmlns:a14="http://schemas.microsoft.com/office/drawing/2010/main" w="9525">
-                <a:solidFill>
-                  <a:srgbClr val="000000"/>
-                </a:solidFill>
-                <a:miter lim="800000"/>
-                <a:headEnd/>
-                <a:tailEnd/>
-              </a14:hiddenLine>
-            </a:ext>
-          </a:extLst>
-        </p:spPr>
-        <p:txBody>
-          <a:bodyPr anchor="ctr">
-            <a:spAutoFit/>
-          </a:bodyPr>
-          <a:lstStyle/>
-          <a:p>
-            <a:r>
-              <a:rPr lang="ru-RU" sz="1600"/>
-              <a:t>	В проекте каждой сборки присутствует файл </a:t>
-            </a:r>
-            <a:r>
-              <a:rPr lang="en-US" sz="1600"/>
-              <a:t>Assemblyinfo.cs</a:t>
-            </a:r>
-            <a:r>
-              <a:rPr lang="ru-RU" sz="1600"/>
-              <a:t>, в который можно размещать информацию о текущей сборке. </a:t>
-            </a:r>
-            <a:endParaRPr lang="en-US" sz="1600"/>
-          </a:p>
-        </p:txBody>
-      </p:sp>
-      <p:sp>
-        <p:nvSpPr>
-          <p:cNvPr id="27650" name="Rectangle 2"/>
-          <p:cNvSpPr>
-            <a:spLocks noChangeArrowheads="1"/>
-          </p:cNvSpPr>
-          <p:nvPr/>
-        </p:nvSpPr>
-        <p:spPr bwMode="auto">
-          <a:xfrm>
-            <a:off x="152400" y="1101725"/>
-            <a:ext cx="8839200" cy="2708275"/>
-          </a:xfrm>
-          <a:prstGeom prst="rect">
-            <a:avLst/>
-          </a:prstGeom>
-          <a:noFill/>
-          <a:ln w="9525">
-            <a:solidFill>
-              <a:schemeClr val="bg1">
-                <a:lumMod val="65000"/>
-              </a:schemeClr>
-            </a:solidFill>
-            <a:miter lim="800000"/>
-            <a:headEnd/>
-            <a:tailEnd/>
-          </a:ln>
-          <a:effectLst/>
-        </p:spPr>
-        <p:txBody>
-          <a:bodyPr anchor="ctr">
-            <a:spAutoFit/>
-          </a:bodyPr>
-          <a:lstStyle/>
-          <a:p>
-            <a:pPr eaLnBrk="0" hangingPunct="0">
-              <a:defRPr/>
-            </a:pPr>
-            <a:r>
-              <a:rPr lang="be-BY" sz="1000" dirty="0">
-                <a:solidFill>
-                  <a:schemeClr val="bg1"/>
-                </a:solidFill>
-                <a:latin typeface="Courier New" pitchFamily="49" charset="0"/>
-                <a:ea typeface="Calibri" pitchFamily="34" charset="0"/>
-                <a:cs typeface="Courier New" pitchFamily="49" charset="0"/>
-              </a:rPr>
-              <a:t>// Общая информация о сборке</a:t>
-            </a:r>
-            <a:endParaRPr lang="be-BY" sz="900" dirty="0">
-              <a:solidFill>
-                <a:schemeClr val="bg1"/>
-              </a:solidFill>
-              <a:ea typeface="Calibri" pitchFamily="34" charset="0"/>
-              <a:cs typeface="Courier New" pitchFamily="49" charset="0"/>
-            </a:endParaRPr>
-          </a:p>
-          <a:p>
-            <a:pPr eaLnBrk="0" hangingPunct="0">
-              <a:defRPr/>
-            </a:pPr>
-            <a:r>
-              <a:rPr lang="be-BY" sz="1000" dirty="0">
-                <a:solidFill>
-                  <a:schemeClr val="bg1"/>
-                </a:solidFill>
-                <a:latin typeface="Courier New" pitchFamily="49" charset="0"/>
-                <a:ea typeface="Calibri" pitchFamily="34" charset="0"/>
-                <a:cs typeface="Courier New" pitchFamily="49" charset="0"/>
-              </a:rPr>
-              <a:t>[assembly: AssemblyTitle("Complex")]        //Название сборки</a:t>
-            </a:r>
-            <a:endParaRPr lang="be-BY" sz="900" dirty="0">
-              <a:solidFill>
-                <a:schemeClr val="bg1"/>
-              </a:solidFill>
-              <a:ea typeface="Calibri" pitchFamily="34" charset="0"/>
-              <a:cs typeface="Courier New" pitchFamily="49" charset="0"/>
-            </a:endParaRPr>
-          </a:p>
-          <a:p>
-            <a:pPr eaLnBrk="0" hangingPunct="0">
-              <a:defRPr/>
-            </a:pPr>
-            <a:r>
-              <a:rPr lang="be-BY" sz="1000" dirty="0">
-                <a:solidFill>
-                  <a:schemeClr val="bg1"/>
-                </a:solidFill>
-                <a:latin typeface="Courier New" pitchFamily="49" charset="0"/>
-                <a:ea typeface="Calibri" pitchFamily="34" charset="0"/>
-                <a:cs typeface="Courier New" pitchFamily="49" charset="0"/>
-              </a:rPr>
-              <a:t>[assembly: AssemblyDescription("")]         //Описание</a:t>
-            </a:r>
-            <a:endParaRPr lang="be-BY" sz="900" dirty="0">
-              <a:solidFill>
-                <a:schemeClr val="bg1"/>
-              </a:solidFill>
-              <a:ea typeface="Calibri" pitchFamily="34" charset="0"/>
-              <a:cs typeface="Courier New" pitchFamily="49" charset="0"/>
-            </a:endParaRPr>
-          </a:p>
-          <a:p>
-            <a:pPr eaLnBrk="0" hangingPunct="0">
-              <a:defRPr/>
-            </a:pPr>
-            <a:r>
-              <a:rPr lang="be-BY" sz="1000" dirty="0">
-                <a:solidFill>
-                  <a:schemeClr val="bg1"/>
-                </a:solidFill>
-                <a:latin typeface="Courier New" pitchFamily="49" charset="0"/>
-                <a:ea typeface="Calibri" pitchFamily="34" charset="0"/>
-                <a:cs typeface="Courier New" pitchFamily="49" charset="0"/>
-              </a:rPr>
-              <a:t>[assembly: AssemblyConfiguration("")]       //Строка конфигурирования</a:t>
-            </a:r>
-            <a:endParaRPr lang="be-BY" sz="900" dirty="0">
-              <a:solidFill>
-                <a:schemeClr val="bg1"/>
-              </a:solidFill>
-              <a:ea typeface="Calibri" pitchFamily="34" charset="0"/>
-              <a:cs typeface="Courier New" pitchFamily="49" charset="0"/>
-            </a:endParaRPr>
-          </a:p>
-          <a:p>
-            <a:pPr eaLnBrk="0" hangingPunct="0">
-              <a:defRPr/>
-            </a:pPr>
-            <a:r>
-              <a:rPr lang="be-BY" sz="1000" dirty="0">
-                <a:solidFill>
-                  <a:schemeClr val="bg1"/>
-                </a:solidFill>
-                <a:latin typeface="Courier New" pitchFamily="49" charset="0"/>
-                <a:ea typeface="Calibri" pitchFamily="34" charset="0"/>
-                <a:cs typeface="Courier New" pitchFamily="49" charset="0"/>
-              </a:rPr>
-              <a:t>[assembly: AssemblyCompany("Microsoft")]    //Компания-разработчик сборки</a:t>
-            </a:r>
-            <a:endParaRPr lang="be-BY" sz="900" dirty="0">
-              <a:solidFill>
-                <a:schemeClr val="bg1"/>
-              </a:solidFill>
-              <a:ea typeface="Calibri" pitchFamily="34" charset="0"/>
-              <a:cs typeface="Courier New" pitchFamily="49" charset="0"/>
-            </a:endParaRPr>
-          </a:p>
-          <a:p>
-            <a:pPr eaLnBrk="0" hangingPunct="0">
-              <a:defRPr/>
-            </a:pPr>
-            <a:r>
-              <a:rPr lang="be-BY" sz="1000" dirty="0">
-                <a:solidFill>
-                  <a:schemeClr val="bg1"/>
-                </a:solidFill>
-                <a:latin typeface="Courier New" pitchFamily="49" charset="0"/>
-                <a:ea typeface="Calibri" pitchFamily="34" charset="0"/>
-                <a:cs typeface="Courier New" pitchFamily="49" charset="0"/>
-              </a:rPr>
-              <a:t>[assembly: AssemblyProduct("Complex")]      //Имя продукта</a:t>
-            </a:r>
-            <a:endParaRPr lang="be-BY" sz="900" dirty="0">
-              <a:solidFill>
-                <a:schemeClr val="bg1"/>
-              </a:solidFill>
-              <a:ea typeface="Calibri" pitchFamily="34" charset="0"/>
-              <a:cs typeface="Courier New" pitchFamily="49" charset="0"/>
-            </a:endParaRPr>
-          </a:p>
-          <a:p>
-            <a:pPr eaLnBrk="0" hangingPunct="0">
-              <a:defRPr/>
-            </a:pPr>
-            <a:r>
-              <a:rPr lang="be-BY" sz="1000" dirty="0">
-                <a:solidFill>
-                  <a:schemeClr val="bg1"/>
-                </a:solidFill>
-                <a:latin typeface="Courier New" pitchFamily="49" charset="0"/>
-                <a:ea typeface="Calibri" pitchFamily="34" charset="0"/>
-                <a:cs typeface="Courier New" pitchFamily="49" charset="0"/>
-              </a:rPr>
-              <a:t>[assembly: AssemblyCopyright("Copyright </a:t>
-            </a:r>
-            <a:r>
-              <a:rPr lang="be-BY" sz="1000" dirty="0">
-                <a:solidFill>
-                  <a:schemeClr val="bg1"/>
-                </a:solidFill>
-                <a:latin typeface="Calibri" pitchFamily="34" charset="0"/>
-                <a:ea typeface="Calibri" pitchFamily="34" charset="0"/>
-                <a:cs typeface="Courier New" pitchFamily="49" charset="0"/>
-              </a:rPr>
-              <a:t>©</a:t>
-            </a:r>
-            <a:r>
-              <a:rPr lang="be-BY" sz="1000" dirty="0">
-                <a:solidFill>
-                  <a:schemeClr val="bg1"/>
-                </a:solidFill>
-                <a:latin typeface="Courier New" pitchFamily="49" charset="0"/>
-                <a:ea typeface="Calibri" pitchFamily="34" charset="0"/>
-                <a:cs typeface="Courier New" pitchFamily="49" charset="0"/>
-              </a:rPr>
-              <a:t> Microsoft 2010")]     //Права на сборку</a:t>
-            </a:r>
-            <a:endParaRPr lang="be-BY" sz="900" dirty="0">
-              <a:solidFill>
-                <a:schemeClr val="bg1"/>
-              </a:solidFill>
-              <a:ea typeface="Calibri" pitchFamily="34" charset="0"/>
-              <a:cs typeface="Courier New" pitchFamily="49" charset="0"/>
-            </a:endParaRPr>
-          </a:p>
-          <a:p>
-            <a:pPr eaLnBrk="0" hangingPunct="0">
-              <a:defRPr/>
-            </a:pPr>
-            <a:r>
-              <a:rPr lang="be-BY" sz="1000" dirty="0">
-                <a:solidFill>
-                  <a:schemeClr val="bg1"/>
-                </a:solidFill>
-                <a:latin typeface="Courier New" pitchFamily="49" charset="0"/>
-                <a:ea typeface="Calibri" pitchFamily="34" charset="0"/>
-                <a:cs typeface="Courier New" pitchFamily="49" charset="0"/>
-              </a:rPr>
-              <a:t>[assembly: AssemblyTrademark("")]           //Торговая марка</a:t>
-            </a:r>
-            <a:endParaRPr lang="be-BY" sz="900" dirty="0">
-              <a:solidFill>
-                <a:schemeClr val="bg1"/>
-              </a:solidFill>
-              <a:ea typeface="Calibri" pitchFamily="34" charset="0"/>
-              <a:cs typeface="Courier New" pitchFamily="49" charset="0"/>
-            </a:endParaRPr>
-          </a:p>
-          <a:p>
-            <a:pPr eaLnBrk="0" hangingPunct="0">
-              <a:defRPr/>
-            </a:pPr>
-            <a:r>
-              <a:rPr lang="be-BY" sz="1000" dirty="0">
-                <a:solidFill>
-                  <a:schemeClr val="bg1"/>
-                </a:solidFill>
-                <a:latin typeface="Courier New" pitchFamily="49" charset="0"/>
-                <a:ea typeface="Calibri" pitchFamily="34" charset="0"/>
-                <a:cs typeface="Courier New" pitchFamily="49" charset="0"/>
-              </a:rPr>
-              <a:t>[assembly: AssemblyCulture("")]             //Языковая культура</a:t>
-            </a:r>
-            <a:endParaRPr lang="be-BY" sz="900" dirty="0">
-              <a:solidFill>
-                <a:schemeClr val="bg1"/>
-              </a:solidFill>
-              <a:ea typeface="Calibri" pitchFamily="34" charset="0"/>
-              <a:cs typeface="Courier New" pitchFamily="49" charset="0"/>
-            </a:endParaRPr>
-          </a:p>
-          <a:p>
-            <a:pPr eaLnBrk="0" hangingPunct="0">
-              <a:defRPr/>
-            </a:pPr>
-            <a:endParaRPr lang="be-BY" sz="1000" dirty="0">
-              <a:solidFill>
-                <a:schemeClr val="bg1"/>
-              </a:solidFill>
-              <a:latin typeface="Courier New" pitchFamily="49" charset="0"/>
-              <a:ea typeface="Calibri" pitchFamily="34" charset="0"/>
-              <a:cs typeface="Courier New" pitchFamily="49" charset="0"/>
-            </a:endParaRPr>
-          </a:p>
-          <a:p>
-            <a:pPr eaLnBrk="0" hangingPunct="0">
-              <a:defRPr/>
-            </a:pPr>
-            <a:r>
-              <a:rPr lang="ru-RU" sz="1000" dirty="0">
-                <a:solidFill>
-                  <a:schemeClr val="bg1"/>
-                </a:solidFill>
-                <a:latin typeface="Courier New" pitchFamily="49" charset="0"/>
-                <a:ea typeface="Calibri" pitchFamily="34" charset="0"/>
-                <a:cs typeface="Courier New" pitchFamily="49" charset="0"/>
-              </a:rPr>
-              <a:t>// Информация для использования сборки в </a:t>
-            </a:r>
-            <a:r>
-              <a:rPr lang="en-US" sz="1000" dirty="0">
-                <a:solidFill>
-                  <a:schemeClr val="bg1"/>
-                </a:solidFill>
-                <a:latin typeface="Courier New" pitchFamily="49" charset="0"/>
-                <a:ea typeface="Calibri" pitchFamily="34" charset="0"/>
-                <a:cs typeface="Courier New" pitchFamily="49" charset="0"/>
-              </a:rPr>
-              <a:t>COM-</a:t>
-            </a:r>
-            <a:r>
-              <a:rPr lang="ru-RU" sz="1000" dirty="0">
-                <a:solidFill>
-                  <a:schemeClr val="bg1"/>
-                </a:solidFill>
-                <a:latin typeface="Courier New" pitchFamily="49" charset="0"/>
-                <a:ea typeface="Calibri" pitchFamily="34" charset="0"/>
-                <a:cs typeface="Courier New" pitchFamily="49" charset="0"/>
-              </a:rPr>
-              <a:t>серверах.</a:t>
-            </a:r>
-            <a:endParaRPr lang="be-BY" sz="1000" dirty="0">
-              <a:solidFill>
-                <a:schemeClr val="bg1"/>
-              </a:solidFill>
-              <a:latin typeface="Courier New" pitchFamily="49" charset="0"/>
-              <a:ea typeface="Calibri" pitchFamily="34" charset="0"/>
-              <a:cs typeface="Courier New" pitchFamily="49" charset="0"/>
-            </a:endParaRPr>
-          </a:p>
-          <a:p>
-            <a:pPr eaLnBrk="0" hangingPunct="0">
-              <a:defRPr/>
-            </a:pPr>
-            <a:r>
-              <a:rPr lang="be-BY" sz="1000" dirty="0">
-                <a:solidFill>
-                  <a:schemeClr val="bg1"/>
-                </a:solidFill>
-                <a:latin typeface="Courier New" pitchFamily="49" charset="0"/>
-                <a:ea typeface="Calibri" pitchFamily="34" charset="0"/>
-                <a:cs typeface="Courier New" pitchFamily="49" charset="0"/>
-              </a:rPr>
-              <a:t>[assembly: ComVisible(false)]</a:t>
-            </a:r>
-            <a:endParaRPr lang="be-BY" sz="900" dirty="0">
-              <a:solidFill>
-                <a:schemeClr val="bg1"/>
-              </a:solidFill>
-              <a:ea typeface="Calibri" pitchFamily="34" charset="0"/>
-              <a:cs typeface="Courier New" pitchFamily="49" charset="0"/>
-            </a:endParaRPr>
-          </a:p>
-          <a:p>
-            <a:pPr eaLnBrk="0" hangingPunct="0">
-              <a:defRPr/>
-            </a:pPr>
-            <a:r>
-              <a:rPr lang="be-BY" sz="1000" dirty="0">
-                <a:solidFill>
-                  <a:schemeClr val="bg1"/>
-                </a:solidFill>
-                <a:latin typeface="Courier New" pitchFamily="49" charset="0"/>
-                <a:ea typeface="Calibri" pitchFamily="34" charset="0"/>
-                <a:cs typeface="Courier New" pitchFamily="49" charset="0"/>
-              </a:rPr>
-              <a:t>[assembly: Guid("62edbab6-8997-48b5-997d-2a5a35a45b2f")]</a:t>
-            </a:r>
-            <a:endParaRPr lang="be-BY" sz="900" dirty="0">
-              <a:solidFill>
-                <a:schemeClr val="bg1"/>
-              </a:solidFill>
-              <a:ea typeface="Calibri" pitchFamily="34" charset="0"/>
-              <a:cs typeface="Courier New" pitchFamily="49" charset="0"/>
-            </a:endParaRPr>
-          </a:p>
-          <a:p>
-            <a:pPr eaLnBrk="0" hangingPunct="0">
-              <a:defRPr/>
-            </a:pPr>
-            <a:endParaRPr lang="be-BY" sz="1000" dirty="0">
-              <a:solidFill>
-                <a:schemeClr val="bg1"/>
-              </a:solidFill>
-              <a:latin typeface="Courier New" pitchFamily="49" charset="0"/>
-              <a:ea typeface="Calibri" pitchFamily="34" charset="0"/>
-              <a:cs typeface="Courier New" pitchFamily="49" charset="0"/>
-            </a:endParaRPr>
-          </a:p>
-          <a:p>
-            <a:pPr eaLnBrk="0" hangingPunct="0">
-              <a:defRPr/>
-            </a:pPr>
-            <a:r>
-              <a:rPr lang="ru-RU" sz="1000" dirty="0">
-                <a:solidFill>
-                  <a:schemeClr val="bg1"/>
-                </a:solidFill>
-                <a:latin typeface="Courier New" pitchFamily="49" charset="0"/>
-                <a:ea typeface="Calibri" pitchFamily="34" charset="0"/>
-                <a:cs typeface="Courier New" pitchFamily="49" charset="0"/>
-              </a:rPr>
-              <a:t>// Версия сборки. Используется для создания публичных сборок.</a:t>
-            </a:r>
-            <a:endParaRPr lang="be-BY" sz="1000" dirty="0">
-              <a:solidFill>
-                <a:schemeClr val="bg1"/>
-              </a:solidFill>
-              <a:latin typeface="Courier New" pitchFamily="49" charset="0"/>
-              <a:ea typeface="Calibri" pitchFamily="34" charset="0"/>
-              <a:cs typeface="Courier New" pitchFamily="49" charset="0"/>
-            </a:endParaRPr>
-          </a:p>
-          <a:p>
-            <a:pPr eaLnBrk="0" hangingPunct="0">
-              <a:defRPr/>
-            </a:pPr>
-            <a:r>
-              <a:rPr lang="be-BY" sz="1000" dirty="0">
-                <a:solidFill>
-                  <a:schemeClr val="bg1"/>
-                </a:solidFill>
-                <a:latin typeface="Courier New" pitchFamily="49" charset="0"/>
-                <a:ea typeface="Calibri" pitchFamily="34" charset="0"/>
-                <a:cs typeface="Courier New" pitchFamily="49" charset="0"/>
-              </a:rPr>
-              <a:t>[assembly: AssemblyVersion("1.0.0.0")]      //Версия сборки</a:t>
-            </a:r>
-            <a:endParaRPr lang="be-BY" sz="900" dirty="0">
-              <a:solidFill>
-                <a:schemeClr val="bg1"/>
-              </a:solidFill>
-              <a:ea typeface="Calibri" pitchFamily="34" charset="0"/>
-              <a:cs typeface="Courier New" pitchFamily="49" charset="0"/>
-            </a:endParaRPr>
-          </a:p>
-          <a:p>
-            <a:pPr eaLnBrk="0" hangingPunct="0">
-              <a:defRPr/>
-            </a:pPr>
-            <a:r>
-              <a:rPr lang="be-BY" sz="1000" dirty="0">
-                <a:solidFill>
-                  <a:schemeClr val="bg1"/>
-                </a:solidFill>
-                <a:latin typeface="Courier New" pitchFamily="49" charset="0"/>
-                <a:ea typeface="Calibri" pitchFamily="34" charset="0"/>
-                <a:cs typeface="Courier New" pitchFamily="49" charset="0"/>
-              </a:rPr>
-              <a:t>[assembly: AssemblyFileVersion("1.0.0.0")]  //Версяи файла</a:t>
-            </a:r>
-            <a:endParaRPr lang="be-BY" dirty="0">
-              <a:solidFill>
-                <a:schemeClr val="bg1"/>
-              </a:solidFill>
-              <a:ea typeface="Calibri" pitchFamily="34" charset="0"/>
-              <a:cs typeface="Courier New" pitchFamily="49" charset="0"/>
-            </a:endParaRPr>
-          </a:p>
-        </p:txBody>
-      </p:sp>
-      <p:sp>
-        <p:nvSpPr>
-          <p:cNvPr id="5125" name="Rectangle 5"/>
-          <p:cNvSpPr>
-            <a:spLocks noChangeArrowheads="1"/>
-          </p:cNvSpPr>
-          <p:nvPr/>
-        </p:nvSpPr>
-        <p:spPr bwMode="auto">
-          <a:xfrm>
-            <a:off x="152400" y="3905250"/>
-            <a:ext cx="8839200" cy="2554288"/>
-          </a:xfrm>
-          <a:prstGeom prst="rect">
-            <a:avLst/>
-          </a:prstGeom>
-          <a:noFill/>
-          <a:ln>
-            <a:noFill/>
-          </a:ln>
-          <a:extLst>
-            <a:ext uri="{909E8E84-426E-40DD-AFC4-6F175D3DCCD1}">
-              <a14:hiddenFill xmlns:a14="http://schemas.microsoft.com/office/drawing/2010/main">
-                <a:solidFill>
-                  <a:srgbClr val="FFFFFF"/>
-                </a:solidFill>
-              </a14:hiddenFill>
-            </a:ext>
-            <a:ext uri="{91240B29-F687-4F45-9708-019B960494DF}">
-              <a14:hiddenLine xmlns:a14="http://schemas.microsoft.com/office/drawing/2010/main" w="9525">
-                <a:solidFill>
-                  <a:srgbClr val="000000"/>
-                </a:solidFill>
-                <a:miter lim="800000"/>
-                <a:headEnd/>
-                <a:tailEnd/>
-              </a14:hiddenLine>
-            </a:ext>
-          </a:extLst>
-        </p:spPr>
-        <p:txBody>
-          <a:bodyPr anchor="ctr">
-            <a:spAutoFit/>
-          </a:bodyPr>
-          <a:lstStyle/>
-          <a:p>
-            <a:r>
-              <a:rPr lang="ru-RU" sz="1600" dirty="0"/>
-              <a:t>	Для частных сборок версия не несет особого функционального смысла, однако для публичных сборок версия помогает различать сборки с одним и тем же именем. Версия сборки состоит из 4-х частей</a:t>
-            </a:r>
-            <a:r>
-              <a:rPr lang="en-US" sz="1600" dirty="0"/>
-              <a:t>:</a:t>
-            </a:r>
-          </a:p>
-          <a:p>
-            <a:pPr lvl="1">
-              <a:buFont typeface="Arial" charset="0"/>
-              <a:buChar char="•"/>
-            </a:pPr>
-            <a:r>
-              <a:rPr lang="ru-RU" sz="1600" b="1" dirty="0"/>
-              <a:t>Основной номер версии</a:t>
-            </a:r>
-          </a:p>
-          <a:p>
-            <a:pPr lvl="1">
-              <a:buFont typeface="Arial" charset="0"/>
-              <a:buChar char="•"/>
-            </a:pPr>
-            <a:r>
-              <a:rPr lang="ru-RU" sz="1600" b="1" dirty="0"/>
-              <a:t>Дополнительный номер версии</a:t>
-            </a:r>
-          </a:p>
-          <a:p>
-            <a:pPr lvl="1">
-              <a:buFont typeface="Arial" charset="0"/>
-              <a:buChar char="•"/>
-            </a:pPr>
-            <a:r>
-              <a:rPr lang="ru-RU" sz="1600" b="1" dirty="0"/>
-              <a:t>Номер редакции</a:t>
-            </a:r>
-          </a:p>
-          <a:p>
-            <a:pPr lvl="1">
-              <a:buFont typeface="Arial" charset="0"/>
-              <a:buChar char="•"/>
-            </a:pPr>
-            <a:r>
-              <a:rPr lang="ru-RU" sz="1600" b="1" dirty="0"/>
-              <a:t>Номер сборки</a:t>
-            </a:r>
-            <a:endParaRPr lang="ru-RU" sz="1600" dirty="0"/>
-          </a:p>
-          <a:p>
-            <a:r>
-              <a:rPr lang="ru-RU" sz="1600" dirty="0"/>
-              <a:t>Первые 2 числа в версии полностью отличают одну сборку от другой. Номер редакции может быть обратно совместим. Номер сборки указывает на мелкие изменения, обеспечивая полную совместимость.</a:t>
-            </a:r>
-          </a:p>
-        </p:txBody>
-      </p:sp>
-    </p:spTree>
-    <p:extLst>
-      <p:ext uri="{BB962C8B-B14F-4D97-AF65-F5344CB8AC3E}">
-        <p14:creationId xmlns:p14="http://schemas.microsoft.com/office/powerpoint/2010/main" val="3864391885"/>
-      </p:ext>
-    </p:extLst>
-  </p:cSld>
-  <p:clrMapOvr>
-    <a:masterClrMapping/>
-  </p:clrMapOvr>
-  <p:timing>
-    <p:tnLst>
-      <p:par>
-        <p:cTn id="1" dur="indefinite" restart="never" nodeType="tmRoot"/>
-      </p:par>
-    </p:tnLst>
-  </p:timing>
-</p:sld>
-</file>
-
-<file path=ppt/slides/slide17.xml><?xml version="1.0" encoding="utf-8"?>
-<p:sld xmlns:a="http://schemas.openxmlformats.org/drawingml/2006/main" xmlns:r="http://schemas.openxmlformats.org/officeDocument/2006/relationships" xmlns:p="http://schemas.openxmlformats.org/presentationml/2006/main">
-  <p:cSld>
-    <p:spTree>
-      <p:nvGrpSpPr>
-        <p:cNvPr id="1" name=""/>
-        <p:cNvGrpSpPr/>
-        <p:nvPr/>
-      </p:nvGrpSpPr>
-      <p:grpSpPr>
-        <a:xfrm>
-          <a:off x="0" y="0"/>
-          <a:ext cx="0" cy="0"/>
-          <a:chOff x="0" y="0"/>
-          <a:chExt cx="0" cy="0"/>
-        </a:xfrm>
-      </p:grpSpPr>
-      <p:sp>
-        <p:nvSpPr>
-          <p:cNvPr id="6146" name="Rectangle 3"/>
-          <p:cNvSpPr>
-            <a:spLocks noChangeArrowheads="1"/>
-          </p:cNvSpPr>
-          <p:nvPr/>
-        </p:nvSpPr>
-        <p:spPr bwMode="auto">
-          <a:xfrm>
-            <a:off x="152400" y="-4763"/>
-            <a:ext cx="8763000" cy="461963"/>
-          </a:xfrm>
-          <a:prstGeom prst="rect">
-            <a:avLst/>
-          </a:prstGeom>
-          <a:noFill/>
-          <a:ln>
-            <a:noFill/>
-          </a:ln>
-          <a:extLst>
-            <a:ext uri="{909E8E84-426E-40DD-AFC4-6F175D3DCCD1}">
-              <a14:hiddenFill xmlns:a14="http://schemas.microsoft.com/office/drawing/2010/main">
-                <a:solidFill>
-                  <a:srgbClr val="FFFFFF"/>
-                </a:solidFill>
-              </a14:hiddenFill>
-            </a:ext>
-            <a:ext uri="{91240B29-F687-4F45-9708-019B960494DF}">
-              <a14:hiddenLine xmlns:a14="http://schemas.microsoft.com/office/drawing/2010/main" w="9525">
-                <a:solidFill>
-                  <a:srgbClr val="000000"/>
-                </a:solidFill>
-                <a:miter lim="800000"/>
-                <a:headEnd/>
-                <a:tailEnd/>
-              </a14:hiddenLine>
-            </a:ext>
-          </a:extLst>
-        </p:spPr>
-        <p:txBody>
-          <a:bodyPr anchor="ctr">
-            <a:spAutoFit/>
-          </a:bodyPr>
-          <a:lstStyle/>
-          <a:p>
-            <a:pPr algn="ctr"/>
-            <a:r>
-              <a:rPr lang="be-BY" sz="2400" b="1" dirty="0"/>
-              <a:t>Глобальный кэш сборок.</a:t>
-            </a:r>
-            <a:endParaRPr lang="en-US" sz="2400" b="1" dirty="0"/>
-          </a:p>
-        </p:txBody>
-      </p:sp>
-      <p:sp>
-        <p:nvSpPr>
-          <p:cNvPr id="6147" name="Rectangle 3"/>
-          <p:cNvSpPr>
-            <a:spLocks noChangeArrowheads="1"/>
-          </p:cNvSpPr>
-          <p:nvPr/>
-        </p:nvSpPr>
-        <p:spPr bwMode="auto">
-          <a:xfrm>
-            <a:off x="152400" y="482600"/>
-            <a:ext cx="8839200" cy="5016500"/>
-          </a:xfrm>
-          <a:prstGeom prst="rect">
-            <a:avLst/>
-          </a:prstGeom>
-          <a:noFill/>
-          <a:ln>
-            <a:noFill/>
-          </a:ln>
-          <a:extLst>
-            <a:ext uri="{909E8E84-426E-40DD-AFC4-6F175D3DCCD1}">
-              <a14:hiddenFill xmlns:a14="http://schemas.microsoft.com/office/drawing/2010/main">
-                <a:solidFill>
-                  <a:srgbClr val="FFFFFF"/>
-                </a:solidFill>
-              </a14:hiddenFill>
-            </a:ext>
-            <a:ext uri="{91240B29-F687-4F45-9708-019B960494DF}">
-              <a14:hiddenLine xmlns:a14="http://schemas.microsoft.com/office/drawing/2010/main" w="9525">
-                <a:solidFill>
-                  <a:srgbClr val="000000"/>
-                </a:solidFill>
-                <a:miter lim="800000"/>
-                <a:headEnd/>
-                <a:tailEnd/>
-              </a14:hiddenLine>
-            </a:ext>
-          </a:extLst>
-        </p:spPr>
-        <p:txBody>
-          <a:bodyPr anchor="ctr">
-            <a:spAutoFit/>
-          </a:bodyPr>
-          <a:lstStyle/>
-          <a:p>
-            <a:r>
-              <a:rPr lang="ru-RU" sz="1600"/>
-              <a:t>	Все публичные сборки располагаются в глобальном кэше сборок (</a:t>
-            </a:r>
-            <a:r>
-              <a:rPr lang="en-US" sz="1600"/>
-              <a:t>Global Assembly Cache, GAC</a:t>
-            </a:r>
-            <a:r>
-              <a:rPr lang="ru-RU" sz="1600"/>
-              <a:t>). Папка </a:t>
-            </a:r>
-            <a:r>
-              <a:rPr lang="en-US" sz="1600"/>
-              <a:t>GAC </a:t>
-            </a:r>
-            <a:r>
-              <a:rPr lang="ru-RU" sz="1600"/>
-              <a:t>находится по адресу </a:t>
-            </a:r>
-            <a:r>
-              <a:rPr lang="en-US" sz="1600"/>
-              <a:t>…Windows\assembly.</a:t>
-            </a:r>
-            <a:endParaRPr lang="ru-RU" sz="1600"/>
-          </a:p>
-          <a:p>
-            <a:endParaRPr lang="ru-RU" sz="1600"/>
-          </a:p>
-          <a:p>
-            <a:r>
-              <a:rPr lang="ru-RU" sz="1600"/>
-              <a:t>Сборки в </a:t>
-            </a:r>
-            <a:r>
-              <a:rPr lang="en-US" sz="1600"/>
-              <a:t>GAC </a:t>
-            </a:r>
-            <a:r>
-              <a:rPr lang="ru-RU" sz="1600"/>
-              <a:t>различаются по трем критериям</a:t>
-            </a:r>
-            <a:r>
-              <a:rPr lang="en-US" sz="1600"/>
-              <a:t>:	 </a:t>
-            </a:r>
-            <a:r>
-              <a:rPr lang="en-US" sz="1600" b="1"/>
-              <a:t>Name, Version=1.2.0.0, Culture=neutral</a:t>
-            </a:r>
-            <a:r>
-              <a:rPr lang="ru-RU" sz="1600" b="1"/>
-              <a:t>.</a:t>
-            </a:r>
-          </a:p>
-          <a:p>
-            <a:r>
-              <a:rPr lang="ru-RU" sz="1600"/>
-              <a:t>То есть имя сборки(имя файла), Версия сборки и языковая культура.</a:t>
-            </a:r>
-          </a:p>
-          <a:p>
-            <a:endParaRPr lang="ru-RU" sz="1600"/>
-          </a:p>
-          <a:p>
-            <a:r>
-              <a:rPr lang="ru-RU" sz="1600"/>
-              <a:t>	Для размещения сборки в </a:t>
-            </a:r>
-            <a:r>
-              <a:rPr lang="en-US" sz="1600"/>
-              <a:t>GAC</a:t>
-            </a:r>
-            <a:r>
-              <a:rPr lang="ru-RU" sz="1600"/>
-              <a:t>, для неё необходимо сгенерировать пару криптографических ключей, используя утилиту </a:t>
-            </a:r>
-            <a:r>
-              <a:rPr lang="en-US" sz="1600"/>
-              <a:t>sn.exe</a:t>
-            </a:r>
-            <a:r>
-              <a:rPr lang="ru-RU" sz="1600"/>
-              <a:t>, используя следующую строку</a:t>
-            </a:r>
-            <a:r>
-              <a:rPr lang="en-US" sz="1600"/>
-              <a:t>:</a:t>
-            </a:r>
-          </a:p>
-          <a:p>
-            <a:r>
-              <a:rPr lang="ru-RU" sz="1600"/>
-              <a:t>	</a:t>
-            </a:r>
-            <a:r>
-              <a:rPr lang="ru-RU" sz="1600" b="1"/>
-              <a:t> sn.exe -</a:t>
-            </a:r>
-            <a:r>
-              <a:rPr lang="en-US" sz="1600" b="1"/>
-              <a:t>k</a:t>
-            </a:r>
-            <a:r>
-              <a:rPr lang="ru-RU" sz="1600" b="1"/>
-              <a:t> </a:t>
-            </a:r>
-            <a:r>
-              <a:rPr lang="en-US" sz="1600" b="1"/>
-              <a:t>C:\</a:t>
-            </a:r>
-            <a:r>
-              <a:rPr lang="ru-RU" sz="1600" b="1"/>
-              <a:t>keys.snk</a:t>
-            </a:r>
-          </a:p>
-          <a:p>
-            <a:r>
-              <a:rPr lang="ru-RU" sz="1600"/>
-              <a:t>В качестве исполняемой среды можно использовать </a:t>
-            </a:r>
-            <a:r>
-              <a:rPr lang="en-US" sz="1600"/>
-              <a:t>Tools -&gt; Visual Studio Command Prompt.</a:t>
-            </a:r>
-          </a:p>
-          <a:p>
-            <a:endParaRPr lang="en-US" sz="1600"/>
-          </a:p>
-          <a:p>
-            <a:r>
-              <a:rPr lang="ru-RU" sz="1600"/>
-              <a:t>После того, как будет сгенерирован файл </a:t>
-            </a:r>
-            <a:r>
-              <a:rPr lang="en-US" sz="1600"/>
-              <a:t>keys.snk</a:t>
-            </a:r>
-            <a:r>
-              <a:rPr lang="ru-RU" sz="1600"/>
-              <a:t>, его необходимо указать в сборке, используя строчку</a:t>
-            </a:r>
-          </a:p>
-          <a:p>
-            <a:r>
-              <a:rPr lang="ru-RU" sz="1600"/>
-              <a:t>	</a:t>
-            </a:r>
-            <a:r>
-              <a:rPr lang="en-US" sz="1600" b="1"/>
-              <a:t> [assembly: AssemblyKeyFile("key.snk")]</a:t>
-            </a:r>
-            <a:endParaRPr lang="ru-RU" sz="1600" b="1"/>
-          </a:p>
-          <a:p>
-            <a:r>
-              <a:rPr lang="ru-RU" sz="1600"/>
-              <a:t>После чего нужно заново скомпилировать сбору. Далее можно либо перетащить </a:t>
-            </a:r>
-            <a:r>
-              <a:rPr lang="en-US" sz="1600"/>
-              <a:t>dll-</a:t>
-            </a:r>
-            <a:r>
-              <a:rPr lang="ru-RU" sz="1600"/>
-              <a:t>файл в папку со сборками, либо воспользоваться утилитой gacutil.exe</a:t>
-            </a:r>
-            <a:r>
-              <a:rPr lang="en-US" sz="1600"/>
-              <a:t>. </a:t>
-            </a:r>
-            <a:r>
-              <a:rPr lang="ru-RU" sz="1600"/>
-              <a:t>Ключ </a:t>
-            </a:r>
-            <a:r>
-              <a:rPr lang="en-US" sz="1600" b="1"/>
-              <a:t>/i</a:t>
-            </a:r>
-            <a:r>
-              <a:rPr lang="en-US" sz="1600"/>
-              <a:t> </a:t>
-            </a:r>
-            <a:r>
-              <a:rPr lang="ru-RU" sz="1600"/>
-              <a:t>помещает сборку в </a:t>
-            </a:r>
-            <a:r>
-              <a:rPr lang="en-US" sz="1600"/>
-              <a:t>GAC</a:t>
-            </a:r>
-            <a:r>
-              <a:rPr lang="ru-RU" sz="1600"/>
-              <a:t>, а ключ </a:t>
-            </a:r>
-            <a:r>
-              <a:rPr lang="en-US" sz="1600" b="1"/>
-              <a:t>/t </a:t>
-            </a:r>
-            <a:r>
-              <a:rPr lang="en-US" sz="1600"/>
-              <a:t>–</a:t>
-            </a:r>
-            <a:r>
-              <a:rPr lang="ru-RU" sz="1600"/>
-              <a:t> удаляет её оттуда.</a:t>
-            </a:r>
-            <a:endParaRPr lang="en-US" sz="1600"/>
-          </a:p>
-          <a:p>
-            <a:r>
-              <a:rPr lang="en-US" sz="1600"/>
-              <a:t>	</a:t>
-            </a:r>
-            <a:r>
-              <a:rPr lang="ru-RU" sz="1600"/>
-              <a:t>Строка для добавления сборки</a:t>
-            </a:r>
-            <a:r>
-              <a:rPr lang="en-US" sz="1600"/>
-              <a:t>:</a:t>
-            </a:r>
-          </a:p>
-          <a:p>
-            <a:r>
-              <a:rPr lang="en-US" sz="1600"/>
-              <a:t>	</a:t>
-            </a:r>
-            <a:r>
-              <a:rPr lang="en-US" sz="1600" b="1"/>
-              <a:t>gacutil.exe /i c:\Complex.dll</a:t>
-            </a:r>
-          </a:p>
-        </p:txBody>
-      </p:sp>
-    </p:spTree>
-    <p:extLst>
-      <p:ext uri="{BB962C8B-B14F-4D97-AF65-F5344CB8AC3E}">
-        <p14:creationId xmlns:p14="http://schemas.microsoft.com/office/powerpoint/2010/main" val="3748137644"/>
-      </p:ext>
-    </p:extLst>
-  </p:cSld>
-  <p:clrMapOvr>
-    <a:masterClrMapping/>
-  </p:clrMapOvr>
-  <p:timing>
-    <p:tnLst>
-      <p:par>
-        <p:cTn id="1" dur="indefinite" restart="never" nodeType="tmRoot"/>
-      </p:par>
-    </p:tnLst>
-  </p:timing>
-</p:sld>
-</file>
-
-<file path=ppt/slides/slide18.xml><?xml version="1.0" encoding="utf-8"?>
-<p:sld xmlns:a="http://schemas.openxmlformats.org/drawingml/2006/main" xmlns:r="http://schemas.openxmlformats.org/officeDocument/2006/relationships" xmlns:p="http://schemas.openxmlformats.org/presentationml/2006/main">
-  <p:cSld>
-    <p:spTree>
-      <p:nvGrpSpPr>
-        <p:cNvPr id="1" name=""/>
-        <p:cNvGrpSpPr/>
-        <p:nvPr/>
-      </p:nvGrpSpPr>
-      <p:grpSpPr>
-        <a:xfrm>
-          <a:off x="0" y="0"/>
-          <a:ext cx="0" cy="0"/>
-          <a:chOff x="0" y="0"/>
-          <a:chExt cx="0" cy="0"/>
-        </a:xfrm>
-      </p:grpSpPr>
-      <p:sp>
-        <p:nvSpPr>
-          <p:cNvPr id="7170" name="Rectangle 3"/>
-          <p:cNvSpPr>
-            <a:spLocks noChangeArrowheads="1"/>
-          </p:cNvSpPr>
-          <p:nvPr/>
-        </p:nvSpPr>
-        <p:spPr bwMode="auto">
-          <a:xfrm>
-            <a:off x="152400" y="-4763"/>
-            <a:ext cx="8763000" cy="461963"/>
-          </a:xfrm>
-          <a:prstGeom prst="rect">
-            <a:avLst/>
-          </a:prstGeom>
-          <a:noFill/>
-          <a:ln>
-            <a:noFill/>
-          </a:ln>
-          <a:extLst>
-            <a:ext uri="{909E8E84-426E-40DD-AFC4-6F175D3DCCD1}">
-              <a14:hiddenFill xmlns:a14="http://schemas.microsoft.com/office/drawing/2010/main">
-                <a:solidFill>
-                  <a:srgbClr val="FFFFFF"/>
-                </a:solidFill>
-              </a14:hiddenFill>
-            </a:ext>
-            <a:ext uri="{91240B29-F687-4F45-9708-019B960494DF}">
-              <a14:hiddenLine xmlns:a14="http://schemas.microsoft.com/office/drawing/2010/main" w="9525">
-                <a:solidFill>
-                  <a:srgbClr val="000000"/>
-                </a:solidFill>
-                <a:miter lim="800000"/>
-                <a:headEnd/>
-                <a:tailEnd/>
-              </a14:hiddenLine>
-            </a:ext>
-          </a:extLst>
-        </p:spPr>
-        <p:txBody>
-          <a:bodyPr anchor="ctr">
-            <a:spAutoFit/>
-          </a:bodyPr>
-          <a:lstStyle/>
-          <a:p>
-            <a:pPr algn="ctr"/>
-            <a:r>
-              <a:rPr lang="ru-RU" sz="2400" b="1"/>
-              <a:t>Рефлексия типов</a:t>
-            </a:r>
-            <a:r>
-              <a:rPr lang="be-BY" sz="2400" b="1"/>
-              <a:t>.</a:t>
-            </a:r>
-            <a:r>
-              <a:rPr lang="en-US" sz="2400" b="1"/>
-              <a:t> </a:t>
-            </a:r>
-            <a:r>
-              <a:rPr lang="ru-RU" sz="2400" b="1"/>
-              <a:t>Класс </a:t>
-            </a:r>
-            <a:r>
-              <a:rPr lang="en-US" sz="2400" b="1"/>
-              <a:t>Type.</a:t>
-            </a:r>
-          </a:p>
-        </p:txBody>
-      </p:sp>
-      <p:sp>
-        <p:nvSpPr>
-          <p:cNvPr id="7171" name="Rectangle 3"/>
-          <p:cNvSpPr>
-            <a:spLocks noChangeArrowheads="1"/>
-          </p:cNvSpPr>
-          <p:nvPr/>
-        </p:nvSpPr>
-        <p:spPr bwMode="auto">
-          <a:xfrm>
-            <a:off x="152400" y="457200"/>
-            <a:ext cx="8839200" cy="1570038"/>
-          </a:xfrm>
-          <a:prstGeom prst="rect">
-            <a:avLst/>
-          </a:prstGeom>
-          <a:noFill/>
-          <a:ln>
-            <a:noFill/>
-          </a:ln>
-          <a:extLst>
-            <a:ext uri="{909E8E84-426E-40DD-AFC4-6F175D3DCCD1}">
-              <a14:hiddenFill xmlns:a14="http://schemas.microsoft.com/office/drawing/2010/main">
-                <a:solidFill>
-                  <a:srgbClr val="FFFFFF"/>
-                </a:solidFill>
-              </a14:hiddenFill>
-            </a:ext>
-            <a:ext uri="{91240B29-F687-4F45-9708-019B960494DF}">
-              <a14:hiddenLine xmlns:a14="http://schemas.microsoft.com/office/drawing/2010/main" w="9525">
-                <a:solidFill>
-                  <a:srgbClr val="000000"/>
-                </a:solidFill>
-                <a:miter lim="800000"/>
-                <a:headEnd/>
-                <a:tailEnd/>
-              </a14:hiddenLine>
-            </a:ext>
-          </a:extLst>
-        </p:spPr>
-        <p:txBody>
-          <a:bodyPr anchor="ctr">
-            <a:spAutoFit/>
-          </a:bodyPr>
-          <a:lstStyle/>
-          <a:p>
-            <a:r>
-              <a:rPr lang="ru-RU" sz="1600"/>
-              <a:t>	Рефлексия – процесс обнаружения типов во время работы программы. Используя рефлексию, пользователь может динамически подгружать сборки, создавать и использовать объекты классов, описанные в этих сборках.</a:t>
-            </a:r>
-          </a:p>
-          <a:p>
-            <a:r>
-              <a:rPr lang="ru-RU" sz="1600"/>
-              <a:t>	Ключевым классом является класс </a:t>
-            </a:r>
-            <a:r>
-              <a:rPr lang="en-US" sz="1600"/>
-              <a:t>Type</a:t>
-            </a:r>
-            <a:r>
-              <a:rPr lang="ru-RU" sz="1600"/>
-              <a:t>, позволяющий получить полную информацию о существующем, либо о загруженном типе. Получить объект класса </a:t>
-            </a:r>
-            <a:r>
-              <a:rPr lang="en-US" sz="1600"/>
-              <a:t>Type </a:t>
-            </a:r>
-            <a:r>
-              <a:rPr lang="ru-RU" sz="1600"/>
-              <a:t>можно несколькими способами</a:t>
-            </a:r>
-            <a:r>
-              <a:rPr lang="en-US" sz="1600"/>
-              <a:t>:</a:t>
-            </a:r>
-            <a:endParaRPr lang="ru-RU" sz="1600"/>
-          </a:p>
-        </p:txBody>
-      </p:sp>
-      <p:sp>
-        <p:nvSpPr>
-          <p:cNvPr id="19457" name="Rectangle 1"/>
-          <p:cNvSpPr>
-            <a:spLocks noChangeArrowheads="1"/>
-          </p:cNvSpPr>
-          <p:nvPr/>
-        </p:nvSpPr>
-        <p:spPr bwMode="auto">
-          <a:xfrm>
-            <a:off x="152400" y="2032000"/>
-            <a:ext cx="8839200" cy="1169988"/>
-          </a:xfrm>
-          <a:prstGeom prst="rect">
-            <a:avLst/>
-          </a:prstGeom>
-          <a:noFill/>
-          <a:ln w="9525">
-            <a:solidFill>
-              <a:schemeClr val="bg1">
-                <a:lumMod val="65000"/>
-              </a:schemeClr>
-            </a:solidFill>
-            <a:miter lim="800000"/>
-            <a:headEnd/>
-            <a:tailEnd/>
-          </a:ln>
-          <a:effectLst/>
-        </p:spPr>
-        <p:txBody>
-          <a:bodyPr anchor="ctr">
-            <a:spAutoFit/>
-          </a:bodyPr>
-          <a:lstStyle/>
-          <a:p>
-            <a:pPr eaLnBrk="0" hangingPunct="0">
-              <a:defRPr/>
-            </a:pPr>
-            <a:r>
-              <a:rPr lang="be-BY" sz="1000" dirty="0">
-                <a:solidFill>
-                  <a:schemeClr val="bg1"/>
-                </a:solidFill>
-                <a:latin typeface="Courier New" pitchFamily="49" charset="0"/>
-                <a:ea typeface="Calibri" pitchFamily="34" charset="0"/>
-                <a:cs typeface="Courier New" pitchFamily="49" charset="0"/>
-              </a:rPr>
-              <a:t>            Complex value = new Complex();</a:t>
-            </a:r>
-            <a:endParaRPr lang="be-BY" sz="900" dirty="0">
-              <a:solidFill>
-                <a:schemeClr val="bg1"/>
-              </a:solidFill>
-              <a:latin typeface="Arial" pitchFamily="34" charset="0"/>
-            </a:endParaRPr>
-          </a:p>
-          <a:p>
-            <a:pPr eaLnBrk="0" hangingPunct="0">
-              <a:defRPr/>
-            </a:pPr>
-            <a:r>
-              <a:rPr lang="be-BY" sz="1000" dirty="0">
-                <a:solidFill>
-                  <a:schemeClr val="bg1"/>
-                </a:solidFill>
-                <a:latin typeface="Courier New" pitchFamily="49" charset="0"/>
-                <a:ea typeface="Calibri" pitchFamily="34" charset="0"/>
-                <a:cs typeface="Courier New" pitchFamily="49" charset="0"/>
-              </a:rPr>
-              <a:t>            Type type1 = value.GetType();</a:t>
-            </a:r>
-            <a:endParaRPr lang="be-BY" sz="900" dirty="0">
-              <a:solidFill>
-                <a:schemeClr val="bg1"/>
-              </a:solidFill>
-              <a:latin typeface="Arial" pitchFamily="34" charset="0"/>
-            </a:endParaRPr>
-          </a:p>
-          <a:p>
-            <a:pPr eaLnBrk="0" hangingPunct="0">
-              <a:defRPr/>
-            </a:pPr>
-            <a:r>
-              <a:rPr lang="be-BY" sz="1000" dirty="0">
-                <a:solidFill>
-                  <a:schemeClr val="bg1"/>
-                </a:solidFill>
-                <a:latin typeface="Courier New" pitchFamily="49" charset="0"/>
-                <a:ea typeface="Calibri" pitchFamily="34" charset="0"/>
-                <a:cs typeface="Courier New" pitchFamily="49" charset="0"/>
-              </a:rPr>
-              <a:t>            Type type2 = Type.GetType("Complex</a:t>
-            </a:r>
-            <a:r>
-              <a:rPr lang="en-US" sz="1000" dirty="0">
-                <a:solidFill>
-                  <a:schemeClr val="bg1"/>
-                </a:solidFill>
-                <a:latin typeface="Courier New" pitchFamily="49" charset="0"/>
-                <a:ea typeface="Calibri" pitchFamily="34" charset="0"/>
-                <a:cs typeface="Courier New" pitchFamily="49" charset="0"/>
-              </a:rPr>
-              <a:t>Numbers.</a:t>
-            </a:r>
-            <a:r>
-              <a:rPr lang="be-BY" sz="1000" dirty="0">
-                <a:solidFill>
-                  <a:schemeClr val="bg1"/>
-                </a:solidFill>
-                <a:latin typeface="Courier New" pitchFamily="49" charset="0"/>
-                <a:ea typeface="Calibri" pitchFamily="34" charset="0"/>
-                <a:cs typeface="Courier New" pitchFamily="49" charset="0"/>
-              </a:rPr>
-              <a:t>Complex",false,true);</a:t>
-            </a:r>
-            <a:endParaRPr lang="be-BY" sz="900" dirty="0">
-              <a:solidFill>
-                <a:schemeClr val="bg1"/>
-              </a:solidFill>
-              <a:latin typeface="Arial" pitchFamily="34" charset="0"/>
-            </a:endParaRPr>
-          </a:p>
-          <a:p>
-            <a:pPr eaLnBrk="0" hangingPunct="0">
-              <a:defRPr/>
-            </a:pPr>
-            <a:r>
-              <a:rPr lang="be-BY" sz="1000" dirty="0">
-                <a:solidFill>
-                  <a:schemeClr val="bg1"/>
-                </a:solidFill>
-                <a:latin typeface="Courier New" pitchFamily="49" charset="0"/>
-                <a:ea typeface="Calibri" pitchFamily="34" charset="0"/>
-                <a:cs typeface="Courier New" pitchFamily="49" charset="0"/>
-              </a:rPr>
-              <a:t>            Type type3 = typeof(Complex);</a:t>
-            </a:r>
-            <a:endParaRPr lang="be-BY" sz="900" dirty="0">
-              <a:solidFill>
-                <a:schemeClr val="bg1"/>
-              </a:solidFill>
-              <a:latin typeface="Arial" pitchFamily="34" charset="0"/>
-            </a:endParaRPr>
-          </a:p>
-          <a:p>
-            <a:pPr eaLnBrk="0" hangingPunct="0">
-              <a:defRPr/>
-            </a:pPr>
-            <a:r>
-              <a:rPr lang="be-BY" sz="1000" dirty="0">
-                <a:solidFill>
-                  <a:schemeClr val="bg1"/>
-                </a:solidFill>
-                <a:latin typeface="Courier New" pitchFamily="49" charset="0"/>
-                <a:ea typeface="Calibri" pitchFamily="34" charset="0"/>
-                <a:cs typeface="Courier New" pitchFamily="49" charset="0"/>
-              </a:rPr>
-              <a:t>            Console.WriteLine(type1);</a:t>
-            </a:r>
-            <a:endParaRPr lang="be-BY" sz="900" dirty="0">
-              <a:solidFill>
-                <a:schemeClr val="bg1"/>
-              </a:solidFill>
-              <a:latin typeface="Arial" pitchFamily="34" charset="0"/>
-            </a:endParaRPr>
-          </a:p>
-          <a:p>
-            <a:pPr eaLnBrk="0" hangingPunct="0">
-              <a:defRPr/>
-            </a:pPr>
-            <a:r>
-              <a:rPr lang="be-BY" sz="1000" dirty="0">
-                <a:solidFill>
-                  <a:schemeClr val="bg1"/>
-                </a:solidFill>
-                <a:latin typeface="Courier New" pitchFamily="49" charset="0"/>
-                <a:ea typeface="Calibri" pitchFamily="34" charset="0"/>
-                <a:cs typeface="Courier New" pitchFamily="49" charset="0"/>
-              </a:rPr>
-              <a:t>            Console.WriteLine(type2);</a:t>
-            </a:r>
-            <a:endParaRPr lang="be-BY" sz="900" dirty="0">
-              <a:solidFill>
-                <a:schemeClr val="bg1"/>
-              </a:solidFill>
-              <a:latin typeface="Arial" pitchFamily="34" charset="0"/>
-            </a:endParaRPr>
-          </a:p>
-          <a:p>
-            <a:pPr eaLnBrk="0" hangingPunct="0">
-              <a:defRPr/>
-            </a:pPr>
-            <a:r>
-              <a:rPr lang="be-BY" sz="1000" dirty="0">
-                <a:solidFill>
-                  <a:schemeClr val="bg1"/>
-                </a:solidFill>
-                <a:latin typeface="Courier New" pitchFamily="49" charset="0"/>
-                <a:ea typeface="Calibri" pitchFamily="34" charset="0"/>
-                <a:cs typeface="Courier New" pitchFamily="49" charset="0"/>
-              </a:rPr>
-              <a:t>            Console.WriteLine(type3);</a:t>
-            </a:r>
-            <a:endParaRPr lang="be-BY" dirty="0">
-              <a:solidFill>
-                <a:schemeClr val="bg1"/>
-              </a:solidFill>
-              <a:latin typeface="Arial" pitchFamily="34" charset="0"/>
-            </a:endParaRPr>
-          </a:p>
-        </p:txBody>
-      </p:sp>
-      <p:sp>
-        <p:nvSpPr>
-          <p:cNvPr id="7173" name="Rectangle 5"/>
-          <p:cNvSpPr>
-            <a:spLocks noChangeArrowheads="1"/>
-          </p:cNvSpPr>
-          <p:nvPr/>
-        </p:nvSpPr>
-        <p:spPr bwMode="auto">
-          <a:xfrm>
-            <a:off x="152400" y="3276600"/>
-            <a:ext cx="8839200" cy="584200"/>
-          </a:xfrm>
-          <a:prstGeom prst="rect">
-            <a:avLst/>
-          </a:prstGeom>
-          <a:noFill/>
-          <a:ln>
-            <a:noFill/>
-          </a:ln>
-          <a:extLst>
-            <a:ext uri="{909E8E84-426E-40DD-AFC4-6F175D3DCCD1}">
-              <a14:hiddenFill xmlns:a14="http://schemas.microsoft.com/office/drawing/2010/main">
-                <a:solidFill>
-                  <a:srgbClr val="FFFFFF"/>
-                </a:solidFill>
-              </a14:hiddenFill>
-            </a:ext>
-            <a:ext uri="{91240B29-F687-4F45-9708-019B960494DF}">
-              <a14:hiddenLine xmlns:a14="http://schemas.microsoft.com/office/drawing/2010/main" w="9525">
-                <a:solidFill>
-                  <a:srgbClr val="000000"/>
-                </a:solidFill>
-                <a:miter lim="800000"/>
-                <a:headEnd/>
-                <a:tailEnd/>
-              </a14:hiddenLine>
-            </a:ext>
-          </a:extLst>
-        </p:spPr>
-        <p:txBody>
-          <a:bodyPr anchor="ctr">
-            <a:spAutoFit/>
-          </a:bodyPr>
-          <a:lstStyle/>
-          <a:p>
-            <a:r>
-              <a:rPr lang="ru-RU" sz="1600"/>
-              <a:t>Далее, используя свойства и методы объекта можно получить исчерпывающую информацию о типе</a:t>
-            </a:r>
-            <a:r>
-              <a:rPr lang="en-US" sz="1600"/>
-              <a:t>:</a:t>
-            </a:r>
-            <a:endParaRPr lang="ru-RU" sz="1600"/>
-          </a:p>
-        </p:txBody>
-      </p:sp>
-      <p:sp>
-        <p:nvSpPr>
-          <p:cNvPr id="19458" name="Rectangle 2"/>
-          <p:cNvSpPr>
-            <a:spLocks noChangeArrowheads="1"/>
-          </p:cNvSpPr>
-          <p:nvPr/>
-        </p:nvSpPr>
-        <p:spPr bwMode="auto">
-          <a:xfrm>
-            <a:off x="152400" y="3897313"/>
-            <a:ext cx="8839200" cy="2832100"/>
-          </a:xfrm>
-          <a:prstGeom prst="rect">
-            <a:avLst/>
-          </a:prstGeom>
-          <a:noFill/>
-          <a:ln w="9525">
-            <a:solidFill>
-              <a:schemeClr val="bg1">
-                <a:lumMod val="65000"/>
-              </a:schemeClr>
-            </a:solidFill>
-            <a:miter lim="800000"/>
-            <a:headEnd/>
-            <a:tailEnd/>
-          </a:ln>
-          <a:effectLst/>
-        </p:spPr>
-        <p:txBody>
-          <a:bodyPr anchor="ctr">
-            <a:spAutoFit/>
-          </a:bodyPr>
-          <a:lstStyle/>
-          <a:p>
-            <a:pPr eaLnBrk="0" hangingPunct="0">
-              <a:defRPr/>
-            </a:pPr>
-            <a:r>
-              <a:rPr lang="be-BY" sz="1000" dirty="0">
-                <a:solidFill>
-                  <a:schemeClr val="bg1"/>
-                </a:solidFill>
-                <a:latin typeface="Courier New" pitchFamily="49" charset="0"/>
-                <a:ea typeface="Calibri" pitchFamily="34" charset="0"/>
-                <a:cs typeface="Courier New" pitchFamily="49" charset="0"/>
-              </a:rPr>
-              <a:t>            Type type = typeof(Complex);</a:t>
-            </a:r>
-            <a:endParaRPr lang="en-US" sz="1000" dirty="0">
-              <a:solidFill>
-                <a:schemeClr val="bg1"/>
-              </a:solidFill>
-              <a:latin typeface="Courier New" pitchFamily="49" charset="0"/>
-              <a:ea typeface="Calibri" pitchFamily="34" charset="0"/>
-              <a:cs typeface="Courier New" pitchFamily="49" charset="0"/>
-            </a:endParaRPr>
-          </a:p>
-          <a:p>
-            <a:pPr eaLnBrk="0" hangingPunct="0">
-              <a:defRPr/>
-            </a:pPr>
-            <a:endParaRPr lang="be-BY" sz="900" dirty="0">
-              <a:solidFill>
-                <a:schemeClr val="bg1"/>
-              </a:solidFill>
-              <a:latin typeface="Arial" pitchFamily="34" charset="0"/>
-            </a:endParaRPr>
-          </a:p>
-          <a:p>
-            <a:pPr eaLnBrk="0" hangingPunct="0">
-              <a:defRPr/>
-            </a:pPr>
-            <a:r>
-              <a:rPr lang="be-BY" sz="1000" dirty="0">
-                <a:solidFill>
-                  <a:schemeClr val="bg1"/>
-                </a:solidFill>
-                <a:latin typeface="Courier New" pitchFamily="49" charset="0"/>
-                <a:ea typeface="Calibri" pitchFamily="34" charset="0"/>
-                <a:cs typeface="Courier New" pitchFamily="49" charset="0"/>
-              </a:rPr>
-              <a:t>            foreach (ConstructorInfo ci in type.GetConstructors())</a:t>
-            </a:r>
-            <a:endParaRPr lang="be-BY" sz="900" dirty="0">
-              <a:solidFill>
-                <a:schemeClr val="bg1"/>
-              </a:solidFill>
-              <a:latin typeface="Arial" pitchFamily="34" charset="0"/>
-            </a:endParaRPr>
-          </a:p>
-          <a:p>
-            <a:pPr eaLnBrk="0" hangingPunct="0">
-              <a:defRPr/>
-            </a:pPr>
-            <a:r>
-              <a:rPr lang="be-BY" sz="1000" dirty="0">
-                <a:solidFill>
-                  <a:schemeClr val="bg1"/>
-                </a:solidFill>
-                <a:latin typeface="Courier New" pitchFamily="49" charset="0"/>
-                <a:ea typeface="Calibri" pitchFamily="34" charset="0"/>
-                <a:cs typeface="Courier New" pitchFamily="49" charset="0"/>
-              </a:rPr>
-              <a:t>            {</a:t>
-            </a:r>
-            <a:endParaRPr lang="be-BY" sz="900" dirty="0">
-              <a:solidFill>
-                <a:schemeClr val="bg1"/>
-              </a:solidFill>
-              <a:latin typeface="Arial" pitchFamily="34" charset="0"/>
-            </a:endParaRPr>
-          </a:p>
-          <a:p>
-            <a:pPr eaLnBrk="0" hangingPunct="0">
-              <a:defRPr/>
-            </a:pPr>
-            <a:r>
-              <a:rPr lang="be-BY" sz="1000" dirty="0">
-                <a:solidFill>
-                  <a:schemeClr val="bg1"/>
-                </a:solidFill>
-                <a:latin typeface="Courier New" pitchFamily="49" charset="0"/>
-                <a:ea typeface="Calibri" pitchFamily="34" charset="0"/>
-                <a:cs typeface="Courier New" pitchFamily="49" charset="0"/>
-              </a:rPr>
-              <a:t>                Console.Write("Constructor, Params:");</a:t>
-            </a:r>
-            <a:endParaRPr lang="be-BY" sz="900" dirty="0">
-              <a:solidFill>
-                <a:schemeClr val="bg1"/>
-              </a:solidFill>
-              <a:latin typeface="Arial" pitchFamily="34" charset="0"/>
-            </a:endParaRPr>
-          </a:p>
-          <a:p>
-            <a:pPr eaLnBrk="0" hangingPunct="0">
-              <a:defRPr/>
-            </a:pPr>
-            <a:r>
-              <a:rPr lang="be-BY" sz="1000" dirty="0">
-                <a:solidFill>
-                  <a:schemeClr val="bg1"/>
-                </a:solidFill>
-                <a:latin typeface="Courier New" pitchFamily="49" charset="0"/>
-                <a:ea typeface="Calibri" pitchFamily="34" charset="0"/>
-                <a:cs typeface="Courier New" pitchFamily="49" charset="0"/>
-              </a:rPr>
-              <a:t>                foreach(ParameterInfo pi in ci.GetParameters())</a:t>
-            </a:r>
-            <a:endParaRPr lang="be-BY" sz="900" dirty="0">
-              <a:solidFill>
-                <a:schemeClr val="bg1"/>
-              </a:solidFill>
-              <a:latin typeface="Arial" pitchFamily="34" charset="0"/>
-            </a:endParaRPr>
-          </a:p>
-          <a:p>
-            <a:pPr eaLnBrk="0" hangingPunct="0">
-              <a:defRPr/>
-            </a:pPr>
-            <a:r>
-              <a:rPr lang="be-BY" sz="1000" dirty="0">
-                <a:solidFill>
-                  <a:schemeClr val="bg1"/>
-                </a:solidFill>
-                <a:latin typeface="Courier New" pitchFamily="49" charset="0"/>
-                <a:ea typeface="Calibri" pitchFamily="34" charset="0"/>
-                <a:cs typeface="Courier New" pitchFamily="49" charset="0"/>
-              </a:rPr>
-              <a:t>                    Console.Write(" {0} - {1};",pi.ParameterType,pi.Name);</a:t>
-            </a:r>
-            <a:endParaRPr lang="be-BY" sz="900" dirty="0">
-              <a:solidFill>
-                <a:schemeClr val="bg1"/>
-              </a:solidFill>
-              <a:latin typeface="Arial" pitchFamily="34" charset="0"/>
-            </a:endParaRPr>
-          </a:p>
-          <a:p>
-            <a:pPr eaLnBrk="0" hangingPunct="0">
-              <a:defRPr/>
-            </a:pPr>
-            <a:r>
-              <a:rPr lang="be-BY" sz="1000" dirty="0">
-                <a:solidFill>
-                  <a:schemeClr val="bg1"/>
-                </a:solidFill>
-                <a:latin typeface="Courier New" pitchFamily="49" charset="0"/>
-                <a:ea typeface="Calibri" pitchFamily="34" charset="0"/>
-                <a:cs typeface="Courier New" pitchFamily="49" charset="0"/>
-              </a:rPr>
-              <a:t>                Console.WriteLine();</a:t>
-            </a:r>
-            <a:endParaRPr lang="be-BY" sz="900" dirty="0">
-              <a:solidFill>
-                <a:schemeClr val="bg1"/>
-              </a:solidFill>
-              <a:latin typeface="Arial" pitchFamily="34" charset="0"/>
-            </a:endParaRPr>
-          </a:p>
-          <a:p>
-            <a:pPr eaLnBrk="0" hangingPunct="0">
-              <a:defRPr/>
-            </a:pPr>
-            <a:r>
-              <a:rPr lang="be-BY" sz="1000" dirty="0">
-                <a:solidFill>
-                  <a:schemeClr val="bg1"/>
-                </a:solidFill>
-                <a:latin typeface="Courier New" pitchFamily="49" charset="0"/>
-                <a:ea typeface="Calibri" pitchFamily="34" charset="0"/>
-                <a:cs typeface="Courier New" pitchFamily="49" charset="0"/>
-              </a:rPr>
-              <a:t>            }</a:t>
-            </a:r>
-            <a:endParaRPr lang="en-US" sz="1000" dirty="0">
-              <a:solidFill>
-                <a:schemeClr val="bg1"/>
-              </a:solidFill>
-              <a:latin typeface="Courier New" pitchFamily="49" charset="0"/>
-              <a:ea typeface="Calibri" pitchFamily="34" charset="0"/>
-              <a:cs typeface="Courier New" pitchFamily="49" charset="0"/>
-            </a:endParaRPr>
-          </a:p>
-          <a:p>
-            <a:pPr eaLnBrk="0" hangingPunct="0">
-              <a:defRPr/>
-            </a:pPr>
-            <a:endParaRPr lang="be-BY" sz="900" dirty="0">
-              <a:solidFill>
-                <a:schemeClr val="bg1"/>
-              </a:solidFill>
-              <a:latin typeface="Arial" pitchFamily="34" charset="0"/>
-            </a:endParaRPr>
-          </a:p>
-          <a:p>
-            <a:pPr eaLnBrk="0" hangingPunct="0">
-              <a:defRPr/>
-            </a:pPr>
-            <a:r>
-              <a:rPr lang="be-BY" sz="1000" dirty="0">
-                <a:solidFill>
-                  <a:schemeClr val="bg1"/>
-                </a:solidFill>
-                <a:latin typeface="Courier New" pitchFamily="49" charset="0"/>
-                <a:ea typeface="Calibri" pitchFamily="34" charset="0"/>
-                <a:cs typeface="Courier New" pitchFamily="49" charset="0"/>
-              </a:rPr>
-              <a:t>            foreach (MethodInfo mi in type.GetMethods())</a:t>
-            </a:r>
-            <a:endParaRPr lang="be-BY" sz="900" dirty="0">
-              <a:solidFill>
-                <a:schemeClr val="bg1"/>
-              </a:solidFill>
-              <a:latin typeface="Arial" pitchFamily="34" charset="0"/>
-            </a:endParaRPr>
-          </a:p>
-          <a:p>
-            <a:pPr eaLnBrk="0" hangingPunct="0">
-              <a:defRPr/>
-            </a:pPr>
-            <a:r>
-              <a:rPr lang="be-BY" sz="1000" dirty="0">
-                <a:solidFill>
-                  <a:schemeClr val="bg1"/>
-                </a:solidFill>
-                <a:latin typeface="Courier New" pitchFamily="49" charset="0"/>
-                <a:ea typeface="Calibri" pitchFamily="34" charset="0"/>
-                <a:cs typeface="Courier New" pitchFamily="49" charset="0"/>
-              </a:rPr>
-              <a:t>            {</a:t>
-            </a:r>
-            <a:endParaRPr lang="be-BY" sz="900" dirty="0">
-              <a:solidFill>
-                <a:schemeClr val="bg1"/>
-              </a:solidFill>
-              <a:latin typeface="Arial" pitchFamily="34" charset="0"/>
-            </a:endParaRPr>
-          </a:p>
-          <a:p>
-            <a:pPr eaLnBrk="0" hangingPunct="0">
-              <a:defRPr/>
-            </a:pPr>
-            <a:r>
-              <a:rPr lang="be-BY" sz="1000" dirty="0">
-                <a:solidFill>
-                  <a:schemeClr val="bg1"/>
-                </a:solidFill>
-                <a:latin typeface="Courier New" pitchFamily="49" charset="0"/>
-                <a:ea typeface="Calibri" pitchFamily="34" charset="0"/>
-                <a:cs typeface="Courier New" pitchFamily="49" charset="0"/>
-              </a:rPr>
-              <a:t>                Console.WriteLine("Metod {0} {1}",mi.ReturnType,mi.Name);</a:t>
-            </a:r>
-            <a:endParaRPr lang="be-BY" sz="900" dirty="0">
-              <a:solidFill>
-                <a:schemeClr val="bg1"/>
-              </a:solidFill>
-              <a:latin typeface="Arial" pitchFamily="34" charset="0"/>
-            </a:endParaRPr>
-          </a:p>
-          <a:p>
-            <a:pPr eaLnBrk="0" hangingPunct="0">
-              <a:defRPr/>
-            </a:pPr>
-            <a:r>
-              <a:rPr lang="be-BY" sz="1000" dirty="0">
-                <a:solidFill>
-                  <a:schemeClr val="bg1"/>
-                </a:solidFill>
-                <a:latin typeface="Courier New" pitchFamily="49" charset="0"/>
-                <a:ea typeface="Calibri" pitchFamily="34" charset="0"/>
-                <a:cs typeface="Courier New" pitchFamily="49" charset="0"/>
-              </a:rPr>
-              <a:t>                Console.Write("  Params : ");</a:t>
-            </a:r>
-            <a:endParaRPr lang="be-BY" sz="900" dirty="0">
-              <a:solidFill>
-                <a:schemeClr val="bg1"/>
-              </a:solidFill>
-              <a:latin typeface="Arial" pitchFamily="34" charset="0"/>
-            </a:endParaRPr>
-          </a:p>
-          <a:p>
-            <a:pPr eaLnBrk="0" hangingPunct="0">
-              <a:defRPr/>
-            </a:pPr>
-            <a:r>
-              <a:rPr lang="be-BY" sz="1000" dirty="0">
-                <a:solidFill>
-                  <a:schemeClr val="bg1"/>
-                </a:solidFill>
-                <a:latin typeface="Courier New" pitchFamily="49" charset="0"/>
-                <a:ea typeface="Calibri" pitchFamily="34" charset="0"/>
-                <a:cs typeface="Courier New" pitchFamily="49" charset="0"/>
-              </a:rPr>
-              <a:t>                foreach (ParameterInfo pi in mi.GetParameters())</a:t>
-            </a:r>
-            <a:endParaRPr lang="be-BY" sz="900" dirty="0">
-              <a:solidFill>
-                <a:schemeClr val="bg1"/>
-              </a:solidFill>
-              <a:latin typeface="Arial" pitchFamily="34" charset="0"/>
-            </a:endParaRPr>
-          </a:p>
-          <a:p>
-            <a:pPr eaLnBrk="0" hangingPunct="0">
-              <a:defRPr/>
-            </a:pPr>
-            <a:r>
-              <a:rPr lang="be-BY" sz="1000" dirty="0">
-                <a:solidFill>
-                  <a:schemeClr val="bg1"/>
-                </a:solidFill>
-                <a:latin typeface="Courier New" pitchFamily="49" charset="0"/>
-                <a:ea typeface="Calibri" pitchFamily="34" charset="0"/>
-                <a:cs typeface="Courier New" pitchFamily="49" charset="0"/>
-              </a:rPr>
-              <a:t>                    Console.Write(" {0} - {1};", pi.ParameterType, pi.Name);</a:t>
-            </a:r>
-            <a:endParaRPr lang="be-BY" sz="900" dirty="0">
-              <a:solidFill>
-                <a:schemeClr val="bg1"/>
-              </a:solidFill>
-              <a:latin typeface="Arial" pitchFamily="34" charset="0"/>
-            </a:endParaRPr>
-          </a:p>
-          <a:p>
-            <a:pPr eaLnBrk="0" hangingPunct="0">
-              <a:defRPr/>
-            </a:pPr>
-            <a:r>
-              <a:rPr lang="be-BY" sz="1000" dirty="0">
-                <a:solidFill>
-                  <a:schemeClr val="bg1"/>
-                </a:solidFill>
-                <a:latin typeface="Courier New" pitchFamily="49" charset="0"/>
-                <a:ea typeface="Calibri" pitchFamily="34" charset="0"/>
-                <a:cs typeface="Courier New" pitchFamily="49" charset="0"/>
-              </a:rPr>
-              <a:t>                Console.WriteLine();</a:t>
-            </a:r>
-            <a:endParaRPr lang="be-BY" sz="900" dirty="0">
-              <a:solidFill>
-                <a:schemeClr val="bg1"/>
-              </a:solidFill>
-              <a:latin typeface="Arial" pitchFamily="34" charset="0"/>
-            </a:endParaRPr>
-          </a:p>
-          <a:p>
-            <a:pPr eaLnBrk="0" hangingPunct="0">
-              <a:defRPr/>
-            </a:pPr>
-            <a:r>
-              <a:rPr lang="be-BY" sz="1000" dirty="0">
-                <a:solidFill>
-                  <a:schemeClr val="bg1"/>
-                </a:solidFill>
-                <a:latin typeface="Courier New" pitchFamily="49" charset="0"/>
-                <a:ea typeface="Calibri" pitchFamily="34" charset="0"/>
-                <a:cs typeface="Courier New" pitchFamily="49" charset="0"/>
-              </a:rPr>
-              <a:t>            }</a:t>
-            </a:r>
-            <a:endParaRPr lang="be-BY" dirty="0">
-              <a:solidFill>
-                <a:schemeClr val="bg1"/>
-              </a:solidFill>
-              <a:latin typeface="Arial" pitchFamily="34" charset="0"/>
-            </a:endParaRPr>
-          </a:p>
-        </p:txBody>
-      </p:sp>
-    </p:spTree>
-    <p:extLst>
-      <p:ext uri="{BB962C8B-B14F-4D97-AF65-F5344CB8AC3E}">
-        <p14:creationId xmlns:p14="http://schemas.microsoft.com/office/powerpoint/2010/main" val="3702071643"/>
-      </p:ext>
-    </p:extLst>
-  </p:cSld>
-  <p:clrMapOvr>
-    <a:masterClrMapping/>
-  </p:clrMapOvr>
-  <p:timing>
-    <p:tnLst>
-      <p:par>
-        <p:cTn id="1" dur="indefinite" restart="never" nodeType="tmRoot"/>
-      </p:par>
-    </p:tnLst>
-  </p:timing>
-</p:sld>
-</file>
-
-<file path=ppt/slides/slide19.xml><?xml version="1.0" encoding="utf-8"?>
-<p:sld xmlns:a="http://schemas.openxmlformats.org/drawingml/2006/main" xmlns:r="http://schemas.openxmlformats.org/officeDocument/2006/relationships" xmlns:p="http://schemas.openxmlformats.org/presentationml/2006/main">
-  <p:cSld>
-    <p:spTree>
-      <p:nvGrpSpPr>
-        <p:cNvPr id="1" name=""/>
-        <p:cNvGrpSpPr/>
-        <p:nvPr/>
-      </p:nvGrpSpPr>
-      <p:grpSpPr>
-        <a:xfrm>
-          <a:off x="0" y="0"/>
-          <a:ext cx="0" cy="0"/>
-          <a:chOff x="0" y="0"/>
-          <a:chExt cx="0" cy="0"/>
-        </a:xfrm>
-      </p:grpSpPr>
-      <p:sp>
-        <p:nvSpPr>
-          <p:cNvPr id="8194" name="Rectangle 3"/>
-          <p:cNvSpPr>
-            <a:spLocks noChangeArrowheads="1"/>
-          </p:cNvSpPr>
-          <p:nvPr/>
-        </p:nvSpPr>
-        <p:spPr bwMode="auto">
-          <a:xfrm>
-            <a:off x="152400" y="-4763"/>
-            <a:ext cx="8763000" cy="461963"/>
-          </a:xfrm>
-          <a:prstGeom prst="rect">
-            <a:avLst/>
-          </a:prstGeom>
-          <a:noFill/>
-          <a:ln>
-            <a:noFill/>
-          </a:ln>
-          <a:extLst>
-            <a:ext uri="{909E8E84-426E-40DD-AFC4-6F175D3DCCD1}">
-              <a14:hiddenFill xmlns:a14="http://schemas.microsoft.com/office/drawing/2010/main">
-                <a:solidFill>
-                  <a:srgbClr val="FFFFFF"/>
-                </a:solidFill>
-              </a14:hiddenFill>
-            </a:ext>
-            <a:ext uri="{91240B29-F687-4F45-9708-019B960494DF}">
-              <a14:hiddenLine xmlns:a14="http://schemas.microsoft.com/office/drawing/2010/main" w="9525">
-                <a:solidFill>
-                  <a:srgbClr val="000000"/>
-                </a:solidFill>
-                <a:miter lim="800000"/>
-                <a:headEnd/>
-                <a:tailEnd/>
-              </a14:hiddenLine>
-            </a:ext>
-          </a:extLst>
-        </p:spPr>
-        <p:txBody>
-          <a:bodyPr anchor="ctr">
-            <a:spAutoFit/>
-          </a:bodyPr>
-          <a:lstStyle/>
-          <a:p>
-            <a:pPr algn="ctr"/>
-            <a:r>
-              <a:rPr lang="ru-RU" sz="2400" b="1"/>
-              <a:t>Пространство </a:t>
-            </a:r>
-            <a:r>
-              <a:rPr lang="en-US" sz="2400" b="1"/>
-              <a:t>System.Reflection.</a:t>
-            </a:r>
-          </a:p>
-        </p:txBody>
-      </p:sp>
-      <p:sp>
-        <p:nvSpPr>
-          <p:cNvPr id="8195" name="Rectangle 3"/>
-          <p:cNvSpPr>
-            <a:spLocks noChangeArrowheads="1"/>
-          </p:cNvSpPr>
-          <p:nvPr/>
-        </p:nvSpPr>
-        <p:spPr bwMode="auto">
-          <a:xfrm>
-            <a:off x="152400" y="457200"/>
-            <a:ext cx="8839200" cy="584200"/>
-          </a:xfrm>
-          <a:prstGeom prst="rect">
-            <a:avLst/>
-          </a:prstGeom>
-          <a:noFill/>
-          <a:ln>
-            <a:noFill/>
-          </a:ln>
-          <a:extLst>
-            <a:ext uri="{909E8E84-426E-40DD-AFC4-6F175D3DCCD1}">
-              <a14:hiddenFill xmlns:a14="http://schemas.microsoft.com/office/drawing/2010/main">
-                <a:solidFill>
-                  <a:srgbClr val="FFFFFF"/>
-                </a:solidFill>
-              </a14:hiddenFill>
-            </a:ext>
-            <a:ext uri="{91240B29-F687-4F45-9708-019B960494DF}">
-              <a14:hiddenLine xmlns:a14="http://schemas.microsoft.com/office/drawing/2010/main" w="9525">
-                <a:solidFill>
-                  <a:srgbClr val="000000"/>
-                </a:solidFill>
-                <a:miter lim="800000"/>
-                <a:headEnd/>
-                <a:tailEnd/>
-              </a14:hiddenLine>
-            </a:ext>
-          </a:extLst>
-        </p:spPr>
-        <p:txBody>
-          <a:bodyPr anchor="ctr">
-            <a:spAutoFit/>
-          </a:bodyPr>
-          <a:lstStyle/>
-          <a:p>
-            <a:r>
-              <a:rPr lang="ru-RU" sz="1600"/>
-              <a:t>	Данное пространство предназначено для динамической загрузки и обработки сборок. Загружаемая сборка представлена объектом </a:t>
-            </a:r>
-            <a:r>
-              <a:rPr lang="en-US" sz="1600"/>
-              <a:t>Assembly.</a:t>
-            </a:r>
-            <a:endParaRPr lang="ru-RU" sz="1600"/>
-          </a:p>
-        </p:txBody>
-      </p:sp>
-      <p:sp>
-        <p:nvSpPr>
-          <p:cNvPr id="31745" name="Rectangle 1"/>
-          <p:cNvSpPr>
-            <a:spLocks noChangeArrowheads="1"/>
-          </p:cNvSpPr>
-          <p:nvPr/>
-        </p:nvSpPr>
-        <p:spPr bwMode="auto">
-          <a:xfrm>
-            <a:off x="152400" y="1066800"/>
-            <a:ext cx="8839200" cy="1477963"/>
-          </a:xfrm>
-          <a:prstGeom prst="rect">
-            <a:avLst/>
-          </a:prstGeom>
-          <a:noFill/>
-          <a:ln w="9525">
-            <a:solidFill>
-              <a:schemeClr val="bg1">
-                <a:lumMod val="65000"/>
-              </a:schemeClr>
-            </a:solidFill>
-            <a:miter lim="800000"/>
-            <a:headEnd/>
-            <a:tailEnd/>
-          </a:ln>
-          <a:effectLst/>
-        </p:spPr>
-        <p:txBody>
-          <a:bodyPr anchor="ctr">
-            <a:spAutoFit/>
-          </a:bodyPr>
-          <a:lstStyle/>
-          <a:p>
-            <a:pPr eaLnBrk="0" hangingPunct="0">
-              <a:defRPr/>
-            </a:pPr>
-            <a:r>
-              <a:rPr lang="be-BY" sz="1000" dirty="0">
-                <a:solidFill>
-                  <a:schemeClr val="bg1"/>
-                </a:solidFill>
-                <a:latin typeface="Courier New" pitchFamily="49" charset="0"/>
-                <a:ea typeface="Calibri" pitchFamily="34" charset="0"/>
-                <a:cs typeface="Courier New" pitchFamily="49" charset="0"/>
-              </a:rPr>
-              <a:t>            Assembly asm;</a:t>
-            </a:r>
-            <a:endParaRPr lang="be-BY" sz="900" dirty="0">
-              <a:solidFill>
-                <a:schemeClr val="bg1"/>
-              </a:solidFill>
-              <a:latin typeface="Arial" pitchFamily="34" charset="0"/>
-            </a:endParaRPr>
-          </a:p>
-          <a:p>
-            <a:pPr eaLnBrk="0" hangingPunct="0">
-              <a:defRPr/>
-            </a:pPr>
-            <a:r>
-              <a:rPr lang="be-BY" sz="1000" dirty="0">
-                <a:solidFill>
-                  <a:schemeClr val="bg1"/>
-                </a:solidFill>
-                <a:latin typeface="Courier New" pitchFamily="49" charset="0"/>
-                <a:ea typeface="Calibri" pitchFamily="34" charset="0"/>
-                <a:cs typeface="Courier New" pitchFamily="49" charset="0"/>
-              </a:rPr>
-              <a:t>            try</a:t>
-            </a:r>
-            <a:endParaRPr lang="be-BY" sz="900" dirty="0">
-              <a:solidFill>
-                <a:schemeClr val="bg1"/>
-              </a:solidFill>
-              <a:latin typeface="Arial" pitchFamily="34" charset="0"/>
-            </a:endParaRPr>
-          </a:p>
-          <a:p>
-            <a:pPr eaLnBrk="0" hangingPunct="0">
-              <a:defRPr/>
-            </a:pPr>
-            <a:r>
-              <a:rPr lang="be-BY" sz="1000" dirty="0">
-                <a:solidFill>
-                  <a:schemeClr val="bg1"/>
-                </a:solidFill>
-                <a:latin typeface="Courier New" pitchFamily="49" charset="0"/>
-                <a:ea typeface="Calibri" pitchFamily="34" charset="0"/>
-                <a:cs typeface="Courier New" pitchFamily="49" charset="0"/>
-              </a:rPr>
-              <a:t>            {</a:t>
-            </a:r>
-            <a:endParaRPr lang="be-BY" sz="900" dirty="0">
-              <a:solidFill>
-                <a:schemeClr val="bg1"/>
-              </a:solidFill>
-              <a:latin typeface="Arial" pitchFamily="34" charset="0"/>
-            </a:endParaRPr>
-          </a:p>
-          <a:p>
-            <a:pPr eaLnBrk="0" hangingPunct="0">
-              <a:defRPr/>
-            </a:pPr>
-            <a:r>
-              <a:rPr lang="be-BY" sz="1000" dirty="0">
-                <a:solidFill>
-                  <a:schemeClr val="bg1"/>
-                </a:solidFill>
-                <a:latin typeface="Courier New" pitchFamily="49" charset="0"/>
-                <a:ea typeface="Calibri" pitchFamily="34" charset="0"/>
-                <a:cs typeface="Courier New" pitchFamily="49" charset="0"/>
-              </a:rPr>
-              <a:t>                asm = Assembly.Load("Complex");</a:t>
-            </a:r>
-            <a:endParaRPr lang="be-BY" sz="900" dirty="0">
-              <a:solidFill>
-                <a:schemeClr val="bg1"/>
-              </a:solidFill>
-              <a:latin typeface="Arial" pitchFamily="34" charset="0"/>
-            </a:endParaRPr>
-          </a:p>
-          <a:p>
-            <a:pPr eaLnBrk="0" hangingPunct="0">
-              <a:defRPr/>
-            </a:pPr>
-            <a:r>
-              <a:rPr lang="be-BY" sz="1000" dirty="0">
-                <a:solidFill>
-                  <a:schemeClr val="bg1"/>
-                </a:solidFill>
-                <a:latin typeface="Courier New" pitchFamily="49" charset="0"/>
-                <a:ea typeface="Calibri" pitchFamily="34" charset="0"/>
-                <a:cs typeface="Courier New" pitchFamily="49" charset="0"/>
-              </a:rPr>
-              <a:t>            }</a:t>
-            </a:r>
-            <a:endParaRPr lang="be-BY" sz="900" dirty="0">
-              <a:solidFill>
-                <a:schemeClr val="bg1"/>
-              </a:solidFill>
-              <a:latin typeface="Arial" pitchFamily="34" charset="0"/>
-            </a:endParaRPr>
-          </a:p>
-          <a:p>
-            <a:pPr eaLnBrk="0" hangingPunct="0">
-              <a:defRPr/>
-            </a:pPr>
-            <a:r>
-              <a:rPr lang="be-BY" sz="1000" dirty="0">
-                <a:solidFill>
-                  <a:schemeClr val="bg1"/>
-                </a:solidFill>
-                <a:latin typeface="Courier New" pitchFamily="49" charset="0"/>
-                <a:ea typeface="Calibri" pitchFamily="34" charset="0"/>
-                <a:cs typeface="Courier New" pitchFamily="49" charset="0"/>
-              </a:rPr>
-              <a:t>            catch (FileNotFoundException e)</a:t>
-            </a:r>
-            <a:endParaRPr lang="be-BY" sz="900" dirty="0">
-              <a:solidFill>
-                <a:schemeClr val="bg1"/>
-              </a:solidFill>
-              <a:latin typeface="Arial" pitchFamily="34" charset="0"/>
-            </a:endParaRPr>
-          </a:p>
-          <a:p>
-            <a:pPr eaLnBrk="0" hangingPunct="0">
-              <a:defRPr/>
-            </a:pPr>
-            <a:r>
-              <a:rPr lang="be-BY" sz="1000" dirty="0">
-                <a:solidFill>
-                  <a:schemeClr val="bg1"/>
-                </a:solidFill>
-                <a:latin typeface="Courier New" pitchFamily="49" charset="0"/>
-                <a:ea typeface="Calibri" pitchFamily="34" charset="0"/>
-                <a:cs typeface="Courier New" pitchFamily="49" charset="0"/>
-              </a:rPr>
-              <a:t>            {</a:t>
-            </a:r>
-            <a:endParaRPr lang="be-BY" sz="900" dirty="0">
-              <a:solidFill>
-                <a:schemeClr val="bg1"/>
-              </a:solidFill>
-              <a:latin typeface="Arial" pitchFamily="34" charset="0"/>
-            </a:endParaRPr>
-          </a:p>
-          <a:p>
-            <a:pPr eaLnBrk="0" hangingPunct="0">
-              <a:defRPr/>
-            </a:pPr>
-            <a:r>
-              <a:rPr lang="be-BY" sz="1000" dirty="0">
-                <a:solidFill>
-                  <a:schemeClr val="bg1"/>
-                </a:solidFill>
-                <a:latin typeface="Courier New" pitchFamily="49" charset="0"/>
-                <a:ea typeface="Calibri" pitchFamily="34" charset="0"/>
-                <a:cs typeface="Courier New" pitchFamily="49" charset="0"/>
-              </a:rPr>
-              <a:t>                Console.WriteLine(e.Message);</a:t>
-            </a:r>
-            <a:endParaRPr lang="be-BY" sz="900" dirty="0">
-              <a:solidFill>
-                <a:schemeClr val="bg1"/>
-              </a:solidFill>
-              <a:latin typeface="Arial" pitchFamily="34" charset="0"/>
-            </a:endParaRPr>
-          </a:p>
-          <a:p>
-            <a:pPr eaLnBrk="0" hangingPunct="0">
-              <a:defRPr/>
-            </a:pPr>
-            <a:r>
-              <a:rPr lang="be-BY" sz="1000" dirty="0">
-                <a:solidFill>
-                  <a:schemeClr val="bg1"/>
-                </a:solidFill>
-                <a:latin typeface="Courier New" pitchFamily="49" charset="0"/>
-                <a:ea typeface="Calibri" pitchFamily="34" charset="0"/>
-                <a:cs typeface="Courier New" pitchFamily="49" charset="0"/>
-              </a:rPr>
-              <a:t>            }</a:t>
-            </a:r>
-            <a:endParaRPr lang="be-BY" dirty="0">
-              <a:solidFill>
-                <a:schemeClr val="bg1"/>
-              </a:solidFill>
-              <a:latin typeface="Arial" pitchFamily="34" charset="0"/>
-            </a:endParaRPr>
-          </a:p>
-        </p:txBody>
-      </p:sp>
-      <p:sp>
-        <p:nvSpPr>
-          <p:cNvPr id="8197" name="Rectangle 5"/>
-          <p:cNvSpPr>
-            <a:spLocks noChangeArrowheads="1"/>
-          </p:cNvSpPr>
-          <p:nvPr/>
-        </p:nvSpPr>
-        <p:spPr bwMode="auto">
-          <a:xfrm>
-            <a:off x="152400" y="2709863"/>
-            <a:ext cx="8839200" cy="338137"/>
-          </a:xfrm>
-          <a:prstGeom prst="rect">
-            <a:avLst/>
-          </a:prstGeom>
-          <a:noFill/>
-          <a:ln>
-            <a:noFill/>
-          </a:ln>
-          <a:extLst>
-            <a:ext uri="{909E8E84-426E-40DD-AFC4-6F175D3DCCD1}">
-              <a14:hiddenFill xmlns:a14="http://schemas.microsoft.com/office/drawing/2010/main">
-                <a:solidFill>
-                  <a:srgbClr val="FFFFFF"/>
-                </a:solidFill>
-              </a14:hiddenFill>
-            </a:ext>
-            <a:ext uri="{91240B29-F687-4F45-9708-019B960494DF}">
-              <a14:hiddenLine xmlns:a14="http://schemas.microsoft.com/office/drawing/2010/main" w="9525">
-                <a:solidFill>
-                  <a:srgbClr val="000000"/>
-                </a:solidFill>
-                <a:miter lim="800000"/>
-                <a:headEnd/>
-                <a:tailEnd/>
-              </a14:hiddenLine>
-            </a:ext>
-          </a:extLst>
-        </p:spPr>
-        <p:txBody>
-          <a:bodyPr anchor="ctr">
-            <a:spAutoFit/>
-          </a:bodyPr>
-          <a:lstStyle/>
-          <a:p>
-            <a:r>
-              <a:rPr lang="ru-RU" sz="1600"/>
-              <a:t>	Также для загрузки сборки можно использовать объект </a:t>
-            </a:r>
-            <a:r>
-              <a:rPr lang="en-US" sz="1600"/>
-              <a:t>AssemblyName</a:t>
-            </a:r>
-            <a:r>
-              <a:rPr lang="ru-RU" sz="1600"/>
-              <a:t>.</a:t>
-            </a:r>
-          </a:p>
-        </p:txBody>
-      </p:sp>
-      <p:sp>
-        <p:nvSpPr>
-          <p:cNvPr id="31746" name="Rectangle 2"/>
-          <p:cNvSpPr>
-            <a:spLocks noChangeArrowheads="1"/>
-          </p:cNvSpPr>
-          <p:nvPr/>
-        </p:nvSpPr>
-        <p:spPr bwMode="auto">
-          <a:xfrm>
-            <a:off x="152400" y="3048000"/>
-            <a:ext cx="8839200" cy="1784350"/>
-          </a:xfrm>
-          <a:prstGeom prst="rect">
-            <a:avLst/>
-          </a:prstGeom>
-          <a:noFill/>
-          <a:ln w="9525">
-            <a:solidFill>
-              <a:schemeClr val="bg1">
-                <a:lumMod val="65000"/>
-              </a:schemeClr>
-            </a:solidFill>
-            <a:miter lim="800000"/>
-            <a:headEnd/>
-            <a:tailEnd/>
-          </a:ln>
-          <a:effectLst/>
-        </p:spPr>
-        <p:txBody>
-          <a:bodyPr anchor="ctr">
-            <a:spAutoFit/>
-          </a:bodyPr>
-          <a:lstStyle/>
-          <a:p>
-            <a:pPr eaLnBrk="0" hangingPunct="0">
-              <a:defRPr/>
-            </a:pPr>
-            <a:r>
-              <a:rPr lang="be-BY" sz="1000" dirty="0">
-                <a:solidFill>
-                  <a:schemeClr val="bg1"/>
-                </a:solidFill>
-                <a:latin typeface="Courier New" pitchFamily="49" charset="0"/>
-                <a:ea typeface="Calibri" pitchFamily="34" charset="0"/>
-                <a:cs typeface="Courier New" pitchFamily="49" charset="0"/>
-              </a:rPr>
-              <a:t>            AssemblyName name = new AssemblyName("Complex");</a:t>
-            </a:r>
-            <a:endParaRPr lang="be-BY" sz="900" dirty="0">
-              <a:solidFill>
-                <a:schemeClr val="bg1"/>
-              </a:solidFill>
-              <a:latin typeface="Arial" pitchFamily="34" charset="0"/>
-            </a:endParaRPr>
-          </a:p>
-          <a:p>
-            <a:pPr eaLnBrk="0" hangingPunct="0">
-              <a:defRPr/>
-            </a:pPr>
-            <a:r>
-              <a:rPr lang="be-BY" sz="1000" dirty="0">
-                <a:solidFill>
-                  <a:schemeClr val="bg1"/>
-                </a:solidFill>
-                <a:latin typeface="Courier New" pitchFamily="49" charset="0"/>
-                <a:ea typeface="Calibri" pitchFamily="34" charset="0"/>
-                <a:cs typeface="Courier New" pitchFamily="49" charset="0"/>
-              </a:rPr>
-              <a:t>            name.Version = new Version(1, 0, 0, 0);</a:t>
-            </a:r>
-            <a:endParaRPr lang="be-BY" sz="900" dirty="0">
-              <a:solidFill>
-                <a:schemeClr val="bg1"/>
-              </a:solidFill>
-              <a:latin typeface="Arial" pitchFamily="34" charset="0"/>
-            </a:endParaRPr>
-          </a:p>
-          <a:p>
-            <a:pPr eaLnBrk="0" hangingPunct="0">
-              <a:defRPr/>
-            </a:pPr>
-            <a:r>
-              <a:rPr lang="be-BY" sz="1000" dirty="0">
-                <a:solidFill>
-                  <a:schemeClr val="bg1"/>
-                </a:solidFill>
-                <a:latin typeface="Courier New" pitchFamily="49" charset="0"/>
-                <a:ea typeface="Calibri" pitchFamily="34" charset="0"/>
-                <a:cs typeface="Courier New" pitchFamily="49" charset="0"/>
-              </a:rPr>
-              <a:t>            Assembly asm;</a:t>
-            </a:r>
-            <a:endParaRPr lang="be-BY" sz="900" dirty="0">
-              <a:solidFill>
-                <a:schemeClr val="bg1"/>
-              </a:solidFill>
-              <a:latin typeface="Arial" pitchFamily="34" charset="0"/>
-            </a:endParaRPr>
-          </a:p>
-          <a:p>
-            <a:pPr eaLnBrk="0" hangingPunct="0">
-              <a:defRPr/>
-            </a:pPr>
-            <a:r>
-              <a:rPr lang="be-BY" sz="1000" dirty="0">
-                <a:solidFill>
-                  <a:schemeClr val="bg1"/>
-                </a:solidFill>
-                <a:latin typeface="Courier New" pitchFamily="49" charset="0"/>
-                <a:ea typeface="Calibri" pitchFamily="34" charset="0"/>
-                <a:cs typeface="Courier New" pitchFamily="49" charset="0"/>
-              </a:rPr>
-              <a:t>            try</a:t>
-            </a:r>
-            <a:endParaRPr lang="be-BY" sz="900" dirty="0">
-              <a:solidFill>
-                <a:schemeClr val="bg1"/>
-              </a:solidFill>
-              <a:latin typeface="Arial" pitchFamily="34" charset="0"/>
-            </a:endParaRPr>
-          </a:p>
-          <a:p>
-            <a:pPr eaLnBrk="0" hangingPunct="0">
-              <a:defRPr/>
-            </a:pPr>
-            <a:r>
-              <a:rPr lang="be-BY" sz="1000" dirty="0">
-                <a:solidFill>
-                  <a:schemeClr val="bg1"/>
-                </a:solidFill>
-                <a:latin typeface="Courier New" pitchFamily="49" charset="0"/>
-                <a:ea typeface="Calibri" pitchFamily="34" charset="0"/>
-                <a:cs typeface="Courier New" pitchFamily="49" charset="0"/>
-              </a:rPr>
-              <a:t>            {</a:t>
-            </a:r>
-            <a:endParaRPr lang="be-BY" sz="900" dirty="0">
-              <a:solidFill>
-                <a:schemeClr val="bg1"/>
-              </a:solidFill>
-              <a:latin typeface="Arial" pitchFamily="34" charset="0"/>
-            </a:endParaRPr>
-          </a:p>
-          <a:p>
-            <a:pPr eaLnBrk="0" hangingPunct="0">
-              <a:defRPr/>
-            </a:pPr>
-            <a:r>
-              <a:rPr lang="be-BY" sz="1000" dirty="0">
-                <a:solidFill>
-                  <a:schemeClr val="bg1"/>
-                </a:solidFill>
-                <a:latin typeface="Courier New" pitchFamily="49" charset="0"/>
-                <a:ea typeface="Calibri" pitchFamily="34" charset="0"/>
-                <a:cs typeface="Courier New" pitchFamily="49" charset="0"/>
-              </a:rPr>
-              <a:t>                asm = Assembly.Load(name);</a:t>
-            </a:r>
-            <a:endParaRPr lang="be-BY" sz="900" dirty="0">
-              <a:solidFill>
-                <a:schemeClr val="bg1"/>
-              </a:solidFill>
-              <a:latin typeface="Arial" pitchFamily="34" charset="0"/>
-            </a:endParaRPr>
-          </a:p>
-          <a:p>
-            <a:pPr eaLnBrk="0" hangingPunct="0">
-              <a:defRPr/>
-            </a:pPr>
-            <a:r>
-              <a:rPr lang="be-BY" sz="1000" dirty="0">
-                <a:solidFill>
-                  <a:schemeClr val="bg1"/>
-                </a:solidFill>
-                <a:latin typeface="Courier New" pitchFamily="49" charset="0"/>
-                <a:ea typeface="Calibri" pitchFamily="34" charset="0"/>
-                <a:cs typeface="Courier New" pitchFamily="49" charset="0"/>
-              </a:rPr>
-              <a:t>            }</a:t>
-            </a:r>
-            <a:endParaRPr lang="be-BY" sz="900" dirty="0">
-              <a:solidFill>
-                <a:schemeClr val="bg1"/>
-              </a:solidFill>
-              <a:latin typeface="Arial" pitchFamily="34" charset="0"/>
-            </a:endParaRPr>
-          </a:p>
-          <a:p>
-            <a:pPr eaLnBrk="0" hangingPunct="0">
-              <a:defRPr/>
-            </a:pPr>
-            <a:r>
-              <a:rPr lang="be-BY" sz="1000" dirty="0">
-                <a:solidFill>
-                  <a:schemeClr val="bg1"/>
-                </a:solidFill>
-                <a:latin typeface="Courier New" pitchFamily="49" charset="0"/>
-                <a:ea typeface="Calibri" pitchFamily="34" charset="0"/>
-                <a:cs typeface="Courier New" pitchFamily="49" charset="0"/>
-              </a:rPr>
-              <a:t>            catch (FileNotFoundException e)</a:t>
-            </a:r>
-            <a:endParaRPr lang="be-BY" sz="900" dirty="0">
-              <a:solidFill>
-                <a:schemeClr val="bg1"/>
-              </a:solidFill>
-              <a:latin typeface="Arial" pitchFamily="34" charset="0"/>
-            </a:endParaRPr>
-          </a:p>
-          <a:p>
-            <a:pPr eaLnBrk="0" hangingPunct="0">
-              <a:defRPr/>
-            </a:pPr>
-            <a:r>
-              <a:rPr lang="be-BY" sz="1000" dirty="0">
-                <a:solidFill>
-                  <a:schemeClr val="bg1"/>
-                </a:solidFill>
-                <a:latin typeface="Courier New" pitchFamily="49" charset="0"/>
-                <a:ea typeface="Calibri" pitchFamily="34" charset="0"/>
-                <a:cs typeface="Courier New" pitchFamily="49" charset="0"/>
-              </a:rPr>
-              <a:t>            {</a:t>
-            </a:r>
-            <a:endParaRPr lang="be-BY" sz="900" dirty="0">
-              <a:solidFill>
-                <a:schemeClr val="bg1"/>
-              </a:solidFill>
-              <a:latin typeface="Arial" pitchFamily="34" charset="0"/>
-            </a:endParaRPr>
-          </a:p>
-          <a:p>
-            <a:pPr eaLnBrk="0" hangingPunct="0">
-              <a:defRPr/>
-            </a:pPr>
-            <a:r>
-              <a:rPr lang="be-BY" sz="1000" dirty="0">
-                <a:solidFill>
-                  <a:schemeClr val="bg1"/>
-                </a:solidFill>
-                <a:latin typeface="Courier New" pitchFamily="49" charset="0"/>
-                <a:ea typeface="Calibri" pitchFamily="34" charset="0"/>
-                <a:cs typeface="Courier New" pitchFamily="49" charset="0"/>
-              </a:rPr>
-              <a:t>                Console.WriteLine(e.Message);</a:t>
-            </a:r>
-            <a:endParaRPr lang="be-BY" sz="900" dirty="0">
-              <a:solidFill>
-                <a:schemeClr val="bg1"/>
-              </a:solidFill>
-              <a:latin typeface="Arial" pitchFamily="34" charset="0"/>
-            </a:endParaRPr>
-          </a:p>
-          <a:p>
-            <a:pPr eaLnBrk="0" hangingPunct="0">
-              <a:defRPr/>
-            </a:pPr>
-            <a:r>
-              <a:rPr lang="be-BY" sz="1000" dirty="0">
-                <a:solidFill>
-                  <a:schemeClr val="bg1"/>
-                </a:solidFill>
-                <a:latin typeface="Courier New" pitchFamily="49" charset="0"/>
-                <a:ea typeface="Calibri" pitchFamily="34" charset="0"/>
-                <a:cs typeface="Courier New" pitchFamily="49" charset="0"/>
-              </a:rPr>
-              <a:t>            }</a:t>
-            </a:r>
-            <a:endParaRPr lang="be-BY" dirty="0">
-              <a:solidFill>
-                <a:schemeClr val="bg1"/>
-              </a:solidFill>
-              <a:latin typeface="Arial" pitchFamily="34" charset="0"/>
-            </a:endParaRPr>
-          </a:p>
-        </p:txBody>
-      </p:sp>
-      <p:sp>
-        <p:nvSpPr>
-          <p:cNvPr id="8199" name="Rectangle 7"/>
-          <p:cNvSpPr>
-            <a:spLocks noChangeArrowheads="1"/>
-          </p:cNvSpPr>
-          <p:nvPr/>
-        </p:nvSpPr>
-        <p:spPr bwMode="auto">
-          <a:xfrm>
-            <a:off x="152400" y="5053013"/>
-            <a:ext cx="8839200" cy="338137"/>
-          </a:xfrm>
-          <a:prstGeom prst="rect">
-            <a:avLst/>
-          </a:prstGeom>
-          <a:noFill/>
-          <a:ln>
-            <a:noFill/>
-          </a:ln>
-          <a:extLst>
-            <a:ext uri="{909E8E84-426E-40DD-AFC4-6F175D3DCCD1}">
-              <a14:hiddenFill xmlns:a14="http://schemas.microsoft.com/office/drawing/2010/main">
-                <a:solidFill>
-                  <a:srgbClr val="FFFFFF"/>
-                </a:solidFill>
-              </a14:hiddenFill>
-            </a:ext>
-            <a:ext uri="{91240B29-F687-4F45-9708-019B960494DF}">
-              <a14:hiddenLine xmlns:a14="http://schemas.microsoft.com/office/drawing/2010/main" w="9525">
-                <a:solidFill>
-                  <a:srgbClr val="000000"/>
-                </a:solidFill>
-                <a:miter lim="800000"/>
-                <a:headEnd/>
-                <a:tailEnd/>
-              </a14:hiddenLine>
-            </a:ext>
-          </a:extLst>
-        </p:spPr>
-        <p:txBody>
-          <a:bodyPr anchor="ctr">
-            <a:spAutoFit/>
-          </a:bodyPr>
-          <a:lstStyle/>
-          <a:p>
-            <a:r>
-              <a:rPr lang="ru-RU" sz="1600"/>
-              <a:t>…после чего можно получить информацию о типах находящихся в сборке.</a:t>
-            </a:r>
-          </a:p>
-        </p:txBody>
-      </p:sp>
-      <p:sp>
-        <p:nvSpPr>
-          <p:cNvPr id="31747" name="Rectangle 8"/>
-          <p:cNvSpPr>
-            <a:spLocks noChangeArrowheads="1"/>
-          </p:cNvSpPr>
-          <p:nvPr/>
-        </p:nvSpPr>
-        <p:spPr bwMode="auto">
-          <a:xfrm>
-            <a:off x="152400" y="5391150"/>
-            <a:ext cx="8839200" cy="400050"/>
-          </a:xfrm>
-          <a:prstGeom prst="rect">
-            <a:avLst/>
-          </a:prstGeom>
-          <a:noFill/>
-          <a:ln w="9525">
-            <a:solidFill>
-              <a:schemeClr val="bg1">
-                <a:lumMod val="65000"/>
-              </a:schemeClr>
-            </a:solidFill>
-            <a:miter lim="800000"/>
-            <a:headEnd/>
-            <a:tailEnd/>
-          </a:ln>
-          <a:effectLst/>
-        </p:spPr>
-        <p:txBody>
-          <a:bodyPr anchor="ctr">
-            <a:spAutoFit/>
-          </a:bodyPr>
-          <a:lstStyle/>
-          <a:p>
-            <a:pPr eaLnBrk="0" hangingPunct="0">
-              <a:defRPr/>
-            </a:pPr>
-            <a:r>
-              <a:rPr lang="be-BY" sz="1000" dirty="0">
-                <a:solidFill>
-                  <a:schemeClr val="bg1"/>
-                </a:solidFill>
-                <a:latin typeface="Courier New" pitchFamily="49" charset="0"/>
-                <a:ea typeface="Calibri" pitchFamily="34" charset="0"/>
-                <a:cs typeface="Courier New" pitchFamily="49" charset="0"/>
-              </a:rPr>
-              <a:t>            foreach (Type t in asm.GetTypes())</a:t>
-            </a:r>
-            <a:endParaRPr lang="be-BY" sz="900" dirty="0">
-              <a:solidFill>
-                <a:schemeClr val="bg1"/>
-              </a:solidFill>
-              <a:latin typeface="Arial" pitchFamily="34" charset="0"/>
-            </a:endParaRPr>
-          </a:p>
-          <a:p>
-            <a:pPr eaLnBrk="0" hangingPunct="0">
-              <a:defRPr/>
-            </a:pPr>
-            <a:r>
-              <a:rPr lang="be-BY" sz="1000" dirty="0">
-                <a:solidFill>
-                  <a:schemeClr val="bg1"/>
-                </a:solidFill>
-                <a:latin typeface="Courier New" pitchFamily="49" charset="0"/>
-                <a:ea typeface="Calibri" pitchFamily="34" charset="0"/>
-                <a:cs typeface="Courier New" pitchFamily="49" charset="0"/>
-              </a:rPr>
-              <a:t>                Console.WriteLine(t);</a:t>
-            </a:r>
-            <a:endParaRPr lang="be-BY" dirty="0">
-              <a:solidFill>
-                <a:schemeClr val="bg1"/>
-              </a:solidFill>
-              <a:latin typeface="Arial" pitchFamily="34" charset="0"/>
-            </a:endParaRPr>
-          </a:p>
-        </p:txBody>
-      </p:sp>
-    </p:spTree>
-    <p:extLst>
-      <p:ext uri="{BB962C8B-B14F-4D97-AF65-F5344CB8AC3E}">
-        <p14:creationId xmlns:p14="http://schemas.microsoft.com/office/powerpoint/2010/main" val="146513021"/>
-      </p:ext>
-    </p:extLst>
-  </p:cSld>
-  <p:clrMapOvr>
-    <a:masterClrMapping/>
-  </p:clrMapOvr>
-  <p:timing>
-    <p:tnLst>
-      <p:par>
-        <p:cTn id="1" dur="indefinite" restart="never" nodeType="tmRoot"/>
-      </p:par>
-    </p:tnLst>
-  </p:timing>
-</p:sld>
-</file>
-
-<file path=ppt/slides/slide2.xml><?xml version="1.0" encoding="utf-8"?>
-<p:sld xmlns:a="http://schemas.openxmlformats.org/drawingml/2006/main" xmlns:r="http://schemas.openxmlformats.org/officeDocument/2006/relationships" xmlns:p="http://schemas.openxmlformats.org/presentationml/2006/main">
-  <p:cSld>
-    <p:spTree>
-      <p:nvGrpSpPr>
-        <p:cNvPr id="1" name=""/>
-        <p:cNvGrpSpPr/>
-        <p:nvPr/>
-      </p:nvGrpSpPr>
-      <p:grpSpPr>
-        <a:xfrm>
-          <a:off x="0" y="0"/>
-          <a:ext cx="0" cy="0"/>
-          <a:chOff x="0" y="0"/>
-          <a:chExt cx="0" cy="0"/>
-        </a:xfrm>
-      </p:grpSpPr>
-      <p:sp>
-        <p:nvSpPr>
-          <p:cNvPr id="3" name="Rectangle 2"/>
-          <p:cNvSpPr/>
-          <p:nvPr/>
-        </p:nvSpPr>
-        <p:spPr>
-          <a:xfrm>
-            <a:off x="251520" y="3136613"/>
-            <a:ext cx="8640960" cy="584775"/>
-          </a:xfrm>
-          <a:prstGeom prst="rect">
-            <a:avLst/>
-          </a:prstGeom>
-        </p:spPr>
-        <p:txBody>
-          <a:bodyPr wrap="square">
-            <a:spAutoFit/>
-          </a:bodyPr>
-          <a:lstStyle/>
-          <a:p>
-            <a:pPr lvl="0" algn="ctr"/>
-            <a:r>
-              <a:rPr lang="en-US" sz="3200" dirty="0">
-                <a:solidFill>
-                  <a:schemeClr val="bg1"/>
-                </a:solidFill>
-              </a:rPr>
-              <a:t>https://github.com/bazile/Training</a:t>
-            </a:r>
-            <a:endParaRPr lang="en-US" sz="3200" dirty="0" smtClean="0">
-              <a:solidFill>
-                <a:schemeClr val="bg1"/>
-              </a:solidFill>
-            </a:endParaRPr>
-          </a:p>
-        </p:txBody>
-      </p:sp>
-    </p:spTree>
-    <p:extLst>
-      <p:ext uri="{BB962C8B-B14F-4D97-AF65-F5344CB8AC3E}">
-        <p14:creationId xmlns:p14="http://schemas.microsoft.com/office/powerpoint/2010/main" val="639767958"/>
-      </p:ext>
-    </p:extLst>
-  </p:cSld>
-  <p:clrMapOvr>
-    <a:masterClrMapping/>
-  </p:clrMapOvr>
-  <p:timing>
-    <p:tnLst>
-      <p:par>
-        <p:cTn id="1" dur="indefinite" restart="never" nodeType="tmRoot"/>
-      </p:par>
-    </p:tnLst>
-  </p:timing>
-</p:sld>
-</file>
-
-<file path=ppt/slides/slide20.xml><?xml version="1.0" encoding="utf-8"?>
-<p:sld xmlns:a="http://schemas.openxmlformats.org/drawingml/2006/main" xmlns:r="http://schemas.openxmlformats.org/officeDocument/2006/relationships" xmlns:p="http://schemas.openxmlformats.org/presentationml/2006/main">
-  <p:cSld>
-    <p:spTree>
-      <p:nvGrpSpPr>
-        <p:cNvPr id="1" name=""/>
-        <p:cNvGrpSpPr/>
-        <p:nvPr/>
-      </p:nvGrpSpPr>
-      <p:grpSpPr>
-        <a:xfrm>
-          <a:off x="0" y="0"/>
-          <a:ext cx="0" cy="0"/>
-          <a:chOff x="0" y="0"/>
-          <a:chExt cx="0" cy="0"/>
-        </a:xfrm>
-      </p:grpSpPr>
-      <p:sp>
-        <p:nvSpPr>
-          <p:cNvPr id="9218" name="Rectangle 3"/>
-          <p:cNvSpPr>
-            <a:spLocks noChangeArrowheads="1"/>
-          </p:cNvSpPr>
-          <p:nvPr/>
-        </p:nvSpPr>
-        <p:spPr bwMode="auto">
-          <a:xfrm>
-            <a:off x="152400" y="-4763"/>
-            <a:ext cx="8763000" cy="461963"/>
-          </a:xfrm>
-          <a:prstGeom prst="rect">
-            <a:avLst/>
-          </a:prstGeom>
-          <a:noFill/>
-          <a:ln>
-            <a:noFill/>
-          </a:ln>
-          <a:extLst>
-            <a:ext uri="{909E8E84-426E-40DD-AFC4-6F175D3DCCD1}">
-              <a14:hiddenFill xmlns:a14="http://schemas.microsoft.com/office/drawing/2010/main">
-                <a:solidFill>
-                  <a:srgbClr val="FFFFFF"/>
-                </a:solidFill>
-              </a14:hiddenFill>
-            </a:ext>
-            <a:ext uri="{91240B29-F687-4F45-9708-019B960494DF}">
-              <a14:hiddenLine xmlns:a14="http://schemas.microsoft.com/office/drawing/2010/main" w="9525">
-                <a:solidFill>
-                  <a:srgbClr val="000000"/>
-                </a:solidFill>
-                <a:miter lim="800000"/>
-                <a:headEnd/>
-                <a:tailEnd/>
-              </a14:hiddenLine>
-            </a:ext>
-          </a:extLst>
-        </p:spPr>
-        <p:txBody>
-          <a:bodyPr anchor="ctr">
-            <a:spAutoFit/>
-          </a:bodyPr>
-          <a:lstStyle/>
-          <a:p>
-            <a:pPr algn="ctr"/>
-            <a:r>
-              <a:rPr lang="ru-RU" sz="2400" b="1"/>
-              <a:t>Пространство </a:t>
-            </a:r>
-            <a:r>
-              <a:rPr lang="en-US" sz="2400" b="1"/>
-              <a:t>System.Reflection.</a:t>
-            </a:r>
-          </a:p>
-        </p:txBody>
-      </p:sp>
-      <p:sp>
-        <p:nvSpPr>
-          <p:cNvPr id="9219" name="Rectangle 3"/>
-          <p:cNvSpPr>
-            <a:spLocks noChangeArrowheads="1"/>
-          </p:cNvSpPr>
-          <p:nvPr/>
-        </p:nvSpPr>
-        <p:spPr bwMode="auto">
-          <a:xfrm>
-            <a:off x="152400" y="581025"/>
-            <a:ext cx="8839200" cy="336550"/>
-          </a:xfrm>
-          <a:prstGeom prst="rect">
-            <a:avLst/>
-          </a:prstGeom>
-          <a:noFill/>
-          <a:ln>
-            <a:noFill/>
-          </a:ln>
-          <a:extLst>
-            <a:ext uri="{909E8E84-426E-40DD-AFC4-6F175D3DCCD1}">
-              <a14:hiddenFill xmlns:a14="http://schemas.microsoft.com/office/drawing/2010/main">
-                <a:solidFill>
-                  <a:srgbClr val="FFFFFF"/>
-                </a:solidFill>
-              </a14:hiddenFill>
-            </a:ext>
-            <a:ext uri="{91240B29-F687-4F45-9708-019B960494DF}">
-              <a14:hiddenLine xmlns:a14="http://schemas.microsoft.com/office/drawing/2010/main" w="9525">
-                <a:solidFill>
-                  <a:srgbClr val="000000"/>
-                </a:solidFill>
-                <a:miter lim="800000"/>
-                <a:headEnd/>
-                <a:tailEnd/>
-              </a14:hiddenLine>
-            </a:ext>
-          </a:extLst>
-        </p:spPr>
-        <p:txBody>
-          <a:bodyPr anchor="ctr">
-            <a:spAutoFit/>
-          </a:bodyPr>
-          <a:lstStyle/>
-          <a:p>
-            <a:r>
-              <a:rPr lang="ru-RU" sz="1600"/>
-              <a:t>	Используя класс </a:t>
-            </a:r>
-            <a:r>
-              <a:rPr lang="en-US" sz="1600"/>
-              <a:t>Activator</a:t>
-            </a:r>
-            <a:r>
-              <a:rPr lang="ru-RU" sz="1600"/>
-              <a:t> можно создать объект нудного класса.</a:t>
-            </a:r>
-          </a:p>
-        </p:txBody>
-      </p:sp>
-      <p:sp>
-        <p:nvSpPr>
-          <p:cNvPr id="22538" name="Rectangle 10"/>
-          <p:cNvSpPr>
-            <a:spLocks noChangeArrowheads="1"/>
-          </p:cNvSpPr>
-          <p:nvPr/>
-        </p:nvSpPr>
-        <p:spPr bwMode="auto">
-          <a:xfrm>
-            <a:off x="152400" y="990600"/>
-            <a:ext cx="8839200" cy="3478213"/>
-          </a:xfrm>
-          <a:prstGeom prst="rect">
-            <a:avLst/>
-          </a:prstGeom>
-          <a:noFill/>
-          <a:ln w="9525">
-            <a:solidFill>
-              <a:schemeClr val="bg1">
-                <a:lumMod val="65000"/>
-              </a:schemeClr>
-            </a:solidFill>
-            <a:miter lim="800000"/>
-            <a:headEnd/>
-            <a:tailEnd/>
-          </a:ln>
-          <a:effectLst/>
-        </p:spPr>
-        <p:txBody>
-          <a:bodyPr anchor="ctr">
-            <a:spAutoFit/>
-          </a:bodyPr>
-          <a:lstStyle/>
-          <a:p>
-            <a:pPr eaLnBrk="0" hangingPunct="0"/>
-            <a:r>
-              <a:rPr lang="be-BY" sz="1000" dirty="0">
-                <a:solidFill>
-                  <a:schemeClr val="bg1"/>
-                </a:solidFill>
-                <a:latin typeface="Courier New" pitchFamily="49" charset="0"/>
-                <a:ea typeface="Calibri" pitchFamily="34" charset="0"/>
-                <a:cs typeface="Courier New" pitchFamily="49" charset="0"/>
-              </a:rPr>
-              <a:t>    class Program</a:t>
-            </a:r>
-            <a:endParaRPr lang="be-BY" sz="900" dirty="0">
-              <a:solidFill>
-                <a:schemeClr val="bg1"/>
-              </a:solidFill>
-              <a:ea typeface="Calibri" pitchFamily="34" charset="0"/>
-              <a:cs typeface="Courier New" pitchFamily="49" charset="0"/>
-            </a:endParaRPr>
-          </a:p>
-          <a:p>
-            <a:pPr eaLnBrk="0" hangingPunct="0"/>
-            <a:r>
-              <a:rPr lang="be-BY" sz="1000" dirty="0">
-                <a:solidFill>
-                  <a:schemeClr val="bg1"/>
-                </a:solidFill>
-                <a:latin typeface="Courier New" pitchFamily="49" charset="0"/>
-                <a:ea typeface="Calibri" pitchFamily="34" charset="0"/>
-                <a:cs typeface="Courier New" pitchFamily="49" charset="0"/>
-              </a:rPr>
-              <a:t>    {</a:t>
-            </a:r>
-            <a:endParaRPr lang="be-BY" sz="900" dirty="0">
-              <a:solidFill>
-                <a:schemeClr val="bg1"/>
-              </a:solidFill>
-              <a:ea typeface="Calibri" pitchFamily="34" charset="0"/>
-              <a:cs typeface="Courier New" pitchFamily="49" charset="0"/>
-            </a:endParaRPr>
-          </a:p>
-          <a:p>
-            <a:pPr eaLnBrk="0" hangingPunct="0"/>
-            <a:r>
-              <a:rPr lang="be-BY" sz="1000" dirty="0">
-                <a:solidFill>
-                  <a:schemeClr val="bg1"/>
-                </a:solidFill>
-                <a:latin typeface="Courier New" pitchFamily="49" charset="0"/>
-                <a:ea typeface="Calibri" pitchFamily="34" charset="0"/>
-                <a:cs typeface="Courier New" pitchFamily="49" charset="0"/>
-              </a:rPr>
-              <a:t>        static void Main(string[] args)</a:t>
-            </a:r>
-            <a:endParaRPr lang="be-BY" sz="900" dirty="0">
-              <a:solidFill>
-                <a:schemeClr val="bg1"/>
-              </a:solidFill>
-              <a:ea typeface="Calibri" pitchFamily="34" charset="0"/>
-              <a:cs typeface="Courier New" pitchFamily="49" charset="0"/>
-            </a:endParaRPr>
-          </a:p>
-          <a:p>
-            <a:pPr eaLnBrk="0" hangingPunct="0"/>
-            <a:r>
-              <a:rPr lang="be-BY" sz="1000" dirty="0">
-                <a:solidFill>
-                  <a:schemeClr val="bg1"/>
-                </a:solidFill>
-                <a:latin typeface="Courier New" pitchFamily="49" charset="0"/>
-                <a:ea typeface="Calibri" pitchFamily="34" charset="0"/>
-                <a:cs typeface="Courier New" pitchFamily="49" charset="0"/>
-              </a:rPr>
-              <a:t>        {</a:t>
-            </a:r>
-            <a:endParaRPr lang="be-BY" sz="900" dirty="0">
-              <a:solidFill>
-                <a:schemeClr val="bg1"/>
-              </a:solidFill>
-              <a:ea typeface="Calibri" pitchFamily="34" charset="0"/>
-              <a:cs typeface="Courier New" pitchFamily="49" charset="0"/>
-            </a:endParaRPr>
-          </a:p>
-          <a:p>
-            <a:pPr eaLnBrk="0" hangingPunct="0"/>
-            <a:r>
-              <a:rPr lang="be-BY" sz="1000" dirty="0">
-                <a:solidFill>
-                  <a:schemeClr val="bg1"/>
-                </a:solidFill>
-                <a:latin typeface="Courier New" pitchFamily="49" charset="0"/>
-                <a:ea typeface="Calibri" pitchFamily="34" charset="0"/>
-                <a:cs typeface="Courier New" pitchFamily="49" charset="0"/>
-              </a:rPr>
-              <a:t>            AssemblyName name = new AssemblyName("Complex");</a:t>
-            </a:r>
-            <a:endParaRPr lang="be-BY" sz="900" dirty="0">
-              <a:solidFill>
-                <a:schemeClr val="bg1"/>
-              </a:solidFill>
-              <a:ea typeface="Calibri" pitchFamily="34" charset="0"/>
-              <a:cs typeface="Courier New" pitchFamily="49" charset="0"/>
-            </a:endParaRPr>
-          </a:p>
-          <a:p>
-            <a:pPr eaLnBrk="0" hangingPunct="0"/>
-            <a:r>
-              <a:rPr lang="be-BY" sz="1000" dirty="0">
-                <a:solidFill>
-                  <a:schemeClr val="bg1"/>
-                </a:solidFill>
-                <a:latin typeface="Courier New" pitchFamily="49" charset="0"/>
-                <a:ea typeface="Calibri" pitchFamily="34" charset="0"/>
-                <a:cs typeface="Courier New" pitchFamily="49" charset="0"/>
-              </a:rPr>
-              <a:t>            name.Version = new Version(1, 0, 0, 0);</a:t>
-            </a:r>
-            <a:endParaRPr lang="be-BY" sz="900" dirty="0">
-              <a:solidFill>
-                <a:schemeClr val="bg1"/>
-              </a:solidFill>
-              <a:ea typeface="Calibri" pitchFamily="34" charset="0"/>
-              <a:cs typeface="Courier New" pitchFamily="49" charset="0"/>
-            </a:endParaRPr>
-          </a:p>
-          <a:p>
-            <a:pPr eaLnBrk="0" hangingPunct="0"/>
-            <a:r>
-              <a:rPr lang="be-BY" sz="1000" dirty="0">
-                <a:solidFill>
-                  <a:schemeClr val="bg1"/>
-                </a:solidFill>
-                <a:latin typeface="Courier New" pitchFamily="49" charset="0"/>
-                <a:ea typeface="Calibri" pitchFamily="34" charset="0"/>
-                <a:cs typeface="Courier New" pitchFamily="49" charset="0"/>
-              </a:rPr>
-              <a:t>            Assembly asm;</a:t>
-            </a:r>
-            <a:endParaRPr lang="be-BY" sz="900" dirty="0">
-              <a:solidFill>
-                <a:schemeClr val="bg1"/>
-              </a:solidFill>
-              <a:ea typeface="Calibri" pitchFamily="34" charset="0"/>
-              <a:cs typeface="Courier New" pitchFamily="49" charset="0"/>
-            </a:endParaRPr>
-          </a:p>
-          <a:p>
-            <a:pPr eaLnBrk="0" hangingPunct="0"/>
-            <a:r>
-              <a:rPr lang="be-BY" sz="1000" dirty="0">
-                <a:solidFill>
-                  <a:schemeClr val="bg1"/>
-                </a:solidFill>
-                <a:latin typeface="Courier New" pitchFamily="49" charset="0"/>
-                <a:ea typeface="Calibri" pitchFamily="34" charset="0"/>
-                <a:cs typeface="Courier New" pitchFamily="49" charset="0"/>
-              </a:rPr>
-              <a:t>            try</a:t>
-            </a:r>
-            <a:endParaRPr lang="be-BY" sz="900" dirty="0">
-              <a:solidFill>
-                <a:schemeClr val="bg1"/>
-              </a:solidFill>
-              <a:ea typeface="Calibri" pitchFamily="34" charset="0"/>
-              <a:cs typeface="Courier New" pitchFamily="49" charset="0"/>
-            </a:endParaRPr>
-          </a:p>
-          <a:p>
-            <a:pPr eaLnBrk="0" hangingPunct="0"/>
-            <a:r>
-              <a:rPr lang="be-BY" sz="1000" dirty="0">
-                <a:solidFill>
-                  <a:schemeClr val="bg1"/>
-                </a:solidFill>
-                <a:latin typeface="Courier New" pitchFamily="49" charset="0"/>
-                <a:ea typeface="Calibri" pitchFamily="34" charset="0"/>
-                <a:cs typeface="Courier New" pitchFamily="49" charset="0"/>
-              </a:rPr>
-              <a:t>            {</a:t>
-            </a:r>
-            <a:endParaRPr lang="be-BY" sz="900" dirty="0">
-              <a:solidFill>
-                <a:schemeClr val="bg1"/>
-              </a:solidFill>
-              <a:ea typeface="Calibri" pitchFamily="34" charset="0"/>
-              <a:cs typeface="Courier New" pitchFamily="49" charset="0"/>
-            </a:endParaRPr>
-          </a:p>
-          <a:p>
-            <a:pPr eaLnBrk="0" hangingPunct="0"/>
-            <a:r>
-              <a:rPr lang="be-BY" sz="1000" dirty="0">
-                <a:solidFill>
-                  <a:schemeClr val="bg1"/>
-                </a:solidFill>
-                <a:latin typeface="Courier New" pitchFamily="49" charset="0"/>
-                <a:ea typeface="Calibri" pitchFamily="34" charset="0"/>
-                <a:cs typeface="Courier New" pitchFamily="49" charset="0"/>
-              </a:rPr>
-              <a:t>                asm = Assembly.Load(name);</a:t>
-            </a:r>
-            <a:endParaRPr lang="be-BY" sz="900" dirty="0">
-              <a:solidFill>
-                <a:schemeClr val="bg1"/>
-              </a:solidFill>
-              <a:ea typeface="Calibri" pitchFamily="34" charset="0"/>
-              <a:cs typeface="Courier New" pitchFamily="49" charset="0"/>
-            </a:endParaRPr>
-          </a:p>
-          <a:p>
-            <a:pPr eaLnBrk="0" hangingPunct="0"/>
-            <a:r>
-              <a:rPr lang="be-BY" sz="1000" dirty="0">
-                <a:solidFill>
-                  <a:schemeClr val="bg1"/>
-                </a:solidFill>
-                <a:latin typeface="Courier New" pitchFamily="49" charset="0"/>
-                <a:ea typeface="Calibri" pitchFamily="34" charset="0"/>
-                <a:cs typeface="Courier New" pitchFamily="49" charset="0"/>
-              </a:rPr>
-              <a:t>            }</a:t>
-            </a:r>
-            <a:endParaRPr lang="be-BY" sz="900" dirty="0">
-              <a:solidFill>
-                <a:schemeClr val="bg1"/>
-              </a:solidFill>
-              <a:ea typeface="Calibri" pitchFamily="34" charset="0"/>
-              <a:cs typeface="Courier New" pitchFamily="49" charset="0"/>
-            </a:endParaRPr>
-          </a:p>
-          <a:p>
-            <a:pPr eaLnBrk="0" hangingPunct="0"/>
-            <a:r>
-              <a:rPr lang="be-BY" sz="1000" dirty="0">
-                <a:solidFill>
-                  <a:schemeClr val="bg1"/>
-                </a:solidFill>
-                <a:latin typeface="Courier New" pitchFamily="49" charset="0"/>
-                <a:ea typeface="Calibri" pitchFamily="34" charset="0"/>
-                <a:cs typeface="Courier New" pitchFamily="49" charset="0"/>
-              </a:rPr>
-              <a:t>            catch (FileNotFoundException e)</a:t>
-            </a:r>
-            <a:endParaRPr lang="be-BY" sz="900" dirty="0">
-              <a:solidFill>
-                <a:schemeClr val="bg1"/>
-              </a:solidFill>
-              <a:ea typeface="Calibri" pitchFamily="34" charset="0"/>
-              <a:cs typeface="Courier New" pitchFamily="49" charset="0"/>
-            </a:endParaRPr>
-          </a:p>
-          <a:p>
-            <a:pPr eaLnBrk="0" hangingPunct="0"/>
-            <a:r>
-              <a:rPr lang="be-BY" sz="1000" dirty="0">
-                <a:solidFill>
-                  <a:schemeClr val="bg1"/>
-                </a:solidFill>
-                <a:latin typeface="Courier New" pitchFamily="49" charset="0"/>
-                <a:ea typeface="Calibri" pitchFamily="34" charset="0"/>
-                <a:cs typeface="Courier New" pitchFamily="49" charset="0"/>
-              </a:rPr>
-              <a:t>            {</a:t>
-            </a:r>
-            <a:endParaRPr lang="be-BY" sz="900" dirty="0">
-              <a:solidFill>
-                <a:schemeClr val="bg1"/>
-              </a:solidFill>
-              <a:ea typeface="Calibri" pitchFamily="34" charset="0"/>
-              <a:cs typeface="Courier New" pitchFamily="49" charset="0"/>
-            </a:endParaRPr>
-          </a:p>
-          <a:p>
-            <a:pPr eaLnBrk="0" hangingPunct="0"/>
-            <a:r>
-              <a:rPr lang="be-BY" sz="1000" dirty="0">
-                <a:solidFill>
-                  <a:schemeClr val="bg1"/>
-                </a:solidFill>
-                <a:latin typeface="Courier New" pitchFamily="49" charset="0"/>
-                <a:ea typeface="Calibri" pitchFamily="34" charset="0"/>
-                <a:cs typeface="Courier New" pitchFamily="49" charset="0"/>
-              </a:rPr>
-              <a:t>                Console.WriteLine(e.Message);</a:t>
-            </a:r>
-            <a:endParaRPr lang="be-BY" sz="900" dirty="0">
-              <a:solidFill>
-                <a:schemeClr val="bg1"/>
-              </a:solidFill>
-              <a:ea typeface="Calibri" pitchFamily="34" charset="0"/>
-              <a:cs typeface="Courier New" pitchFamily="49" charset="0"/>
-            </a:endParaRPr>
-          </a:p>
-          <a:p>
-            <a:pPr eaLnBrk="0" hangingPunct="0"/>
-            <a:r>
-              <a:rPr lang="be-BY" sz="1000" dirty="0">
-                <a:solidFill>
-                  <a:schemeClr val="bg1"/>
-                </a:solidFill>
-                <a:latin typeface="Courier New" pitchFamily="49" charset="0"/>
-                <a:ea typeface="Calibri" pitchFamily="34" charset="0"/>
-                <a:cs typeface="Courier New" pitchFamily="49" charset="0"/>
-              </a:rPr>
-              <a:t>                return;</a:t>
-            </a:r>
-            <a:endParaRPr lang="be-BY" sz="900" dirty="0">
-              <a:solidFill>
-                <a:schemeClr val="bg1"/>
-              </a:solidFill>
-              <a:ea typeface="Calibri" pitchFamily="34" charset="0"/>
-              <a:cs typeface="Courier New" pitchFamily="49" charset="0"/>
-            </a:endParaRPr>
-          </a:p>
-          <a:p>
-            <a:pPr eaLnBrk="0" hangingPunct="0"/>
-            <a:r>
-              <a:rPr lang="be-BY" sz="1000" dirty="0">
-                <a:solidFill>
-                  <a:schemeClr val="bg1"/>
-                </a:solidFill>
-                <a:latin typeface="Courier New" pitchFamily="49" charset="0"/>
-                <a:ea typeface="Calibri" pitchFamily="34" charset="0"/>
-                <a:cs typeface="Courier New" pitchFamily="49" charset="0"/>
-              </a:rPr>
-              <a:t>            }</a:t>
-            </a:r>
-            <a:endParaRPr lang="be-BY" sz="900" dirty="0">
-              <a:solidFill>
-                <a:schemeClr val="bg1"/>
-              </a:solidFill>
-              <a:ea typeface="Calibri" pitchFamily="34" charset="0"/>
-              <a:cs typeface="Courier New" pitchFamily="49" charset="0"/>
-            </a:endParaRPr>
-          </a:p>
-          <a:p>
-            <a:pPr eaLnBrk="0" hangingPunct="0"/>
-            <a:r>
-              <a:rPr lang="be-BY" sz="1000" dirty="0">
-                <a:solidFill>
-                  <a:schemeClr val="bg1"/>
-                </a:solidFill>
-                <a:latin typeface="Courier New" pitchFamily="49" charset="0"/>
-                <a:ea typeface="Calibri" pitchFamily="34" charset="0"/>
-                <a:cs typeface="Courier New" pitchFamily="49" charset="0"/>
-              </a:rPr>
-              <a:t>            Type complex = asm.GetType("ComplexNumbers.Complex");</a:t>
-            </a:r>
-            <a:endParaRPr lang="be-BY" sz="900" dirty="0">
-              <a:solidFill>
-                <a:schemeClr val="bg1"/>
-              </a:solidFill>
-              <a:ea typeface="Calibri" pitchFamily="34" charset="0"/>
-              <a:cs typeface="Courier New" pitchFamily="49" charset="0"/>
-            </a:endParaRPr>
-          </a:p>
-          <a:p>
-            <a:pPr eaLnBrk="0" hangingPunct="0"/>
-            <a:r>
-              <a:rPr lang="be-BY" sz="1000" dirty="0">
-                <a:solidFill>
-                  <a:schemeClr val="bg1"/>
-                </a:solidFill>
-                <a:latin typeface="Courier New" pitchFamily="49" charset="0"/>
-                <a:ea typeface="Calibri" pitchFamily="34" charset="0"/>
-                <a:cs typeface="Courier New" pitchFamily="49" charset="0"/>
-              </a:rPr>
-              <a:t>            object obj = Activator.CreateInstance(complex, 10, 35);</a:t>
-            </a:r>
-            <a:endParaRPr lang="be-BY" sz="900" dirty="0">
-              <a:solidFill>
-                <a:schemeClr val="bg1"/>
-              </a:solidFill>
-              <a:ea typeface="Calibri" pitchFamily="34" charset="0"/>
-              <a:cs typeface="Courier New" pitchFamily="49" charset="0"/>
-            </a:endParaRPr>
-          </a:p>
-          <a:p>
-            <a:pPr eaLnBrk="0" hangingPunct="0"/>
-            <a:r>
-              <a:rPr lang="be-BY" sz="1000" dirty="0">
-                <a:solidFill>
-                  <a:schemeClr val="bg1"/>
-                </a:solidFill>
-                <a:latin typeface="Courier New" pitchFamily="49" charset="0"/>
-                <a:ea typeface="Calibri" pitchFamily="34" charset="0"/>
-                <a:cs typeface="Courier New" pitchFamily="49" charset="0"/>
-              </a:rPr>
-              <a:t>            MethodInfo mi = complex.GetMethod("Abs");   //Получаем информацию о методе Abs </a:t>
-            </a:r>
-            <a:endParaRPr lang="be-BY" sz="900" dirty="0">
-              <a:solidFill>
-                <a:schemeClr val="bg1"/>
-              </a:solidFill>
-              <a:ea typeface="Calibri" pitchFamily="34" charset="0"/>
-              <a:cs typeface="Courier New" pitchFamily="49" charset="0"/>
-            </a:endParaRPr>
-          </a:p>
-          <a:p>
-            <a:pPr eaLnBrk="0" hangingPunct="0"/>
-            <a:r>
-              <a:rPr lang="be-BY" sz="1000" dirty="0">
-                <a:solidFill>
-                  <a:schemeClr val="bg1"/>
-                </a:solidFill>
-                <a:latin typeface="Courier New" pitchFamily="49" charset="0"/>
-                <a:ea typeface="Calibri" pitchFamily="34" charset="0"/>
-                <a:cs typeface="Courier New" pitchFamily="49" charset="0"/>
-              </a:rPr>
-              <a:t>            Console.WriteLine(mi.Invoke(obj, null));    //Вызываем метод</a:t>
-            </a:r>
-            <a:endParaRPr lang="be-BY" sz="900" dirty="0">
-              <a:solidFill>
-                <a:schemeClr val="bg1"/>
-              </a:solidFill>
-              <a:ea typeface="Calibri" pitchFamily="34" charset="0"/>
-              <a:cs typeface="Courier New" pitchFamily="49" charset="0"/>
-            </a:endParaRPr>
-          </a:p>
-          <a:p>
-            <a:pPr eaLnBrk="0" hangingPunct="0"/>
-            <a:r>
-              <a:rPr lang="be-BY" sz="1000" dirty="0">
-                <a:solidFill>
-                  <a:schemeClr val="bg1"/>
-                </a:solidFill>
-                <a:latin typeface="Courier New" pitchFamily="49" charset="0"/>
-                <a:ea typeface="Calibri" pitchFamily="34" charset="0"/>
-                <a:cs typeface="Courier New" pitchFamily="49" charset="0"/>
-              </a:rPr>
-              <a:t>        }</a:t>
-            </a:r>
-            <a:endParaRPr lang="be-BY" sz="900" dirty="0">
-              <a:solidFill>
-                <a:schemeClr val="bg1"/>
-              </a:solidFill>
-              <a:ea typeface="Calibri" pitchFamily="34" charset="0"/>
-              <a:cs typeface="Courier New" pitchFamily="49" charset="0"/>
-            </a:endParaRPr>
-          </a:p>
-          <a:p>
-            <a:pPr eaLnBrk="0" hangingPunct="0"/>
-            <a:r>
-              <a:rPr lang="be-BY" sz="1000" dirty="0">
-                <a:solidFill>
-                  <a:schemeClr val="bg1"/>
-                </a:solidFill>
-                <a:latin typeface="Courier New" pitchFamily="49" charset="0"/>
-                <a:ea typeface="Calibri" pitchFamily="34" charset="0"/>
-                <a:cs typeface="Courier New" pitchFamily="49" charset="0"/>
-              </a:rPr>
-              <a:t>    }</a:t>
-            </a:r>
-            <a:endParaRPr lang="be-BY" dirty="0">
-              <a:solidFill>
-                <a:schemeClr val="bg1"/>
-              </a:solidFill>
-              <a:ea typeface="Calibri" pitchFamily="34" charset="0"/>
-              <a:cs typeface="Courier New" pitchFamily="49" charset="0"/>
-            </a:endParaRPr>
-          </a:p>
-        </p:txBody>
-      </p:sp>
-    </p:spTree>
-    <p:extLst>
-      <p:ext uri="{BB962C8B-B14F-4D97-AF65-F5344CB8AC3E}">
-        <p14:creationId xmlns:p14="http://schemas.microsoft.com/office/powerpoint/2010/main" val="2652139991"/>
-      </p:ext>
-    </p:extLst>
-  </p:cSld>
-  <p:clrMapOvr>
-    <a:masterClrMapping/>
-  </p:clrMapOvr>
-  <p:timing>
-    <p:tnLst>
-      <p:par>
-        <p:cTn id="1" dur="indefinite" restart="never" nodeType="tmRoot"/>
-      </p:par>
-    </p:tnLst>
-  </p:timing>
-</p:sld>
-</file>
-
-<file path=ppt/slides/slide21.xml><?xml version="1.0" encoding="utf-8"?>
-<p:sld xmlns:a="http://schemas.openxmlformats.org/drawingml/2006/main" xmlns:r="http://schemas.openxmlformats.org/officeDocument/2006/relationships" xmlns:p="http://schemas.openxmlformats.org/presentationml/2006/main">
-  <p:cSld>
-    <p:spTree>
-      <p:nvGrpSpPr>
-        <p:cNvPr id="1" name=""/>
-        <p:cNvGrpSpPr/>
-        <p:nvPr/>
-      </p:nvGrpSpPr>
-      <p:grpSpPr>
-        <a:xfrm>
-          <a:off x="0" y="0"/>
-          <a:ext cx="0" cy="0"/>
-          <a:chOff x="0" y="0"/>
-          <a:chExt cx="0" cy="0"/>
-        </a:xfrm>
-      </p:grpSpPr>
-      <p:sp>
-        <p:nvSpPr>
-          <p:cNvPr id="10242" name="Rectangle 3"/>
-          <p:cNvSpPr>
-            <a:spLocks noChangeArrowheads="1"/>
-          </p:cNvSpPr>
-          <p:nvPr/>
-        </p:nvSpPr>
-        <p:spPr bwMode="auto">
-          <a:xfrm>
-            <a:off x="152400" y="-4763"/>
-            <a:ext cx="8763000" cy="461963"/>
-          </a:xfrm>
-          <a:prstGeom prst="rect">
-            <a:avLst/>
-          </a:prstGeom>
-          <a:noFill/>
-          <a:ln>
-            <a:noFill/>
-          </a:ln>
-          <a:extLst>
-            <a:ext uri="{909E8E84-426E-40DD-AFC4-6F175D3DCCD1}">
-              <a14:hiddenFill xmlns:a14="http://schemas.microsoft.com/office/drawing/2010/main">
-                <a:solidFill>
-                  <a:srgbClr val="FFFFFF"/>
-                </a:solidFill>
-              </a14:hiddenFill>
-            </a:ext>
-            <a:ext uri="{91240B29-F687-4F45-9708-019B960494DF}">
-              <a14:hiddenLine xmlns:a14="http://schemas.microsoft.com/office/drawing/2010/main" w="9525">
-                <a:solidFill>
-                  <a:srgbClr val="000000"/>
-                </a:solidFill>
-                <a:miter lim="800000"/>
-                <a:headEnd/>
-                <a:tailEnd/>
-              </a14:hiddenLine>
-            </a:ext>
-          </a:extLst>
-        </p:spPr>
-        <p:txBody>
-          <a:bodyPr anchor="ctr">
-            <a:spAutoFit/>
-          </a:bodyPr>
-          <a:lstStyle/>
-          <a:p>
-            <a:pPr algn="ctr"/>
-            <a:r>
-              <a:rPr lang="ru-RU" sz="2400" b="1"/>
+              <a:rPr lang="ru-RU" sz="3600" dirty="0" smtClean="0"/>
               <a:t>Атрибуты</a:t>
             </a:r>
             <a:r>
-              <a:rPr lang="en-US" sz="2400" b="1"/>
-              <a:t>.</a:t>
-            </a:r>
+              <a:rPr lang="en-US" sz="3600" dirty="0" smtClean="0"/>
+              <a:t> (</a:t>
+            </a:r>
+            <a:r>
+              <a:rPr lang="en-US" sz="3600" dirty="0"/>
+              <a:t>custom attributes</a:t>
+            </a:r>
+            <a:r>
+              <a:rPr lang="en-US" sz="3600" dirty="0" smtClean="0"/>
+              <a:t>)</a:t>
+            </a:r>
+            <a:endParaRPr lang="en-US" sz="3600" dirty="0"/>
           </a:p>
         </p:txBody>
       </p:sp>
@@ -8852,11 +5100,11 @@
               <a:buChar char="•"/>
             </a:pPr>
             <a:r>
-              <a:rPr lang="ru-RU" sz="1600" b="1" i="1"/>
+              <a:rPr lang="ru-RU" sz="1600" b="1" i="1" dirty="0"/>
               <a:t>Атрибуты, используемые библиотекой классов</a:t>
             </a:r>
             <a:r>
-              <a:rPr lang="ru-RU" sz="1600" b="1"/>
+              <a:rPr lang="ru-RU" sz="1600" b="1" dirty="0"/>
               <a:t>. </a:t>
             </a:r>
             <a:r>
@@ -9357,7 +5605,7 @@
     </p:spTree>
     <p:extLst>
       <p:ext uri="{BB962C8B-B14F-4D97-AF65-F5344CB8AC3E}">
-        <p14:creationId xmlns:p14="http://schemas.microsoft.com/office/powerpoint/2010/main" val="1069923510"/>
+        <p14:creationId xmlns:p14="http://schemas.microsoft.com/office/powerpoint/2010/main" val="2950881340"/>
       </p:ext>
     </p:extLst>
   </p:cSld>
@@ -9374,7 +5622,7 @@
 </p:sld>
 </file>
 
-<file path=ppt/slides/slide22.xml><?xml version="1.0" encoding="utf-8"?>
+<file path=ppt/slides/slide15.xml><?xml version="1.0" encoding="utf-8"?>
 <p:sld xmlns:a="http://schemas.openxmlformats.org/drawingml/2006/main" xmlns:r="http://schemas.openxmlformats.org/officeDocument/2006/relationships" xmlns:p="http://schemas.openxmlformats.org/presentationml/2006/main">
   <p:cSld>
     <p:spTree>
@@ -9511,7 +5759,7 @@
           <p:nvPr>
             <p:extLst>
               <p:ext uri="{D42A27DB-BD31-4B8C-83A1-F6EECF244321}">
-                <p14:modId xmlns:p14="http://schemas.microsoft.com/office/powerpoint/2010/main" val="114170680"/>
+                <p14:modId xmlns:p14="http://schemas.microsoft.com/office/powerpoint/2010/main" val="4097473378"/>
               </p:ext>
             </p:extLst>
           </p:nvPr>
@@ -10814,7 +7062,7 @@
     </p:spTree>
     <p:extLst>
       <p:ext uri="{BB962C8B-B14F-4D97-AF65-F5344CB8AC3E}">
-        <p14:creationId xmlns:p14="http://schemas.microsoft.com/office/powerpoint/2010/main" val="1272205575"/>
+        <p14:creationId xmlns:p14="http://schemas.microsoft.com/office/powerpoint/2010/main" val="2869395872"/>
       </p:ext>
     </p:extLst>
   </p:cSld>
@@ -10831,7 +7079,7 @@
 </p:sld>
 </file>
 
-<file path=ppt/slides/slide23.xml><?xml version="1.0" encoding="utf-8"?>
+<file path=ppt/slides/slide16.xml><?xml version="1.0" encoding="utf-8"?>
 <p:sld xmlns:a="http://schemas.openxmlformats.org/drawingml/2006/main" xmlns:r="http://schemas.openxmlformats.org/officeDocument/2006/relationships" xmlns:p="http://schemas.openxmlformats.org/presentationml/2006/main">
   <p:cSld>
     <p:spTree>
@@ -10953,9 +7201,9 @@
           <a:lstStyle/>
           <a:p>
             <a:r>
-              <a:rPr lang="be-BY" sz="1600">
-                <a:solidFill>
-                  <a:srgbClr val="008080"/>
+              <a:rPr lang="be-BY" sz="1600" dirty="0">
+                <a:solidFill>
+                  <a:schemeClr val="bg1"/>
                 </a:solidFill>
                 <a:latin typeface="Courier New" pitchFamily="49" charset="0"/>
                 <a:ea typeface="Calibri" pitchFamily="34" charset="0"/>
@@ -10964,28 +7212,28 @@
               <a:t>DllImport </a:t>
             </a:r>
             <a:r>
-              <a:rPr lang="en-US" sz="1600">
+              <a:rPr lang="en-US" sz="1600" dirty="0">
                 <a:ea typeface="Calibri" pitchFamily="34" charset="0"/>
                 <a:cs typeface="Courier New" pitchFamily="49" charset="0"/>
               </a:rPr>
               <a:t>– </a:t>
             </a:r>
             <a:r>
-              <a:rPr lang="ru-RU" sz="1600">
+              <a:rPr lang="ru-RU" sz="1600" dirty="0">
                 <a:ea typeface="Calibri" pitchFamily="34" charset="0"/>
                 <a:cs typeface="Courier New" pitchFamily="49" charset="0"/>
               </a:rPr>
               <a:t>импортирует функции из бинарной </a:t>
             </a:r>
             <a:r>
-              <a:rPr lang="en-US" sz="1600">
+              <a:rPr lang="en-US" sz="1600" dirty="0" err="1">
                 <a:ea typeface="Calibri" pitchFamily="34" charset="0"/>
                 <a:cs typeface="Courier New" pitchFamily="49" charset="0"/>
               </a:rPr>
               <a:t>dll</a:t>
             </a:r>
             <a:r>
-              <a:rPr lang="ru-RU" sz="1600">
+              <a:rPr lang="ru-RU" sz="1600" dirty="0">
                 <a:ea typeface="Calibri" pitchFamily="34" charset="0"/>
                 <a:cs typeface="Courier New" pitchFamily="49" charset="0"/>
               </a:rPr>
@@ -11629,9 +7877,9 @@
           <a:lstStyle/>
           <a:p>
             <a:r>
-              <a:rPr lang="be-BY" sz="1600">
-                <a:solidFill>
-                  <a:srgbClr val="008080"/>
+              <a:rPr lang="be-BY" sz="1600" dirty="0">
+                <a:solidFill>
+                  <a:schemeClr val="bg1"/>
                 </a:solidFill>
                 <a:latin typeface="Courier New" pitchFamily="49" charset="0"/>
                 <a:ea typeface="Calibri" pitchFamily="34" charset="0"/>
@@ -11640,9 +7888,9 @@
               <a:t>StructLayout</a:t>
             </a:r>
             <a:r>
-              <a:rPr lang="ru-RU" sz="1600">
-                <a:solidFill>
-                  <a:srgbClr val="008080"/>
+              <a:rPr lang="ru-RU" sz="1600" dirty="0">
+                <a:solidFill>
+                  <a:schemeClr val="bg1"/>
                 </a:solidFill>
                 <a:latin typeface="Courier New" pitchFamily="49" charset="0"/>
                 <a:ea typeface="Calibri" pitchFamily="34" charset="0"/>
@@ -11651,33 +7899,35 @@
               <a:t> </a:t>
             </a:r>
             <a:r>
-              <a:rPr lang="ru-RU" sz="1600">
-                <a:ea typeface="Calibri" pitchFamily="34" charset="0"/>
-                <a:cs typeface="Courier New" pitchFamily="49" charset="0"/>
-              </a:rPr>
-              <a:t>– задает представление класса в памяти приложения. Используя параметр </a:t>
-            </a:r>
-            <a:r>
-              <a:rPr lang="be-BY" sz="1600">
-                <a:solidFill>
-                  <a:srgbClr val="008080"/>
-                </a:solidFill>
-                <a:latin typeface="Courier New" pitchFamily="49" charset="0"/>
-                <a:ea typeface="Calibri" pitchFamily="34" charset="0"/>
-                <a:cs typeface="Courier New" pitchFamily="49" charset="0"/>
-              </a:rPr>
-              <a:t>LayoutKind</a:t>
-            </a:r>
-            <a:r>
-              <a:rPr lang="be-BY" sz="1600">
-                <a:latin typeface="Courier New" pitchFamily="49" charset="0"/>
-                <a:ea typeface="Calibri" pitchFamily="34" charset="0"/>
-                <a:cs typeface="Courier New" pitchFamily="49" charset="0"/>
-              </a:rPr>
-              <a:t>.Sequential</a:t>
-            </a:r>
-            <a:r>
-              <a:rPr lang="ru-RU" sz="1600">
+              <a:rPr lang="ru-RU" sz="1600" dirty="0">
+                <a:solidFill>
+                  <a:schemeClr val="bg1"/>
+                </a:solidFill>
+                <a:ea typeface="Calibri" pitchFamily="34" charset="0"/>
+                <a:cs typeface="Courier New" pitchFamily="49" charset="0"/>
+              </a:rPr>
+              <a:t>– </a:t>
+            </a:r>
+            <a:r>
+              <a:rPr lang="ru-RU" sz="1600" dirty="0">
+                <a:ea typeface="Calibri" pitchFamily="34" charset="0"/>
+                <a:cs typeface="Courier New" pitchFamily="49" charset="0"/>
+              </a:rPr>
+              <a:t>задает представление класса в памяти приложения. Используя параметр </a:t>
+            </a:r>
+            <a:r>
+              <a:rPr lang="be-BY" sz="1600" dirty="0">
+                <a:solidFill>
+                  <a:schemeClr val="bg1"/>
+                </a:solidFill>
+                <a:latin typeface="Courier New" pitchFamily="49" charset="0"/>
+                <a:ea typeface="Calibri" pitchFamily="34" charset="0"/>
+                <a:cs typeface="Courier New" pitchFamily="49" charset="0"/>
+              </a:rPr>
+              <a:t>LayoutKind.Sequential</a:t>
+            </a:r>
+            <a:r>
+              <a:rPr lang="ru-RU" sz="1600" dirty="0">
                 <a:ea typeface="Calibri" pitchFamily="34" charset="0"/>
                 <a:cs typeface="Courier New" pitchFamily="49" charset="0"/>
               </a:rPr>
@@ -11689,7 +7939,7 @@
     </p:spTree>
     <p:extLst>
       <p:ext uri="{BB962C8B-B14F-4D97-AF65-F5344CB8AC3E}">
-        <p14:creationId xmlns:p14="http://schemas.microsoft.com/office/powerpoint/2010/main" val="647952718"/>
+        <p14:creationId xmlns:p14="http://schemas.microsoft.com/office/powerpoint/2010/main" val="1399259180"/>
       </p:ext>
     </p:extLst>
   </p:cSld>
@@ -11706,7 +7956,7 @@
 </p:sld>
 </file>
 
-<file path=ppt/slides/slide24.xml><?xml version="1.0" encoding="utf-8"?>
+<file path=ppt/slides/slide17.xml><?xml version="1.0" encoding="utf-8"?>
 <p:sld xmlns:a="http://schemas.openxmlformats.org/drawingml/2006/main" xmlns:r="http://schemas.openxmlformats.org/officeDocument/2006/relationships" xmlns:p="http://schemas.openxmlformats.org/presentationml/2006/main">
   <p:cSld>
     <p:spTree>
@@ -12515,7 +8765,7 @@
     </p:spTree>
     <p:extLst>
       <p:ext uri="{BB962C8B-B14F-4D97-AF65-F5344CB8AC3E}">
-        <p14:creationId xmlns:p14="http://schemas.microsoft.com/office/powerpoint/2010/main" val="1373484181"/>
+        <p14:creationId xmlns:p14="http://schemas.microsoft.com/office/powerpoint/2010/main" val="739927994"/>
       </p:ext>
     </p:extLst>
   </p:cSld>
@@ -12532,7 +8782,7 @@
 </p:sld>
 </file>
 
-<file path=ppt/slides/slide25.xml><?xml version="1.0" encoding="utf-8"?>
+<file path=ppt/slides/slide18.xml><?xml version="1.0" encoding="utf-8"?>
 <p:sld xmlns:a="http://schemas.openxmlformats.org/drawingml/2006/main" xmlns:r="http://schemas.openxmlformats.org/officeDocument/2006/relationships" xmlns:p="http://schemas.openxmlformats.org/presentationml/2006/main">
   <p:cSld>
     <p:spTree>
@@ -12931,7 +9181,7 @@
     </p:spTree>
     <p:extLst>
       <p:ext uri="{BB962C8B-B14F-4D97-AF65-F5344CB8AC3E}">
-        <p14:creationId xmlns:p14="http://schemas.microsoft.com/office/powerpoint/2010/main" val="953517833"/>
+        <p14:creationId xmlns:p14="http://schemas.microsoft.com/office/powerpoint/2010/main" val="1021185533"/>
       </p:ext>
     </p:extLst>
   </p:cSld>
@@ -12948,7 +9198,3691 @@
 </p:sld>
 </file>
 
-<file path=ppt/slides/slide26.xml><?xml version="1.0" encoding="utf-8"?>
+<file path=ppt/slides/slide19.xml><?xml version="1.0" encoding="utf-8"?>
+<p:sld xmlns:a="http://schemas.openxmlformats.org/drawingml/2006/main" xmlns:r="http://schemas.openxmlformats.org/officeDocument/2006/relationships" xmlns:p="http://schemas.openxmlformats.org/presentationml/2006/main">
+  <p:cSld>
+    <p:spTree>
+      <p:nvGrpSpPr>
+        <p:cNvPr id="1" name=""/>
+        <p:cNvGrpSpPr/>
+        <p:nvPr/>
+      </p:nvGrpSpPr>
+      <p:grpSpPr>
+        <a:xfrm>
+          <a:off x="0" y="0"/>
+          <a:ext cx="0" cy="0"/>
+          <a:chOff x="0" y="0"/>
+          <a:chExt cx="0" cy="0"/>
+        </a:xfrm>
+      </p:grpSpPr>
+      <p:sp>
+        <p:nvSpPr>
+          <p:cNvPr id="2" name="Title 1"/>
+          <p:cNvSpPr>
+            <a:spLocks noGrp="1"/>
+          </p:cNvSpPr>
+          <p:nvPr>
+            <p:ph type="title"/>
+          </p:nvPr>
+        </p:nvSpPr>
+        <p:spPr/>
+        <p:txBody>
+          <a:bodyPr>
+            <a:normAutofit fontScale="90000"/>
+          </a:bodyPr>
+          <a:lstStyle/>
+          <a:p>
+            <a:r>
+              <a:rPr lang="ru-RU" dirty="0" smtClean="0"/>
+              <a:t>Глобальный кеш сборок</a:t>
+            </a:r>
+            <a:r>
+              <a:rPr lang="en-US" dirty="0" smtClean="0"/>
+              <a:t/>
+            </a:r>
+            <a:br>
+              <a:rPr lang="en-US" dirty="0" smtClean="0"/>
+            </a:br>
+            <a:r>
+              <a:rPr lang="en-US" dirty="0" smtClean="0"/>
+              <a:t>Global Assembly Cache (GAC)</a:t>
+            </a:r>
+            <a:endParaRPr lang="ru-RU" dirty="0"/>
+          </a:p>
+        </p:txBody>
+      </p:sp>
+      <p:sp>
+        <p:nvSpPr>
+          <p:cNvPr id="3" name="Content Placeholder 2"/>
+          <p:cNvSpPr>
+            <a:spLocks noGrp="1"/>
+          </p:cNvSpPr>
+          <p:nvPr>
+            <p:ph idx="1"/>
+          </p:nvPr>
+        </p:nvSpPr>
+        <p:spPr/>
+        <p:txBody>
+          <a:bodyPr/>
+          <a:lstStyle/>
+          <a:p>
+            <a:r>
+              <a:rPr lang="ru-RU" dirty="0" smtClean="0"/>
+              <a:t>Расположение</a:t>
+            </a:r>
+            <a:endParaRPr lang="en-US" dirty="0" smtClean="0"/>
+          </a:p>
+          <a:p>
+            <a:pPr lvl="1"/>
+            <a:r>
+              <a:rPr lang="en-US" dirty="0" smtClean="0"/>
+              <a:t>%</a:t>
+            </a:r>
+            <a:r>
+              <a:rPr lang="en-US" dirty="0" err="1" smtClean="0"/>
+              <a:t>windir</a:t>
+            </a:r>
+            <a:r>
+              <a:rPr lang="en-US" dirty="0" smtClean="0"/>
+              <a:t>%\assembly</a:t>
+            </a:r>
+          </a:p>
+          <a:p>
+            <a:pPr lvl="1"/>
+            <a:r>
+              <a:rPr lang="en-US" dirty="0" smtClean="0"/>
+              <a:t>%</a:t>
+            </a:r>
+            <a:r>
+              <a:rPr lang="en-US" dirty="0" err="1" smtClean="0"/>
+              <a:t>windir</a:t>
+            </a:r>
+            <a:r>
+              <a:rPr lang="en-US" dirty="0" smtClean="0"/>
+              <a:t>%\Microsoft.NET\assembly</a:t>
+            </a:r>
+            <a:r>
+              <a:rPr lang="ru-RU" dirty="0" smtClean="0"/>
+              <a:t> (</a:t>
+            </a:r>
+            <a:r>
+              <a:rPr lang="en-US" dirty="0" smtClean="0"/>
+              <a:t>.NET 4+)</a:t>
+            </a:r>
+          </a:p>
+          <a:p>
+            <a:r>
+              <a:rPr lang="ru-RU" dirty="0" smtClean="0"/>
+              <a:t>Добавление сборки в </a:t>
+            </a:r>
+            <a:r>
+              <a:rPr lang="en-US" smtClean="0"/>
+              <a:t>GAC</a:t>
+            </a:r>
+          </a:p>
+          <a:p>
+            <a:pPr lvl="1"/>
+            <a:endParaRPr lang="ru-RU" dirty="0"/>
+          </a:p>
+        </p:txBody>
+      </p:sp>
+    </p:spTree>
+    <p:extLst>
+      <p:ext uri="{BB962C8B-B14F-4D97-AF65-F5344CB8AC3E}">
+        <p14:creationId xmlns:p14="http://schemas.microsoft.com/office/powerpoint/2010/main" val="1521006786"/>
+      </p:ext>
+    </p:extLst>
+  </p:cSld>
+  <p:clrMapOvr>
+    <a:masterClrMapping/>
+  </p:clrMapOvr>
+</p:sld>
+</file>
+
+<file path=ppt/slides/slide2.xml><?xml version="1.0" encoding="utf-8"?>
+<p:sld xmlns:a="http://schemas.openxmlformats.org/drawingml/2006/main" xmlns:r="http://schemas.openxmlformats.org/officeDocument/2006/relationships" xmlns:p="http://schemas.openxmlformats.org/presentationml/2006/main">
+  <p:cSld>
+    <p:spTree>
+      <p:nvGrpSpPr>
+        <p:cNvPr id="1" name=""/>
+        <p:cNvGrpSpPr/>
+        <p:nvPr/>
+      </p:nvGrpSpPr>
+      <p:grpSpPr>
+        <a:xfrm>
+          <a:off x="0" y="0"/>
+          <a:ext cx="0" cy="0"/>
+          <a:chOff x="0" y="0"/>
+          <a:chExt cx="0" cy="0"/>
+        </a:xfrm>
+      </p:grpSpPr>
+      <p:sp>
+        <p:nvSpPr>
+          <p:cNvPr id="3" name="Rectangle 2"/>
+          <p:cNvSpPr/>
+          <p:nvPr/>
+        </p:nvSpPr>
+        <p:spPr>
+          <a:xfrm>
+            <a:off x="251520" y="3136613"/>
+            <a:ext cx="8640960" cy="584775"/>
+          </a:xfrm>
+          <a:prstGeom prst="rect">
+            <a:avLst/>
+          </a:prstGeom>
+        </p:spPr>
+        <p:txBody>
+          <a:bodyPr wrap="square">
+            <a:spAutoFit/>
+          </a:bodyPr>
+          <a:lstStyle/>
+          <a:p>
+            <a:pPr lvl="0" algn="ctr"/>
+            <a:r>
+              <a:rPr lang="en-US" sz="3200" dirty="0">
+                <a:solidFill>
+                  <a:schemeClr val="bg1"/>
+                </a:solidFill>
+              </a:rPr>
+              <a:t>https://github.com/bazile/Training</a:t>
+            </a:r>
+            <a:endParaRPr lang="en-US" sz="3200" dirty="0" smtClean="0">
+              <a:solidFill>
+                <a:schemeClr val="bg1"/>
+              </a:solidFill>
+            </a:endParaRPr>
+          </a:p>
+        </p:txBody>
+      </p:sp>
+    </p:spTree>
+    <p:extLst>
+      <p:ext uri="{BB962C8B-B14F-4D97-AF65-F5344CB8AC3E}">
+        <p14:creationId xmlns:p14="http://schemas.microsoft.com/office/powerpoint/2010/main" val="639767958"/>
+      </p:ext>
+    </p:extLst>
+  </p:cSld>
+  <p:clrMapOvr>
+    <a:masterClrMapping/>
+  </p:clrMapOvr>
+  <p:timing>
+    <p:tnLst>
+      <p:par>
+        <p:cTn id="1" dur="indefinite" restart="never" nodeType="tmRoot"/>
+      </p:par>
+    </p:tnLst>
+  </p:timing>
+</p:sld>
+</file>
+
+<file path=ppt/slides/slide20.xml><?xml version="1.0" encoding="utf-8"?>
+<p:sld xmlns:a="http://schemas.openxmlformats.org/drawingml/2006/main" xmlns:r="http://schemas.openxmlformats.org/officeDocument/2006/relationships" xmlns:p="http://schemas.openxmlformats.org/presentationml/2006/main">
+  <p:cSld>
+    <p:spTree>
+      <p:nvGrpSpPr>
+        <p:cNvPr id="1" name=""/>
+        <p:cNvGrpSpPr/>
+        <p:nvPr/>
+      </p:nvGrpSpPr>
+      <p:grpSpPr>
+        <a:xfrm>
+          <a:off x="0" y="0"/>
+          <a:ext cx="0" cy="0"/>
+          <a:chOff x="0" y="0"/>
+          <a:chExt cx="0" cy="0"/>
+        </a:xfrm>
+      </p:grpSpPr>
+      <p:sp>
+        <p:nvSpPr>
+          <p:cNvPr id="5122" name="Rectangle 3"/>
+          <p:cNvSpPr>
+            <a:spLocks noChangeArrowheads="1"/>
+          </p:cNvSpPr>
+          <p:nvPr/>
+        </p:nvSpPr>
+        <p:spPr bwMode="auto">
+          <a:xfrm>
+            <a:off x="152400" y="-4763"/>
+            <a:ext cx="8763000" cy="461963"/>
+          </a:xfrm>
+          <a:prstGeom prst="rect">
+            <a:avLst/>
+          </a:prstGeom>
+          <a:noFill/>
+          <a:ln>
+            <a:noFill/>
+          </a:ln>
+          <a:extLst>
+            <a:ext uri="{909E8E84-426E-40DD-AFC4-6F175D3DCCD1}">
+              <a14:hiddenFill xmlns:a14="http://schemas.microsoft.com/office/drawing/2010/main">
+                <a:solidFill>
+                  <a:srgbClr val="FFFFFF"/>
+                </a:solidFill>
+              </a14:hiddenFill>
+            </a:ext>
+            <a:ext uri="{91240B29-F687-4F45-9708-019B960494DF}">
+              <a14:hiddenLine xmlns:a14="http://schemas.microsoft.com/office/drawing/2010/main" w="9525">
+                <a:solidFill>
+                  <a:srgbClr val="000000"/>
+                </a:solidFill>
+                <a:miter lim="800000"/>
+                <a:headEnd/>
+                <a:tailEnd/>
+              </a14:hiddenLine>
+            </a:ext>
+          </a:extLst>
+        </p:spPr>
+        <p:txBody>
+          <a:bodyPr anchor="ctr">
+            <a:spAutoFit/>
+          </a:bodyPr>
+          <a:lstStyle/>
+          <a:p>
+            <a:pPr algn="ctr"/>
+            <a:r>
+              <a:rPr lang="be-BY" sz="2400" b="1"/>
+              <a:t>Сборка и управление версиями.</a:t>
+            </a:r>
+            <a:endParaRPr lang="en-US" sz="2400" b="1"/>
+          </a:p>
+        </p:txBody>
+      </p:sp>
+      <p:sp>
+        <p:nvSpPr>
+          <p:cNvPr id="5123" name="Rectangle 3"/>
+          <p:cNvSpPr>
+            <a:spLocks noChangeArrowheads="1"/>
+          </p:cNvSpPr>
+          <p:nvPr/>
+        </p:nvSpPr>
+        <p:spPr bwMode="auto">
+          <a:xfrm>
+            <a:off x="152400" y="482600"/>
+            <a:ext cx="8839200" cy="584200"/>
+          </a:xfrm>
+          <a:prstGeom prst="rect">
+            <a:avLst/>
+          </a:prstGeom>
+          <a:noFill/>
+          <a:ln>
+            <a:noFill/>
+          </a:ln>
+          <a:extLst>
+            <a:ext uri="{909E8E84-426E-40DD-AFC4-6F175D3DCCD1}">
+              <a14:hiddenFill xmlns:a14="http://schemas.microsoft.com/office/drawing/2010/main">
+                <a:solidFill>
+                  <a:srgbClr val="FFFFFF"/>
+                </a:solidFill>
+              </a14:hiddenFill>
+            </a:ext>
+            <a:ext uri="{91240B29-F687-4F45-9708-019B960494DF}">
+              <a14:hiddenLine xmlns:a14="http://schemas.microsoft.com/office/drawing/2010/main" w="9525">
+                <a:solidFill>
+                  <a:srgbClr val="000000"/>
+                </a:solidFill>
+                <a:miter lim="800000"/>
+                <a:headEnd/>
+                <a:tailEnd/>
+              </a14:hiddenLine>
+            </a:ext>
+          </a:extLst>
+        </p:spPr>
+        <p:txBody>
+          <a:bodyPr anchor="ctr">
+            <a:spAutoFit/>
+          </a:bodyPr>
+          <a:lstStyle/>
+          <a:p>
+            <a:r>
+              <a:rPr lang="ru-RU" sz="1600"/>
+              <a:t>	В проекте каждой сборки присутствует файл </a:t>
+            </a:r>
+            <a:r>
+              <a:rPr lang="en-US" sz="1600"/>
+              <a:t>Assemblyinfo.cs</a:t>
+            </a:r>
+            <a:r>
+              <a:rPr lang="ru-RU" sz="1600"/>
+              <a:t>, в который можно размещать информацию о текущей сборке. </a:t>
+            </a:r>
+            <a:endParaRPr lang="en-US" sz="1600"/>
+          </a:p>
+        </p:txBody>
+      </p:sp>
+      <p:sp>
+        <p:nvSpPr>
+          <p:cNvPr id="27650" name="Rectangle 2"/>
+          <p:cNvSpPr>
+            <a:spLocks noChangeArrowheads="1"/>
+          </p:cNvSpPr>
+          <p:nvPr/>
+        </p:nvSpPr>
+        <p:spPr bwMode="auto">
+          <a:xfrm>
+            <a:off x="152400" y="1101725"/>
+            <a:ext cx="8839200" cy="2708275"/>
+          </a:xfrm>
+          <a:prstGeom prst="rect">
+            <a:avLst/>
+          </a:prstGeom>
+          <a:noFill/>
+          <a:ln w="9525">
+            <a:solidFill>
+              <a:schemeClr val="bg1">
+                <a:lumMod val="65000"/>
+              </a:schemeClr>
+            </a:solidFill>
+            <a:miter lim="800000"/>
+            <a:headEnd/>
+            <a:tailEnd/>
+          </a:ln>
+          <a:effectLst/>
+        </p:spPr>
+        <p:txBody>
+          <a:bodyPr anchor="ctr">
+            <a:spAutoFit/>
+          </a:bodyPr>
+          <a:lstStyle/>
+          <a:p>
+            <a:pPr eaLnBrk="0" hangingPunct="0">
+              <a:defRPr/>
+            </a:pPr>
+            <a:r>
+              <a:rPr lang="be-BY" sz="1000" dirty="0">
+                <a:solidFill>
+                  <a:schemeClr val="bg1"/>
+                </a:solidFill>
+                <a:latin typeface="Courier New" pitchFamily="49" charset="0"/>
+                <a:ea typeface="Calibri" pitchFamily="34" charset="0"/>
+                <a:cs typeface="Courier New" pitchFamily="49" charset="0"/>
+              </a:rPr>
+              <a:t>// Общая информация о сборке</a:t>
+            </a:r>
+            <a:endParaRPr lang="be-BY" sz="900" dirty="0">
+              <a:solidFill>
+                <a:schemeClr val="bg1"/>
+              </a:solidFill>
+              <a:ea typeface="Calibri" pitchFamily="34" charset="0"/>
+              <a:cs typeface="Courier New" pitchFamily="49" charset="0"/>
+            </a:endParaRPr>
+          </a:p>
+          <a:p>
+            <a:pPr eaLnBrk="0" hangingPunct="0">
+              <a:defRPr/>
+            </a:pPr>
+            <a:r>
+              <a:rPr lang="be-BY" sz="1000" dirty="0">
+                <a:solidFill>
+                  <a:schemeClr val="bg1"/>
+                </a:solidFill>
+                <a:latin typeface="Courier New" pitchFamily="49" charset="0"/>
+                <a:ea typeface="Calibri" pitchFamily="34" charset="0"/>
+                <a:cs typeface="Courier New" pitchFamily="49" charset="0"/>
+              </a:rPr>
+              <a:t>[assembly: AssemblyTitle("Complex")]        //Название сборки</a:t>
+            </a:r>
+            <a:endParaRPr lang="be-BY" sz="900" dirty="0">
+              <a:solidFill>
+                <a:schemeClr val="bg1"/>
+              </a:solidFill>
+              <a:ea typeface="Calibri" pitchFamily="34" charset="0"/>
+              <a:cs typeface="Courier New" pitchFamily="49" charset="0"/>
+            </a:endParaRPr>
+          </a:p>
+          <a:p>
+            <a:pPr eaLnBrk="0" hangingPunct="0">
+              <a:defRPr/>
+            </a:pPr>
+            <a:r>
+              <a:rPr lang="be-BY" sz="1000" dirty="0">
+                <a:solidFill>
+                  <a:schemeClr val="bg1"/>
+                </a:solidFill>
+                <a:latin typeface="Courier New" pitchFamily="49" charset="0"/>
+                <a:ea typeface="Calibri" pitchFamily="34" charset="0"/>
+                <a:cs typeface="Courier New" pitchFamily="49" charset="0"/>
+              </a:rPr>
+              <a:t>[assembly: AssemblyDescription("")]         //Описание</a:t>
+            </a:r>
+            <a:endParaRPr lang="be-BY" sz="900" dirty="0">
+              <a:solidFill>
+                <a:schemeClr val="bg1"/>
+              </a:solidFill>
+              <a:ea typeface="Calibri" pitchFamily="34" charset="0"/>
+              <a:cs typeface="Courier New" pitchFamily="49" charset="0"/>
+            </a:endParaRPr>
+          </a:p>
+          <a:p>
+            <a:pPr eaLnBrk="0" hangingPunct="0">
+              <a:defRPr/>
+            </a:pPr>
+            <a:r>
+              <a:rPr lang="be-BY" sz="1000" dirty="0">
+                <a:solidFill>
+                  <a:schemeClr val="bg1"/>
+                </a:solidFill>
+                <a:latin typeface="Courier New" pitchFamily="49" charset="0"/>
+                <a:ea typeface="Calibri" pitchFamily="34" charset="0"/>
+                <a:cs typeface="Courier New" pitchFamily="49" charset="0"/>
+              </a:rPr>
+              <a:t>[assembly: AssemblyConfiguration("")]       //Строка конфигурирования</a:t>
+            </a:r>
+            <a:endParaRPr lang="be-BY" sz="900" dirty="0">
+              <a:solidFill>
+                <a:schemeClr val="bg1"/>
+              </a:solidFill>
+              <a:ea typeface="Calibri" pitchFamily="34" charset="0"/>
+              <a:cs typeface="Courier New" pitchFamily="49" charset="0"/>
+            </a:endParaRPr>
+          </a:p>
+          <a:p>
+            <a:pPr eaLnBrk="0" hangingPunct="0">
+              <a:defRPr/>
+            </a:pPr>
+            <a:r>
+              <a:rPr lang="be-BY" sz="1000" dirty="0">
+                <a:solidFill>
+                  <a:schemeClr val="bg1"/>
+                </a:solidFill>
+                <a:latin typeface="Courier New" pitchFamily="49" charset="0"/>
+                <a:ea typeface="Calibri" pitchFamily="34" charset="0"/>
+                <a:cs typeface="Courier New" pitchFamily="49" charset="0"/>
+              </a:rPr>
+              <a:t>[assembly: AssemblyCompany("Microsoft")]    //Компания-разработчик сборки</a:t>
+            </a:r>
+            <a:endParaRPr lang="be-BY" sz="900" dirty="0">
+              <a:solidFill>
+                <a:schemeClr val="bg1"/>
+              </a:solidFill>
+              <a:ea typeface="Calibri" pitchFamily="34" charset="0"/>
+              <a:cs typeface="Courier New" pitchFamily="49" charset="0"/>
+            </a:endParaRPr>
+          </a:p>
+          <a:p>
+            <a:pPr eaLnBrk="0" hangingPunct="0">
+              <a:defRPr/>
+            </a:pPr>
+            <a:r>
+              <a:rPr lang="be-BY" sz="1000" dirty="0">
+                <a:solidFill>
+                  <a:schemeClr val="bg1"/>
+                </a:solidFill>
+                <a:latin typeface="Courier New" pitchFamily="49" charset="0"/>
+                <a:ea typeface="Calibri" pitchFamily="34" charset="0"/>
+                <a:cs typeface="Courier New" pitchFamily="49" charset="0"/>
+              </a:rPr>
+              <a:t>[assembly: AssemblyProduct("Complex")]      //Имя продукта</a:t>
+            </a:r>
+            <a:endParaRPr lang="be-BY" sz="900" dirty="0">
+              <a:solidFill>
+                <a:schemeClr val="bg1"/>
+              </a:solidFill>
+              <a:ea typeface="Calibri" pitchFamily="34" charset="0"/>
+              <a:cs typeface="Courier New" pitchFamily="49" charset="0"/>
+            </a:endParaRPr>
+          </a:p>
+          <a:p>
+            <a:pPr eaLnBrk="0" hangingPunct="0">
+              <a:defRPr/>
+            </a:pPr>
+            <a:r>
+              <a:rPr lang="be-BY" sz="1000" dirty="0">
+                <a:solidFill>
+                  <a:schemeClr val="bg1"/>
+                </a:solidFill>
+                <a:latin typeface="Courier New" pitchFamily="49" charset="0"/>
+                <a:ea typeface="Calibri" pitchFamily="34" charset="0"/>
+                <a:cs typeface="Courier New" pitchFamily="49" charset="0"/>
+              </a:rPr>
+              <a:t>[assembly: AssemblyCopyright("Copyright </a:t>
+            </a:r>
+            <a:r>
+              <a:rPr lang="be-BY" sz="1000" dirty="0">
+                <a:solidFill>
+                  <a:schemeClr val="bg1"/>
+                </a:solidFill>
+                <a:latin typeface="Calibri" pitchFamily="34" charset="0"/>
+                <a:ea typeface="Calibri" pitchFamily="34" charset="0"/>
+                <a:cs typeface="Courier New" pitchFamily="49" charset="0"/>
+              </a:rPr>
+              <a:t>©</a:t>
+            </a:r>
+            <a:r>
+              <a:rPr lang="be-BY" sz="1000" dirty="0">
+                <a:solidFill>
+                  <a:schemeClr val="bg1"/>
+                </a:solidFill>
+                <a:latin typeface="Courier New" pitchFamily="49" charset="0"/>
+                <a:ea typeface="Calibri" pitchFamily="34" charset="0"/>
+                <a:cs typeface="Courier New" pitchFamily="49" charset="0"/>
+              </a:rPr>
+              <a:t> Microsoft 2010")]     //Права на сборку</a:t>
+            </a:r>
+            <a:endParaRPr lang="be-BY" sz="900" dirty="0">
+              <a:solidFill>
+                <a:schemeClr val="bg1"/>
+              </a:solidFill>
+              <a:ea typeface="Calibri" pitchFamily="34" charset="0"/>
+              <a:cs typeface="Courier New" pitchFamily="49" charset="0"/>
+            </a:endParaRPr>
+          </a:p>
+          <a:p>
+            <a:pPr eaLnBrk="0" hangingPunct="0">
+              <a:defRPr/>
+            </a:pPr>
+            <a:r>
+              <a:rPr lang="be-BY" sz="1000" dirty="0">
+                <a:solidFill>
+                  <a:schemeClr val="bg1"/>
+                </a:solidFill>
+                <a:latin typeface="Courier New" pitchFamily="49" charset="0"/>
+                <a:ea typeface="Calibri" pitchFamily="34" charset="0"/>
+                <a:cs typeface="Courier New" pitchFamily="49" charset="0"/>
+              </a:rPr>
+              <a:t>[assembly: AssemblyTrademark("")]           //Торговая марка</a:t>
+            </a:r>
+            <a:endParaRPr lang="be-BY" sz="900" dirty="0">
+              <a:solidFill>
+                <a:schemeClr val="bg1"/>
+              </a:solidFill>
+              <a:ea typeface="Calibri" pitchFamily="34" charset="0"/>
+              <a:cs typeface="Courier New" pitchFamily="49" charset="0"/>
+            </a:endParaRPr>
+          </a:p>
+          <a:p>
+            <a:pPr eaLnBrk="0" hangingPunct="0">
+              <a:defRPr/>
+            </a:pPr>
+            <a:r>
+              <a:rPr lang="be-BY" sz="1000" dirty="0">
+                <a:solidFill>
+                  <a:schemeClr val="bg1"/>
+                </a:solidFill>
+                <a:latin typeface="Courier New" pitchFamily="49" charset="0"/>
+                <a:ea typeface="Calibri" pitchFamily="34" charset="0"/>
+                <a:cs typeface="Courier New" pitchFamily="49" charset="0"/>
+              </a:rPr>
+              <a:t>[assembly: AssemblyCulture("")]             //Языковая культура</a:t>
+            </a:r>
+            <a:endParaRPr lang="be-BY" sz="900" dirty="0">
+              <a:solidFill>
+                <a:schemeClr val="bg1"/>
+              </a:solidFill>
+              <a:ea typeface="Calibri" pitchFamily="34" charset="0"/>
+              <a:cs typeface="Courier New" pitchFamily="49" charset="0"/>
+            </a:endParaRPr>
+          </a:p>
+          <a:p>
+            <a:pPr eaLnBrk="0" hangingPunct="0">
+              <a:defRPr/>
+            </a:pPr>
+            <a:endParaRPr lang="be-BY" sz="1000" dirty="0">
+              <a:solidFill>
+                <a:schemeClr val="bg1"/>
+              </a:solidFill>
+              <a:latin typeface="Courier New" pitchFamily="49" charset="0"/>
+              <a:ea typeface="Calibri" pitchFamily="34" charset="0"/>
+              <a:cs typeface="Courier New" pitchFamily="49" charset="0"/>
+            </a:endParaRPr>
+          </a:p>
+          <a:p>
+            <a:pPr eaLnBrk="0" hangingPunct="0">
+              <a:defRPr/>
+            </a:pPr>
+            <a:r>
+              <a:rPr lang="ru-RU" sz="1000" dirty="0">
+                <a:solidFill>
+                  <a:schemeClr val="bg1"/>
+                </a:solidFill>
+                <a:latin typeface="Courier New" pitchFamily="49" charset="0"/>
+                <a:ea typeface="Calibri" pitchFamily="34" charset="0"/>
+                <a:cs typeface="Courier New" pitchFamily="49" charset="0"/>
+              </a:rPr>
+              <a:t>// Информация для использования сборки в </a:t>
+            </a:r>
+            <a:r>
+              <a:rPr lang="en-US" sz="1000" dirty="0">
+                <a:solidFill>
+                  <a:schemeClr val="bg1"/>
+                </a:solidFill>
+                <a:latin typeface="Courier New" pitchFamily="49" charset="0"/>
+                <a:ea typeface="Calibri" pitchFamily="34" charset="0"/>
+                <a:cs typeface="Courier New" pitchFamily="49" charset="0"/>
+              </a:rPr>
+              <a:t>COM-</a:t>
+            </a:r>
+            <a:r>
+              <a:rPr lang="ru-RU" sz="1000" dirty="0">
+                <a:solidFill>
+                  <a:schemeClr val="bg1"/>
+                </a:solidFill>
+                <a:latin typeface="Courier New" pitchFamily="49" charset="0"/>
+                <a:ea typeface="Calibri" pitchFamily="34" charset="0"/>
+                <a:cs typeface="Courier New" pitchFamily="49" charset="0"/>
+              </a:rPr>
+              <a:t>серверах.</a:t>
+            </a:r>
+            <a:endParaRPr lang="be-BY" sz="1000" dirty="0">
+              <a:solidFill>
+                <a:schemeClr val="bg1"/>
+              </a:solidFill>
+              <a:latin typeface="Courier New" pitchFamily="49" charset="0"/>
+              <a:ea typeface="Calibri" pitchFamily="34" charset="0"/>
+              <a:cs typeface="Courier New" pitchFamily="49" charset="0"/>
+            </a:endParaRPr>
+          </a:p>
+          <a:p>
+            <a:pPr eaLnBrk="0" hangingPunct="0">
+              <a:defRPr/>
+            </a:pPr>
+            <a:r>
+              <a:rPr lang="be-BY" sz="1000" dirty="0">
+                <a:solidFill>
+                  <a:schemeClr val="bg1"/>
+                </a:solidFill>
+                <a:latin typeface="Courier New" pitchFamily="49" charset="0"/>
+                <a:ea typeface="Calibri" pitchFamily="34" charset="0"/>
+                <a:cs typeface="Courier New" pitchFamily="49" charset="0"/>
+              </a:rPr>
+              <a:t>[assembly: ComVisible(false)]</a:t>
+            </a:r>
+            <a:endParaRPr lang="be-BY" sz="900" dirty="0">
+              <a:solidFill>
+                <a:schemeClr val="bg1"/>
+              </a:solidFill>
+              <a:ea typeface="Calibri" pitchFamily="34" charset="0"/>
+              <a:cs typeface="Courier New" pitchFamily="49" charset="0"/>
+            </a:endParaRPr>
+          </a:p>
+          <a:p>
+            <a:pPr eaLnBrk="0" hangingPunct="0">
+              <a:defRPr/>
+            </a:pPr>
+            <a:r>
+              <a:rPr lang="be-BY" sz="1000" dirty="0">
+                <a:solidFill>
+                  <a:schemeClr val="bg1"/>
+                </a:solidFill>
+                <a:latin typeface="Courier New" pitchFamily="49" charset="0"/>
+                <a:ea typeface="Calibri" pitchFamily="34" charset="0"/>
+                <a:cs typeface="Courier New" pitchFamily="49" charset="0"/>
+              </a:rPr>
+              <a:t>[assembly: Guid("62edbab6-8997-48b5-997d-2a5a35a45b2f")]</a:t>
+            </a:r>
+            <a:endParaRPr lang="be-BY" sz="900" dirty="0">
+              <a:solidFill>
+                <a:schemeClr val="bg1"/>
+              </a:solidFill>
+              <a:ea typeface="Calibri" pitchFamily="34" charset="0"/>
+              <a:cs typeface="Courier New" pitchFamily="49" charset="0"/>
+            </a:endParaRPr>
+          </a:p>
+          <a:p>
+            <a:pPr eaLnBrk="0" hangingPunct="0">
+              <a:defRPr/>
+            </a:pPr>
+            <a:endParaRPr lang="be-BY" sz="1000" dirty="0">
+              <a:solidFill>
+                <a:schemeClr val="bg1"/>
+              </a:solidFill>
+              <a:latin typeface="Courier New" pitchFamily="49" charset="0"/>
+              <a:ea typeface="Calibri" pitchFamily="34" charset="0"/>
+              <a:cs typeface="Courier New" pitchFamily="49" charset="0"/>
+            </a:endParaRPr>
+          </a:p>
+          <a:p>
+            <a:pPr eaLnBrk="0" hangingPunct="0">
+              <a:defRPr/>
+            </a:pPr>
+            <a:r>
+              <a:rPr lang="ru-RU" sz="1000" dirty="0">
+                <a:solidFill>
+                  <a:schemeClr val="bg1"/>
+                </a:solidFill>
+                <a:latin typeface="Courier New" pitchFamily="49" charset="0"/>
+                <a:ea typeface="Calibri" pitchFamily="34" charset="0"/>
+                <a:cs typeface="Courier New" pitchFamily="49" charset="0"/>
+              </a:rPr>
+              <a:t>// Версия сборки. Используется для создания публичных сборок.</a:t>
+            </a:r>
+            <a:endParaRPr lang="be-BY" sz="1000" dirty="0">
+              <a:solidFill>
+                <a:schemeClr val="bg1"/>
+              </a:solidFill>
+              <a:latin typeface="Courier New" pitchFamily="49" charset="0"/>
+              <a:ea typeface="Calibri" pitchFamily="34" charset="0"/>
+              <a:cs typeface="Courier New" pitchFamily="49" charset="0"/>
+            </a:endParaRPr>
+          </a:p>
+          <a:p>
+            <a:pPr eaLnBrk="0" hangingPunct="0">
+              <a:defRPr/>
+            </a:pPr>
+            <a:r>
+              <a:rPr lang="be-BY" sz="1000" dirty="0">
+                <a:solidFill>
+                  <a:schemeClr val="bg1"/>
+                </a:solidFill>
+                <a:latin typeface="Courier New" pitchFamily="49" charset="0"/>
+                <a:ea typeface="Calibri" pitchFamily="34" charset="0"/>
+                <a:cs typeface="Courier New" pitchFamily="49" charset="0"/>
+              </a:rPr>
+              <a:t>[assembly: AssemblyVersion("1.0.0.0")]      //Версия сборки</a:t>
+            </a:r>
+            <a:endParaRPr lang="be-BY" sz="900" dirty="0">
+              <a:solidFill>
+                <a:schemeClr val="bg1"/>
+              </a:solidFill>
+              <a:ea typeface="Calibri" pitchFamily="34" charset="0"/>
+              <a:cs typeface="Courier New" pitchFamily="49" charset="0"/>
+            </a:endParaRPr>
+          </a:p>
+          <a:p>
+            <a:pPr eaLnBrk="0" hangingPunct="0">
+              <a:defRPr/>
+            </a:pPr>
+            <a:r>
+              <a:rPr lang="be-BY" sz="1000" dirty="0">
+                <a:solidFill>
+                  <a:schemeClr val="bg1"/>
+                </a:solidFill>
+                <a:latin typeface="Courier New" pitchFamily="49" charset="0"/>
+                <a:ea typeface="Calibri" pitchFamily="34" charset="0"/>
+                <a:cs typeface="Courier New" pitchFamily="49" charset="0"/>
+              </a:rPr>
+              <a:t>[assembly: AssemblyFileVersion("1.0.0.0")]  //Версяи файла</a:t>
+            </a:r>
+            <a:endParaRPr lang="be-BY" dirty="0">
+              <a:solidFill>
+                <a:schemeClr val="bg1"/>
+              </a:solidFill>
+              <a:ea typeface="Calibri" pitchFamily="34" charset="0"/>
+              <a:cs typeface="Courier New" pitchFamily="49" charset="0"/>
+            </a:endParaRPr>
+          </a:p>
+        </p:txBody>
+      </p:sp>
+      <p:sp>
+        <p:nvSpPr>
+          <p:cNvPr id="5125" name="Rectangle 5"/>
+          <p:cNvSpPr>
+            <a:spLocks noChangeArrowheads="1"/>
+          </p:cNvSpPr>
+          <p:nvPr/>
+        </p:nvSpPr>
+        <p:spPr bwMode="auto">
+          <a:xfrm>
+            <a:off x="152400" y="3905250"/>
+            <a:ext cx="8839200" cy="2554288"/>
+          </a:xfrm>
+          <a:prstGeom prst="rect">
+            <a:avLst/>
+          </a:prstGeom>
+          <a:noFill/>
+          <a:ln>
+            <a:noFill/>
+          </a:ln>
+          <a:extLst>
+            <a:ext uri="{909E8E84-426E-40DD-AFC4-6F175D3DCCD1}">
+              <a14:hiddenFill xmlns:a14="http://schemas.microsoft.com/office/drawing/2010/main">
+                <a:solidFill>
+                  <a:srgbClr val="FFFFFF"/>
+                </a:solidFill>
+              </a14:hiddenFill>
+            </a:ext>
+            <a:ext uri="{91240B29-F687-4F45-9708-019B960494DF}">
+              <a14:hiddenLine xmlns:a14="http://schemas.microsoft.com/office/drawing/2010/main" w="9525">
+                <a:solidFill>
+                  <a:srgbClr val="000000"/>
+                </a:solidFill>
+                <a:miter lim="800000"/>
+                <a:headEnd/>
+                <a:tailEnd/>
+              </a14:hiddenLine>
+            </a:ext>
+          </a:extLst>
+        </p:spPr>
+        <p:txBody>
+          <a:bodyPr anchor="ctr">
+            <a:spAutoFit/>
+          </a:bodyPr>
+          <a:lstStyle/>
+          <a:p>
+            <a:r>
+              <a:rPr lang="ru-RU" sz="1600" dirty="0"/>
+              <a:t>	Для частных сборок версия не несет особого функционального смысла, однако для публичных сборок версия помогает различать сборки с одним и тем же именем. Версия сборки состоит из 4-х частей</a:t>
+            </a:r>
+            <a:r>
+              <a:rPr lang="en-US" sz="1600" dirty="0"/>
+              <a:t>:</a:t>
+            </a:r>
+          </a:p>
+          <a:p>
+            <a:pPr lvl="1">
+              <a:buFont typeface="Arial" charset="0"/>
+              <a:buChar char="•"/>
+            </a:pPr>
+            <a:r>
+              <a:rPr lang="ru-RU" sz="1600" b="1" dirty="0"/>
+              <a:t>Основной номер версии</a:t>
+            </a:r>
+          </a:p>
+          <a:p>
+            <a:pPr lvl="1">
+              <a:buFont typeface="Arial" charset="0"/>
+              <a:buChar char="•"/>
+            </a:pPr>
+            <a:r>
+              <a:rPr lang="ru-RU" sz="1600" b="1" dirty="0"/>
+              <a:t>Дополнительный номер версии</a:t>
+            </a:r>
+          </a:p>
+          <a:p>
+            <a:pPr lvl="1">
+              <a:buFont typeface="Arial" charset="0"/>
+              <a:buChar char="•"/>
+            </a:pPr>
+            <a:r>
+              <a:rPr lang="ru-RU" sz="1600" b="1" dirty="0"/>
+              <a:t>Номер редакции</a:t>
+            </a:r>
+          </a:p>
+          <a:p>
+            <a:pPr lvl="1">
+              <a:buFont typeface="Arial" charset="0"/>
+              <a:buChar char="•"/>
+            </a:pPr>
+            <a:r>
+              <a:rPr lang="ru-RU" sz="1600" b="1" dirty="0"/>
+              <a:t>Номер сборки</a:t>
+            </a:r>
+            <a:endParaRPr lang="ru-RU" sz="1600" dirty="0"/>
+          </a:p>
+          <a:p>
+            <a:r>
+              <a:rPr lang="ru-RU" sz="1600" dirty="0"/>
+              <a:t>Первые 2 числа в версии полностью отличают одну сборку от другой. Номер редакции может быть обратно совместим. Номер сборки указывает на мелкие изменения, обеспечивая полную совместимость.</a:t>
+            </a:r>
+          </a:p>
+        </p:txBody>
+      </p:sp>
+    </p:spTree>
+    <p:extLst>
+      <p:ext uri="{BB962C8B-B14F-4D97-AF65-F5344CB8AC3E}">
+        <p14:creationId xmlns:p14="http://schemas.microsoft.com/office/powerpoint/2010/main" val="3864391885"/>
+      </p:ext>
+    </p:extLst>
+  </p:cSld>
+  <p:clrMapOvr>
+    <a:masterClrMapping/>
+  </p:clrMapOvr>
+  <p:timing>
+    <p:tnLst>
+      <p:par>
+        <p:cTn id="1" dur="indefinite" restart="never" nodeType="tmRoot"/>
+      </p:par>
+    </p:tnLst>
+  </p:timing>
+</p:sld>
+</file>
+
+<file path=ppt/slides/slide21.xml><?xml version="1.0" encoding="utf-8"?>
+<p:sld xmlns:a="http://schemas.openxmlformats.org/drawingml/2006/main" xmlns:r="http://schemas.openxmlformats.org/officeDocument/2006/relationships" xmlns:p="http://schemas.openxmlformats.org/presentationml/2006/main">
+  <p:cSld>
+    <p:spTree>
+      <p:nvGrpSpPr>
+        <p:cNvPr id="1" name=""/>
+        <p:cNvGrpSpPr/>
+        <p:nvPr/>
+      </p:nvGrpSpPr>
+      <p:grpSpPr>
+        <a:xfrm>
+          <a:off x="0" y="0"/>
+          <a:ext cx="0" cy="0"/>
+          <a:chOff x="0" y="0"/>
+          <a:chExt cx="0" cy="0"/>
+        </a:xfrm>
+      </p:grpSpPr>
+      <p:sp>
+        <p:nvSpPr>
+          <p:cNvPr id="6146" name="Rectangle 3"/>
+          <p:cNvSpPr>
+            <a:spLocks noChangeArrowheads="1"/>
+          </p:cNvSpPr>
+          <p:nvPr/>
+        </p:nvSpPr>
+        <p:spPr bwMode="auto">
+          <a:xfrm>
+            <a:off x="152400" y="-4763"/>
+            <a:ext cx="8763000" cy="461963"/>
+          </a:xfrm>
+          <a:prstGeom prst="rect">
+            <a:avLst/>
+          </a:prstGeom>
+          <a:noFill/>
+          <a:ln>
+            <a:noFill/>
+          </a:ln>
+          <a:extLst>
+            <a:ext uri="{909E8E84-426E-40DD-AFC4-6F175D3DCCD1}">
+              <a14:hiddenFill xmlns:a14="http://schemas.microsoft.com/office/drawing/2010/main">
+                <a:solidFill>
+                  <a:srgbClr val="FFFFFF"/>
+                </a:solidFill>
+              </a14:hiddenFill>
+            </a:ext>
+            <a:ext uri="{91240B29-F687-4F45-9708-019B960494DF}">
+              <a14:hiddenLine xmlns:a14="http://schemas.microsoft.com/office/drawing/2010/main" w="9525">
+                <a:solidFill>
+                  <a:srgbClr val="000000"/>
+                </a:solidFill>
+                <a:miter lim="800000"/>
+                <a:headEnd/>
+                <a:tailEnd/>
+              </a14:hiddenLine>
+            </a:ext>
+          </a:extLst>
+        </p:spPr>
+        <p:txBody>
+          <a:bodyPr anchor="ctr">
+            <a:spAutoFit/>
+          </a:bodyPr>
+          <a:lstStyle/>
+          <a:p>
+            <a:pPr algn="ctr"/>
+            <a:r>
+              <a:rPr lang="be-BY" sz="2400" b="1" dirty="0"/>
+              <a:t>Глобальный кэш сборок.</a:t>
+            </a:r>
+            <a:endParaRPr lang="en-US" sz="2400" b="1" dirty="0"/>
+          </a:p>
+        </p:txBody>
+      </p:sp>
+      <p:sp>
+        <p:nvSpPr>
+          <p:cNvPr id="6147" name="Rectangle 3"/>
+          <p:cNvSpPr>
+            <a:spLocks noChangeArrowheads="1"/>
+          </p:cNvSpPr>
+          <p:nvPr/>
+        </p:nvSpPr>
+        <p:spPr bwMode="auto">
+          <a:xfrm>
+            <a:off x="152400" y="482600"/>
+            <a:ext cx="8839200" cy="5016500"/>
+          </a:xfrm>
+          <a:prstGeom prst="rect">
+            <a:avLst/>
+          </a:prstGeom>
+          <a:noFill/>
+          <a:ln>
+            <a:noFill/>
+          </a:ln>
+          <a:extLst>
+            <a:ext uri="{909E8E84-426E-40DD-AFC4-6F175D3DCCD1}">
+              <a14:hiddenFill xmlns:a14="http://schemas.microsoft.com/office/drawing/2010/main">
+                <a:solidFill>
+                  <a:srgbClr val="FFFFFF"/>
+                </a:solidFill>
+              </a14:hiddenFill>
+            </a:ext>
+            <a:ext uri="{91240B29-F687-4F45-9708-019B960494DF}">
+              <a14:hiddenLine xmlns:a14="http://schemas.microsoft.com/office/drawing/2010/main" w="9525">
+                <a:solidFill>
+                  <a:srgbClr val="000000"/>
+                </a:solidFill>
+                <a:miter lim="800000"/>
+                <a:headEnd/>
+                <a:tailEnd/>
+              </a14:hiddenLine>
+            </a:ext>
+          </a:extLst>
+        </p:spPr>
+        <p:txBody>
+          <a:bodyPr anchor="ctr">
+            <a:spAutoFit/>
+          </a:bodyPr>
+          <a:lstStyle/>
+          <a:p>
+            <a:r>
+              <a:rPr lang="ru-RU" sz="1600"/>
+              <a:t>	Все публичные сборки располагаются в глобальном кэше сборок (</a:t>
+            </a:r>
+            <a:r>
+              <a:rPr lang="en-US" sz="1600"/>
+              <a:t>Global Assembly Cache, GAC</a:t>
+            </a:r>
+            <a:r>
+              <a:rPr lang="ru-RU" sz="1600"/>
+              <a:t>). Папка </a:t>
+            </a:r>
+            <a:r>
+              <a:rPr lang="en-US" sz="1600"/>
+              <a:t>GAC </a:t>
+            </a:r>
+            <a:r>
+              <a:rPr lang="ru-RU" sz="1600"/>
+              <a:t>находится по адресу </a:t>
+            </a:r>
+            <a:r>
+              <a:rPr lang="en-US" sz="1600"/>
+              <a:t>…Windows\assembly.</a:t>
+            </a:r>
+            <a:endParaRPr lang="ru-RU" sz="1600"/>
+          </a:p>
+          <a:p>
+            <a:endParaRPr lang="ru-RU" sz="1600"/>
+          </a:p>
+          <a:p>
+            <a:r>
+              <a:rPr lang="ru-RU" sz="1600"/>
+              <a:t>Сборки в </a:t>
+            </a:r>
+            <a:r>
+              <a:rPr lang="en-US" sz="1600"/>
+              <a:t>GAC </a:t>
+            </a:r>
+            <a:r>
+              <a:rPr lang="ru-RU" sz="1600"/>
+              <a:t>различаются по трем критериям</a:t>
+            </a:r>
+            <a:r>
+              <a:rPr lang="en-US" sz="1600"/>
+              <a:t>:	 </a:t>
+            </a:r>
+            <a:r>
+              <a:rPr lang="en-US" sz="1600" b="1"/>
+              <a:t>Name, Version=1.2.0.0, Culture=neutral</a:t>
+            </a:r>
+            <a:r>
+              <a:rPr lang="ru-RU" sz="1600" b="1"/>
+              <a:t>.</a:t>
+            </a:r>
+          </a:p>
+          <a:p>
+            <a:r>
+              <a:rPr lang="ru-RU" sz="1600"/>
+              <a:t>То есть имя сборки(имя файла), Версия сборки и языковая культура.</a:t>
+            </a:r>
+          </a:p>
+          <a:p>
+            <a:endParaRPr lang="ru-RU" sz="1600"/>
+          </a:p>
+          <a:p>
+            <a:r>
+              <a:rPr lang="ru-RU" sz="1600"/>
+              <a:t>	Для размещения сборки в </a:t>
+            </a:r>
+            <a:r>
+              <a:rPr lang="en-US" sz="1600"/>
+              <a:t>GAC</a:t>
+            </a:r>
+            <a:r>
+              <a:rPr lang="ru-RU" sz="1600"/>
+              <a:t>, для неё необходимо сгенерировать пару криптографических ключей, используя утилиту </a:t>
+            </a:r>
+            <a:r>
+              <a:rPr lang="en-US" sz="1600"/>
+              <a:t>sn.exe</a:t>
+            </a:r>
+            <a:r>
+              <a:rPr lang="ru-RU" sz="1600"/>
+              <a:t>, используя следующую строку</a:t>
+            </a:r>
+            <a:r>
+              <a:rPr lang="en-US" sz="1600"/>
+              <a:t>:</a:t>
+            </a:r>
+          </a:p>
+          <a:p>
+            <a:r>
+              <a:rPr lang="ru-RU" sz="1600"/>
+              <a:t>	</a:t>
+            </a:r>
+            <a:r>
+              <a:rPr lang="ru-RU" sz="1600" b="1"/>
+              <a:t> sn.exe -</a:t>
+            </a:r>
+            <a:r>
+              <a:rPr lang="en-US" sz="1600" b="1"/>
+              <a:t>k</a:t>
+            </a:r>
+            <a:r>
+              <a:rPr lang="ru-RU" sz="1600" b="1"/>
+              <a:t> </a:t>
+            </a:r>
+            <a:r>
+              <a:rPr lang="en-US" sz="1600" b="1"/>
+              <a:t>C:\</a:t>
+            </a:r>
+            <a:r>
+              <a:rPr lang="ru-RU" sz="1600" b="1"/>
+              <a:t>keys.snk</a:t>
+            </a:r>
+          </a:p>
+          <a:p>
+            <a:r>
+              <a:rPr lang="ru-RU" sz="1600"/>
+              <a:t>В качестве исполняемой среды можно использовать </a:t>
+            </a:r>
+            <a:r>
+              <a:rPr lang="en-US" sz="1600"/>
+              <a:t>Tools -&gt; Visual Studio Command Prompt.</a:t>
+            </a:r>
+          </a:p>
+          <a:p>
+            <a:endParaRPr lang="en-US" sz="1600"/>
+          </a:p>
+          <a:p>
+            <a:r>
+              <a:rPr lang="ru-RU" sz="1600"/>
+              <a:t>После того, как будет сгенерирован файл </a:t>
+            </a:r>
+            <a:r>
+              <a:rPr lang="en-US" sz="1600"/>
+              <a:t>keys.snk</a:t>
+            </a:r>
+            <a:r>
+              <a:rPr lang="ru-RU" sz="1600"/>
+              <a:t>, его необходимо указать в сборке, используя строчку</a:t>
+            </a:r>
+          </a:p>
+          <a:p>
+            <a:r>
+              <a:rPr lang="ru-RU" sz="1600"/>
+              <a:t>	</a:t>
+            </a:r>
+            <a:r>
+              <a:rPr lang="en-US" sz="1600" b="1"/>
+              <a:t> [assembly: AssemblyKeyFile("key.snk")]</a:t>
+            </a:r>
+            <a:endParaRPr lang="ru-RU" sz="1600" b="1"/>
+          </a:p>
+          <a:p>
+            <a:r>
+              <a:rPr lang="ru-RU" sz="1600"/>
+              <a:t>После чего нужно заново скомпилировать сбору. Далее можно либо перетащить </a:t>
+            </a:r>
+            <a:r>
+              <a:rPr lang="en-US" sz="1600"/>
+              <a:t>dll-</a:t>
+            </a:r>
+            <a:r>
+              <a:rPr lang="ru-RU" sz="1600"/>
+              <a:t>файл в папку со сборками, либо воспользоваться утилитой gacutil.exe</a:t>
+            </a:r>
+            <a:r>
+              <a:rPr lang="en-US" sz="1600"/>
+              <a:t>. </a:t>
+            </a:r>
+            <a:r>
+              <a:rPr lang="ru-RU" sz="1600"/>
+              <a:t>Ключ </a:t>
+            </a:r>
+            <a:r>
+              <a:rPr lang="en-US" sz="1600" b="1"/>
+              <a:t>/i</a:t>
+            </a:r>
+            <a:r>
+              <a:rPr lang="en-US" sz="1600"/>
+              <a:t> </a:t>
+            </a:r>
+            <a:r>
+              <a:rPr lang="ru-RU" sz="1600"/>
+              <a:t>помещает сборку в </a:t>
+            </a:r>
+            <a:r>
+              <a:rPr lang="en-US" sz="1600"/>
+              <a:t>GAC</a:t>
+            </a:r>
+            <a:r>
+              <a:rPr lang="ru-RU" sz="1600"/>
+              <a:t>, а ключ </a:t>
+            </a:r>
+            <a:r>
+              <a:rPr lang="en-US" sz="1600" b="1"/>
+              <a:t>/t </a:t>
+            </a:r>
+            <a:r>
+              <a:rPr lang="en-US" sz="1600"/>
+              <a:t>–</a:t>
+            </a:r>
+            <a:r>
+              <a:rPr lang="ru-RU" sz="1600"/>
+              <a:t> удаляет её оттуда.</a:t>
+            </a:r>
+            <a:endParaRPr lang="en-US" sz="1600"/>
+          </a:p>
+          <a:p>
+            <a:r>
+              <a:rPr lang="en-US" sz="1600"/>
+              <a:t>	</a:t>
+            </a:r>
+            <a:r>
+              <a:rPr lang="ru-RU" sz="1600"/>
+              <a:t>Строка для добавления сборки</a:t>
+            </a:r>
+            <a:r>
+              <a:rPr lang="en-US" sz="1600"/>
+              <a:t>:</a:t>
+            </a:r>
+          </a:p>
+          <a:p>
+            <a:r>
+              <a:rPr lang="en-US" sz="1600"/>
+              <a:t>	</a:t>
+            </a:r>
+            <a:r>
+              <a:rPr lang="en-US" sz="1600" b="1"/>
+              <a:t>gacutil.exe /i c:\Complex.dll</a:t>
+            </a:r>
+          </a:p>
+        </p:txBody>
+      </p:sp>
+    </p:spTree>
+    <p:extLst>
+      <p:ext uri="{BB962C8B-B14F-4D97-AF65-F5344CB8AC3E}">
+        <p14:creationId xmlns:p14="http://schemas.microsoft.com/office/powerpoint/2010/main" val="3748137644"/>
+      </p:ext>
+    </p:extLst>
+  </p:cSld>
+  <p:clrMapOvr>
+    <a:masterClrMapping/>
+  </p:clrMapOvr>
+  <p:timing>
+    <p:tnLst>
+      <p:par>
+        <p:cTn id="1" dur="indefinite" restart="never" nodeType="tmRoot"/>
+      </p:par>
+    </p:tnLst>
+  </p:timing>
+</p:sld>
+</file>
+
+<file path=ppt/slides/slide22.xml><?xml version="1.0" encoding="utf-8"?>
+<p:sld xmlns:a="http://schemas.openxmlformats.org/drawingml/2006/main" xmlns:r="http://schemas.openxmlformats.org/officeDocument/2006/relationships" xmlns:p="http://schemas.openxmlformats.org/presentationml/2006/main">
+  <p:cSld>
+    <p:spTree>
+      <p:nvGrpSpPr>
+        <p:cNvPr id="1" name=""/>
+        <p:cNvGrpSpPr/>
+        <p:nvPr/>
+      </p:nvGrpSpPr>
+      <p:grpSpPr>
+        <a:xfrm>
+          <a:off x="0" y="0"/>
+          <a:ext cx="0" cy="0"/>
+          <a:chOff x="0" y="0"/>
+          <a:chExt cx="0" cy="0"/>
+        </a:xfrm>
+      </p:grpSpPr>
+      <p:sp>
+        <p:nvSpPr>
+          <p:cNvPr id="7170" name="Rectangle 3"/>
+          <p:cNvSpPr>
+            <a:spLocks noChangeArrowheads="1"/>
+          </p:cNvSpPr>
+          <p:nvPr/>
+        </p:nvSpPr>
+        <p:spPr bwMode="auto">
+          <a:xfrm>
+            <a:off x="152400" y="-4763"/>
+            <a:ext cx="8763000" cy="461963"/>
+          </a:xfrm>
+          <a:prstGeom prst="rect">
+            <a:avLst/>
+          </a:prstGeom>
+          <a:noFill/>
+          <a:ln>
+            <a:noFill/>
+          </a:ln>
+          <a:extLst>
+            <a:ext uri="{909E8E84-426E-40DD-AFC4-6F175D3DCCD1}">
+              <a14:hiddenFill xmlns:a14="http://schemas.microsoft.com/office/drawing/2010/main">
+                <a:solidFill>
+                  <a:srgbClr val="FFFFFF"/>
+                </a:solidFill>
+              </a14:hiddenFill>
+            </a:ext>
+            <a:ext uri="{91240B29-F687-4F45-9708-019B960494DF}">
+              <a14:hiddenLine xmlns:a14="http://schemas.microsoft.com/office/drawing/2010/main" w="9525">
+                <a:solidFill>
+                  <a:srgbClr val="000000"/>
+                </a:solidFill>
+                <a:miter lim="800000"/>
+                <a:headEnd/>
+                <a:tailEnd/>
+              </a14:hiddenLine>
+            </a:ext>
+          </a:extLst>
+        </p:spPr>
+        <p:txBody>
+          <a:bodyPr anchor="ctr">
+            <a:spAutoFit/>
+          </a:bodyPr>
+          <a:lstStyle/>
+          <a:p>
+            <a:pPr algn="ctr"/>
+            <a:r>
+              <a:rPr lang="ru-RU" sz="2400" b="1"/>
+              <a:t>Рефлексия типов</a:t>
+            </a:r>
+            <a:r>
+              <a:rPr lang="be-BY" sz="2400" b="1"/>
+              <a:t>.</a:t>
+            </a:r>
+            <a:r>
+              <a:rPr lang="en-US" sz="2400" b="1"/>
+              <a:t> </a:t>
+            </a:r>
+            <a:r>
+              <a:rPr lang="ru-RU" sz="2400" b="1"/>
+              <a:t>Класс </a:t>
+            </a:r>
+            <a:r>
+              <a:rPr lang="en-US" sz="2400" b="1"/>
+              <a:t>Type.</a:t>
+            </a:r>
+          </a:p>
+        </p:txBody>
+      </p:sp>
+      <p:sp>
+        <p:nvSpPr>
+          <p:cNvPr id="7171" name="Rectangle 3"/>
+          <p:cNvSpPr>
+            <a:spLocks noChangeArrowheads="1"/>
+          </p:cNvSpPr>
+          <p:nvPr/>
+        </p:nvSpPr>
+        <p:spPr bwMode="auto">
+          <a:xfrm>
+            <a:off x="152400" y="457200"/>
+            <a:ext cx="8839200" cy="1570038"/>
+          </a:xfrm>
+          <a:prstGeom prst="rect">
+            <a:avLst/>
+          </a:prstGeom>
+          <a:noFill/>
+          <a:ln>
+            <a:noFill/>
+          </a:ln>
+          <a:extLst>
+            <a:ext uri="{909E8E84-426E-40DD-AFC4-6F175D3DCCD1}">
+              <a14:hiddenFill xmlns:a14="http://schemas.microsoft.com/office/drawing/2010/main">
+                <a:solidFill>
+                  <a:srgbClr val="FFFFFF"/>
+                </a:solidFill>
+              </a14:hiddenFill>
+            </a:ext>
+            <a:ext uri="{91240B29-F687-4F45-9708-019B960494DF}">
+              <a14:hiddenLine xmlns:a14="http://schemas.microsoft.com/office/drawing/2010/main" w="9525">
+                <a:solidFill>
+                  <a:srgbClr val="000000"/>
+                </a:solidFill>
+                <a:miter lim="800000"/>
+                <a:headEnd/>
+                <a:tailEnd/>
+              </a14:hiddenLine>
+            </a:ext>
+          </a:extLst>
+        </p:spPr>
+        <p:txBody>
+          <a:bodyPr anchor="ctr">
+            <a:spAutoFit/>
+          </a:bodyPr>
+          <a:lstStyle/>
+          <a:p>
+            <a:r>
+              <a:rPr lang="ru-RU" sz="1600"/>
+              <a:t>	Рефлексия – процесс обнаружения типов во время работы программы. Используя рефлексию, пользователь может динамически подгружать сборки, создавать и использовать объекты классов, описанные в этих сборках.</a:t>
+            </a:r>
+          </a:p>
+          <a:p>
+            <a:r>
+              <a:rPr lang="ru-RU" sz="1600"/>
+              <a:t>	Ключевым классом является класс </a:t>
+            </a:r>
+            <a:r>
+              <a:rPr lang="en-US" sz="1600"/>
+              <a:t>Type</a:t>
+            </a:r>
+            <a:r>
+              <a:rPr lang="ru-RU" sz="1600"/>
+              <a:t>, позволяющий получить полную информацию о существующем, либо о загруженном типе. Получить объект класса </a:t>
+            </a:r>
+            <a:r>
+              <a:rPr lang="en-US" sz="1600"/>
+              <a:t>Type </a:t>
+            </a:r>
+            <a:r>
+              <a:rPr lang="ru-RU" sz="1600"/>
+              <a:t>можно несколькими способами</a:t>
+            </a:r>
+            <a:r>
+              <a:rPr lang="en-US" sz="1600"/>
+              <a:t>:</a:t>
+            </a:r>
+            <a:endParaRPr lang="ru-RU" sz="1600"/>
+          </a:p>
+        </p:txBody>
+      </p:sp>
+      <p:sp>
+        <p:nvSpPr>
+          <p:cNvPr id="19457" name="Rectangle 1"/>
+          <p:cNvSpPr>
+            <a:spLocks noChangeArrowheads="1"/>
+          </p:cNvSpPr>
+          <p:nvPr/>
+        </p:nvSpPr>
+        <p:spPr bwMode="auto">
+          <a:xfrm>
+            <a:off x="152400" y="2032000"/>
+            <a:ext cx="8839200" cy="1169988"/>
+          </a:xfrm>
+          <a:prstGeom prst="rect">
+            <a:avLst/>
+          </a:prstGeom>
+          <a:noFill/>
+          <a:ln w="9525">
+            <a:solidFill>
+              <a:schemeClr val="bg1">
+                <a:lumMod val="65000"/>
+              </a:schemeClr>
+            </a:solidFill>
+            <a:miter lim="800000"/>
+            <a:headEnd/>
+            <a:tailEnd/>
+          </a:ln>
+          <a:effectLst/>
+        </p:spPr>
+        <p:txBody>
+          <a:bodyPr anchor="ctr">
+            <a:spAutoFit/>
+          </a:bodyPr>
+          <a:lstStyle/>
+          <a:p>
+            <a:pPr eaLnBrk="0" hangingPunct="0">
+              <a:defRPr/>
+            </a:pPr>
+            <a:r>
+              <a:rPr lang="be-BY" sz="1000" dirty="0">
+                <a:solidFill>
+                  <a:schemeClr val="bg1"/>
+                </a:solidFill>
+                <a:latin typeface="Courier New" pitchFamily="49" charset="0"/>
+                <a:ea typeface="Calibri" pitchFamily="34" charset="0"/>
+                <a:cs typeface="Courier New" pitchFamily="49" charset="0"/>
+              </a:rPr>
+              <a:t>            Complex value = new Complex();</a:t>
+            </a:r>
+            <a:endParaRPr lang="be-BY" sz="900" dirty="0">
+              <a:solidFill>
+                <a:schemeClr val="bg1"/>
+              </a:solidFill>
+              <a:latin typeface="Arial" pitchFamily="34" charset="0"/>
+            </a:endParaRPr>
+          </a:p>
+          <a:p>
+            <a:pPr eaLnBrk="0" hangingPunct="0">
+              <a:defRPr/>
+            </a:pPr>
+            <a:r>
+              <a:rPr lang="be-BY" sz="1000" dirty="0">
+                <a:solidFill>
+                  <a:schemeClr val="bg1"/>
+                </a:solidFill>
+                <a:latin typeface="Courier New" pitchFamily="49" charset="0"/>
+                <a:ea typeface="Calibri" pitchFamily="34" charset="0"/>
+                <a:cs typeface="Courier New" pitchFamily="49" charset="0"/>
+              </a:rPr>
+              <a:t>            Type type1 = value.GetType();</a:t>
+            </a:r>
+            <a:endParaRPr lang="be-BY" sz="900" dirty="0">
+              <a:solidFill>
+                <a:schemeClr val="bg1"/>
+              </a:solidFill>
+              <a:latin typeface="Arial" pitchFamily="34" charset="0"/>
+            </a:endParaRPr>
+          </a:p>
+          <a:p>
+            <a:pPr eaLnBrk="0" hangingPunct="0">
+              <a:defRPr/>
+            </a:pPr>
+            <a:r>
+              <a:rPr lang="be-BY" sz="1000" dirty="0">
+                <a:solidFill>
+                  <a:schemeClr val="bg1"/>
+                </a:solidFill>
+                <a:latin typeface="Courier New" pitchFamily="49" charset="0"/>
+                <a:ea typeface="Calibri" pitchFamily="34" charset="0"/>
+                <a:cs typeface="Courier New" pitchFamily="49" charset="0"/>
+              </a:rPr>
+              <a:t>            Type type2 = Type.GetType("Complex</a:t>
+            </a:r>
+            <a:r>
+              <a:rPr lang="en-US" sz="1000" dirty="0">
+                <a:solidFill>
+                  <a:schemeClr val="bg1"/>
+                </a:solidFill>
+                <a:latin typeface="Courier New" pitchFamily="49" charset="0"/>
+                <a:ea typeface="Calibri" pitchFamily="34" charset="0"/>
+                <a:cs typeface="Courier New" pitchFamily="49" charset="0"/>
+              </a:rPr>
+              <a:t>Numbers.</a:t>
+            </a:r>
+            <a:r>
+              <a:rPr lang="be-BY" sz="1000" dirty="0">
+                <a:solidFill>
+                  <a:schemeClr val="bg1"/>
+                </a:solidFill>
+                <a:latin typeface="Courier New" pitchFamily="49" charset="0"/>
+                <a:ea typeface="Calibri" pitchFamily="34" charset="0"/>
+                <a:cs typeface="Courier New" pitchFamily="49" charset="0"/>
+              </a:rPr>
+              <a:t>Complex",false,true);</a:t>
+            </a:r>
+            <a:endParaRPr lang="be-BY" sz="900" dirty="0">
+              <a:solidFill>
+                <a:schemeClr val="bg1"/>
+              </a:solidFill>
+              <a:latin typeface="Arial" pitchFamily="34" charset="0"/>
+            </a:endParaRPr>
+          </a:p>
+          <a:p>
+            <a:pPr eaLnBrk="0" hangingPunct="0">
+              <a:defRPr/>
+            </a:pPr>
+            <a:r>
+              <a:rPr lang="be-BY" sz="1000" dirty="0">
+                <a:solidFill>
+                  <a:schemeClr val="bg1"/>
+                </a:solidFill>
+                <a:latin typeface="Courier New" pitchFamily="49" charset="0"/>
+                <a:ea typeface="Calibri" pitchFamily="34" charset="0"/>
+                <a:cs typeface="Courier New" pitchFamily="49" charset="0"/>
+              </a:rPr>
+              <a:t>            Type type3 = typeof(Complex);</a:t>
+            </a:r>
+            <a:endParaRPr lang="be-BY" sz="900" dirty="0">
+              <a:solidFill>
+                <a:schemeClr val="bg1"/>
+              </a:solidFill>
+              <a:latin typeface="Arial" pitchFamily="34" charset="0"/>
+            </a:endParaRPr>
+          </a:p>
+          <a:p>
+            <a:pPr eaLnBrk="0" hangingPunct="0">
+              <a:defRPr/>
+            </a:pPr>
+            <a:r>
+              <a:rPr lang="be-BY" sz="1000" dirty="0">
+                <a:solidFill>
+                  <a:schemeClr val="bg1"/>
+                </a:solidFill>
+                <a:latin typeface="Courier New" pitchFamily="49" charset="0"/>
+                <a:ea typeface="Calibri" pitchFamily="34" charset="0"/>
+                <a:cs typeface="Courier New" pitchFamily="49" charset="0"/>
+              </a:rPr>
+              <a:t>            Console.WriteLine(type1);</a:t>
+            </a:r>
+            <a:endParaRPr lang="be-BY" sz="900" dirty="0">
+              <a:solidFill>
+                <a:schemeClr val="bg1"/>
+              </a:solidFill>
+              <a:latin typeface="Arial" pitchFamily="34" charset="0"/>
+            </a:endParaRPr>
+          </a:p>
+          <a:p>
+            <a:pPr eaLnBrk="0" hangingPunct="0">
+              <a:defRPr/>
+            </a:pPr>
+            <a:r>
+              <a:rPr lang="be-BY" sz="1000" dirty="0">
+                <a:solidFill>
+                  <a:schemeClr val="bg1"/>
+                </a:solidFill>
+                <a:latin typeface="Courier New" pitchFamily="49" charset="0"/>
+                <a:ea typeface="Calibri" pitchFamily="34" charset="0"/>
+                <a:cs typeface="Courier New" pitchFamily="49" charset="0"/>
+              </a:rPr>
+              <a:t>            Console.WriteLine(type2);</a:t>
+            </a:r>
+            <a:endParaRPr lang="be-BY" sz="900" dirty="0">
+              <a:solidFill>
+                <a:schemeClr val="bg1"/>
+              </a:solidFill>
+              <a:latin typeface="Arial" pitchFamily="34" charset="0"/>
+            </a:endParaRPr>
+          </a:p>
+          <a:p>
+            <a:pPr eaLnBrk="0" hangingPunct="0">
+              <a:defRPr/>
+            </a:pPr>
+            <a:r>
+              <a:rPr lang="be-BY" sz="1000" dirty="0">
+                <a:solidFill>
+                  <a:schemeClr val="bg1"/>
+                </a:solidFill>
+                <a:latin typeface="Courier New" pitchFamily="49" charset="0"/>
+                <a:ea typeface="Calibri" pitchFamily="34" charset="0"/>
+                <a:cs typeface="Courier New" pitchFamily="49" charset="0"/>
+              </a:rPr>
+              <a:t>            Console.WriteLine(type3);</a:t>
+            </a:r>
+            <a:endParaRPr lang="be-BY" dirty="0">
+              <a:solidFill>
+                <a:schemeClr val="bg1"/>
+              </a:solidFill>
+              <a:latin typeface="Arial" pitchFamily="34" charset="0"/>
+            </a:endParaRPr>
+          </a:p>
+        </p:txBody>
+      </p:sp>
+      <p:sp>
+        <p:nvSpPr>
+          <p:cNvPr id="7173" name="Rectangle 5"/>
+          <p:cNvSpPr>
+            <a:spLocks noChangeArrowheads="1"/>
+          </p:cNvSpPr>
+          <p:nvPr/>
+        </p:nvSpPr>
+        <p:spPr bwMode="auto">
+          <a:xfrm>
+            <a:off x="152400" y="3276600"/>
+            <a:ext cx="8839200" cy="584200"/>
+          </a:xfrm>
+          <a:prstGeom prst="rect">
+            <a:avLst/>
+          </a:prstGeom>
+          <a:noFill/>
+          <a:ln>
+            <a:noFill/>
+          </a:ln>
+          <a:extLst>
+            <a:ext uri="{909E8E84-426E-40DD-AFC4-6F175D3DCCD1}">
+              <a14:hiddenFill xmlns:a14="http://schemas.microsoft.com/office/drawing/2010/main">
+                <a:solidFill>
+                  <a:srgbClr val="FFFFFF"/>
+                </a:solidFill>
+              </a14:hiddenFill>
+            </a:ext>
+            <a:ext uri="{91240B29-F687-4F45-9708-019B960494DF}">
+              <a14:hiddenLine xmlns:a14="http://schemas.microsoft.com/office/drawing/2010/main" w="9525">
+                <a:solidFill>
+                  <a:srgbClr val="000000"/>
+                </a:solidFill>
+                <a:miter lim="800000"/>
+                <a:headEnd/>
+                <a:tailEnd/>
+              </a14:hiddenLine>
+            </a:ext>
+          </a:extLst>
+        </p:spPr>
+        <p:txBody>
+          <a:bodyPr anchor="ctr">
+            <a:spAutoFit/>
+          </a:bodyPr>
+          <a:lstStyle/>
+          <a:p>
+            <a:r>
+              <a:rPr lang="ru-RU" sz="1600"/>
+              <a:t>Далее, используя свойства и методы объекта можно получить исчерпывающую информацию о типе</a:t>
+            </a:r>
+            <a:r>
+              <a:rPr lang="en-US" sz="1600"/>
+              <a:t>:</a:t>
+            </a:r>
+            <a:endParaRPr lang="ru-RU" sz="1600"/>
+          </a:p>
+        </p:txBody>
+      </p:sp>
+      <p:sp>
+        <p:nvSpPr>
+          <p:cNvPr id="19458" name="Rectangle 2"/>
+          <p:cNvSpPr>
+            <a:spLocks noChangeArrowheads="1"/>
+          </p:cNvSpPr>
+          <p:nvPr/>
+        </p:nvSpPr>
+        <p:spPr bwMode="auto">
+          <a:xfrm>
+            <a:off x="152400" y="3897313"/>
+            <a:ext cx="8839200" cy="2832100"/>
+          </a:xfrm>
+          <a:prstGeom prst="rect">
+            <a:avLst/>
+          </a:prstGeom>
+          <a:noFill/>
+          <a:ln w="9525">
+            <a:solidFill>
+              <a:schemeClr val="bg1">
+                <a:lumMod val="65000"/>
+              </a:schemeClr>
+            </a:solidFill>
+            <a:miter lim="800000"/>
+            <a:headEnd/>
+            <a:tailEnd/>
+          </a:ln>
+          <a:effectLst/>
+        </p:spPr>
+        <p:txBody>
+          <a:bodyPr anchor="ctr">
+            <a:spAutoFit/>
+          </a:bodyPr>
+          <a:lstStyle/>
+          <a:p>
+            <a:pPr eaLnBrk="0" hangingPunct="0">
+              <a:defRPr/>
+            </a:pPr>
+            <a:r>
+              <a:rPr lang="be-BY" sz="1000" dirty="0">
+                <a:solidFill>
+                  <a:schemeClr val="bg1"/>
+                </a:solidFill>
+                <a:latin typeface="Courier New" pitchFamily="49" charset="0"/>
+                <a:ea typeface="Calibri" pitchFamily="34" charset="0"/>
+                <a:cs typeface="Courier New" pitchFamily="49" charset="0"/>
+              </a:rPr>
+              <a:t>            Type type = typeof(Complex);</a:t>
+            </a:r>
+            <a:endParaRPr lang="en-US" sz="1000" dirty="0">
+              <a:solidFill>
+                <a:schemeClr val="bg1"/>
+              </a:solidFill>
+              <a:latin typeface="Courier New" pitchFamily="49" charset="0"/>
+              <a:ea typeface="Calibri" pitchFamily="34" charset="0"/>
+              <a:cs typeface="Courier New" pitchFamily="49" charset="0"/>
+            </a:endParaRPr>
+          </a:p>
+          <a:p>
+            <a:pPr eaLnBrk="0" hangingPunct="0">
+              <a:defRPr/>
+            </a:pPr>
+            <a:endParaRPr lang="be-BY" sz="900" dirty="0">
+              <a:solidFill>
+                <a:schemeClr val="bg1"/>
+              </a:solidFill>
+              <a:latin typeface="Arial" pitchFamily="34" charset="0"/>
+            </a:endParaRPr>
+          </a:p>
+          <a:p>
+            <a:pPr eaLnBrk="0" hangingPunct="0">
+              <a:defRPr/>
+            </a:pPr>
+            <a:r>
+              <a:rPr lang="be-BY" sz="1000" dirty="0">
+                <a:solidFill>
+                  <a:schemeClr val="bg1"/>
+                </a:solidFill>
+                <a:latin typeface="Courier New" pitchFamily="49" charset="0"/>
+                <a:ea typeface="Calibri" pitchFamily="34" charset="0"/>
+                <a:cs typeface="Courier New" pitchFamily="49" charset="0"/>
+              </a:rPr>
+              <a:t>            foreach (ConstructorInfo ci in type.GetConstructors())</a:t>
+            </a:r>
+            <a:endParaRPr lang="be-BY" sz="900" dirty="0">
+              <a:solidFill>
+                <a:schemeClr val="bg1"/>
+              </a:solidFill>
+              <a:latin typeface="Arial" pitchFamily="34" charset="0"/>
+            </a:endParaRPr>
+          </a:p>
+          <a:p>
+            <a:pPr eaLnBrk="0" hangingPunct="0">
+              <a:defRPr/>
+            </a:pPr>
+            <a:r>
+              <a:rPr lang="be-BY" sz="1000" dirty="0">
+                <a:solidFill>
+                  <a:schemeClr val="bg1"/>
+                </a:solidFill>
+                <a:latin typeface="Courier New" pitchFamily="49" charset="0"/>
+                <a:ea typeface="Calibri" pitchFamily="34" charset="0"/>
+                <a:cs typeface="Courier New" pitchFamily="49" charset="0"/>
+              </a:rPr>
+              <a:t>            {</a:t>
+            </a:r>
+            <a:endParaRPr lang="be-BY" sz="900" dirty="0">
+              <a:solidFill>
+                <a:schemeClr val="bg1"/>
+              </a:solidFill>
+              <a:latin typeface="Arial" pitchFamily="34" charset="0"/>
+            </a:endParaRPr>
+          </a:p>
+          <a:p>
+            <a:pPr eaLnBrk="0" hangingPunct="0">
+              <a:defRPr/>
+            </a:pPr>
+            <a:r>
+              <a:rPr lang="be-BY" sz="1000" dirty="0">
+                <a:solidFill>
+                  <a:schemeClr val="bg1"/>
+                </a:solidFill>
+                <a:latin typeface="Courier New" pitchFamily="49" charset="0"/>
+                <a:ea typeface="Calibri" pitchFamily="34" charset="0"/>
+                <a:cs typeface="Courier New" pitchFamily="49" charset="0"/>
+              </a:rPr>
+              <a:t>                Console.Write("Constructor, Params:");</a:t>
+            </a:r>
+            <a:endParaRPr lang="be-BY" sz="900" dirty="0">
+              <a:solidFill>
+                <a:schemeClr val="bg1"/>
+              </a:solidFill>
+              <a:latin typeface="Arial" pitchFamily="34" charset="0"/>
+            </a:endParaRPr>
+          </a:p>
+          <a:p>
+            <a:pPr eaLnBrk="0" hangingPunct="0">
+              <a:defRPr/>
+            </a:pPr>
+            <a:r>
+              <a:rPr lang="be-BY" sz="1000" dirty="0">
+                <a:solidFill>
+                  <a:schemeClr val="bg1"/>
+                </a:solidFill>
+                <a:latin typeface="Courier New" pitchFamily="49" charset="0"/>
+                <a:ea typeface="Calibri" pitchFamily="34" charset="0"/>
+                <a:cs typeface="Courier New" pitchFamily="49" charset="0"/>
+              </a:rPr>
+              <a:t>                foreach(ParameterInfo pi in ci.GetParameters())</a:t>
+            </a:r>
+            <a:endParaRPr lang="be-BY" sz="900" dirty="0">
+              <a:solidFill>
+                <a:schemeClr val="bg1"/>
+              </a:solidFill>
+              <a:latin typeface="Arial" pitchFamily="34" charset="0"/>
+            </a:endParaRPr>
+          </a:p>
+          <a:p>
+            <a:pPr eaLnBrk="0" hangingPunct="0">
+              <a:defRPr/>
+            </a:pPr>
+            <a:r>
+              <a:rPr lang="be-BY" sz="1000" dirty="0">
+                <a:solidFill>
+                  <a:schemeClr val="bg1"/>
+                </a:solidFill>
+                <a:latin typeface="Courier New" pitchFamily="49" charset="0"/>
+                <a:ea typeface="Calibri" pitchFamily="34" charset="0"/>
+                <a:cs typeface="Courier New" pitchFamily="49" charset="0"/>
+              </a:rPr>
+              <a:t>                    Console.Write(" {0} - {1};",pi.ParameterType,pi.Name);</a:t>
+            </a:r>
+            <a:endParaRPr lang="be-BY" sz="900" dirty="0">
+              <a:solidFill>
+                <a:schemeClr val="bg1"/>
+              </a:solidFill>
+              <a:latin typeface="Arial" pitchFamily="34" charset="0"/>
+            </a:endParaRPr>
+          </a:p>
+          <a:p>
+            <a:pPr eaLnBrk="0" hangingPunct="0">
+              <a:defRPr/>
+            </a:pPr>
+            <a:r>
+              <a:rPr lang="be-BY" sz="1000" dirty="0">
+                <a:solidFill>
+                  <a:schemeClr val="bg1"/>
+                </a:solidFill>
+                <a:latin typeface="Courier New" pitchFamily="49" charset="0"/>
+                <a:ea typeface="Calibri" pitchFamily="34" charset="0"/>
+                <a:cs typeface="Courier New" pitchFamily="49" charset="0"/>
+              </a:rPr>
+              <a:t>                Console.WriteLine();</a:t>
+            </a:r>
+            <a:endParaRPr lang="be-BY" sz="900" dirty="0">
+              <a:solidFill>
+                <a:schemeClr val="bg1"/>
+              </a:solidFill>
+              <a:latin typeface="Arial" pitchFamily="34" charset="0"/>
+            </a:endParaRPr>
+          </a:p>
+          <a:p>
+            <a:pPr eaLnBrk="0" hangingPunct="0">
+              <a:defRPr/>
+            </a:pPr>
+            <a:r>
+              <a:rPr lang="be-BY" sz="1000" dirty="0">
+                <a:solidFill>
+                  <a:schemeClr val="bg1"/>
+                </a:solidFill>
+                <a:latin typeface="Courier New" pitchFamily="49" charset="0"/>
+                <a:ea typeface="Calibri" pitchFamily="34" charset="0"/>
+                <a:cs typeface="Courier New" pitchFamily="49" charset="0"/>
+              </a:rPr>
+              <a:t>            }</a:t>
+            </a:r>
+            <a:endParaRPr lang="en-US" sz="1000" dirty="0">
+              <a:solidFill>
+                <a:schemeClr val="bg1"/>
+              </a:solidFill>
+              <a:latin typeface="Courier New" pitchFamily="49" charset="0"/>
+              <a:ea typeface="Calibri" pitchFamily="34" charset="0"/>
+              <a:cs typeface="Courier New" pitchFamily="49" charset="0"/>
+            </a:endParaRPr>
+          </a:p>
+          <a:p>
+            <a:pPr eaLnBrk="0" hangingPunct="0">
+              <a:defRPr/>
+            </a:pPr>
+            <a:endParaRPr lang="be-BY" sz="900" dirty="0">
+              <a:solidFill>
+                <a:schemeClr val="bg1"/>
+              </a:solidFill>
+              <a:latin typeface="Arial" pitchFamily="34" charset="0"/>
+            </a:endParaRPr>
+          </a:p>
+          <a:p>
+            <a:pPr eaLnBrk="0" hangingPunct="0">
+              <a:defRPr/>
+            </a:pPr>
+            <a:r>
+              <a:rPr lang="be-BY" sz="1000" dirty="0">
+                <a:solidFill>
+                  <a:schemeClr val="bg1"/>
+                </a:solidFill>
+                <a:latin typeface="Courier New" pitchFamily="49" charset="0"/>
+                <a:ea typeface="Calibri" pitchFamily="34" charset="0"/>
+                <a:cs typeface="Courier New" pitchFamily="49" charset="0"/>
+              </a:rPr>
+              <a:t>            foreach (MethodInfo mi in type.GetMethods())</a:t>
+            </a:r>
+            <a:endParaRPr lang="be-BY" sz="900" dirty="0">
+              <a:solidFill>
+                <a:schemeClr val="bg1"/>
+              </a:solidFill>
+              <a:latin typeface="Arial" pitchFamily="34" charset="0"/>
+            </a:endParaRPr>
+          </a:p>
+          <a:p>
+            <a:pPr eaLnBrk="0" hangingPunct="0">
+              <a:defRPr/>
+            </a:pPr>
+            <a:r>
+              <a:rPr lang="be-BY" sz="1000" dirty="0">
+                <a:solidFill>
+                  <a:schemeClr val="bg1"/>
+                </a:solidFill>
+                <a:latin typeface="Courier New" pitchFamily="49" charset="0"/>
+                <a:ea typeface="Calibri" pitchFamily="34" charset="0"/>
+                <a:cs typeface="Courier New" pitchFamily="49" charset="0"/>
+              </a:rPr>
+              <a:t>            {</a:t>
+            </a:r>
+            <a:endParaRPr lang="be-BY" sz="900" dirty="0">
+              <a:solidFill>
+                <a:schemeClr val="bg1"/>
+              </a:solidFill>
+              <a:latin typeface="Arial" pitchFamily="34" charset="0"/>
+            </a:endParaRPr>
+          </a:p>
+          <a:p>
+            <a:pPr eaLnBrk="0" hangingPunct="0">
+              <a:defRPr/>
+            </a:pPr>
+            <a:r>
+              <a:rPr lang="be-BY" sz="1000" dirty="0">
+                <a:solidFill>
+                  <a:schemeClr val="bg1"/>
+                </a:solidFill>
+                <a:latin typeface="Courier New" pitchFamily="49" charset="0"/>
+                <a:ea typeface="Calibri" pitchFamily="34" charset="0"/>
+                <a:cs typeface="Courier New" pitchFamily="49" charset="0"/>
+              </a:rPr>
+              <a:t>                Console.WriteLine("Metod {0} {1}",mi.ReturnType,mi.Name);</a:t>
+            </a:r>
+            <a:endParaRPr lang="be-BY" sz="900" dirty="0">
+              <a:solidFill>
+                <a:schemeClr val="bg1"/>
+              </a:solidFill>
+              <a:latin typeface="Arial" pitchFamily="34" charset="0"/>
+            </a:endParaRPr>
+          </a:p>
+          <a:p>
+            <a:pPr eaLnBrk="0" hangingPunct="0">
+              <a:defRPr/>
+            </a:pPr>
+            <a:r>
+              <a:rPr lang="be-BY" sz="1000" dirty="0">
+                <a:solidFill>
+                  <a:schemeClr val="bg1"/>
+                </a:solidFill>
+                <a:latin typeface="Courier New" pitchFamily="49" charset="0"/>
+                <a:ea typeface="Calibri" pitchFamily="34" charset="0"/>
+                <a:cs typeface="Courier New" pitchFamily="49" charset="0"/>
+              </a:rPr>
+              <a:t>                Console.Write("  Params : ");</a:t>
+            </a:r>
+            <a:endParaRPr lang="be-BY" sz="900" dirty="0">
+              <a:solidFill>
+                <a:schemeClr val="bg1"/>
+              </a:solidFill>
+              <a:latin typeface="Arial" pitchFamily="34" charset="0"/>
+            </a:endParaRPr>
+          </a:p>
+          <a:p>
+            <a:pPr eaLnBrk="0" hangingPunct="0">
+              <a:defRPr/>
+            </a:pPr>
+            <a:r>
+              <a:rPr lang="be-BY" sz="1000" dirty="0">
+                <a:solidFill>
+                  <a:schemeClr val="bg1"/>
+                </a:solidFill>
+                <a:latin typeface="Courier New" pitchFamily="49" charset="0"/>
+                <a:ea typeface="Calibri" pitchFamily="34" charset="0"/>
+                <a:cs typeface="Courier New" pitchFamily="49" charset="0"/>
+              </a:rPr>
+              <a:t>                foreach (ParameterInfo pi in mi.GetParameters())</a:t>
+            </a:r>
+            <a:endParaRPr lang="be-BY" sz="900" dirty="0">
+              <a:solidFill>
+                <a:schemeClr val="bg1"/>
+              </a:solidFill>
+              <a:latin typeface="Arial" pitchFamily="34" charset="0"/>
+            </a:endParaRPr>
+          </a:p>
+          <a:p>
+            <a:pPr eaLnBrk="0" hangingPunct="0">
+              <a:defRPr/>
+            </a:pPr>
+            <a:r>
+              <a:rPr lang="be-BY" sz="1000" dirty="0">
+                <a:solidFill>
+                  <a:schemeClr val="bg1"/>
+                </a:solidFill>
+                <a:latin typeface="Courier New" pitchFamily="49" charset="0"/>
+                <a:ea typeface="Calibri" pitchFamily="34" charset="0"/>
+                <a:cs typeface="Courier New" pitchFamily="49" charset="0"/>
+              </a:rPr>
+              <a:t>                    Console.Write(" {0} - {1};", pi.ParameterType, pi.Name);</a:t>
+            </a:r>
+            <a:endParaRPr lang="be-BY" sz="900" dirty="0">
+              <a:solidFill>
+                <a:schemeClr val="bg1"/>
+              </a:solidFill>
+              <a:latin typeface="Arial" pitchFamily="34" charset="0"/>
+            </a:endParaRPr>
+          </a:p>
+          <a:p>
+            <a:pPr eaLnBrk="0" hangingPunct="0">
+              <a:defRPr/>
+            </a:pPr>
+            <a:r>
+              <a:rPr lang="be-BY" sz="1000" dirty="0">
+                <a:solidFill>
+                  <a:schemeClr val="bg1"/>
+                </a:solidFill>
+                <a:latin typeface="Courier New" pitchFamily="49" charset="0"/>
+                <a:ea typeface="Calibri" pitchFamily="34" charset="0"/>
+                <a:cs typeface="Courier New" pitchFamily="49" charset="0"/>
+              </a:rPr>
+              <a:t>                Console.WriteLine();</a:t>
+            </a:r>
+            <a:endParaRPr lang="be-BY" sz="900" dirty="0">
+              <a:solidFill>
+                <a:schemeClr val="bg1"/>
+              </a:solidFill>
+              <a:latin typeface="Arial" pitchFamily="34" charset="0"/>
+            </a:endParaRPr>
+          </a:p>
+          <a:p>
+            <a:pPr eaLnBrk="0" hangingPunct="0">
+              <a:defRPr/>
+            </a:pPr>
+            <a:r>
+              <a:rPr lang="be-BY" sz="1000" dirty="0">
+                <a:solidFill>
+                  <a:schemeClr val="bg1"/>
+                </a:solidFill>
+                <a:latin typeface="Courier New" pitchFamily="49" charset="0"/>
+                <a:ea typeface="Calibri" pitchFamily="34" charset="0"/>
+                <a:cs typeface="Courier New" pitchFamily="49" charset="0"/>
+              </a:rPr>
+              <a:t>            }</a:t>
+            </a:r>
+            <a:endParaRPr lang="be-BY" dirty="0">
+              <a:solidFill>
+                <a:schemeClr val="bg1"/>
+              </a:solidFill>
+              <a:latin typeface="Arial" pitchFamily="34" charset="0"/>
+            </a:endParaRPr>
+          </a:p>
+        </p:txBody>
+      </p:sp>
+    </p:spTree>
+    <p:extLst>
+      <p:ext uri="{BB962C8B-B14F-4D97-AF65-F5344CB8AC3E}">
+        <p14:creationId xmlns:p14="http://schemas.microsoft.com/office/powerpoint/2010/main" val="3702071643"/>
+      </p:ext>
+    </p:extLst>
+  </p:cSld>
+  <p:clrMapOvr>
+    <a:masterClrMapping/>
+  </p:clrMapOvr>
+  <p:timing>
+    <p:tnLst>
+      <p:par>
+        <p:cTn id="1" dur="indefinite" restart="never" nodeType="tmRoot"/>
+      </p:par>
+    </p:tnLst>
+  </p:timing>
+</p:sld>
+</file>
+
+<file path=ppt/slides/slide23.xml><?xml version="1.0" encoding="utf-8"?>
+<p:sld xmlns:a="http://schemas.openxmlformats.org/drawingml/2006/main" xmlns:r="http://schemas.openxmlformats.org/officeDocument/2006/relationships" xmlns:p="http://schemas.openxmlformats.org/presentationml/2006/main">
+  <p:cSld>
+    <p:spTree>
+      <p:nvGrpSpPr>
+        <p:cNvPr id="1" name=""/>
+        <p:cNvGrpSpPr/>
+        <p:nvPr/>
+      </p:nvGrpSpPr>
+      <p:grpSpPr>
+        <a:xfrm>
+          <a:off x="0" y="0"/>
+          <a:ext cx="0" cy="0"/>
+          <a:chOff x="0" y="0"/>
+          <a:chExt cx="0" cy="0"/>
+        </a:xfrm>
+      </p:grpSpPr>
+      <p:sp>
+        <p:nvSpPr>
+          <p:cNvPr id="8194" name="Rectangle 3"/>
+          <p:cNvSpPr>
+            <a:spLocks noChangeArrowheads="1"/>
+          </p:cNvSpPr>
+          <p:nvPr/>
+        </p:nvSpPr>
+        <p:spPr bwMode="auto">
+          <a:xfrm>
+            <a:off x="152400" y="-4763"/>
+            <a:ext cx="8763000" cy="461963"/>
+          </a:xfrm>
+          <a:prstGeom prst="rect">
+            <a:avLst/>
+          </a:prstGeom>
+          <a:noFill/>
+          <a:ln>
+            <a:noFill/>
+          </a:ln>
+          <a:extLst>
+            <a:ext uri="{909E8E84-426E-40DD-AFC4-6F175D3DCCD1}">
+              <a14:hiddenFill xmlns:a14="http://schemas.microsoft.com/office/drawing/2010/main">
+                <a:solidFill>
+                  <a:srgbClr val="FFFFFF"/>
+                </a:solidFill>
+              </a14:hiddenFill>
+            </a:ext>
+            <a:ext uri="{91240B29-F687-4F45-9708-019B960494DF}">
+              <a14:hiddenLine xmlns:a14="http://schemas.microsoft.com/office/drawing/2010/main" w="9525">
+                <a:solidFill>
+                  <a:srgbClr val="000000"/>
+                </a:solidFill>
+                <a:miter lim="800000"/>
+                <a:headEnd/>
+                <a:tailEnd/>
+              </a14:hiddenLine>
+            </a:ext>
+          </a:extLst>
+        </p:spPr>
+        <p:txBody>
+          <a:bodyPr anchor="ctr">
+            <a:spAutoFit/>
+          </a:bodyPr>
+          <a:lstStyle/>
+          <a:p>
+            <a:pPr algn="ctr"/>
+            <a:r>
+              <a:rPr lang="ru-RU" sz="2400" b="1"/>
+              <a:t>Пространство </a:t>
+            </a:r>
+            <a:r>
+              <a:rPr lang="en-US" sz="2400" b="1"/>
+              <a:t>System.Reflection.</a:t>
+            </a:r>
+          </a:p>
+        </p:txBody>
+      </p:sp>
+      <p:sp>
+        <p:nvSpPr>
+          <p:cNvPr id="8195" name="Rectangle 3"/>
+          <p:cNvSpPr>
+            <a:spLocks noChangeArrowheads="1"/>
+          </p:cNvSpPr>
+          <p:nvPr/>
+        </p:nvSpPr>
+        <p:spPr bwMode="auto">
+          <a:xfrm>
+            <a:off x="152400" y="457200"/>
+            <a:ext cx="8839200" cy="584200"/>
+          </a:xfrm>
+          <a:prstGeom prst="rect">
+            <a:avLst/>
+          </a:prstGeom>
+          <a:noFill/>
+          <a:ln>
+            <a:noFill/>
+          </a:ln>
+          <a:extLst>
+            <a:ext uri="{909E8E84-426E-40DD-AFC4-6F175D3DCCD1}">
+              <a14:hiddenFill xmlns:a14="http://schemas.microsoft.com/office/drawing/2010/main">
+                <a:solidFill>
+                  <a:srgbClr val="FFFFFF"/>
+                </a:solidFill>
+              </a14:hiddenFill>
+            </a:ext>
+            <a:ext uri="{91240B29-F687-4F45-9708-019B960494DF}">
+              <a14:hiddenLine xmlns:a14="http://schemas.microsoft.com/office/drawing/2010/main" w="9525">
+                <a:solidFill>
+                  <a:srgbClr val="000000"/>
+                </a:solidFill>
+                <a:miter lim="800000"/>
+                <a:headEnd/>
+                <a:tailEnd/>
+              </a14:hiddenLine>
+            </a:ext>
+          </a:extLst>
+        </p:spPr>
+        <p:txBody>
+          <a:bodyPr anchor="ctr">
+            <a:spAutoFit/>
+          </a:bodyPr>
+          <a:lstStyle/>
+          <a:p>
+            <a:r>
+              <a:rPr lang="ru-RU" sz="1600"/>
+              <a:t>	Данное пространство предназначено для динамической загрузки и обработки сборок. Загружаемая сборка представлена объектом </a:t>
+            </a:r>
+            <a:r>
+              <a:rPr lang="en-US" sz="1600"/>
+              <a:t>Assembly.</a:t>
+            </a:r>
+            <a:endParaRPr lang="ru-RU" sz="1600"/>
+          </a:p>
+        </p:txBody>
+      </p:sp>
+      <p:sp>
+        <p:nvSpPr>
+          <p:cNvPr id="31745" name="Rectangle 1"/>
+          <p:cNvSpPr>
+            <a:spLocks noChangeArrowheads="1"/>
+          </p:cNvSpPr>
+          <p:nvPr/>
+        </p:nvSpPr>
+        <p:spPr bwMode="auto">
+          <a:xfrm>
+            <a:off x="152400" y="1066800"/>
+            <a:ext cx="8839200" cy="1477963"/>
+          </a:xfrm>
+          <a:prstGeom prst="rect">
+            <a:avLst/>
+          </a:prstGeom>
+          <a:noFill/>
+          <a:ln w="9525">
+            <a:solidFill>
+              <a:schemeClr val="bg1">
+                <a:lumMod val="65000"/>
+              </a:schemeClr>
+            </a:solidFill>
+            <a:miter lim="800000"/>
+            <a:headEnd/>
+            <a:tailEnd/>
+          </a:ln>
+          <a:effectLst/>
+        </p:spPr>
+        <p:txBody>
+          <a:bodyPr anchor="ctr">
+            <a:spAutoFit/>
+          </a:bodyPr>
+          <a:lstStyle/>
+          <a:p>
+            <a:pPr eaLnBrk="0" hangingPunct="0">
+              <a:defRPr/>
+            </a:pPr>
+            <a:r>
+              <a:rPr lang="be-BY" sz="1000" dirty="0">
+                <a:solidFill>
+                  <a:schemeClr val="bg1"/>
+                </a:solidFill>
+                <a:latin typeface="Courier New" pitchFamily="49" charset="0"/>
+                <a:ea typeface="Calibri" pitchFamily="34" charset="0"/>
+                <a:cs typeface="Courier New" pitchFamily="49" charset="0"/>
+              </a:rPr>
+              <a:t>            Assembly asm;</a:t>
+            </a:r>
+            <a:endParaRPr lang="be-BY" sz="900" dirty="0">
+              <a:solidFill>
+                <a:schemeClr val="bg1"/>
+              </a:solidFill>
+              <a:latin typeface="Arial" pitchFamily="34" charset="0"/>
+            </a:endParaRPr>
+          </a:p>
+          <a:p>
+            <a:pPr eaLnBrk="0" hangingPunct="0">
+              <a:defRPr/>
+            </a:pPr>
+            <a:r>
+              <a:rPr lang="be-BY" sz="1000" dirty="0">
+                <a:solidFill>
+                  <a:schemeClr val="bg1"/>
+                </a:solidFill>
+                <a:latin typeface="Courier New" pitchFamily="49" charset="0"/>
+                <a:ea typeface="Calibri" pitchFamily="34" charset="0"/>
+                <a:cs typeface="Courier New" pitchFamily="49" charset="0"/>
+              </a:rPr>
+              <a:t>            try</a:t>
+            </a:r>
+            <a:endParaRPr lang="be-BY" sz="900" dirty="0">
+              <a:solidFill>
+                <a:schemeClr val="bg1"/>
+              </a:solidFill>
+              <a:latin typeface="Arial" pitchFamily="34" charset="0"/>
+            </a:endParaRPr>
+          </a:p>
+          <a:p>
+            <a:pPr eaLnBrk="0" hangingPunct="0">
+              <a:defRPr/>
+            </a:pPr>
+            <a:r>
+              <a:rPr lang="be-BY" sz="1000" dirty="0">
+                <a:solidFill>
+                  <a:schemeClr val="bg1"/>
+                </a:solidFill>
+                <a:latin typeface="Courier New" pitchFamily="49" charset="0"/>
+                <a:ea typeface="Calibri" pitchFamily="34" charset="0"/>
+                <a:cs typeface="Courier New" pitchFamily="49" charset="0"/>
+              </a:rPr>
+              <a:t>            {</a:t>
+            </a:r>
+            <a:endParaRPr lang="be-BY" sz="900" dirty="0">
+              <a:solidFill>
+                <a:schemeClr val="bg1"/>
+              </a:solidFill>
+              <a:latin typeface="Arial" pitchFamily="34" charset="0"/>
+            </a:endParaRPr>
+          </a:p>
+          <a:p>
+            <a:pPr eaLnBrk="0" hangingPunct="0">
+              <a:defRPr/>
+            </a:pPr>
+            <a:r>
+              <a:rPr lang="be-BY" sz="1000" dirty="0">
+                <a:solidFill>
+                  <a:schemeClr val="bg1"/>
+                </a:solidFill>
+                <a:latin typeface="Courier New" pitchFamily="49" charset="0"/>
+                <a:ea typeface="Calibri" pitchFamily="34" charset="0"/>
+                <a:cs typeface="Courier New" pitchFamily="49" charset="0"/>
+              </a:rPr>
+              <a:t>                asm = Assembly.Load("Complex");</a:t>
+            </a:r>
+            <a:endParaRPr lang="be-BY" sz="900" dirty="0">
+              <a:solidFill>
+                <a:schemeClr val="bg1"/>
+              </a:solidFill>
+              <a:latin typeface="Arial" pitchFamily="34" charset="0"/>
+            </a:endParaRPr>
+          </a:p>
+          <a:p>
+            <a:pPr eaLnBrk="0" hangingPunct="0">
+              <a:defRPr/>
+            </a:pPr>
+            <a:r>
+              <a:rPr lang="be-BY" sz="1000" dirty="0">
+                <a:solidFill>
+                  <a:schemeClr val="bg1"/>
+                </a:solidFill>
+                <a:latin typeface="Courier New" pitchFamily="49" charset="0"/>
+                <a:ea typeface="Calibri" pitchFamily="34" charset="0"/>
+                <a:cs typeface="Courier New" pitchFamily="49" charset="0"/>
+              </a:rPr>
+              <a:t>            }</a:t>
+            </a:r>
+            <a:endParaRPr lang="be-BY" sz="900" dirty="0">
+              <a:solidFill>
+                <a:schemeClr val="bg1"/>
+              </a:solidFill>
+              <a:latin typeface="Arial" pitchFamily="34" charset="0"/>
+            </a:endParaRPr>
+          </a:p>
+          <a:p>
+            <a:pPr eaLnBrk="0" hangingPunct="0">
+              <a:defRPr/>
+            </a:pPr>
+            <a:r>
+              <a:rPr lang="be-BY" sz="1000" dirty="0">
+                <a:solidFill>
+                  <a:schemeClr val="bg1"/>
+                </a:solidFill>
+                <a:latin typeface="Courier New" pitchFamily="49" charset="0"/>
+                <a:ea typeface="Calibri" pitchFamily="34" charset="0"/>
+                <a:cs typeface="Courier New" pitchFamily="49" charset="0"/>
+              </a:rPr>
+              <a:t>            catch (FileNotFoundException e)</a:t>
+            </a:r>
+            <a:endParaRPr lang="be-BY" sz="900" dirty="0">
+              <a:solidFill>
+                <a:schemeClr val="bg1"/>
+              </a:solidFill>
+              <a:latin typeface="Arial" pitchFamily="34" charset="0"/>
+            </a:endParaRPr>
+          </a:p>
+          <a:p>
+            <a:pPr eaLnBrk="0" hangingPunct="0">
+              <a:defRPr/>
+            </a:pPr>
+            <a:r>
+              <a:rPr lang="be-BY" sz="1000" dirty="0">
+                <a:solidFill>
+                  <a:schemeClr val="bg1"/>
+                </a:solidFill>
+                <a:latin typeface="Courier New" pitchFamily="49" charset="0"/>
+                <a:ea typeface="Calibri" pitchFamily="34" charset="0"/>
+                <a:cs typeface="Courier New" pitchFamily="49" charset="0"/>
+              </a:rPr>
+              <a:t>            {</a:t>
+            </a:r>
+            <a:endParaRPr lang="be-BY" sz="900" dirty="0">
+              <a:solidFill>
+                <a:schemeClr val="bg1"/>
+              </a:solidFill>
+              <a:latin typeface="Arial" pitchFamily="34" charset="0"/>
+            </a:endParaRPr>
+          </a:p>
+          <a:p>
+            <a:pPr eaLnBrk="0" hangingPunct="0">
+              <a:defRPr/>
+            </a:pPr>
+            <a:r>
+              <a:rPr lang="be-BY" sz="1000" dirty="0">
+                <a:solidFill>
+                  <a:schemeClr val="bg1"/>
+                </a:solidFill>
+                <a:latin typeface="Courier New" pitchFamily="49" charset="0"/>
+                <a:ea typeface="Calibri" pitchFamily="34" charset="0"/>
+                <a:cs typeface="Courier New" pitchFamily="49" charset="0"/>
+              </a:rPr>
+              <a:t>                Console.WriteLine(e.Message);</a:t>
+            </a:r>
+            <a:endParaRPr lang="be-BY" sz="900" dirty="0">
+              <a:solidFill>
+                <a:schemeClr val="bg1"/>
+              </a:solidFill>
+              <a:latin typeface="Arial" pitchFamily="34" charset="0"/>
+            </a:endParaRPr>
+          </a:p>
+          <a:p>
+            <a:pPr eaLnBrk="0" hangingPunct="0">
+              <a:defRPr/>
+            </a:pPr>
+            <a:r>
+              <a:rPr lang="be-BY" sz="1000" dirty="0">
+                <a:solidFill>
+                  <a:schemeClr val="bg1"/>
+                </a:solidFill>
+                <a:latin typeface="Courier New" pitchFamily="49" charset="0"/>
+                <a:ea typeface="Calibri" pitchFamily="34" charset="0"/>
+                <a:cs typeface="Courier New" pitchFamily="49" charset="0"/>
+              </a:rPr>
+              <a:t>            }</a:t>
+            </a:r>
+            <a:endParaRPr lang="be-BY" dirty="0">
+              <a:solidFill>
+                <a:schemeClr val="bg1"/>
+              </a:solidFill>
+              <a:latin typeface="Arial" pitchFamily="34" charset="0"/>
+            </a:endParaRPr>
+          </a:p>
+        </p:txBody>
+      </p:sp>
+      <p:sp>
+        <p:nvSpPr>
+          <p:cNvPr id="8197" name="Rectangle 5"/>
+          <p:cNvSpPr>
+            <a:spLocks noChangeArrowheads="1"/>
+          </p:cNvSpPr>
+          <p:nvPr/>
+        </p:nvSpPr>
+        <p:spPr bwMode="auto">
+          <a:xfrm>
+            <a:off x="152400" y="2709863"/>
+            <a:ext cx="8839200" cy="338137"/>
+          </a:xfrm>
+          <a:prstGeom prst="rect">
+            <a:avLst/>
+          </a:prstGeom>
+          <a:noFill/>
+          <a:ln>
+            <a:noFill/>
+          </a:ln>
+          <a:extLst>
+            <a:ext uri="{909E8E84-426E-40DD-AFC4-6F175D3DCCD1}">
+              <a14:hiddenFill xmlns:a14="http://schemas.microsoft.com/office/drawing/2010/main">
+                <a:solidFill>
+                  <a:srgbClr val="FFFFFF"/>
+                </a:solidFill>
+              </a14:hiddenFill>
+            </a:ext>
+            <a:ext uri="{91240B29-F687-4F45-9708-019B960494DF}">
+              <a14:hiddenLine xmlns:a14="http://schemas.microsoft.com/office/drawing/2010/main" w="9525">
+                <a:solidFill>
+                  <a:srgbClr val="000000"/>
+                </a:solidFill>
+                <a:miter lim="800000"/>
+                <a:headEnd/>
+                <a:tailEnd/>
+              </a14:hiddenLine>
+            </a:ext>
+          </a:extLst>
+        </p:spPr>
+        <p:txBody>
+          <a:bodyPr anchor="ctr">
+            <a:spAutoFit/>
+          </a:bodyPr>
+          <a:lstStyle/>
+          <a:p>
+            <a:r>
+              <a:rPr lang="ru-RU" sz="1600"/>
+              <a:t>	Также для загрузки сборки можно использовать объект </a:t>
+            </a:r>
+            <a:r>
+              <a:rPr lang="en-US" sz="1600"/>
+              <a:t>AssemblyName</a:t>
+            </a:r>
+            <a:r>
+              <a:rPr lang="ru-RU" sz="1600"/>
+              <a:t>.</a:t>
+            </a:r>
+          </a:p>
+        </p:txBody>
+      </p:sp>
+      <p:sp>
+        <p:nvSpPr>
+          <p:cNvPr id="31746" name="Rectangle 2"/>
+          <p:cNvSpPr>
+            <a:spLocks noChangeArrowheads="1"/>
+          </p:cNvSpPr>
+          <p:nvPr/>
+        </p:nvSpPr>
+        <p:spPr bwMode="auto">
+          <a:xfrm>
+            <a:off x="152400" y="3048000"/>
+            <a:ext cx="8839200" cy="1784350"/>
+          </a:xfrm>
+          <a:prstGeom prst="rect">
+            <a:avLst/>
+          </a:prstGeom>
+          <a:noFill/>
+          <a:ln w="9525">
+            <a:solidFill>
+              <a:schemeClr val="bg1">
+                <a:lumMod val="65000"/>
+              </a:schemeClr>
+            </a:solidFill>
+            <a:miter lim="800000"/>
+            <a:headEnd/>
+            <a:tailEnd/>
+          </a:ln>
+          <a:effectLst/>
+        </p:spPr>
+        <p:txBody>
+          <a:bodyPr anchor="ctr">
+            <a:spAutoFit/>
+          </a:bodyPr>
+          <a:lstStyle/>
+          <a:p>
+            <a:pPr eaLnBrk="0" hangingPunct="0">
+              <a:defRPr/>
+            </a:pPr>
+            <a:r>
+              <a:rPr lang="be-BY" sz="1000" dirty="0">
+                <a:solidFill>
+                  <a:schemeClr val="bg1"/>
+                </a:solidFill>
+                <a:latin typeface="Courier New" pitchFamily="49" charset="0"/>
+                <a:ea typeface="Calibri" pitchFamily="34" charset="0"/>
+                <a:cs typeface="Courier New" pitchFamily="49" charset="0"/>
+              </a:rPr>
+              <a:t>            AssemblyName name = new AssemblyName("Complex");</a:t>
+            </a:r>
+            <a:endParaRPr lang="be-BY" sz="900" dirty="0">
+              <a:solidFill>
+                <a:schemeClr val="bg1"/>
+              </a:solidFill>
+              <a:latin typeface="Arial" pitchFamily="34" charset="0"/>
+            </a:endParaRPr>
+          </a:p>
+          <a:p>
+            <a:pPr eaLnBrk="0" hangingPunct="0">
+              <a:defRPr/>
+            </a:pPr>
+            <a:r>
+              <a:rPr lang="be-BY" sz="1000" dirty="0">
+                <a:solidFill>
+                  <a:schemeClr val="bg1"/>
+                </a:solidFill>
+                <a:latin typeface="Courier New" pitchFamily="49" charset="0"/>
+                <a:ea typeface="Calibri" pitchFamily="34" charset="0"/>
+                <a:cs typeface="Courier New" pitchFamily="49" charset="0"/>
+              </a:rPr>
+              <a:t>            name.Version = new Version(1, 0, 0, 0);</a:t>
+            </a:r>
+            <a:endParaRPr lang="be-BY" sz="900" dirty="0">
+              <a:solidFill>
+                <a:schemeClr val="bg1"/>
+              </a:solidFill>
+              <a:latin typeface="Arial" pitchFamily="34" charset="0"/>
+            </a:endParaRPr>
+          </a:p>
+          <a:p>
+            <a:pPr eaLnBrk="0" hangingPunct="0">
+              <a:defRPr/>
+            </a:pPr>
+            <a:r>
+              <a:rPr lang="be-BY" sz="1000" dirty="0">
+                <a:solidFill>
+                  <a:schemeClr val="bg1"/>
+                </a:solidFill>
+                <a:latin typeface="Courier New" pitchFamily="49" charset="0"/>
+                <a:ea typeface="Calibri" pitchFamily="34" charset="0"/>
+                <a:cs typeface="Courier New" pitchFamily="49" charset="0"/>
+              </a:rPr>
+              <a:t>            Assembly asm;</a:t>
+            </a:r>
+            <a:endParaRPr lang="be-BY" sz="900" dirty="0">
+              <a:solidFill>
+                <a:schemeClr val="bg1"/>
+              </a:solidFill>
+              <a:latin typeface="Arial" pitchFamily="34" charset="0"/>
+            </a:endParaRPr>
+          </a:p>
+          <a:p>
+            <a:pPr eaLnBrk="0" hangingPunct="0">
+              <a:defRPr/>
+            </a:pPr>
+            <a:r>
+              <a:rPr lang="be-BY" sz="1000" dirty="0">
+                <a:solidFill>
+                  <a:schemeClr val="bg1"/>
+                </a:solidFill>
+                <a:latin typeface="Courier New" pitchFamily="49" charset="0"/>
+                <a:ea typeface="Calibri" pitchFamily="34" charset="0"/>
+                <a:cs typeface="Courier New" pitchFamily="49" charset="0"/>
+              </a:rPr>
+              <a:t>            try</a:t>
+            </a:r>
+            <a:endParaRPr lang="be-BY" sz="900" dirty="0">
+              <a:solidFill>
+                <a:schemeClr val="bg1"/>
+              </a:solidFill>
+              <a:latin typeface="Arial" pitchFamily="34" charset="0"/>
+            </a:endParaRPr>
+          </a:p>
+          <a:p>
+            <a:pPr eaLnBrk="0" hangingPunct="0">
+              <a:defRPr/>
+            </a:pPr>
+            <a:r>
+              <a:rPr lang="be-BY" sz="1000" dirty="0">
+                <a:solidFill>
+                  <a:schemeClr val="bg1"/>
+                </a:solidFill>
+                <a:latin typeface="Courier New" pitchFamily="49" charset="0"/>
+                <a:ea typeface="Calibri" pitchFamily="34" charset="0"/>
+                <a:cs typeface="Courier New" pitchFamily="49" charset="0"/>
+              </a:rPr>
+              <a:t>            {</a:t>
+            </a:r>
+            <a:endParaRPr lang="be-BY" sz="900" dirty="0">
+              <a:solidFill>
+                <a:schemeClr val="bg1"/>
+              </a:solidFill>
+              <a:latin typeface="Arial" pitchFamily="34" charset="0"/>
+            </a:endParaRPr>
+          </a:p>
+          <a:p>
+            <a:pPr eaLnBrk="0" hangingPunct="0">
+              <a:defRPr/>
+            </a:pPr>
+            <a:r>
+              <a:rPr lang="be-BY" sz="1000" dirty="0">
+                <a:solidFill>
+                  <a:schemeClr val="bg1"/>
+                </a:solidFill>
+                <a:latin typeface="Courier New" pitchFamily="49" charset="0"/>
+                <a:ea typeface="Calibri" pitchFamily="34" charset="0"/>
+                <a:cs typeface="Courier New" pitchFamily="49" charset="0"/>
+              </a:rPr>
+              <a:t>                asm = Assembly.Load(name);</a:t>
+            </a:r>
+            <a:endParaRPr lang="be-BY" sz="900" dirty="0">
+              <a:solidFill>
+                <a:schemeClr val="bg1"/>
+              </a:solidFill>
+              <a:latin typeface="Arial" pitchFamily="34" charset="0"/>
+            </a:endParaRPr>
+          </a:p>
+          <a:p>
+            <a:pPr eaLnBrk="0" hangingPunct="0">
+              <a:defRPr/>
+            </a:pPr>
+            <a:r>
+              <a:rPr lang="be-BY" sz="1000" dirty="0">
+                <a:solidFill>
+                  <a:schemeClr val="bg1"/>
+                </a:solidFill>
+                <a:latin typeface="Courier New" pitchFamily="49" charset="0"/>
+                <a:ea typeface="Calibri" pitchFamily="34" charset="0"/>
+                <a:cs typeface="Courier New" pitchFamily="49" charset="0"/>
+              </a:rPr>
+              <a:t>            }</a:t>
+            </a:r>
+            <a:endParaRPr lang="be-BY" sz="900" dirty="0">
+              <a:solidFill>
+                <a:schemeClr val="bg1"/>
+              </a:solidFill>
+              <a:latin typeface="Arial" pitchFamily="34" charset="0"/>
+            </a:endParaRPr>
+          </a:p>
+          <a:p>
+            <a:pPr eaLnBrk="0" hangingPunct="0">
+              <a:defRPr/>
+            </a:pPr>
+            <a:r>
+              <a:rPr lang="be-BY" sz="1000" dirty="0">
+                <a:solidFill>
+                  <a:schemeClr val="bg1"/>
+                </a:solidFill>
+                <a:latin typeface="Courier New" pitchFamily="49" charset="0"/>
+                <a:ea typeface="Calibri" pitchFamily="34" charset="0"/>
+                <a:cs typeface="Courier New" pitchFamily="49" charset="0"/>
+              </a:rPr>
+              <a:t>            catch (FileNotFoundException e)</a:t>
+            </a:r>
+            <a:endParaRPr lang="be-BY" sz="900" dirty="0">
+              <a:solidFill>
+                <a:schemeClr val="bg1"/>
+              </a:solidFill>
+              <a:latin typeface="Arial" pitchFamily="34" charset="0"/>
+            </a:endParaRPr>
+          </a:p>
+          <a:p>
+            <a:pPr eaLnBrk="0" hangingPunct="0">
+              <a:defRPr/>
+            </a:pPr>
+            <a:r>
+              <a:rPr lang="be-BY" sz="1000" dirty="0">
+                <a:solidFill>
+                  <a:schemeClr val="bg1"/>
+                </a:solidFill>
+                <a:latin typeface="Courier New" pitchFamily="49" charset="0"/>
+                <a:ea typeface="Calibri" pitchFamily="34" charset="0"/>
+                <a:cs typeface="Courier New" pitchFamily="49" charset="0"/>
+              </a:rPr>
+              <a:t>            {</a:t>
+            </a:r>
+            <a:endParaRPr lang="be-BY" sz="900" dirty="0">
+              <a:solidFill>
+                <a:schemeClr val="bg1"/>
+              </a:solidFill>
+              <a:latin typeface="Arial" pitchFamily="34" charset="0"/>
+            </a:endParaRPr>
+          </a:p>
+          <a:p>
+            <a:pPr eaLnBrk="0" hangingPunct="0">
+              <a:defRPr/>
+            </a:pPr>
+            <a:r>
+              <a:rPr lang="be-BY" sz="1000" dirty="0">
+                <a:solidFill>
+                  <a:schemeClr val="bg1"/>
+                </a:solidFill>
+                <a:latin typeface="Courier New" pitchFamily="49" charset="0"/>
+                <a:ea typeface="Calibri" pitchFamily="34" charset="0"/>
+                <a:cs typeface="Courier New" pitchFamily="49" charset="0"/>
+              </a:rPr>
+              <a:t>                Console.WriteLine(e.Message);</a:t>
+            </a:r>
+            <a:endParaRPr lang="be-BY" sz="900" dirty="0">
+              <a:solidFill>
+                <a:schemeClr val="bg1"/>
+              </a:solidFill>
+              <a:latin typeface="Arial" pitchFamily="34" charset="0"/>
+            </a:endParaRPr>
+          </a:p>
+          <a:p>
+            <a:pPr eaLnBrk="0" hangingPunct="0">
+              <a:defRPr/>
+            </a:pPr>
+            <a:r>
+              <a:rPr lang="be-BY" sz="1000" dirty="0">
+                <a:solidFill>
+                  <a:schemeClr val="bg1"/>
+                </a:solidFill>
+                <a:latin typeface="Courier New" pitchFamily="49" charset="0"/>
+                <a:ea typeface="Calibri" pitchFamily="34" charset="0"/>
+                <a:cs typeface="Courier New" pitchFamily="49" charset="0"/>
+              </a:rPr>
+              <a:t>            }</a:t>
+            </a:r>
+            <a:endParaRPr lang="be-BY" dirty="0">
+              <a:solidFill>
+                <a:schemeClr val="bg1"/>
+              </a:solidFill>
+              <a:latin typeface="Arial" pitchFamily="34" charset="0"/>
+            </a:endParaRPr>
+          </a:p>
+        </p:txBody>
+      </p:sp>
+      <p:sp>
+        <p:nvSpPr>
+          <p:cNvPr id="8199" name="Rectangle 7"/>
+          <p:cNvSpPr>
+            <a:spLocks noChangeArrowheads="1"/>
+          </p:cNvSpPr>
+          <p:nvPr/>
+        </p:nvSpPr>
+        <p:spPr bwMode="auto">
+          <a:xfrm>
+            <a:off x="152400" y="5053013"/>
+            <a:ext cx="8839200" cy="338137"/>
+          </a:xfrm>
+          <a:prstGeom prst="rect">
+            <a:avLst/>
+          </a:prstGeom>
+          <a:noFill/>
+          <a:ln>
+            <a:noFill/>
+          </a:ln>
+          <a:extLst>
+            <a:ext uri="{909E8E84-426E-40DD-AFC4-6F175D3DCCD1}">
+              <a14:hiddenFill xmlns:a14="http://schemas.microsoft.com/office/drawing/2010/main">
+                <a:solidFill>
+                  <a:srgbClr val="FFFFFF"/>
+                </a:solidFill>
+              </a14:hiddenFill>
+            </a:ext>
+            <a:ext uri="{91240B29-F687-4F45-9708-019B960494DF}">
+              <a14:hiddenLine xmlns:a14="http://schemas.microsoft.com/office/drawing/2010/main" w="9525">
+                <a:solidFill>
+                  <a:srgbClr val="000000"/>
+                </a:solidFill>
+                <a:miter lim="800000"/>
+                <a:headEnd/>
+                <a:tailEnd/>
+              </a14:hiddenLine>
+            </a:ext>
+          </a:extLst>
+        </p:spPr>
+        <p:txBody>
+          <a:bodyPr anchor="ctr">
+            <a:spAutoFit/>
+          </a:bodyPr>
+          <a:lstStyle/>
+          <a:p>
+            <a:r>
+              <a:rPr lang="ru-RU" sz="1600"/>
+              <a:t>…после чего можно получить информацию о типах находящихся в сборке.</a:t>
+            </a:r>
+          </a:p>
+        </p:txBody>
+      </p:sp>
+      <p:sp>
+        <p:nvSpPr>
+          <p:cNvPr id="31747" name="Rectangle 8"/>
+          <p:cNvSpPr>
+            <a:spLocks noChangeArrowheads="1"/>
+          </p:cNvSpPr>
+          <p:nvPr/>
+        </p:nvSpPr>
+        <p:spPr bwMode="auto">
+          <a:xfrm>
+            <a:off x="152400" y="5391150"/>
+            <a:ext cx="8839200" cy="400050"/>
+          </a:xfrm>
+          <a:prstGeom prst="rect">
+            <a:avLst/>
+          </a:prstGeom>
+          <a:noFill/>
+          <a:ln w="9525">
+            <a:solidFill>
+              <a:schemeClr val="bg1">
+                <a:lumMod val="65000"/>
+              </a:schemeClr>
+            </a:solidFill>
+            <a:miter lim="800000"/>
+            <a:headEnd/>
+            <a:tailEnd/>
+          </a:ln>
+          <a:effectLst/>
+        </p:spPr>
+        <p:txBody>
+          <a:bodyPr anchor="ctr">
+            <a:spAutoFit/>
+          </a:bodyPr>
+          <a:lstStyle/>
+          <a:p>
+            <a:pPr eaLnBrk="0" hangingPunct="0">
+              <a:defRPr/>
+            </a:pPr>
+            <a:r>
+              <a:rPr lang="be-BY" sz="1000" dirty="0">
+                <a:solidFill>
+                  <a:schemeClr val="bg1"/>
+                </a:solidFill>
+                <a:latin typeface="Courier New" pitchFamily="49" charset="0"/>
+                <a:ea typeface="Calibri" pitchFamily="34" charset="0"/>
+                <a:cs typeface="Courier New" pitchFamily="49" charset="0"/>
+              </a:rPr>
+              <a:t>            foreach (Type t in asm.GetTypes())</a:t>
+            </a:r>
+            <a:endParaRPr lang="be-BY" sz="900" dirty="0">
+              <a:solidFill>
+                <a:schemeClr val="bg1"/>
+              </a:solidFill>
+              <a:latin typeface="Arial" pitchFamily="34" charset="0"/>
+            </a:endParaRPr>
+          </a:p>
+          <a:p>
+            <a:pPr eaLnBrk="0" hangingPunct="0">
+              <a:defRPr/>
+            </a:pPr>
+            <a:r>
+              <a:rPr lang="be-BY" sz="1000" dirty="0">
+                <a:solidFill>
+                  <a:schemeClr val="bg1"/>
+                </a:solidFill>
+                <a:latin typeface="Courier New" pitchFamily="49" charset="0"/>
+                <a:ea typeface="Calibri" pitchFamily="34" charset="0"/>
+                <a:cs typeface="Courier New" pitchFamily="49" charset="0"/>
+              </a:rPr>
+              <a:t>                Console.WriteLine(t);</a:t>
+            </a:r>
+            <a:endParaRPr lang="be-BY" dirty="0">
+              <a:solidFill>
+                <a:schemeClr val="bg1"/>
+              </a:solidFill>
+              <a:latin typeface="Arial" pitchFamily="34" charset="0"/>
+            </a:endParaRPr>
+          </a:p>
+        </p:txBody>
+      </p:sp>
+    </p:spTree>
+    <p:extLst>
+      <p:ext uri="{BB962C8B-B14F-4D97-AF65-F5344CB8AC3E}">
+        <p14:creationId xmlns:p14="http://schemas.microsoft.com/office/powerpoint/2010/main" val="146513021"/>
+      </p:ext>
+    </p:extLst>
+  </p:cSld>
+  <p:clrMapOvr>
+    <a:masterClrMapping/>
+  </p:clrMapOvr>
+  <p:timing>
+    <p:tnLst>
+      <p:par>
+        <p:cTn id="1" dur="indefinite" restart="never" nodeType="tmRoot"/>
+      </p:par>
+    </p:tnLst>
+  </p:timing>
+</p:sld>
+</file>
+
+<file path=ppt/slides/slide24.xml><?xml version="1.0" encoding="utf-8"?>
+<p:sld xmlns:a="http://schemas.openxmlformats.org/drawingml/2006/main" xmlns:r="http://schemas.openxmlformats.org/officeDocument/2006/relationships" xmlns:p="http://schemas.openxmlformats.org/presentationml/2006/main">
+  <p:cSld>
+    <p:spTree>
+      <p:nvGrpSpPr>
+        <p:cNvPr id="1" name=""/>
+        <p:cNvGrpSpPr/>
+        <p:nvPr/>
+      </p:nvGrpSpPr>
+      <p:grpSpPr>
+        <a:xfrm>
+          <a:off x="0" y="0"/>
+          <a:ext cx="0" cy="0"/>
+          <a:chOff x="0" y="0"/>
+          <a:chExt cx="0" cy="0"/>
+        </a:xfrm>
+      </p:grpSpPr>
+      <p:sp>
+        <p:nvSpPr>
+          <p:cNvPr id="9218" name="Rectangle 3"/>
+          <p:cNvSpPr>
+            <a:spLocks noChangeArrowheads="1"/>
+          </p:cNvSpPr>
+          <p:nvPr/>
+        </p:nvSpPr>
+        <p:spPr bwMode="auto">
+          <a:xfrm>
+            <a:off x="152400" y="-4763"/>
+            <a:ext cx="8763000" cy="461963"/>
+          </a:xfrm>
+          <a:prstGeom prst="rect">
+            <a:avLst/>
+          </a:prstGeom>
+          <a:noFill/>
+          <a:ln>
+            <a:noFill/>
+          </a:ln>
+          <a:extLst>
+            <a:ext uri="{909E8E84-426E-40DD-AFC4-6F175D3DCCD1}">
+              <a14:hiddenFill xmlns:a14="http://schemas.microsoft.com/office/drawing/2010/main">
+                <a:solidFill>
+                  <a:srgbClr val="FFFFFF"/>
+                </a:solidFill>
+              </a14:hiddenFill>
+            </a:ext>
+            <a:ext uri="{91240B29-F687-4F45-9708-019B960494DF}">
+              <a14:hiddenLine xmlns:a14="http://schemas.microsoft.com/office/drawing/2010/main" w="9525">
+                <a:solidFill>
+                  <a:srgbClr val="000000"/>
+                </a:solidFill>
+                <a:miter lim="800000"/>
+                <a:headEnd/>
+                <a:tailEnd/>
+              </a14:hiddenLine>
+            </a:ext>
+          </a:extLst>
+        </p:spPr>
+        <p:txBody>
+          <a:bodyPr anchor="ctr">
+            <a:spAutoFit/>
+          </a:bodyPr>
+          <a:lstStyle/>
+          <a:p>
+            <a:pPr algn="ctr"/>
+            <a:r>
+              <a:rPr lang="ru-RU" sz="2400" b="1"/>
+              <a:t>Пространство </a:t>
+            </a:r>
+            <a:r>
+              <a:rPr lang="en-US" sz="2400" b="1"/>
+              <a:t>System.Reflection.</a:t>
+            </a:r>
+          </a:p>
+        </p:txBody>
+      </p:sp>
+      <p:sp>
+        <p:nvSpPr>
+          <p:cNvPr id="9219" name="Rectangle 3"/>
+          <p:cNvSpPr>
+            <a:spLocks noChangeArrowheads="1"/>
+          </p:cNvSpPr>
+          <p:nvPr/>
+        </p:nvSpPr>
+        <p:spPr bwMode="auto">
+          <a:xfrm>
+            <a:off x="152400" y="581025"/>
+            <a:ext cx="8839200" cy="336550"/>
+          </a:xfrm>
+          <a:prstGeom prst="rect">
+            <a:avLst/>
+          </a:prstGeom>
+          <a:noFill/>
+          <a:ln>
+            <a:noFill/>
+          </a:ln>
+          <a:extLst>
+            <a:ext uri="{909E8E84-426E-40DD-AFC4-6F175D3DCCD1}">
+              <a14:hiddenFill xmlns:a14="http://schemas.microsoft.com/office/drawing/2010/main">
+                <a:solidFill>
+                  <a:srgbClr val="FFFFFF"/>
+                </a:solidFill>
+              </a14:hiddenFill>
+            </a:ext>
+            <a:ext uri="{91240B29-F687-4F45-9708-019B960494DF}">
+              <a14:hiddenLine xmlns:a14="http://schemas.microsoft.com/office/drawing/2010/main" w="9525">
+                <a:solidFill>
+                  <a:srgbClr val="000000"/>
+                </a:solidFill>
+                <a:miter lim="800000"/>
+                <a:headEnd/>
+                <a:tailEnd/>
+              </a14:hiddenLine>
+            </a:ext>
+          </a:extLst>
+        </p:spPr>
+        <p:txBody>
+          <a:bodyPr anchor="ctr">
+            <a:spAutoFit/>
+          </a:bodyPr>
+          <a:lstStyle/>
+          <a:p>
+            <a:r>
+              <a:rPr lang="ru-RU" sz="1600"/>
+              <a:t>	Используя класс </a:t>
+            </a:r>
+            <a:r>
+              <a:rPr lang="en-US" sz="1600"/>
+              <a:t>Activator</a:t>
+            </a:r>
+            <a:r>
+              <a:rPr lang="ru-RU" sz="1600"/>
+              <a:t> можно создать объект нудного класса.</a:t>
+            </a:r>
+          </a:p>
+        </p:txBody>
+      </p:sp>
+      <p:sp>
+        <p:nvSpPr>
+          <p:cNvPr id="22538" name="Rectangle 10"/>
+          <p:cNvSpPr>
+            <a:spLocks noChangeArrowheads="1"/>
+          </p:cNvSpPr>
+          <p:nvPr/>
+        </p:nvSpPr>
+        <p:spPr bwMode="auto">
+          <a:xfrm>
+            <a:off x="152400" y="990600"/>
+            <a:ext cx="8839200" cy="3478213"/>
+          </a:xfrm>
+          <a:prstGeom prst="rect">
+            <a:avLst/>
+          </a:prstGeom>
+          <a:noFill/>
+          <a:ln w="9525">
+            <a:solidFill>
+              <a:schemeClr val="bg1">
+                <a:lumMod val="65000"/>
+              </a:schemeClr>
+            </a:solidFill>
+            <a:miter lim="800000"/>
+            <a:headEnd/>
+            <a:tailEnd/>
+          </a:ln>
+          <a:effectLst/>
+        </p:spPr>
+        <p:txBody>
+          <a:bodyPr anchor="ctr">
+            <a:spAutoFit/>
+          </a:bodyPr>
+          <a:lstStyle/>
+          <a:p>
+            <a:pPr eaLnBrk="0" hangingPunct="0"/>
+            <a:r>
+              <a:rPr lang="be-BY" sz="1000" dirty="0">
+                <a:solidFill>
+                  <a:schemeClr val="bg1"/>
+                </a:solidFill>
+                <a:latin typeface="Courier New" pitchFamily="49" charset="0"/>
+                <a:ea typeface="Calibri" pitchFamily="34" charset="0"/>
+                <a:cs typeface="Courier New" pitchFamily="49" charset="0"/>
+              </a:rPr>
+              <a:t>    class Program</a:t>
+            </a:r>
+            <a:endParaRPr lang="be-BY" sz="900" dirty="0">
+              <a:solidFill>
+                <a:schemeClr val="bg1"/>
+              </a:solidFill>
+              <a:ea typeface="Calibri" pitchFamily="34" charset="0"/>
+              <a:cs typeface="Courier New" pitchFamily="49" charset="0"/>
+            </a:endParaRPr>
+          </a:p>
+          <a:p>
+            <a:pPr eaLnBrk="0" hangingPunct="0"/>
+            <a:r>
+              <a:rPr lang="be-BY" sz="1000" dirty="0">
+                <a:solidFill>
+                  <a:schemeClr val="bg1"/>
+                </a:solidFill>
+                <a:latin typeface="Courier New" pitchFamily="49" charset="0"/>
+                <a:ea typeface="Calibri" pitchFamily="34" charset="0"/>
+                <a:cs typeface="Courier New" pitchFamily="49" charset="0"/>
+              </a:rPr>
+              <a:t>    {</a:t>
+            </a:r>
+            <a:endParaRPr lang="be-BY" sz="900" dirty="0">
+              <a:solidFill>
+                <a:schemeClr val="bg1"/>
+              </a:solidFill>
+              <a:ea typeface="Calibri" pitchFamily="34" charset="0"/>
+              <a:cs typeface="Courier New" pitchFamily="49" charset="0"/>
+            </a:endParaRPr>
+          </a:p>
+          <a:p>
+            <a:pPr eaLnBrk="0" hangingPunct="0"/>
+            <a:r>
+              <a:rPr lang="be-BY" sz="1000" dirty="0">
+                <a:solidFill>
+                  <a:schemeClr val="bg1"/>
+                </a:solidFill>
+                <a:latin typeface="Courier New" pitchFamily="49" charset="0"/>
+                <a:ea typeface="Calibri" pitchFamily="34" charset="0"/>
+                <a:cs typeface="Courier New" pitchFamily="49" charset="0"/>
+              </a:rPr>
+              <a:t>        static void Main(string[] args)</a:t>
+            </a:r>
+            <a:endParaRPr lang="be-BY" sz="900" dirty="0">
+              <a:solidFill>
+                <a:schemeClr val="bg1"/>
+              </a:solidFill>
+              <a:ea typeface="Calibri" pitchFamily="34" charset="0"/>
+              <a:cs typeface="Courier New" pitchFamily="49" charset="0"/>
+            </a:endParaRPr>
+          </a:p>
+          <a:p>
+            <a:pPr eaLnBrk="0" hangingPunct="0"/>
+            <a:r>
+              <a:rPr lang="be-BY" sz="1000" dirty="0">
+                <a:solidFill>
+                  <a:schemeClr val="bg1"/>
+                </a:solidFill>
+                <a:latin typeface="Courier New" pitchFamily="49" charset="0"/>
+                <a:ea typeface="Calibri" pitchFamily="34" charset="0"/>
+                <a:cs typeface="Courier New" pitchFamily="49" charset="0"/>
+              </a:rPr>
+              <a:t>        {</a:t>
+            </a:r>
+            <a:endParaRPr lang="be-BY" sz="900" dirty="0">
+              <a:solidFill>
+                <a:schemeClr val="bg1"/>
+              </a:solidFill>
+              <a:ea typeface="Calibri" pitchFamily="34" charset="0"/>
+              <a:cs typeface="Courier New" pitchFamily="49" charset="0"/>
+            </a:endParaRPr>
+          </a:p>
+          <a:p>
+            <a:pPr eaLnBrk="0" hangingPunct="0"/>
+            <a:r>
+              <a:rPr lang="be-BY" sz="1000" dirty="0">
+                <a:solidFill>
+                  <a:schemeClr val="bg1"/>
+                </a:solidFill>
+                <a:latin typeface="Courier New" pitchFamily="49" charset="0"/>
+                <a:ea typeface="Calibri" pitchFamily="34" charset="0"/>
+                <a:cs typeface="Courier New" pitchFamily="49" charset="0"/>
+              </a:rPr>
+              <a:t>            AssemblyName name = new AssemblyName("Complex");</a:t>
+            </a:r>
+            <a:endParaRPr lang="be-BY" sz="900" dirty="0">
+              <a:solidFill>
+                <a:schemeClr val="bg1"/>
+              </a:solidFill>
+              <a:ea typeface="Calibri" pitchFamily="34" charset="0"/>
+              <a:cs typeface="Courier New" pitchFamily="49" charset="0"/>
+            </a:endParaRPr>
+          </a:p>
+          <a:p>
+            <a:pPr eaLnBrk="0" hangingPunct="0"/>
+            <a:r>
+              <a:rPr lang="be-BY" sz="1000" dirty="0">
+                <a:solidFill>
+                  <a:schemeClr val="bg1"/>
+                </a:solidFill>
+                <a:latin typeface="Courier New" pitchFamily="49" charset="0"/>
+                <a:ea typeface="Calibri" pitchFamily="34" charset="0"/>
+                <a:cs typeface="Courier New" pitchFamily="49" charset="0"/>
+              </a:rPr>
+              <a:t>            name.Version = new Version(1, 0, 0, 0);</a:t>
+            </a:r>
+            <a:endParaRPr lang="be-BY" sz="900" dirty="0">
+              <a:solidFill>
+                <a:schemeClr val="bg1"/>
+              </a:solidFill>
+              <a:ea typeface="Calibri" pitchFamily="34" charset="0"/>
+              <a:cs typeface="Courier New" pitchFamily="49" charset="0"/>
+            </a:endParaRPr>
+          </a:p>
+          <a:p>
+            <a:pPr eaLnBrk="0" hangingPunct="0"/>
+            <a:r>
+              <a:rPr lang="be-BY" sz="1000" dirty="0">
+                <a:solidFill>
+                  <a:schemeClr val="bg1"/>
+                </a:solidFill>
+                <a:latin typeface="Courier New" pitchFamily="49" charset="0"/>
+                <a:ea typeface="Calibri" pitchFamily="34" charset="0"/>
+                <a:cs typeface="Courier New" pitchFamily="49" charset="0"/>
+              </a:rPr>
+              <a:t>            Assembly asm;</a:t>
+            </a:r>
+            <a:endParaRPr lang="be-BY" sz="900" dirty="0">
+              <a:solidFill>
+                <a:schemeClr val="bg1"/>
+              </a:solidFill>
+              <a:ea typeface="Calibri" pitchFamily="34" charset="0"/>
+              <a:cs typeface="Courier New" pitchFamily="49" charset="0"/>
+            </a:endParaRPr>
+          </a:p>
+          <a:p>
+            <a:pPr eaLnBrk="0" hangingPunct="0"/>
+            <a:r>
+              <a:rPr lang="be-BY" sz="1000" dirty="0">
+                <a:solidFill>
+                  <a:schemeClr val="bg1"/>
+                </a:solidFill>
+                <a:latin typeface="Courier New" pitchFamily="49" charset="0"/>
+                <a:ea typeface="Calibri" pitchFamily="34" charset="0"/>
+                <a:cs typeface="Courier New" pitchFamily="49" charset="0"/>
+              </a:rPr>
+              <a:t>            try</a:t>
+            </a:r>
+            <a:endParaRPr lang="be-BY" sz="900" dirty="0">
+              <a:solidFill>
+                <a:schemeClr val="bg1"/>
+              </a:solidFill>
+              <a:ea typeface="Calibri" pitchFamily="34" charset="0"/>
+              <a:cs typeface="Courier New" pitchFamily="49" charset="0"/>
+            </a:endParaRPr>
+          </a:p>
+          <a:p>
+            <a:pPr eaLnBrk="0" hangingPunct="0"/>
+            <a:r>
+              <a:rPr lang="be-BY" sz="1000" dirty="0">
+                <a:solidFill>
+                  <a:schemeClr val="bg1"/>
+                </a:solidFill>
+                <a:latin typeface="Courier New" pitchFamily="49" charset="0"/>
+                <a:ea typeface="Calibri" pitchFamily="34" charset="0"/>
+                <a:cs typeface="Courier New" pitchFamily="49" charset="0"/>
+              </a:rPr>
+              <a:t>            {</a:t>
+            </a:r>
+            <a:endParaRPr lang="be-BY" sz="900" dirty="0">
+              <a:solidFill>
+                <a:schemeClr val="bg1"/>
+              </a:solidFill>
+              <a:ea typeface="Calibri" pitchFamily="34" charset="0"/>
+              <a:cs typeface="Courier New" pitchFamily="49" charset="0"/>
+            </a:endParaRPr>
+          </a:p>
+          <a:p>
+            <a:pPr eaLnBrk="0" hangingPunct="0"/>
+            <a:r>
+              <a:rPr lang="be-BY" sz="1000" dirty="0">
+                <a:solidFill>
+                  <a:schemeClr val="bg1"/>
+                </a:solidFill>
+                <a:latin typeface="Courier New" pitchFamily="49" charset="0"/>
+                <a:ea typeface="Calibri" pitchFamily="34" charset="0"/>
+                <a:cs typeface="Courier New" pitchFamily="49" charset="0"/>
+              </a:rPr>
+              <a:t>                asm = Assembly.Load(name);</a:t>
+            </a:r>
+            <a:endParaRPr lang="be-BY" sz="900" dirty="0">
+              <a:solidFill>
+                <a:schemeClr val="bg1"/>
+              </a:solidFill>
+              <a:ea typeface="Calibri" pitchFamily="34" charset="0"/>
+              <a:cs typeface="Courier New" pitchFamily="49" charset="0"/>
+            </a:endParaRPr>
+          </a:p>
+          <a:p>
+            <a:pPr eaLnBrk="0" hangingPunct="0"/>
+            <a:r>
+              <a:rPr lang="be-BY" sz="1000" dirty="0">
+                <a:solidFill>
+                  <a:schemeClr val="bg1"/>
+                </a:solidFill>
+                <a:latin typeface="Courier New" pitchFamily="49" charset="0"/>
+                <a:ea typeface="Calibri" pitchFamily="34" charset="0"/>
+                <a:cs typeface="Courier New" pitchFamily="49" charset="0"/>
+              </a:rPr>
+              <a:t>            }</a:t>
+            </a:r>
+            <a:endParaRPr lang="be-BY" sz="900" dirty="0">
+              <a:solidFill>
+                <a:schemeClr val="bg1"/>
+              </a:solidFill>
+              <a:ea typeface="Calibri" pitchFamily="34" charset="0"/>
+              <a:cs typeface="Courier New" pitchFamily="49" charset="0"/>
+            </a:endParaRPr>
+          </a:p>
+          <a:p>
+            <a:pPr eaLnBrk="0" hangingPunct="0"/>
+            <a:r>
+              <a:rPr lang="be-BY" sz="1000" dirty="0">
+                <a:solidFill>
+                  <a:schemeClr val="bg1"/>
+                </a:solidFill>
+                <a:latin typeface="Courier New" pitchFamily="49" charset="0"/>
+                <a:ea typeface="Calibri" pitchFamily="34" charset="0"/>
+                <a:cs typeface="Courier New" pitchFamily="49" charset="0"/>
+              </a:rPr>
+              <a:t>            catch (FileNotFoundException e)</a:t>
+            </a:r>
+            <a:endParaRPr lang="be-BY" sz="900" dirty="0">
+              <a:solidFill>
+                <a:schemeClr val="bg1"/>
+              </a:solidFill>
+              <a:ea typeface="Calibri" pitchFamily="34" charset="0"/>
+              <a:cs typeface="Courier New" pitchFamily="49" charset="0"/>
+            </a:endParaRPr>
+          </a:p>
+          <a:p>
+            <a:pPr eaLnBrk="0" hangingPunct="0"/>
+            <a:r>
+              <a:rPr lang="be-BY" sz="1000" dirty="0">
+                <a:solidFill>
+                  <a:schemeClr val="bg1"/>
+                </a:solidFill>
+                <a:latin typeface="Courier New" pitchFamily="49" charset="0"/>
+                <a:ea typeface="Calibri" pitchFamily="34" charset="0"/>
+                <a:cs typeface="Courier New" pitchFamily="49" charset="0"/>
+              </a:rPr>
+              <a:t>            {</a:t>
+            </a:r>
+            <a:endParaRPr lang="be-BY" sz="900" dirty="0">
+              <a:solidFill>
+                <a:schemeClr val="bg1"/>
+              </a:solidFill>
+              <a:ea typeface="Calibri" pitchFamily="34" charset="0"/>
+              <a:cs typeface="Courier New" pitchFamily="49" charset="0"/>
+            </a:endParaRPr>
+          </a:p>
+          <a:p>
+            <a:pPr eaLnBrk="0" hangingPunct="0"/>
+            <a:r>
+              <a:rPr lang="be-BY" sz="1000" dirty="0">
+                <a:solidFill>
+                  <a:schemeClr val="bg1"/>
+                </a:solidFill>
+                <a:latin typeface="Courier New" pitchFamily="49" charset="0"/>
+                <a:ea typeface="Calibri" pitchFamily="34" charset="0"/>
+                <a:cs typeface="Courier New" pitchFamily="49" charset="0"/>
+              </a:rPr>
+              <a:t>                Console.WriteLine(e.Message);</a:t>
+            </a:r>
+            <a:endParaRPr lang="be-BY" sz="900" dirty="0">
+              <a:solidFill>
+                <a:schemeClr val="bg1"/>
+              </a:solidFill>
+              <a:ea typeface="Calibri" pitchFamily="34" charset="0"/>
+              <a:cs typeface="Courier New" pitchFamily="49" charset="0"/>
+            </a:endParaRPr>
+          </a:p>
+          <a:p>
+            <a:pPr eaLnBrk="0" hangingPunct="0"/>
+            <a:r>
+              <a:rPr lang="be-BY" sz="1000" dirty="0">
+                <a:solidFill>
+                  <a:schemeClr val="bg1"/>
+                </a:solidFill>
+                <a:latin typeface="Courier New" pitchFamily="49" charset="0"/>
+                <a:ea typeface="Calibri" pitchFamily="34" charset="0"/>
+                <a:cs typeface="Courier New" pitchFamily="49" charset="0"/>
+              </a:rPr>
+              <a:t>                return;</a:t>
+            </a:r>
+            <a:endParaRPr lang="be-BY" sz="900" dirty="0">
+              <a:solidFill>
+                <a:schemeClr val="bg1"/>
+              </a:solidFill>
+              <a:ea typeface="Calibri" pitchFamily="34" charset="0"/>
+              <a:cs typeface="Courier New" pitchFamily="49" charset="0"/>
+            </a:endParaRPr>
+          </a:p>
+          <a:p>
+            <a:pPr eaLnBrk="0" hangingPunct="0"/>
+            <a:r>
+              <a:rPr lang="be-BY" sz="1000" dirty="0">
+                <a:solidFill>
+                  <a:schemeClr val="bg1"/>
+                </a:solidFill>
+                <a:latin typeface="Courier New" pitchFamily="49" charset="0"/>
+                <a:ea typeface="Calibri" pitchFamily="34" charset="0"/>
+                <a:cs typeface="Courier New" pitchFamily="49" charset="0"/>
+              </a:rPr>
+              <a:t>            }</a:t>
+            </a:r>
+            <a:endParaRPr lang="be-BY" sz="900" dirty="0">
+              <a:solidFill>
+                <a:schemeClr val="bg1"/>
+              </a:solidFill>
+              <a:ea typeface="Calibri" pitchFamily="34" charset="0"/>
+              <a:cs typeface="Courier New" pitchFamily="49" charset="0"/>
+            </a:endParaRPr>
+          </a:p>
+          <a:p>
+            <a:pPr eaLnBrk="0" hangingPunct="0"/>
+            <a:r>
+              <a:rPr lang="be-BY" sz="1000" dirty="0">
+                <a:solidFill>
+                  <a:schemeClr val="bg1"/>
+                </a:solidFill>
+                <a:latin typeface="Courier New" pitchFamily="49" charset="0"/>
+                <a:ea typeface="Calibri" pitchFamily="34" charset="0"/>
+                <a:cs typeface="Courier New" pitchFamily="49" charset="0"/>
+              </a:rPr>
+              <a:t>            Type complex = asm.GetType("ComplexNumbers.Complex");</a:t>
+            </a:r>
+            <a:endParaRPr lang="be-BY" sz="900" dirty="0">
+              <a:solidFill>
+                <a:schemeClr val="bg1"/>
+              </a:solidFill>
+              <a:ea typeface="Calibri" pitchFamily="34" charset="0"/>
+              <a:cs typeface="Courier New" pitchFamily="49" charset="0"/>
+            </a:endParaRPr>
+          </a:p>
+          <a:p>
+            <a:pPr eaLnBrk="0" hangingPunct="0"/>
+            <a:r>
+              <a:rPr lang="be-BY" sz="1000" dirty="0">
+                <a:solidFill>
+                  <a:schemeClr val="bg1"/>
+                </a:solidFill>
+                <a:latin typeface="Courier New" pitchFamily="49" charset="0"/>
+                <a:ea typeface="Calibri" pitchFamily="34" charset="0"/>
+                <a:cs typeface="Courier New" pitchFamily="49" charset="0"/>
+              </a:rPr>
+              <a:t>            object obj = Activator.CreateInstance(complex, 10, 35);</a:t>
+            </a:r>
+            <a:endParaRPr lang="be-BY" sz="900" dirty="0">
+              <a:solidFill>
+                <a:schemeClr val="bg1"/>
+              </a:solidFill>
+              <a:ea typeface="Calibri" pitchFamily="34" charset="0"/>
+              <a:cs typeface="Courier New" pitchFamily="49" charset="0"/>
+            </a:endParaRPr>
+          </a:p>
+          <a:p>
+            <a:pPr eaLnBrk="0" hangingPunct="0"/>
+            <a:r>
+              <a:rPr lang="be-BY" sz="1000" dirty="0">
+                <a:solidFill>
+                  <a:schemeClr val="bg1"/>
+                </a:solidFill>
+                <a:latin typeface="Courier New" pitchFamily="49" charset="0"/>
+                <a:ea typeface="Calibri" pitchFamily="34" charset="0"/>
+                <a:cs typeface="Courier New" pitchFamily="49" charset="0"/>
+              </a:rPr>
+              <a:t>            MethodInfo mi = complex.GetMethod("Abs");   //Получаем информацию о методе Abs </a:t>
+            </a:r>
+            <a:endParaRPr lang="be-BY" sz="900" dirty="0">
+              <a:solidFill>
+                <a:schemeClr val="bg1"/>
+              </a:solidFill>
+              <a:ea typeface="Calibri" pitchFamily="34" charset="0"/>
+              <a:cs typeface="Courier New" pitchFamily="49" charset="0"/>
+            </a:endParaRPr>
+          </a:p>
+          <a:p>
+            <a:pPr eaLnBrk="0" hangingPunct="0"/>
+            <a:r>
+              <a:rPr lang="be-BY" sz="1000" dirty="0">
+                <a:solidFill>
+                  <a:schemeClr val="bg1"/>
+                </a:solidFill>
+                <a:latin typeface="Courier New" pitchFamily="49" charset="0"/>
+                <a:ea typeface="Calibri" pitchFamily="34" charset="0"/>
+                <a:cs typeface="Courier New" pitchFamily="49" charset="0"/>
+              </a:rPr>
+              <a:t>            Console.WriteLine(mi.Invoke(obj, null));    //Вызываем метод</a:t>
+            </a:r>
+            <a:endParaRPr lang="be-BY" sz="900" dirty="0">
+              <a:solidFill>
+                <a:schemeClr val="bg1"/>
+              </a:solidFill>
+              <a:ea typeface="Calibri" pitchFamily="34" charset="0"/>
+              <a:cs typeface="Courier New" pitchFamily="49" charset="0"/>
+            </a:endParaRPr>
+          </a:p>
+          <a:p>
+            <a:pPr eaLnBrk="0" hangingPunct="0"/>
+            <a:r>
+              <a:rPr lang="be-BY" sz="1000" dirty="0">
+                <a:solidFill>
+                  <a:schemeClr val="bg1"/>
+                </a:solidFill>
+                <a:latin typeface="Courier New" pitchFamily="49" charset="0"/>
+                <a:ea typeface="Calibri" pitchFamily="34" charset="0"/>
+                <a:cs typeface="Courier New" pitchFamily="49" charset="0"/>
+              </a:rPr>
+              <a:t>        }</a:t>
+            </a:r>
+            <a:endParaRPr lang="be-BY" sz="900" dirty="0">
+              <a:solidFill>
+                <a:schemeClr val="bg1"/>
+              </a:solidFill>
+              <a:ea typeface="Calibri" pitchFamily="34" charset="0"/>
+              <a:cs typeface="Courier New" pitchFamily="49" charset="0"/>
+            </a:endParaRPr>
+          </a:p>
+          <a:p>
+            <a:pPr eaLnBrk="0" hangingPunct="0"/>
+            <a:r>
+              <a:rPr lang="be-BY" sz="1000" dirty="0">
+                <a:solidFill>
+                  <a:schemeClr val="bg1"/>
+                </a:solidFill>
+                <a:latin typeface="Courier New" pitchFamily="49" charset="0"/>
+                <a:ea typeface="Calibri" pitchFamily="34" charset="0"/>
+                <a:cs typeface="Courier New" pitchFamily="49" charset="0"/>
+              </a:rPr>
+              <a:t>    }</a:t>
+            </a:r>
+            <a:endParaRPr lang="be-BY" dirty="0">
+              <a:solidFill>
+                <a:schemeClr val="bg1"/>
+              </a:solidFill>
+              <a:ea typeface="Calibri" pitchFamily="34" charset="0"/>
+              <a:cs typeface="Courier New" pitchFamily="49" charset="0"/>
+            </a:endParaRPr>
+          </a:p>
+        </p:txBody>
+      </p:sp>
+    </p:spTree>
+    <p:extLst>
+      <p:ext uri="{BB962C8B-B14F-4D97-AF65-F5344CB8AC3E}">
+        <p14:creationId xmlns:p14="http://schemas.microsoft.com/office/powerpoint/2010/main" val="2652139991"/>
+      </p:ext>
+    </p:extLst>
+  </p:cSld>
+  <p:clrMapOvr>
+    <a:masterClrMapping/>
+  </p:clrMapOvr>
+  <p:timing>
+    <p:tnLst>
+      <p:par>
+        <p:cTn id="1" dur="indefinite" restart="never" nodeType="tmRoot"/>
+      </p:par>
+    </p:tnLst>
+  </p:timing>
+</p:sld>
+</file>
+
+<file path=ppt/slides/slide25.xml><?xml version="1.0" encoding="utf-8"?>
 <p:sld xmlns:a="http://schemas.openxmlformats.org/drawingml/2006/main" xmlns:r="http://schemas.openxmlformats.org/officeDocument/2006/relationships" xmlns:p="http://schemas.openxmlformats.org/presentationml/2006/main">
   <p:cSld>
     <p:spTree>
@@ -14239,8 +14173,24 @@
             </a:r>
             <a:r>
               <a:rPr lang="ru-RU" dirty="0"/>
-              <a:t> ...</a:t>
-            </a:r>
+              <a:t> </a:t>
+            </a:r>
+            <a:r>
+              <a:rPr lang="ru-RU" dirty="0" smtClean="0"/>
+              <a:t>...</a:t>
+            </a:r>
+            <a:endParaRPr lang="en-US" dirty="0" smtClean="0"/>
+          </a:p>
+          <a:p>
+            <a:r>
+              <a:rPr lang="ru-RU" dirty="0" smtClean="0"/>
+              <a:t>С помощью </a:t>
+            </a:r>
+            <a:r>
+              <a:rPr lang="en-US" dirty="0" err="1" smtClean="0"/>
+              <a:t>NuGet</a:t>
+            </a:r>
+            <a:endParaRPr lang="ru-RU" dirty="0"/>
           </a:p>
         </p:txBody>
       </p:sp>

--- a/Presentation/lesson-07.pptx
+++ b/Presentation/lesson-07.pptx
@@ -216,7 +216,7 @@
           <a:p>
             <a:fld id="{B24A7054-7FFB-49F4-A126-5DF6E687FF53}" type="datetimeFigureOut">
               <a:rPr lang="ru-RU" smtClean="0"/>
-              <a:t>02.11.2012</a:t>
+              <a:t>06.11.2012</a:t>
             </a:fld>
             <a:endParaRPr lang="ru-RU"/>
           </a:p>
@@ -1498,7 +1498,7 @@
           <a:p>
             <a:fld id="{8E6E6A2A-E9D3-4A0D-B04A-ABDD367A1E08}" type="datetimeFigureOut">
               <a:rPr lang="ru-RU" smtClean="0"/>
-              <a:t>02.11.2012</a:t>
+              <a:t>06.11.2012</a:t>
             </a:fld>
             <a:endParaRPr lang="ru-RU"/>
           </a:p>
@@ -2943,7 +2943,7 @@
           <a:p>
             <a:fld id="{AC3D3127-B7C4-45E3-9797-C527EC9FDD78}" type="datetimeFigureOut">
               <a:rPr lang="ru-RU" smtClean="0"/>
-              <a:t>02.11.2012</a:t>
+              <a:t>06.11.2012</a:t>
             </a:fld>
             <a:endParaRPr lang="ru-RU"/>
           </a:p>
@@ -3498,40 +3498,6 @@
                 <a:schemeClr val="bg1"/>
               </a:solidFill>
             </a:endParaRPr>
-          </a:p>
-        </p:txBody>
-      </p:sp>
-      <p:sp>
-        <p:nvSpPr>
-          <p:cNvPr id="8" name="TextBox 7"/>
-          <p:cNvSpPr txBox="1"/>
-          <p:nvPr/>
-        </p:nvSpPr>
-        <p:spPr>
-          <a:xfrm>
-            <a:off x="3120449" y="5589240"/>
-            <a:ext cx="2903102" cy="369332"/>
-          </a:xfrm>
-          <a:prstGeom prst="rect">
-            <a:avLst/>
-          </a:prstGeom>
-          <a:noFill/>
-        </p:spPr>
-        <p:txBody>
-          <a:bodyPr wrap="none" rtlCol="0">
-            <a:spAutoFit/>
-          </a:bodyPr>
-          <a:lstStyle/>
-          <a:p>
-            <a:r>
-              <a:rPr lang="en-US" dirty="0">
-                <a:solidFill>
-                  <a:schemeClr val="bg1"/>
-                </a:solidFill>
-              </a:rPr>
-              <a:t>http://vk.com/club33848893</a:t>
-            </a:r>
-            <a:endParaRPr lang="en-US" dirty="0"/>
           </a:p>
         </p:txBody>
       </p:sp>

--- a/Presentation/lesson-07.pptx
+++ b/Presentation/lesson-07.pptx
@@ -5,7 +5,7 @@
     <p:sldMasterId id="2147483648" r:id="rId1"/>
   </p:sldMasterIdLst>
   <p:notesMasterIdLst>
-    <p:notesMasterId r:id="rId27"/>
+    <p:notesMasterId r:id="rId28"/>
   </p:notesMasterIdLst>
   <p:sldIdLst>
     <p:sldId id="257" r:id="rId2"/>
@@ -19,20 +19,21 @@
     <p:sldId id="280" r:id="rId10"/>
     <p:sldId id="278" r:id="rId11"/>
     <p:sldId id="279" r:id="rId12"/>
-    <p:sldId id="281" r:id="rId13"/>
-    <p:sldId id="282" r:id="rId14"/>
-    <p:sldId id="285" r:id="rId15"/>
-    <p:sldId id="286" r:id="rId16"/>
-    <p:sldId id="287" r:id="rId17"/>
-    <p:sldId id="288" r:id="rId18"/>
-    <p:sldId id="289" r:id="rId19"/>
-    <p:sldId id="284" r:id="rId20"/>
-    <p:sldId id="261" r:id="rId21"/>
-    <p:sldId id="262" r:id="rId22"/>
-    <p:sldId id="263" r:id="rId23"/>
-    <p:sldId id="264" r:id="rId24"/>
-    <p:sldId id="265" r:id="rId25"/>
-    <p:sldId id="271" r:id="rId26"/>
+    <p:sldId id="290" r:id="rId13"/>
+    <p:sldId id="281" r:id="rId14"/>
+    <p:sldId id="282" r:id="rId15"/>
+    <p:sldId id="285" r:id="rId16"/>
+    <p:sldId id="286" r:id="rId17"/>
+    <p:sldId id="287" r:id="rId18"/>
+    <p:sldId id="288" r:id="rId19"/>
+    <p:sldId id="289" r:id="rId20"/>
+    <p:sldId id="284" r:id="rId21"/>
+    <p:sldId id="261" r:id="rId22"/>
+    <p:sldId id="262" r:id="rId23"/>
+    <p:sldId id="263" r:id="rId24"/>
+    <p:sldId id="264" r:id="rId25"/>
+    <p:sldId id="265" r:id="rId26"/>
+    <p:sldId id="271" r:id="rId27"/>
   </p:sldIdLst>
   <p:sldSz cx="9144000" cy="6858000" type="screen4x3"/>
   <p:notesSz cx="6858000" cy="9144000"/>
@@ -216,7 +217,7 @@
           <a:p>
             <a:fld id="{B24A7054-7FFB-49F4-A126-5DF6E687FF53}" type="datetimeFigureOut">
               <a:rPr lang="ru-RU" smtClean="0"/>
-              <a:t>06.11.2012</a:t>
+              <a:t>10.02.2013</a:t>
             </a:fld>
             <a:endParaRPr lang="ru-RU"/>
           </a:p>
@@ -1498,7 +1499,7 @@
           <a:p>
             <a:fld id="{8E6E6A2A-E9D3-4A0D-B04A-ABDD367A1E08}" type="datetimeFigureOut">
               <a:rPr lang="ru-RU" smtClean="0"/>
-              <a:t>06.11.2012</a:t>
+              <a:t>10.02.2013</a:t>
             </a:fld>
             <a:endParaRPr lang="ru-RU"/>
           </a:p>
@@ -2943,7 +2944,7 @@
           <a:p>
             <a:fld id="{AC3D3127-B7C4-45E3-9797-C527EC9FDD78}" type="datetimeFigureOut">
               <a:rPr lang="ru-RU" smtClean="0"/>
-              <a:t>06.11.2012</a:t>
+              <a:t>10.02.2013</a:t>
             </a:fld>
             <a:endParaRPr lang="ru-RU"/>
           </a:p>
@@ -4279,16 +4280,8 @@
           <a:lstStyle/>
           <a:p>
             <a:r>
-              <a:rPr lang="ru-RU" dirty="0" smtClean="0"/>
-              <a:t>Строгое имя сборки (</a:t>
-            </a:r>
-            <a:r>
-              <a:rPr lang="en-US" dirty="0" smtClean="0"/>
-              <a:t>strong name</a:t>
-            </a:r>
-            <a:r>
-              <a:rPr lang="ru-RU" dirty="0" smtClean="0"/>
-              <a:t>)</a:t>
+              <a:rPr lang="en-US" dirty="0"/>
+              <a:t>Fuslogvw.exe (Assembly Binding Log Viewer)</a:t>
             </a:r>
             <a:endParaRPr lang="ru-RU" dirty="0"/>
           </a:p>
@@ -4307,117 +4300,99 @@
         <p:spPr/>
         <p:txBody>
           <a:bodyPr>
-            <a:normAutofit lnSpcReduction="10000"/>
+            <a:normAutofit fontScale="92500" lnSpcReduction="20000"/>
           </a:bodyPr>
           <a:lstStyle/>
           <a:p>
+            <a:pPr marL="0" indent="0">
+              <a:buNone/>
+            </a:pPr>
             <a:r>
               <a:rPr lang="ru-RU" dirty="0" smtClean="0"/>
-              <a:t>Имя</a:t>
-            </a:r>
-          </a:p>
-          <a:p>
+              <a:t>Диагностика проблем с загрузкой сборок. </a:t>
+            </a:r>
+            <a:r>
+              <a:rPr lang="ru-RU" smtClean="0"/>
+              <a:t>Является частью </a:t>
+            </a:r>
+            <a:r>
+              <a:rPr lang="en-US" dirty="0" smtClean="0"/>
+              <a:t>Windows SDK</a:t>
+            </a:r>
             <a:r>
               <a:rPr lang="ru-RU" dirty="0" smtClean="0"/>
-              <a:t>Номер версии</a:t>
-            </a:r>
-          </a:p>
-          <a:p>
+              <a:t>.</a:t>
+            </a:r>
+          </a:p>
+          <a:p>
+            <a:pPr marL="0" indent="0">
+              <a:buNone/>
+            </a:pPr>
+            <a:endParaRPr lang="ru-RU" dirty="0" smtClean="0"/>
+          </a:p>
+          <a:p>
+            <a:r>
+              <a:rPr lang="en-US" dirty="0" smtClean="0"/>
+              <a:t>HKLM\Software\Microsoft\Fusion</a:t>
+            </a:r>
+            <a:endParaRPr lang="ru-RU" dirty="0" smtClean="0"/>
+          </a:p>
+          <a:p>
+            <a:pPr lvl="1"/>
+            <a:r>
+              <a:rPr lang="en-US" dirty="0" err="1"/>
+              <a:t>ForceLog</a:t>
+            </a:r>
+            <a:r>
+              <a:rPr lang="en-US" dirty="0"/>
+              <a:t> </a:t>
+            </a:r>
             <a:r>
               <a:rPr lang="ru-RU" dirty="0" smtClean="0"/>
-              <a:t>Культура</a:t>
-            </a:r>
-          </a:p>
-          <a:p>
+              <a:t>= 1</a:t>
+            </a:r>
+          </a:p>
+          <a:p>
+            <a:pPr lvl="1"/>
             <a:r>
               <a:rPr lang="en-US" dirty="0" err="1" smtClean="0"/>
-              <a:t>PublicKeyToken</a:t>
-            </a:r>
-            <a:endParaRPr lang="en-US" dirty="0" smtClean="0"/>
-          </a:p>
-          <a:p>
-            <a:endParaRPr lang="en-US" dirty="0"/>
-          </a:p>
-          <a:p>
-            <a:r>
-              <a:rPr lang="en-US" sz="2400" dirty="0" err="1"/>
-              <a:t>MyTypes</a:t>
-            </a:r>
-            <a:r>
-              <a:rPr lang="en-US" sz="2400" dirty="0"/>
-              <a:t>, </a:t>
-            </a:r>
-            <a:r>
-              <a:rPr lang="en-US" sz="2400" dirty="0" smtClean="0"/>
-              <a:t>Version=1.0.8123.</a:t>
-            </a:r>
-            <a:r>
-              <a:rPr lang="ru-RU" sz="2400" dirty="0" smtClean="0"/>
-              <a:t>О,</a:t>
-            </a:r>
-            <a:r>
-              <a:rPr lang="en-US" sz="2400" dirty="0" smtClean="0"/>
-              <a:t/>
-            </a:r>
-            <a:br>
-              <a:rPr lang="en-US" sz="2400" dirty="0" smtClean="0"/>
-            </a:br>
-            <a:r>
-              <a:rPr lang="en-US" sz="2400" dirty="0" smtClean="0"/>
-              <a:t>Culture=neutral</a:t>
-            </a:r>
-            <a:r>
-              <a:rPr lang="en-US" sz="2400" dirty="0"/>
-              <a:t>, </a:t>
-            </a:r>
-            <a:r>
-              <a:rPr lang="en-US" sz="2400" dirty="0" err="1" smtClean="0"/>
-              <a:t>PublicKeyToken</a:t>
-            </a:r>
-            <a:r>
-              <a:rPr lang="en-US" sz="2400" dirty="0" smtClean="0"/>
-              <a:t>=b77a5c561934e089</a:t>
-            </a:r>
-          </a:p>
-          <a:p>
-            <a:r>
-              <a:rPr lang="en-US" sz="2400" dirty="0" err="1"/>
-              <a:t>MyTypes</a:t>
-            </a:r>
-            <a:r>
-              <a:rPr lang="en-US" sz="2400" dirty="0"/>
-              <a:t>, </a:t>
-            </a:r>
-            <a:r>
-              <a:rPr lang="en-US" sz="2400" dirty="0" smtClean="0"/>
-              <a:t>Version=1.0.8123.</a:t>
-            </a:r>
-            <a:r>
-              <a:rPr lang="ru-RU" sz="2400" dirty="0"/>
-              <a:t>О,</a:t>
-            </a:r>
-            <a:r>
-              <a:rPr lang="en-US" sz="2400" dirty="0"/>
-              <a:t/>
-            </a:r>
-            <a:br>
-              <a:rPr lang="en-US" sz="2400" dirty="0"/>
-            </a:br>
-            <a:r>
-              <a:rPr lang="en-US" sz="2400" dirty="0" smtClean="0"/>
-              <a:t>Culture=en-US, </a:t>
-            </a:r>
-            <a:r>
-              <a:rPr lang="en-US" sz="2400" dirty="0" err="1"/>
-              <a:t>PublicKeyToken</a:t>
-            </a:r>
-            <a:r>
-              <a:rPr lang="en-US" sz="2400" dirty="0"/>
-              <a:t>=b77a5c561934e089</a:t>
-            </a:r>
-            <a:endParaRPr lang="ru-RU" sz="2400" dirty="0" smtClean="0"/>
-          </a:p>
-          <a:p>
+              <a:t>LogPath</a:t>
+            </a:r>
+            <a:r>
+              <a:rPr lang="ru-RU" dirty="0" smtClean="0"/>
+              <a:t> – путь к существующей папке для протоколирования</a:t>
+            </a:r>
+          </a:p>
+          <a:p>
+            <a:pPr marL="0" indent="0">
+              <a:buNone/>
+            </a:pPr>
+            <a:endParaRPr lang="ru-RU" dirty="0" smtClean="0">
+              <a:hlinkClick r:id="rId2"/>
+            </a:endParaRPr>
+          </a:p>
+          <a:p>
+            <a:pPr marL="0" indent="0">
+              <a:buNone/>
+            </a:pPr>
+            <a:r>
+              <a:rPr lang="en-US" dirty="0" smtClean="0">
+                <a:hlinkClick r:id="rId2"/>
+              </a:rPr>
+              <a:t>http</a:t>
+            </a:r>
+            <a:r>
+              <a:rPr lang="en-US" dirty="0">
+                <a:hlinkClick r:id="rId2"/>
+              </a:rPr>
+              <a:t>://</a:t>
+            </a:r>
+            <a:r>
+              <a:rPr lang="en-US" dirty="0" smtClean="0">
+                <a:hlinkClick r:id="rId2"/>
+              </a:rPr>
+              <a:t>msdn.microsoft.com/en-us/library/e74a18c4%28v=vs.110%29.aspx</a:t>
+            </a:r>
             <a:endParaRPr lang="ru-RU" dirty="0"/>
           </a:p>
         </p:txBody>
@@ -4425,13 +4400,20 @@
     </p:spTree>
     <p:extLst>
       <p:ext uri="{BB962C8B-B14F-4D97-AF65-F5344CB8AC3E}">
-        <p14:creationId xmlns:p14="http://schemas.microsoft.com/office/powerpoint/2010/main" val="1579629595"/>
+        <p14:creationId xmlns:p14="http://schemas.microsoft.com/office/powerpoint/2010/main" val="3803663968"/>
       </p:ext>
     </p:extLst>
   </p:cSld>
   <p:clrMapOvr>
     <a:masterClrMapping/>
   </p:clrMapOvr>
+  <p:timing>
+    <p:tnLst>
+      <p:par>
+        <p:cTn id="1" dur="indefinite" restart="never" nodeType="tmRoot"/>
+      </p:par>
+    </p:tnLst>
+  </p:timing>
 </p:sld>
 </file>
 
@@ -4464,6 +4446,204 @@
         </p:nvSpPr>
         <p:spPr/>
         <p:txBody>
+          <a:bodyPr>
+            <a:normAutofit fontScale="90000"/>
+          </a:bodyPr>
+          <a:lstStyle/>
+          <a:p>
+            <a:r>
+              <a:rPr lang="ru-RU" dirty="0" smtClean="0"/>
+              <a:t>Строгое имя сборки (</a:t>
+            </a:r>
+            <a:r>
+              <a:rPr lang="en-US" dirty="0" smtClean="0"/>
+              <a:t>strong name</a:t>
+            </a:r>
+            <a:r>
+              <a:rPr lang="ru-RU" dirty="0" smtClean="0"/>
+              <a:t>)</a:t>
+            </a:r>
+            <a:endParaRPr lang="ru-RU" dirty="0"/>
+          </a:p>
+        </p:txBody>
+      </p:sp>
+      <p:sp>
+        <p:nvSpPr>
+          <p:cNvPr id="3" name="Content Placeholder 2"/>
+          <p:cNvSpPr>
+            <a:spLocks noGrp="1"/>
+          </p:cNvSpPr>
+          <p:nvPr>
+            <p:ph idx="1"/>
+          </p:nvPr>
+        </p:nvSpPr>
+        <p:spPr/>
+        <p:txBody>
+          <a:bodyPr>
+            <a:normAutofit lnSpcReduction="10000"/>
+          </a:bodyPr>
+          <a:lstStyle/>
+          <a:p>
+            <a:r>
+              <a:rPr lang="ru-RU" dirty="0" smtClean="0"/>
+              <a:t>Имя</a:t>
+            </a:r>
+          </a:p>
+          <a:p>
+            <a:r>
+              <a:rPr lang="ru-RU" dirty="0" smtClean="0"/>
+              <a:t>Номер версии</a:t>
+            </a:r>
+          </a:p>
+          <a:p>
+            <a:r>
+              <a:rPr lang="ru-RU" dirty="0" smtClean="0"/>
+              <a:t>Культура</a:t>
+            </a:r>
+          </a:p>
+          <a:p>
+            <a:r>
+              <a:rPr lang="en-US" dirty="0" err="1" smtClean="0"/>
+              <a:t>PublicKeyToken</a:t>
+            </a:r>
+            <a:endParaRPr lang="en-US" dirty="0" smtClean="0"/>
+          </a:p>
+          <a:p>
+            <a:endParaRPr lang="en-US" dirty="0"/>
+          </a:p>
+          <a:p>
+            <a:r>
+              <a:rPr lang="en-US" sz="2400" dirty="0" err="1"/>
+              <a:t>MyTypes</a:t>
+            </a:r>
+            <a:r>
+              <a:rPr lang="en-US" sz="2400" dirty="0"/>
+              <a:t>, </a:t>
+            </a:r>
+            <a:r>
+              <a:rPr lang="en-US" sz="2400" dirty="0" smtClean="0"/>
+              <a:t>Version=1.0.8123.</a:t>
+            </a:r>
+            <a:r>
+              <a:rPr lang="ru-RU" sz="2400" dirty="0" smtClean="0"/>
+              <a:t>О,</a:t>
+            </a:r>
+            <a:r>
+              <a:rPr lang="en-US" sz="2400" dirty="0" smtClean="0"/>
+              <a:t/>
+            </a:r>
+            <a:br>
+              <a:rPr lang="en-US" sz="2400" dirty="0" smtClean="0"/>
+            </a:br>
+            <a:r>
+              <a:rPr lang="en-US" sz="2400" dirty="0" smtClean="0"/>
+              <a:t>Culture=neutral</a:t>
+            </a:r>
+            <a:r>
+              <a:rPr lang="en-US" sz="2400" dirty="0"/>
+              <a:t>, </a:t>
+            </a:r>
+            <a:r>
+              <a:rPr lang="en-US" sz="2400" dirty="0" err="1" smtClean="0"/>
+              <a:t>PublicKeyToken</a:t>
+            </a:r>
+            <a:r>
+              <a:rPr lang="en-US" sz="2400" dirty="0" smtClean="0"/>
+              <a:t>=b77a5c561934e089</a:t>
+            </a:r>
+          </a:p>
+          <a:p>
+            <a:r>
+              <a:rPr lang="en-US" sz="2400" dirty="0" err="1"/>
+              <a:t>MyTypes</a:t>
+            </a:r>
+            <a:r>
+              <a:rPr lang="en-US" sz="2400" dirty="0"/>
+              <a:t>, </a:t>
+            </a:r>
+            <a:r>
+              <a:rPr lang="en-US" sz="2400" dirty="0" smtClean="0"/>
+              <a:t>Version=1.0.8123.</a:t>
+            </a:r>
+            <a:r>
+              <a:rPr lang="ru-RU" sz="2400" dirty="0"/>
+              <a:t>О,</a:t>
+            </a:r>
+            <a:r>
+              <a:rPr lang="en-US" sz="2400" dirty="0"/>
+              <a:t/>
+            </a:r>
+            <a:br>
+              <a:rPr lang="en-US" sz="2400" dirty="0"/>
+            </a:br>
+            <a:r>
+              <a:rPr lang="en-US" sz="2400" dirty="0" smtClean="0"/>
+              <a:t>Culture=en-US, </a:t>
+            </a:r>
+            <a:r>
+              <a:rPr lang="en-US" sz="2400" dirty="0" err="1"/>
+              <a:t>PublicKeyToken</a:t>
+            </a:r>
+            <a:r>
+              <a:rPr lang="en-US" sz="2400" dirty="0"/>
+              <a:t>=b77a5c561934e089</a:t>
+            </a:r>
+            <a:endParaRPr lang="ru-RU" sz="2400" dirty="0" smtClean="0"/>
+          </a:p>
+          <a:p>
+            <a:endParaRPr lang="ru-RU" dirty="0"/>
+          </a:p>
+        </p:txBody>
+      </p:sp>
+    </p:spTree>
+    <p:extLst>
+      <p:ext uri="{BB962C8B-B14F-4D97-AF65-F5344CB8AC3E}">
+        <p14:creationId xmlns:p14="http://schemas.microsoft.com/office/powerpoint/2010/main" val="1579629595"/>
+      </p:ext>
+    </p:extLst>
+  </p:cSld>
+  <p:clrMapOvr>
+    <a:masterClrMapping/>
+  </p:clrMapOvr>
+  <p:timing>
+    <p:tnLst>
+      <p:par>
+        <p:cTn id="1" dur="indefinite" restart="never" nodeType="tmRoot"/>
+      </p:par>
+    </p:tnLst>
+  </p:timing>
+</p:sld>
+</file>
+
+<file path=ppt/slides/slide14.xml><?xml version="1.0" encoding="utf-8"?>
+<p:sld xmlns:a="http://schemas.openxmlformats.org/drawingml/2006/main" xmlns:r="http://schemas.openxmlformats.org/officeDocument/2006/relationships" xmlns:p="http://schemas.openxmlformats.org/presentationml/2006/main">
+  <p:cSld>
+    <p:spTree>
+      <p:nvGrpSpPr>
+        <p:cNvPr id="1" name=""/>
+        <p:cNvGrpSpPr/>
+        <p:nvPr/>
+      </p:nvGrpSpPr>
+      <p:grpSpPr>
+        <a:xfrm>
+          <a:off x="0" y="0"/>
+          <a:ext cx="0" cy="0"/>
+          <a:chOff x="0" y="0"/>
+          <a:chExt cx="0" cy="0"/>
+        </a:xfrm>
+      </p:grpSpPr>
+      <p:sp>
+        <p:nvSpPr>
+          <p:cNvPr id="2" name="Title 1"/>
+          <p:cNvSpPr>
+            <a:spLocks noGrp="1"/>
+          </p:cNvSpPr>
+          <p:nvPr>
+            <p:ph type="title"/>
+          </p:nvPr>
+        </p:nvSpPr>
+        <p:spPr/>
+        <p:txBody>
           <a:bodyPr/>
           <a:lstStyle/>
           <a:p>
@@ -4884,10 +5064,17 @@
   <p:clrMapOvr>
     <a:masterClrMapping/>
   </p:clrMapOvr>
+  <p:timing>
+    <p:tnLst>
+      <p:par>
+        <p:cTn id="1" dur="indefinite" restart="never" nodeType="tmRoot"/>
+      </p:par>
+    </p:tnLst>
+  </p:timing>
 </p:sld>
 </file>
 
-<file path=ppt/slides/slide14.xml><?xml version="1.0" encoding="utf-8"?>
+<file path=ppt/slides/slide15.xml><?xml version="1.0" encoding="utf-8"?>
 <p:sld xmlns:a="http://schemas.openxmlformats.org/drawingml/2006/main" xmlns:r="http://schemas.openxmlformats.org/officeDocument/2006/relationships" xmlns:p="http://schemas.openxmlformats.org/presentationml/2006/main">
   <p:cSld>
     <p:spTree>
@@ -5588,7 +5775,7 @@
 </p:sld>
 </file>
 
-<file path=ppt/slides/slide15.xml><?xml version="1.0" encoding="utf-8"?>
+<file path=ppt/slides/slide16.xml><?xml version="1.0" encoding="utf-8"?>
 <p:sld xmlns:a="http://schemas.openxmlformats.org/drawingml/2006/main" xmlns:r="http://schemas.openxmlformats.org/officeDocument/2006/relationships" xmlns:p="http://schemas.openxmlformats.org/presentationml/2006/main">
   <p:cSld>
     <p:spTree>
@@ -7045,7 +7232,7 @@
 </p:sld>
 </file>
 
-<file path=ppt/slides/slide16.xml><?xml version="1.0" encoding="utf-8"?>
+<file path=ppt/slides/slide17.xml><?xml version="1.0" encoding="utf-8"?>
 <p:sld xmlns:a="http://schemas.openxmlformats.org/drawingml/2006/main" xmlns:r="http://schemas.openxmlformats.org/officeDocument/2006/relationships" xmlns:p="http://schemas.openxmlformats.org/presentationml/2006/main">
   <p:cSld>
     <p:spTree>
@@ -7922,7 +8109,7 @@
 </p:sld>
 </file>
 
-<file path=ppt/slides/slide17.xml><?xml version="1.0" encoding="utf-8"?>
+<file path=ppt/slides/slide18.xml><?xml version="1.0" encoding="utf-8"?>
 <p:sld xmlns:a="http://schemas.openxmlformats.org/drawingml/2006/main" xmlns:r="http://schemas.openxmlformats.org/officeDocument/2006/relationships" xmlns:p="http://schemas.openxmlformats.org/presentationml/2006/main">
   <p:cSld>
     <p:spTree>
@@ -8748,7 +8935,7 @@
 </p:sld>
 </file>
 
-<file path=ppt/slides/slide18.xml><?xml version="1.0" encoding="utf-8"?>
+<file path=ppt/slides/slide19.xml><?xml version="1.0" encoding="utf-8"?>
 <p:sld xmlns:a="http://schemas.openxmlformats.org/drawingml/2006/main" xmlns:r="http://schemas.openxmlformats.org/officeDocument/2006/relationships" xmlns:p="http://schemas.openxmlformats.org/presentationml/2006/main">
   <p:cSld>
     <p:spTree>
@@ -9161,147 +9348,6 @@
       </p:par>
     </p:tnLst>
   </p:timing>
-</p:sld>
-</file>
-
-<file path=ppt/slides/slide19.xml><?xml version="1.0" encoding="utf-8"?>
-<p:sld xmlns:a="http://schemas.openxmlformats.org/drawingml/2006/main" xmlns:r="http://schemas.openxmlformats.org/officeDocument/2006/relationships" xmlns:p="http://schemas.openxmlformats.org/presentationml/2006/main">
-  <p:cSld>
-    <p:spTree>
-      <p:nvGrpSpPr>
-        <p:cNvPr id="1" name=""/>
-        <p:cNvGrpSpPr/>
-        <p:nvPr/>
-      </p:nvGrpSpPr>
-      <p:grpSpPr>
-        <a:xfrm>
-          <a:off x="0" y="0"/>
-          <a:ext cx="0" cy="0"/>
-          <a:chOff x="0" y="0"/>
-          <a:chExt cx="0" cy="0"/>
-        </a:xfrm>
-      </p:grpSpPr>
-      <p:sp>
-        <p:nvSpPr>
-          <p:cNvPr id="2" name="Title 1"/>
-          <p:cNvSpPr>
-            <a:spLocks noGrp="1"/>
-          </p:cNvSpPr>
-          <p:nvPr>
-            <p:ph type="title"/>
-          </p:nvPr>
-        </p:nvSpPr>
-        <p:spPr/>
-        <p:txBody>
-          <a:bodyPr>
-            <a:normAutofit fontScale="90000"/>
-          </a:bodyPr>
-          <a:lstStyle/>
-          <a:p>
-            <a:r>
-              <a:rPr lang="ru-RU" dirty="0" smtClean="0"/>
-              <a:t>Глобальный кеш сборок</a:t>
-            </a:r>
-            <a:r>
-              <a:rPr lang="en-US" dirty="0" smtClean="0"/>
-              <a:t/>
-            </a:r>
-            <a:br>
-              <a:rPr lang="en-US" dirty="0" smtClean="0"/>
-            </a:br>
-            <a:r>
-              <a:rPr lang="en-US" dirty="0" smtClean="0"/>
-              <a:t>Global Assembly Cache (GAC)</a:t>
-            </a:r>
-            <a:endParaRPr lang="ru-RU" dirty="0"/>
-          </a:p>
-        </p:txBody>
-      </p:sp>
-      <p:sp>
-        <p:nvSpPr>
-          <p:cNvPr id="3" name="Content Placeholder 2"/>
-          <p:cNvSpPr>
-            <a:spLocks noGrp="1"/>
-          </p:cNvSpPr>
-          <p:nvPr>
-            <p:ph idx="1"/>
-          </p:nvPr>
-        </p:nvSpPr>
-        <p:spPr/>
-        <p:txBody>
-          <a:bodyPr/>
-          <a:lstStyle/>
-          <a:p>
-            <a:r>
-              <a:rPr lang="ru-RU" dirty="0" smtClean="0"/>
-              <a:t>Расположение</a:t>
-            </a:r>
-            <a:endParaRPr lang="en-US" dirty="0" smtClean="0"/>
-          </a:p>
-          <a:p>
-            <a:pPr lvl="1"/>
-            <a:r>
-              <a:rPr lang="en-US" dirty="0" smtClean="0"/>
-              <a:t>%</a:t>
-            </a:r>
-            <a:r>
-              <a:rPr lang="en-US" dirty="0" err="1" smtClean="0"/>
-              <a:t>windir</a:t>
-            </a:r>
-            <a:r>
-              <a:rPr lang="en-US" dirty="0" smtClean="0"/>
-              <a:t>%\assembly</a:t>
-            </a:r>
-          </a:p>
-          <a:p>
-            <a:pPr lvl="1"/>
-            <a:r>
-              <a:rPr lang="en-US" dirty="0" smtClean="0"/>
-              <a:t>%</a:t>
-            </a:r>
-            <a:r>
-              <a:rPr lang="en-US" dirty="0" err="1" smtClean="0"/>
-              <a:t>windir</a:t>
-            </a:r>
-            <a:r>
-              <a:rPr lang="en-US" dirty="0" smtClean="0"/>
-              <a:t>%\Microsoft.NET\assembly</a:t>
-            </a:r>
-            <a:r>
-              <a:rPr lang="ru-RU" dirty="0" smtClean="0"/>
-              <a:t> (</a:t>
-            </a:r>
-            <a:r>
-              <a:rPr lang="en-US" dirty="0" smtClean="0"/>
-              <a:t>.NET 4+)</a:t>
-            </a:r>
-          </a:p>
-          <a:p>
-            <a:r>
-              <a:rPr lang="ru-RU" dirty="0" smtClean="0"/>
-              <a:t>Добавление сборки в </a:t>
-            </a:r>
-            <a:r>
-              <a:rPr lang="en-US" smtClean="0"/>
-              <a:t>GAC</a:t>
-            </a:r>
-          </a:p>
-          <a:p>
-            <a:pPr lvl="1"/>
-            <a:endParaRPr lang="ru-RU" dirty="0"/>
-          </a:p>
-        </p:txBody>
-      </p:sp>
-    </p:spTree>
-    <p:extLst>
-      <p:ext uri="{BB962C8B-B14F-4D97-AF65-F5344CB8AC3E}">
-        <p14:creationId xmlns:p14="http://schemas.microsoft.com/office/powerpoint/2010/main" val="1521006786"/>
-      </p:ext>
-    </p:extLst>
-  </p:cSld>
-  <p:clrMapOvr>
-    <a:masterClrMapping/>
-  </p:clrMapOvr>
 </p:sld>
 </file>
 
@@ -9399,6 +9445,154 @@
       </p:grpSpPr>
       <p:sp>
         <p:nvSpPr>
+          <p:cNvPr id="2" name="Title 1"/>
+          <p:cNvSpPr>
+            <a:spLocks noGrp="1"/>
+          </p:cNvSpPr>
+          <p:nvPr>
+            <p:ph type="title"/>
+          </p:nvPr>
+        </p:nvSpPr>
+        <p:spPr/>
+        <p:txBody>
+          <a:bodyPr>
+            <a:normAutofit fontScale="90000"/>
+          </a:bodyPr>
+          <a:lstStyle/>
+          <a:p>
+            <a:r>
+              <a:rPr lang="ru-RU" dirty="0" smtClean="0"/>
+              <a:t>Глобальный кеш сборок</a:t>
+            </a:r>
+            <a:r>
+              <a:rPr lang="en-US" dirty="0" smtClean="0"/>
+              <a:t/>
+            </a:r>
+            <a:br>
+              <a:rPr lang="en-US" dirty="0" smtClean="0"/>
+            </a:br>
+            <a:r>
+              <a:rPr lang="en-US" dirty="0" smtClean="0"/>
+              <a:t>Global Assembly Cache (GAC)</a:t>
+            </a:r>
+            <a:endParaRPr lang="ru-RU" dirty="0"/>
+          </a:p>
+        </p:txBody>
+      </p:sp>
+      <p:sp>
+        <p:nvSpPr>
+          <p:cNvPr id="3" name="Content Placeholder 2"/>
+          <p:cNvSpPr>
+            <a:spLocks noGrp="1"/>
+          </p:cNvSpPr>
+          <p:nvPr>
+            <p:ph idx="1"/>
+          </p:nvPr>
+        </p:nvSpPr>
+        <p:spPr/>
+        <p:txBody>
+          <a:bodyPr/>
+          <a:lstStyle/>
+          <a:p>
+            <a:r>
+              <a:rPr lang="ru-RU" dirty="0" smtClean="0"/>
+              <a:t>Расположение</a:t>
+            </a:r>
+            <a:endParaRPr lang="en-US" dirty="0" smtClean="0"/>
+          </a:p>
+          <a:p>
+            <a:pPr lvl="1"/>
+            <a:r>
+              <a:rPr lang="en-US" dirty="0" smtClean="0"/>
+              <a:t>%</a:t>
+            </a:r>
+            <a:r>
+              <a:rPr lang="en-US" dirty="0" err="1" smtClean="0"/>
+              <a:t>windir</a:t>
+            </a:r>
+            <a:r>
+              <a:rPr lang="en-US" dirty="0" smtClean="0"/>
+              <a:t>%\assembly</a:t>
+            </a:r>
+          </a:p>
+          <a:p>
+            <a:pPr lvl="1"/>
+            <a:r>
+              <a:rPr lang="en-US" dirty="0" smtClean="0"/>
+              <a:t>%</a:t>
+            </a:r>
+            <a:r>
+              <a:rPr lang="en-US" dirty="0" err="1" smtClean="0"/>
+              <a:t>windir</a:t>
+            </a:r>
+            <a:r>
+              <a:rPr lang="en-US" dirty="0" smtClean="0"/>
+              <a:t>%\Microsoft.NET\assembly</a:t>
+            </a:r>
+            <a:r>
+              <a:rPr lang="ru-RU" dirty="0" smtClean="0"/>
+              <a:t> (</a:t>
+            </a:r>
+            <a:r>
+              <a:rPr lang="en-US" dirty="0" smtClean="0"/>
+              <a:t>.NET 4+)</a:t>
+            </a:r>
+          </a:p>
+          <a:p>
+            <a:r>
+              <a:rPr lang="ru-RU" dirty="0" smtClean="0"/>
+              <a:t>Добавление сборки в </a:t>
+            </a:r>
+            <a:r>
+              <a:rPr lang="en-US" smtClean="0"/>
+              <a:t>GAC</a:t>
+            </a:r>
+          </a:p>
+          <a:p>
+            <a:pPr lvl="1"/>
+            <a:endParaRPr lang="ru-RU" dirty="0"/>
+          </a:p>
+        </p:txBody>
+      </p:sp>
+    </p:spTree>
+    <p:extLst>
+      <p:ext uri="{BB962C8B-B14F-4D97-AF65-F5344CB8AC3E}">
+        <p14:creationId xmlns:p14="http://schemas.microsoft.com/office/powerpoint/2010/main" val="1521006786"/>
+      </p:ext>
+    </p:extLst>
+  </p:cSld>
+  <p:clrMapOvr>
+    <a:masterClrMapping/>
+  </p:clrMapOvr>
+  <p:timing>
+    <p:tnLst>
+      <p:par>
+        <p:cTn id="1" dur="indefinite" restart="never" nodeType="tmRoot"/>
+      </p:par>
+    </p:tnLst>
+  </p:timing>
+</p:sld>
+</file>
+
+<file path=ppt/slides/slide21.xml><?xml version="1.0" encoding="utf-8"?>
+<p:sld xmlns:a="http://schemas.openxmlformats.org/drawingml/2006/main" xmlns:r="http://schemas.openxmlformats.org/officeDocument/2006/relationships" xmlns:p="http://schemas.openxmlformats.org/presentationml/2006/main">
+  <p:cSld>
+    <p:spTree>
+      <p:nvGrpSpPr>
+        <p:cNvPr id="1" name=""/>
+        <p:cNvGrpSpPr/>
+        <p:nvPr/>
+      </p:nvGrpSpPr>
+      <p:grpSpPr>
+        <a:xfrm>
+          <a:off x="0" y="0"/>
+          <a:ext cx="0" cy="0"/>
+          <a:chOff x="0" y="0"/>
+          <a:chExt cx="0" cy="0"/>
+        </a:xfrm>
+      </p:grpSpPr>
+      <p:sp>
+        <p:nvSpPr>
           <p:cNvPr id="5122" name="Rectangle 3"/>
           <p:cNvSpPr>
             <a:spLocks noChangeArrowheads="1"/>
@@ -10091,7 +10285,7 @@
 </p:sld>
 </file>
 
-<file path=ppt/slides/slide21.xml><?xml version="1.0" encoding="utf-8"?>
+<file path=ppt/slides/slide22.xml><?xml version="1.0" encoding="utf-8"?>
 <p:sld xmlns:a="http://schemas.openxmlformats.org/drawingml/2006/main" xmlns:r="http://schemas.openxmlformats.org/officeDocument/2006/relationships" xmlns:p="http://schemas.openxmlformats.org/presentationml/2006/main">
   <p:cSld>
     <p:spTree>
@@ -10464,7 +10658,7 @@
 </p:sld>
 </file>
 
-<file path=ppt/slides/slide22.xml><?xml version="1.0" encoding="utf-8"?>
+<file path=ppt/slides/slide23.xml><?xml version="1.0" encoding="utf-8"?>
 <p:sld xmlns:a="http://schemas.openxmlformats.org/drawingml/2006/main" xmlns:r="http://schemas.openxmlformats.org/officeDocument/2006/relationships" xmlns:p="http://schemas.openxmlformats.org/presentationml/2006/main">
   <p:cSld>
     <p:spTree>
@@ -11335,7 +11529,7 @@
 </p:sld>
 </file>
 
-<file path=ppt/slides/slide23.xml><?xml version="1.0" encoding="utf-8"?>
+<file path=ppt/slides/slide24.xml><?xml version="1.0" encoding="utf-8"?>
 <p:sld xmlns:a="http://schemas.openxmlformats.org/drawingml/2006/main" xmlns:r="http://schemas.openxmlformats.org/officeDocument/2006/relationships" xmlns:p="http://schemas.openxmlformats.org/presentationml/2006/main">
   <p:cSld>
     <p:spTree>
@@ -12194,7 +12388,7 @@
 </p:sld>
 </file>
 
-<file path=ppt/slides/slide24.xml><?xml version="1.0" encoding="utf-8"?>
+<file path=ppt/slides/slide25.xml><?xml version="1.0" encoding="utf-8"?>
 <p:sld xmlns:a="http://schemas.openxmlformats.org/drawingml/2006/main" xmlns:r="http://schemas.openxmlformats.org/officeDocument/2006/relationships" xmlns:p="http://schemas.openxmlformats.org/presentationml/2006/main">
   <p:cSld>
     <p:spTree>
@@ -12848,7 +13042,7 @@
 </p:sld>
 </file>
 
-<file path=ppt/slides/slide25.xml><?xml version="1.0" encoding="utf-8"?>
+<file path=ppt/slides/slide26.xml><?xml version="1.0" encoding="utf-8"?>
 <p:sld xmlns:a="http://schemas.openxmlformats.org/drawingml/2006/main" xmlns:r="http://schemas.openxmlformats.org/officeDocument/2006/relationships" xmlns:p="http://schemas.openxmlformats.org/presentationml/2006/main">
   <p:cSld>
     <p:spTree>
